--- a/.gitbook/assets/chapter-04-3-kor (1).pptx
+++ b/.gitbook/assets/chapter-04-3-kor (1).pptx
@@ -5,10 +5,10 @@
     <p:sldMasterId id="2147484296" r:id="rId1"/>
   </p:sldMasterIdLst>
   <p:notesMasterIdLst>
-    <p:notesMasterId r:id="rId25"/>
+    <p:notesMasterId r:id="rId32"/>
   </p:notesMasterIdLst>
   <p:handoutMasterIdLst>
-    <p:handoutMasterId r:id="rId26"/>
+    <p:handoutMasterId r:id="rId33"/>
   </p:handoutMasterIdLst>
   <p:sldIdLst>
     <p:sldId id="345" r:id="rId2"/>
@@ -21,22 +21,29 @@
     <p:sldId id="357" r:id="rId9"/>
     <p:sldId id="358" r:id="rId10"/>
     <p:sldId id="359" r:id="rId11"/>
-    <p:sldId id="367" r:id="rId12"/>
-    <p:sldId id="368" r:id="rId13"/>
-    <p:sldId id="369" r:id="rId14"/>
-    <p:sldId id="372" r:id="rId15"/>
-    <p:sldId id="370" r:id="rId16"/>
-    <p:sldId id="371" r:id="rId17"/>
-    <p:sldId id="356" r:id="rId18"/>
-    <p:sldId id="346" r:id="rId19"/>
-    <p:sldId id="374" r:id="rId20"/>
-    <p:sldId id="375" r:id="rId21"/>
-    <p:sldId id="376" r:id="rId22"/>
-    <p:sldId id="378" r:id="rId23"/>
-    <p:sldId id="379" r:id="rId24"/>
+    <p:sldId id="380" r:id="rId12"/>
+    <p:sldId id="381" r:id="rId13"/>
+    <p:sldId id="382" r:id="rId14"/>
+    <p:sldId id="383" r:id="rId15"/>
+    <p:sldId id="384" r:id="rId16"/>
+    <p:sldId id="385" r:id="rId17"/>
+    <p:sldId id="386" r:id="rId18"/>
+    <p:sldId id="367" r:id="rId19"/>
+    <p:sldId id="368" r:id="rId20"/>
+    <p:sldId id="369" r:id="rId21"/>
+    <p:sldId id="372" r:id="rId22"/>
+    <p:sldId id="370" r:id="rId23"/>
+    <p:sldId id="371" r:id="rId24"/>
+    <p:sldId id="356" r:id="rId25"/>
+    <p:sldId id="346" r:id="rId26"/>
+    <p:sldId id="374" r:id="rId27"/>
+    <p:sldId id="375" r:id="rId28"/>
+    <p:sldId id="376" r:id="rId29"/>
+    <p:sldId id="378" r:id="rId30"/>
+    <p:sldId id="379" r:id="rId31"/>
   </p:sldIdLst>
   <p:sldSz cx="9144000" cy="6858000" type="screen4x3"/>
-  <p:notesSz cx="10234613" cy="7104063"/>
+  <p:notesSz cx="7099300" cy="10234613"/>
   <p:defaultTextStyle>
     <a:defPPr>
       <a:defRPr lang="ko-KR"/>
@@ -189,12 +196,12 @@
     </p:ext>
     <p:ext uri="{2D200454-40CA-4A62-9FC3-DE9A4176ACB9}">
       <p15:notesGuideLst xmlns:p15="http://schemas.microsoft.com/office/powerpoint/2012/main">
-        <p15:guide id="1" orient="horz" pos="2238">
+        <p15:guide id="1" orient="horz" pos="3224" userDrawn="1">
           <p15:clr>
             <a:srgbClr val="A4A3A4"/>
           </p15:clr>
         </p15:guide>
-        <p15:guide id="2" pos="3224">
+        <p15:guide id="2" pos="2236" userDrawn="1">
           <p15:clr>
             <a:srgbClr val="A4A3A4"/>
           </p15:clr>
@@ -203,6 +210,14 @@
     </p:ext>
   </p:extLst>
 </p:presentation>
+</file>
+
+<file path=ppt/revisionInfo.xml><?xml version="1.0" encoding="utf-8"?>
+<p1510:revInfo xmlns:a="http://schemas.openxmlformats.org/drawingml/2006/main" xmlns:r="http://schemas.openxmlformats.org/officeDocument/2006/relationships" xmlns:p1510="http://schemas.microsoft.com/office/powerpoint/2015/10/main">
+  <p1510:revLst>
+    <p1510:client id="{E085844C-693F-417C-87C3-C65371734C7C}" v="5" dt="2020-01-14T00:29:57.658"/>
+  </p1510:revLst>
+</p1510:revInfo>
 </file>
 
 <file path=ppt/changesInfos/changesInfo1.xml><?xml version="1.0" encoding="utf-8"?>
@@ -317,17 +332,25 @@
   </pc:docChgLst>
   <pc:docChgLst>
     <pc:chgData name=" " userId="1decf387-3a62-48e1-8264-95221a86067c" providerId="ADAL" clId="{E085844C-693F-417C-87C3-C65371734C7C}"/>
-    <pc:docChg chg="modSld">
-      <pc:chgData name=" " userId="1decf387-3a62-48e1-8264-95221a86067c" providerId="ADAL" clId="{E085844C-693F-417C-87C3-C65371734C7C}" dt="2020-01-07T23:39:16.212" v="20" actId="20577"/>
+    <pc:docChg chg="modSld modNotesMaster modHandout">
+      <pc:chgData name=" " userId="1decf387-3a62-48e1-8264-95221a86067c" providerId="ADAL" clId="{E085844C-693F-417C-87C3-C65371734C7C}" dt="2020-01-14T00:29:57.658" v="27"/>
       <pc:docMkLst>
         <pc:docMk/>
       </pc:docMkLst>
       <pc:sldChg chg="modSp">
-        <pc:chgData name=" " userId="1decf387-3a62-48e1-8264-95221a86067c" providerId="ADAL" clId="{E085844C-693F-417C-87C3-C65371734C7C}" dt="2020-01-07T23:39:16.212" v="20" actId="20577"/>
+        <pc:chgData name=" " userId="1decf387-3a62-48e1-8264-95221a86067c" providerId="ADAL" clId="{E085844C-693F-417C-87C3-C65371734C7C}" dt="2020-01-14T00:23:24.804" v="25" actId="207"/>
         <pc:sldMkLst>
           <pc:docMk/>
           <pc:sldMk cId="548207019" sldId="344"/>
         </pc:sldMkLst>
+        <pc:spChg chg="mod">
+          <ac:chgData name=" " userId="1decf387-3a62-48e1-8264-95221a86067c" providerId="ADAL" clId="{E085844C-693F-417C-87C3-C65371734C7C}" dt="2020-01-14T00:22:51.450" v="22" actId="20577"/>
+          <ac:spMkLst>
+            <pc:docMk/>
+            <pc:sldMk cId="548207019" sldId="344"/>
+            <ac:spMk id="3" creationId="{00000000-0000-0000-0000-000000000000}"/>
+          </ac:spMkLst>
+        </pc:spChg>
         <pc:spChg chg="mod">
           <ac:chgData name=" " userId="1decf387-3a62-48e1-8264-95221a86067c" providerId="ADAL" clId="{E085844C-693F-417C-87C3-C65371734C7C}" dt="2020-01-07T23:38:55.309" v="2" actId="20577"/>
           <ac:spMkLst>
@@ -345,7 +368,7 @@
           </ac:spMkLst>
         </pc:spChg>
         <pc:spChg chg="mod">
-          <ac:chgData name=" " userId="1decf387-3a62-48e1-8264-95221a86067c" providerId="ADAL" clId="{E085844C-693F-417C-87C3-C65371734C7C}" dt="2020-01-07T23:39:04.123" v="8" actId="20577"/>
+          <ac:chgData name=" " userId="1decf387-3a62-48e1-8264-95221a86067c" providerId="ADAL" clId="{E085844C-693F-417C-87C3-C65371734C7C}" dt="2020-01-14T00:23:18.256" v="23" actId="207"/>
           <ac:spMkLst>
             <pc:docMk/>
             <pc:sldMk cId="548207019" sldId="344"/>
@@ -369,7 +392,7 @@
           </ac:spMkLst>
         </pc:spChg>
         <pc:spChg chg="mod">
-          <ac:chgData name=" " userId="1decf387-3a62-48e1-8264-95221a86067c" providerId="ADAL" clId="{E085844C-693F-417C-87C3-C65371734C7C}" dt="2020-01-07T23:39:13.097" v="17" actId="20577"/>
+          <ac:chgData name=" " userId="1decf387-3a62-48e1-8264-95221a86067c" providerId="ADAL" clId="{E085844C-693F-417C-87C3-C65371734C7C}" dt="2020-01-14T00:23:22.332" v="24" actId="207"/>
           <ac:spMkLst>
             <pc:docMk/>
             <pc:sldMk cId="548207019" sldId="344"/>
@@ -377,7 +400,7 @@
           </ac:spMkLst>
         </pc:spChg>
         <pc:spChg chg="mod">
-          <ac:chgData name=" " userId="1decf387-3a62-48e1-8264-95221a86067c" providerId="ADAL" clId="{E085844C-693F-417C-87C3-C65371734C7C}" dt="2020-01-07T23:39:16.212" v="20" actId="20577"/>
+          <ac:chgData name=" " userId="1decf387-3a62-48e1-8264-95221a86067c" providerId="ADAL" clId="{E085844C-693F-417C-87C3-C65371734C7C}" dt="2020-01-14T00:23:24.804" v="25" actId="207"/>
           <ac:spMkLst>
             <pc:docMk/>
             <pc:sldMk cId="548207019" sldId="344"/>
@@ -424,8 +447,8 @@
         </p:nvSpPr>
         <p:spPr>
           <a:xfrm>
-            <a:off x="0" y="6737124"/>
-            <a:ext cx="4753420" cy="370244"/>
+            <a:off x="0" y="9705975"/>
+            <a:ext cx="3297238" cy="533400"/>
           </a:xfrm>
           <a:prstGeom prst="rect">
             <a:avLst/>
@@ -467,8 +490,8 @@
         </p:nvSpPr>
         <p:spPr>
           <a:xfrm>
-            <a:off x="5510945" y="6737124"/>
-            <a:ext cx="4753420" cy="370244"/>
+            <a:off x="3822700" y="9705975"/>
+            <a:ext cx="3297238" cy="533400"/>
           </a:xfrm>
           <a:prstGeom prst="rect">
             <a:avLst/>
@@ -552,8 +575,8 @@
         </p:nvSpPr>
         <p:spPr>
           <a:xfrm>
-            <a:off x="1" y="0"/>
-            <a:ext cx="4435304" cy="355920"/>
+            <a:off x="1" y="1"/>
+            <a:ext cx="3076575" cy="512763"/>
           </a:xfrm>
           <a:prstGeom prst="rect">
             <a:avLst/>
@@ -586,8 +609,8 @@
         </p:nvSpPr>
         <p:spPr>
           <a:xfrm>
-            <a:off x="5797022" y="0"/>
-            <a:ext cx="4435304" cy="355920"/>
+            <a:off x="4021139" y="1"/>
+            <a:ext cx="3076575" cy="512763"/>
           </a:xfrm>
           <a:prstGeom prst="rect">
             <a:avLst/>
@@ -609,7 +632,7 @@
               <a:pPr>
                 <a:defRPr/>
               </a:pPr>
-              <a:t>2020-01-08</a:t>
+              <a:t>2020-01-15</a:t>
             </a:fld>
             <a:endParaRPr lang="ko-KR" altLang="en-US"/>
           </a:p>
@@ -627,8 +650,8 @@
         </p:nvSpPr>
         <p:spPr>
           <a:xfrm>
-            <a:off x="3341688" y="531813"/>
-            <a:ext cx="3551237" cy="2663825"/>
+            <a:off x="990600" y="766763"/>
+            <a:ext cx="5118100" cy="3838575"/>
           </a:xfrm>
           <a:prstGeom prst="rect">
             <a:avLst/>
@@ -661,8 +684,8 @@
         </p:nvSpPr>
         <p:spPr>
           <a:xfrm>
-            <a:off x="1023005" y="3374073"/>
-            <a:ext cx="8188606" cy="3197765"/>
+            <a:off x="709614" y="4860928"/>
+            <a:ext cx="5680075" cy="4606925"/>
           </a:xfrm>
           <a:prstGeom prst="rect">
             <a:avLst/>
@@ -722,8 +745,8 @@
         </p:nvSpPr>
         <p:spPr>
           <a:xfrm>
-            <a:off x="1" y="6747041"/>
-            <a:ext cx="4435304" cy="355919"/>
+            <a:off x="1" y="9720263"/>
+            <a:ext cx="3076575" cy="512761"/>
           </a:xfrm>
           <a:prstGeom prst="rect">
             <a:avLst/>
@@ -756,8 +779,8 @@
         </p:nvSpPr>
         <p:spPr>
           <a:xfrm>
-            <a:off x="5797022" y="6747041"/>
-            <a:ext cx="4435304" cy="355919"/>
+            <a:off x="4021139" y="9720263"/>
+            <a:ext cx="3076575" cy="512761"/>
           </a:xfrm>
           <a:prstGeom prst="rect">
             <a:avLst/>
@@ -1066,36 +1089,6 @@
           </a:p>
         </p:txBody>
       </p:sp>
-      <p:pic>
-        <p:nvPicPr>
-          <p:cNvPr id="8" name="그림 7"/>
-          <p:cNvPicPr>
-            <a:picLocks noChangeAspect="1"/>
-          </p:cNvPicPr>
-          <p:nvPr userDrawn="1"/>
-        </p:nvPicPr>
-        <p:blipFill>
-          <a:blip r:embed="rId2" cstate="print">
-            <a:extLst>
-              <a:ext uri="{28A0092B-C50C-407E-A947-70E740481C1C}">
-                <a14:useLocalDpi xmlns:a14="http://schemas.microsoft.com/office/drawing/2010/main" val="0"/>
-              </a:ext>
-            </a:extLst>
-          </a:blip>
-          <a:stretch>
-            <a:fillRect/>
-          </a:stretch>
-        </p:blipFill>
-        <p:spPr>
-          <a:xfrm>
-            <a:off x="-108520" y="143635"/>
-            <a:ext cx="2255525" cy="1146050"/>
-          </a:xfrm>
-          <a:prstGeom prst="rect">
-            <a:avLst/>
-          </a:prstGeom>
-        </p:spPr>
-      </p:pic>
       <p:sp>
         <p:nvSpPr>
           <p:cNvPr id="71" name="정오각형 70"/>
@@ -1865,7 +1858,7 @@
               <a:pPr>
                 <a:defRPr/>
               </a:pPr>
-              <a:t>Wednesday, January 8, 2020</a:t>
+              <a:t>Wednesday, January 15, 2020</a:t>
             </a:fld>
             <a:endParaRPr lang="en-US" dirty="0"/>
           </a:p>
@@ -2058,7 +2051,7 @@
               <a:pPr>
                 <a:defRPr/>
               </a:pPr>
-              <a:t>Wednesday, January 8, 2020</a:t>
+              <a:t>Wednesday, January 15, 2020</a:t>
             </a:fld>
             <a:endParaRPr lang="en-US"/>
           </a:p>
@@ -2168,7 +2161,7 @@
               <a:pPr>
                 <a:defRPr/>
               </a:pPr>
-              <a:t>Wednesday, January 8, 2020</a:t>
+              <a:t>Wednesday, January 15, 2020</a:t>
             </a:fld>
             <a:endParaRPr lang="en-US" dirty="0"/>
           </a:p>
@@ -2528,7 +2521,7 @@
               <a:pPr>
                 <a:defRPr/>
               </a:pPr>
-              <a:t>Wednesday, January 8, 2020</a:t>
+              <a:t>Wednesday, January 15, 2020</a:t>
             </a:fld>
             <a:endParaRPr lang="en-US"/>
           </a:p>
@@ -2828,7 +2821,7 @@
               <a:pPr>
                 <a:defRPr/>
               </a:pPr>
-              <a:t>Wednesday, January 8, 2020</a:t>
+              <a:t>Wednesday, January 15, 2020</a:t>
             </a:fld>
             <a:endParaRPr lang="en-US"/>
           </a:p>
@@ -3262,7 +3255,7 @@
               <a:pPr>
                 <a:defRPr/>
               </a:pPr>
-              <a:t>Wednesday, January 8, 2020</a:t>
+              <a:t>Wednesday, January 15, 2020</a:t>
             </a:fld>
             <a:endParaRPr lang="en-US"/>
           </a:p>
@@ -3394,7 +3387,7 @@
               <a:pPr>
                 <a:defRPr/>
               </a:pPr>
-              <a:t>Wednesday, January 8, 2020</a:t>
+              <a:t>Wednesday, January 15, 2020</a:t>
             </a:fld>
             <a:endParaRPr lang="en-US" dirty="0"/>
           </a:p>
@@ -3504,7 +3497,7 @@
               <a:pPr>
                 <a:defRPr/>
               </a:pPr>
-              <a:t>Wednesday, January 8, 2020</a:t>
+              <a:t>Wednesday, January 15, 2020</a:t>
             </a:fld>
             <a:endParaRPr lang="en-US"/>
           </a:p>
@@ -3794,7 +3787,7 @@
               <a:pPr>
                 <a:defRPr/>
               </a:pPr>
-              <a:t>Wednesday, January 8, 2020</a:t>
+              <a:t>Wednesday, January 15, 2020</a:t>
             </a:fld>
             <a:endParaRPr lang="en-US" dirty="0"/>
           </a:p>
@@ -4061,7 +4054,7 @@
               <a:pPr>
                 <a:defRPr/>
               </a:pPr>
-              <a:t>Wednesday, January 8, 2020</a:t>
+              <a:t>Wednesday, January 15, 2020</a:t>
             </a:fld>
             <a:endParaRPr lang="en-US"/>
           </a:p>
@@ -4354,7 +4347,7 @@
               <a:pPr>
                 <a:defRPr/>
               </a:pPr>
-              <a:t>Wednesday, January 8, 2020</a:t>
+              <a:t>Wednesday, January 15, 2020</a:t>
             </a:fld>
             <a:endParaRPr lang="en-US" dirty="0"/>
           </a:p>
@@ -4503,8 +4496,8 @@
         </p:nvSpPr>
         <p:spPr bwMode="auto">
           <a:xfrm>
-            <a:off x="8397425" y="6489340"/>
-            <a:ext cx="569387" cy="261610"/>
+            <a:off x="8413455" y="6489340"/>
+            <a:ext cx="553357" cy="253916"/>
           </a:xfrm>
           <a:prstGeom prst="rect">
             <a:avLst/>
@@ -4663,7 +4656,7 @@
                 <a:latin typeface="+mn-ea"/>
                 <a:ea typeface="+mn-ea"/>
               </a:rPr>
-              <a:t>/31</a:t>
+              <a:t>/23</a:t>
             </a:r>
           </a:p>
         </p:txBody>
@@ -5895,7 +5888,7 @@
           <a:graphicData uri="http://schemas.openxmlformats.org/presentationml/2006/ole">
             <mc:AlternateContent xmlns:mc="http://schemas.openxmlformats.org/markup-compatibility/2006">
               <mc:Choice xmlns:v="urn:schemas-microsoft-com:vml" Requires="v">
-                <p:oleObj spid="_x0000_s5122" name="Equation" r:id="rId6" imgW="1955520" imgH="342720" progId="Equation.DSMT4">
+                <p:oleObj spid="_x0000_s5123" name="Equation" r:id="rId6" imgW="1955520" imgH="342720" progId="Equation.DSMT4">
                   <p:embed/>
                 </p:oleObj>
               </mc:Choice>
@@ -6114,6 +6107,4080 @@
           </a:lstStyle>
           <a:p>
             <a:r>
+              <a:rPr lang="en-US" altLang="ko-KR" dirty="0" smtClean="0"/>
+              <a:t>3. </a:t>
+            </a:r>
+            <a:r>
+              <a:rPr lang="ko-KR" altLang="en-US" dirty="0" err="1"/>
+              <a:t>초기하분포</a:t>
+            </a:r>
+            <a:endParaRPr lang="ko-KR" altLang="en-US" dirty="0" smtClean="0"/>
+          </a:p>
+        </p:txBody>
+      </p:sp>
+      <p:sp>
+        <p:nvSpPr>
+          <p:cNvPr id="5" name="내용 개체 틀 2"/>
+          <p:cNvSpPr txBox="1">
+            <a:spLocks/>
+          </p:cNvSpPr>
+          <p:nvPr/>
+        </p:nvSpPr>
+        <p:spPr>
+          <a:xfrm>
+            <a:off x="476545" y="1314450"/>
+            <a:ext cx="8289630" cy="4781550"/>
+          </a:xfrm>
+          <a:prstGeom prst="rect">
+            <a:avLst/>
+          </a:prstGeom>
+        </p:spPr>
+        <p:txBody>
+          <a:bodyPr vert="horz" lIns="91440" tIns="45720" rIns="91440" bIns="45720" rtlCol="0">
+            <a:normAutofit/>
+          </a:bodyPr>
+          <a:lstStyle>
+            <a:lvl1pPr marL="342900" indent="-342900" algn="l" defTabSz="914400" rtl="0" eaLnBrk="1" latinLnBrk="1" hangingPunct="1">
+              <a:spcBef>
+                <a:spcPct val="20000"/>
+              </a:spcBef>
+              <a:buFont typeface="Arial" pitchFamily="34" charset="0"/>
+              <a:buChar char="•"/>
+              <a:defRPr sz="3200" kern="1200">
+                <a:solidFill>
+                  <a:schemeClr val="tx1"/>
+                </a:solidFill>
+                <a:latin typeface="+mn-lt"/>
+                <a:ea typeface="+mn-ea"/>
+                <a:cs typeface="+mn-cs"/>
+              </a:defRPr>
+            </a:lvl1pPr>
+            <a:lvl2pPr marL="742950" indent="-285750" algn="l" defTabSz="914400" rtl="0" eaLnBrk="1" latinLnBrk="1" hangingPunct="1">
+              <a:spcBef>
+                <a:spcPct val="20000"/>
+              </a:spcBef>
+              <a:buFont typeface="Arial" pitchFamily="34" charset="0"/>
+              <a:buChar char="–"/>
+              <a:defRPr sz="2800" kern="1200">
+                <a:solidFill>
+                  <a:schemeClr val="tx1"/>
+                </a:solidFill>
+                <a:latin typeface="+mn-lt"/>
+                <a:ea typeface="+mn-ea"/>
+                <a:cs typeface="+mn-cs"/>
+              </a:defRPr>
+            </a:lvl2pPr>
+            <a:lvl3pPr marL="1143000" indent="-228600" algn="l" defTabSz="914400" rtl="0" eaLnBrk="1" latinLnBrk="1" hangingPunct="1">
+              <a:spcBef>
+                <a:spcPct val="20000"/>
+              </a:spcBef>
+              <a:buFont typeface="Arial" pitchFamily="34" charset="0"/>
+              <a:buChar char="•"/>
+              <a:defRPr sz="2400" kern="1200">
+                <a:solidFill>
+                  <a:schemeClr val="tx1"/>
+                </a:solidFill>
+                <a:latin typeface="+mn-lt"/>
+                <a:ea typeface="+mn-ea"/>
+                <a:cs typeface="+mn-cs"/>
+              </a:defRPr>
+            </a:lvl3pPr>
+            <a:lvl4pPr marL="1600200" indent="-228600" algn="l" defTabSz="914400" rtl="0" eaLnBrk="1" latinLnBrk="1" hangingPunct="1">
+              <a:spcBef>
+                <a:spcPct val="20000"/>
+              </a:spcBef>
+              <a:buFont typeface="Arial" pitchFamily="34" charset="0"/>
+              <a:buChar char="–"/>
+              <a:defRPr sz="2000" kern="1200">
+                <a:solidFill>
+                  <a:schemeClr val="tx1"/>
+                </a:solidFill>
+                <a:latin typeface="+mn-lt"/>
+                <a:ea typeface="+mn-ea"/>
+                <a:cs typeface="+mn-cs"/>
+              </a:defRPr>
+            </a:lvl4pPr>
+            <a:lvl5pPr marL="2057400" indent="-228600" algn="l" defTabSz="914400" rtl="0" eaLnBrk="1" latinLnBrk="1" hangingPunct="1">
+              <a:spcBef>
+                <a:spcPct val="20000"/>
+              </a:spcBef>
+              <a:buFont typeface="Arial" pitchFamily="34" charset="0"/>
+              <a:buChar char="»"/>
+              <a:defRPr sz="2000" kern="1200">
+                <a:solidFill>
+                  <a:schemeClr val="tx1"/>
+                </a:solidFill>
+                <a:latin typeface="+mn-lt"/>
+                <a:ea typeface="+mn-ea"/>
+                <a:cs typeface="+mn-cs"/>
+              </a:defRPr>
+            </a:lvl5pPr>
+            <a:lvl6pPr marL="2514600" indent="-228600" algn="l" defTabSz="914400" rtl="0" eaLnBrk="1" latinLnBrk="1" hangingPunct="1">
+              <a:spcBef>
+                <a:spcPct val="20000"/>
+              </a:spcBef>
+              <a:buFont typeface="Arial" pitchFamily="34" charset="0"/>
+              <a:buChar char="•"/>
+              <a:defRPr sz="2000" kern="1200">
+                <a:solidFill>
+                  <a:schemeClr val="tx1"/>
+                </a:solidFill>
+                <a:latin typeface="+mn-lt"/>
+                <a:ea typeface="+mn-ea"/>
+                <a:cs typeface="+mn-cs"/>
+              </a:defRPr>
+            </a:lvl6pPr>
+            <a:lvl7pPr marL="2971800" indent="-228600" algn="l" defTabSz="914400" rtl="0" eaLnBrk="1" latinLnBrk="1" hangingPunct="1">
+              <a:spcBef>
+                <a:spcPct val="20000"/>
+              </a:spcBef>
+              <a:buFont typeface="Arial" pitchFamily="34" charset="0"/>
+              <a:buChar char="•"/>
+              <a:defRPr sz="2000" kern="1200">
+                <a:solidFill>
+                  <a:schemeClr val="tx1"/>
+                </a:solidFill>
+                <a:latin typeface="+mn-lt"/>
+                <a:ea typeface="+mn-ea"/>
+                <a:cs typeface="+mn-cs"/>
+              </a:defRPr>
+            </a:lvl7pPr>
+            <a:lvl8pPr marL="3429000" indent="-228600" algn="l" defTabSz="914400" rtl="0" eaLnBrk="1" latinLnBrk="1" hangingPunct="1">
+              <a:spcBef>
+                <a:spcPct val="20000"/>
+              </a:spcBef>
+              <a:buFont typeface="Arial" pitchFamily="34" charset="0"/>
+              <a:buChar char="•"/>
+              <a:defRPr sz="2000" kern="1200">
+                <a:solidFill>
+                  <a:schemeClr val="tx1"/>
+                </a:solidFill>
+                <a:latin typeface="+mn-lt"/>
+                <a:ea typeface="+mn-ea"/>
+                <a:cs typeface="+mn-cs"/>
+              </a:defRPr>
+            </a:lvl8pPr>
+            <a:lvl9pPr marL="3886200" indent="-228600" algn="l" defTabSz="914400" rtl="0" eaLnBrk="1" latinLnBrk="1" hangingPunct="1">
+              <a:spcBef>
+                <a:spcPct val="20000"/>
+              </a:spcBef>
+              <a:buFont typeface="Arial" pitchFamily="34" charset="0"/>
+              <a:buChar char="•"/>
+              <a:defRPr sz="2000" kern="1200">
+                <a:solidFill>
+                  <a:schemeClr val="tx1"/>
+                </a:solidFill>
+                <a:latin typeface="+mn-lt"/>
+                <a:ea typeface="+mn-ea"/>
+                <a:cs typeface="+mn-cs"/>
+              </a:defRPr>
+            </a:lvl9pPr>
+          </a:lstStyle>
+          <a:p>
+            <a:pPr marL="0" lvl="1" indent="0">
+              <a:buNone/>
+            </a:pPr>
+            <a:r>
+              <a:rPr lang="en-US" altLang="ko-KR" sz="2400" dirty="0"/>
+              <a:t>[</a:t>
+            </a:r>
+            <a:r>
+              <a:rPr lang="ko-KR" altLang="en-US" sz="2400" dirty="0"/>
+              <a:t>정의 </a:t>
+            </a:r>
+            <a:r>
+              <a:rPr lang="en-US" altLang="ko-KR" sz="2400" dirty="0"/>
+              <a:t>6-4] </a:t>
+            </a:r>
+            <a:r>
+              <a:rPr lang="ko-KR" altLang="en-US" sz="2400" dirty="0" err="1"/>
+              <a:t>초기하분포</a:t>
+            </a:r>
+            <a:r>
+              <a:rPr lang="en-US" altLang="ko-KR" sz="2000" dirty="0"/>
+              <a:t>(hypergeometric distribution)</a:t>
+            </a:r>
+          </a:p>
+          <a:p>
+            <a:pPr marL="0" lvl="1" indent="0" fontAlgn="auto">
+              <a:spcAft>
+                <a:spcPts val="0"/>
+              </a:spcAft>
+              <a:buNone/>
+            </a:pPr>
+            <a:r>
+              <a:rPr kumimoji="0" lang="en-US" altLang="ko-KR" sz="2000" dirty="0" smtClean="0"/>
+              <a:t> : </a:t>
+            </a:r>
+            <a:r>
+              <a:rPr lang="ko-KR" altLang="en-US" sz="2000" dirty="0" smtClean="0">
+                <a:solidFill>
+                  <a:srgbClr val="0000FF"/>
+                </a:solidFill>
+              </a:rPr>
+              <a:t>두 </a:t>
+            </a:r>
+            <a:r>
+              <a:rPr lang="ko-KR" altLang="en-US" sz="2000" dirty="0">
+                <a:solidFill>
+                  <a:srgbClr val="0000FF"/>
+                </a:solidFill>
+              </a:rPr>
+              <a:t>가지 속성</a:t>
+            </a:r>
+            <a:r>
+              <a:rPr lang="ko-KR" altLang="en-US" sz="2000" dirty="0"/>
+              <a:t>의 개체들로 구성된 </a:t>
+            </a:r>
+            <a:r>
+              <a:rPr lang="ko-KR" altLang="en-US" sz="2000" dirty="0">
+                <a:solidFill>
+                  <a:srgbClr val="0000FF"/>
+                </a:solidFill>
+              </a:rPr>
+              <a:t>유한모집단</a:t>
+            </a:r>
+            <a:r>
+              <a:rPr lang="ko-KR" altLang="en-US" sz="2000" dirty="0"/>
+              <a:t>에서 일정한 개수의 표본을 </a:t>
+            </a:r>
+            <a:r>
+              <a:rPr lang="ko-KR" altLang="en-US" sz="2000" dirty="0" err="1">
+                <a:solidFill>
+                  <a:srgbClr val="0000FF"/>
+                </a:solidFill>
+              </a:rPr>
+              <a:t>비복원추출</a:t>
+            </a:r>
+            <a:r>
+              <a:rPr lang="ko-KR" altLang="en-US" sz="2000" dirty="0"/>
+              <a:t> 했을 때</a:t>
+            </a:r>
+            <a:r>
+              <a:rPr lang="en-US" altLang="ko-KR" sz="2000" dirty="0"/>
+              <a:t>, </a:t>
+            </a:r>
+            <a:r>
+              <a:rPr lang="ko-KR" altLang="en-US" sz="2000" dirty="0"/>
+              <a:t>특정 속성을 갖는 개체수의 확률분포</a:t>
+            </a:r>
+          </a:p>
+          <a:p>
+            <a:pPr marL="0" lvl="1" indent="0" fontAlgn="auto">
+              <a:spcAft>
+                <a:spcPts val="0"/>
+              </a:spcAft>
+              <a:buFont typeface="Arial" pitchFamily="34" charset="0"/>
+              <a:buNone/>
+            </a:pPr>
+            <a:endParaRPr kumimoji="0" lang="ko-KR" altLang="en-US" sz="2000" dirty="0"/>
+          </a:p>
+        </p:txBody>
+      </p:sp>
+      <p:sp>
+        <p:nvSpPr>
+          <p:cNvPr id="6" name="모서리가 둥근 직사각형 5"/>
+          <p:cNvSpPr/>
+          <p:nvPr/>
+        </p:nvSpPr>
+        <p:spPr>
+          <a:xfrm>
+            <a:off x="476545" y="1268760"/>
+            <a:ext cx="8289630" cy="4725525"/>
+          </a:xfrm>
+          <a:prstGeom prst="roundRect">
+            <a:avLst>
+              <a:gd name="adj" fmla="val 5153"/>
+            </a:avLst>
+          </a:prstGeom>
+          <a:noFill/>
+          <a:ln w="38100">
+            <a:solidFill>
+              <a:schemeClr val="accent5">
+                <a:lumMod val="40000"/>
+                <a:lumOff val="60000"/>
+              </a:schemeClr>
+            </a:solidFill>
+          </a:ln>
+        </p:spPr>
+        <p:style>
+          <a:lnRef idx="2">
+            <a:schemeClr val="accent1">
+              <a:shade val="50000"/>
+            </a:schemeClr>
+          </a:lnRef>
+          <a:fillRef idx="1">
+            <a:schemeClr val="accent1"/>
+          </a:fillRef>
+          <a:effectRef idx="0">
+            <a:schemeClr val="accent1"/>
+          </a:effectRef>
+          <a:fontRef idx="minor">
+            <a:schemeClr val="lt1"/>
+          </a:fontRef>
+        </p:style>
+        <p:txBody>
+          <a:bodyPr rtlCol="0" anchor="ctr"/>
+          <a:lstStyle/>
+          <a:p>
+            <a:pPr algn="ctr"/>
+            <a:endParaRPr lang="ko-KR" altLang="en-US"/>
+          </a:p>
+        </p:txBody>
+      </p:sp>
+      <p:sp>
+        <p:nvSpPr>
+          <p:cNvPr id="7" name="내용 개체 틀 2"/>
+          <p:cNvSpPr txBox="1">
+            <a:spLocks/>
+          </p:cNvSpPr>
+          <p:nvPr/>
+        </p:nvSpPr>
+        <p:spPr>
+          <a:xfrm>
+            <a:off x="1258289" y="2600908"/>
+            <a:ext cx="1738536" cy="2448272"/>
+          </a:xfrm>
+          <a:prstGeom prst="rect">
+            <a:avLst/>
+          </a:prstGeom>
+        </p:spPr>
+        <p:txBody>
+          <a:bodyPr>
+            <a:noAutofit/>
+          </a:bodyPr>
+          <a:lstStyle>
+            <a:lvl1pPr marL="342900" indent="-342900" algn="l" defTabSz="914400" rtl="0" eaLnBrk="1" latinLnBrk="1" hangingPunct="1">
+              <a:spcBef>
+                <a:spcPct val="20000"/>
+              </a:spcBef>
+              <a:buFont typeface="Arial" pitchFamily="34" charset="0"/>
+              <a:buChar char="•"/>
+              <a:defRPr sz="3200" kern="1200">
+                <a:solidFill>
+                  <a:schemeClr val="tx1"/>
+                </a:solidFill>
+                <a:latin typeface="+mn-lt"/>
+                <a:ea typeface="+mn-ea"/>
+                <a:cs typeface="+mn-cs"/>
+              </a:defRPr>
+            </a:lvl1pPr>
+            <a:lvl2pPr marL="742950" indent="-285750" algn="l" defTabSz="914400" rtl="0" eaLnBrk="1" latinLnBrk="1" hangingPunct="1">
+              <a:spcBef>
+                <a:spcPct val="20000"/>
+              </a:spcBef>
+              <a:buFont typeface="Arial" pitchFamily="34" charset="0"/>
+              <a:buChar char="–"/>
+              <a:defRPr sz="2800" kern="1200">
+                <a:solidFill>
+                  <a:schemeClr val="tx1"/>
+                </a:solidFill>
+                <a:latin typeface="+mn-lt"/>
+                <a:ea typeface="+mn-ea"/>
+                <a:cs typeface="+mn-cs"/>
+              </a:defRPr>
+            </a:lvl2pPr>
+            <a:lvl3pPr marL="1143000" indent="-228600" algn="l" defTabSz="914400" rtl="0" eaLnBrk="1" latinLnBrk="1" hangingPunct="1">
+              <a:spcBef>
+                <a:spcPct val="20000"/>
+              </a:spcBef>
+              <a:buFont typeface="Arial" pitchFamily="34" charset="0"/>
+              <a:buChar char="•"/>
+              <a:defRPr sz="2400" kern="1200">
+                <a:solidFill>
+                  <a:schemeClr val="tx1"/>
+                </a:solidFill>
+                <a:latin typeface="+mn-lt"/>
+                <a:ea typeface="+mn-ea"/>
+                <a:cs typeface="+mn-cs"/>
+              </a:defRPr>
+            </a:lvl3pPr>
+            <a:lvl4pPr marL="1600200" indent="-228600" algn="l" defTabSz="914400" rtl="0" eaLnBrk="1" latinLnBrk="1" hangingPunct="1">
+              <a:spcBef>
+                <a:spcPct val="20000"/>
+              </a:spcBef>
+              <a:buFont typeface="Arial" pitchFamily="34" charset="0"/>
+              <a:buChar char="–"/>
+              <a:defRPr sz="2000" kern="1200">
+                <a:solidFill>
+                  <a:schemeClr val="tx1"/>
+                </a:solidFill>
+                <a:latin typeface="+mn-lt"/>
+                <a:ea typeface="+mn-ea"/>
+                <a:cs typeface="+mn-cs"/>
+              </a:defRPr>
+            </a:lvl4pPr>
+            <a:lvl5pPr marL="2057400" indent="-228600" algn="l" defTabSz="914400" rtl="0" eaLnBrk="1" latinLnBrk="1" hangingPunct="1">
+              <a:spcBef>
+                <a:spcPct val="20000"/>
+              </a:spcBef>
+              <a:buFont typeface="Arial" pitchFamily="34" charset="0"/>
+              <a:buChar char="»"/>
+              <a:defRPr sz="2000" kern="1200">
+                <a:solidFill>
+                  <a:schemeClr val="tx1"/>
+                </a:solidFill>
+                <a:latin typeface="+mn-lt"/>
+                <a:ea typeface="+mn-ea"/>
+                <a:cs typeface="+mn-cs"/>
+              </a:defRPr>
+            </a:lvl5pPr>
+            <a:lvl6pPr marL="2514600" indent="-228600" algn="l" defTabSz="914400" rtl="0" eaLnBrk="1" latinLnBrk="1" hangingPunct="1">
+              <a:spcBef>
+                <a:spcPct val="20000"/>
+              </a:spcBef>
+              <a:buFont typeface="Arial" pitchFamily="34" charset="0"/>
+              <a:buChar char="•"/>
+              <a:defRPr sz="2000" kern="1200">
+                <a:solidFill>
+                  <a:schemeClr val="tx1"/>
+                </a:solidFill>
+                <a:latin typeface="+mn-lt"/>
+                <a:ea typeface="+mn-ea"/>
+                <a:cs typeface="+mn-cs"/>
+              </a:defRPr>
+            </a:lvl6pPr>
+            <a:lvl7pPr marL="2971800" indent="-228600" algn="l" defTabSz="914400" rtl="0" eaLnBrk="1" latinLnBrk="1" hangingPunct="1">
+              <a:spcBef>
+                <a:spcPct val="20000"/>
+              </a:spcBef>
+              <a:buFont typeface="Arial" pitchFamily="34" charset="0"/>
+              <a:buChar char="•"/>
+              <a:defRPr sz="2000" kern="1200">
+                <a:solidFill>
+                  <a:schemeClr val="tx1"/>
+                </a:solidFill>
+                <a:latin typeface="+mn-lt"/>
+                <a:ea typeface="+mn-ea"/>
+                <a:cs typeface="+mn-cs"/>
+              </a:defRPr>
+            </a:lvl7pPr>
+            <a:lvl8pPr marL="3429000" indent="-228600" algn="l" defTabSz="914400" rtl="0" eaLnBrk="1" latinLnBrk="1" hangingPunct="1">
+              <a:spcBef>
+                <a:spcPct val="20000"/>
+              </a:spcBef>
+              <a:buFont typeface="Arial" pitchFamily="34" charset="0"/>
+              <a:buChar char="•"/>
+              <a:defRPr sz="2000" kern="1200">
+                <a:solidFill>
+                  <a:schemeClr val="tx1"/>
+                </a:solidFill>
+                <a:latin typeface="+mn-lt"/>
+                <a:ea typeface="+mn-ea"/>
+                <a:cs typeface="+mn-cs"/>
+              </a:defRPr>
+            </a:lvl8pPr>
+            <a:lvl9pPr marL="3886200" indent="-228600" algn="l" defTabSz="914400" rtl="0" eaLnBrk="1" latinLnBrk="1" hangingPunct="1">
+              <a:spcBef>
+                <a:spcPct val="20000"/>
+              </a:spcBef>
+              <a:buFont typeface="Arial" pitchFamily="34" charset="0"/>
+              <a:buChar char="•"/>
+              <a:defRPr sz="2000" kern="1200">
+                <a:solidFill>
+                  <a:schemeClr val="tx1"/>
+                </a:solidFill>
+                <a:latin typeface="+mn-lt"/>
+                <a:ea typeface="+mn-ea"/>
+                <a:cs typeface="+mn-cs"/>
+              </a:defRPr>
+            </a:lvl9pPr>
+          </a:lstStyle>
+          <a:p>
+            <a:pPr marL="342900" lvl="1" indent="-342900" fontAlgn="auto">
+              <a:lnSpc>
+                <a:spcPct val="250000"/>
+              </a:lnSpc>
+              <a:spcBef>
+                <a:spcPts val="0"/>
+              </a:spcBef>
+              <a:spcAft>
+                <a:spcPts val="600"/>
+              </a:spcAft>
+              <a:buClr>
+                <a:srgbClr val="FF0000"/>
+              </a:buClr>
+              <a:buFont typeface="Wingdings" panose="05000000000000000000" pitchFamily="2" charset="2"/>
+              <a:buChar char="§"/>
+            </a:pPr>
+            <a:r>
+              <a:rPr kumimoji="0" lang="en-US" altLang="ko-KR" sz="2000" dirty="0" smtClean="0">
+                <a:latin typeface="+mn-ea"/>
+              </a:rPr>
+              <a:t>Pdf</a:t>
+            </a:r>
+          </a:p>
+          <a:p>
+            <a:pPr marL="342900" lvl="1" indent="-342900" fontAlgn="auto">
+              <a:lnSpc>
+                <a:spcPct val="250000"/>
+              </a:lnSpc>
+              <a:spcBef>
+                <a:spcPts val="0"/>
+              </a:spcBef>
+              <a:spcAft>
+                <a:spcPts val="600"/>
+              </a:spcAft>
+              <a:buClr>
+                <a:srgbClr val="FF0000"/>
+              </a:buClr>
+              <a:buFont typeface="Wingdings" panose="05000000000000000000" pitchFamily="2" charset="2"/>
+              <a:buChar char="§"/>
+            </a:pPr>
+            <a:r>
+              <a:rPr kumimoji="0" lang="ko-KR" altLang="en-US" sz="2000" dirty="0" err="1" smtClean="0">
+                <a:latin typeface="+mn-ea"/>
+              </a:rPr>
+              <a:t>기댓값</a:t>
+            </a:r>
+            <a:endParaRPr kumimoji="0" lang="en-US" altLang="ko-KR" sz="2000" dirty="0" smtClean="0">
+              <a:latin typeface="+mn-ea"/>
+            </a:endParaRPr>
+          </a:p>
+          <a:p>
+            <a:pPr marL="342900" lvl="1" indent="-342900" fontAlgn="auto">
+              <a:lnSpc>
+                <a:spcPct val="250000"/>
+              </a:lnSpc>
+              <a:spcBef>
+                <a:spcPts val="0"/>
+              </a:spcBef>
+              <a:spcAft>
+                <a:spcPts val="600"/>
+              </a:spcAft>
+              <a:buClr>
+                <a:srgbClr val="FF0000"/>
+              </a:buClr>
+              <a:buFont typeface="Wingdings" panose="05000000000000000000" pitchFamily="2" charset="2"/>
+              <a:buChar char="§"/>
+            </a:pPr>
+            <a:r>
+              <a:rPr kumimoji="0" lang="ko-KR" altLang="en-US" sz="2000" dirty="0" smtClean="0">
+                <a:latin typeface="+mn-ea"/>
+              </a:rPr>
+              <a:t>분산</a:t>
+            </a:r>
+            <a:endParaRPr kumimoji="0" lang="en-US" altLang="ko-KR" sz="2000" dirty="0" smtClean="0">
+              <a:latin typeface="+mn-ea"/>
+            </a:endParaRPr>
+          </a:p>
+          <a:p>
+            <a:pPr marL="342900" lvl="1" indent="-342900" fontAlgn="auto">
+              <a:lnSpc>
+                <a:spcPct val="250000"/>
+              </a:lnSpc>
+              <a:spcBef>
+                <a:spcPts val="0"/>
+              </a:spcBef>
+              <a:spcAft>
+                <a:spcPts val="600"/>
+              </a:spcAft>
+              <a:buClr>
+                <a:srgbClr val="FF0000"/>
+              </a:buClr>
+              <a:buFont typeface="Wingdings" panose="05000000000000000000" pitchFamily="2" charset="2"/>
+              <a:buChar char="§"/>
+            </a:pPr>
+            <a:endParaRPr kumimoji="0" lang="en-US" altLang="ko-KR" sz="2000" dirty="0" smtClean="0">
+              <a:latin typeface="+mn-ea"/>
+            </a:endParaRPr>
+          </a:p>
+        </p:txBody>
+      </p:sp>
+      <p:graphicFrame>
+        <p:nvGraphicFramePr>
+          <p:cNvPr id="2" name="개체 1"/>
+          <p:cNvGraphicFramePr>
+            <a:graphicFrameLocks noChangeAspect="1"/>
+          </p:cNvGraphicFramePr>
+          <p:nvPr>
+            <p:extLst/>
+          </p:nvPr>
+        </p:nvGraphicFramePr>
+        <p:xfrm>
+          <a:off x="6967898" y="1425041"/>
+          <a:ext cx="1473200" cy="342900"/>
+        </p:xfrm>
+        <a:graphic>
+          <a:graphicData uri="http://schemas.openxmlformats.org/presentationml/2006/ole">
+            <mc:AlternateContent xmlns:mc="http://schemas.openxmlformats.org/markup-compatibility/2006">
+              <mc:Choice xmlns:v="urn:schemas-microsoft-com:vml" Requires="v">
+                <p:oleObj spid="_x0000_s10242" name="Equation" r:id="rId3" imgW="1473120" imgH="342720" progId="Equation.DSMT4">
+                  <p:embed/>
+                </p:oleObj>
+              </mc:Choice>
+              <mc:Fallback>
+                <p:oleObj name="Equation" r:id="rId3" imgW="1473120" imgH="342720" progId="Equation.DSMT4">
+                  <p:embed/>
+                  <p:pic>
+                    <p:nvPicPr>
+                      <p:cNvPr id="2" name="개체 1"/>
+                      <p:cNvPicPr>
+                        <a:picLocks noChangeAspect="1" noChangeArrowheads="1"/>
+                      </p:cNvPicPr>
+                      <p:nvPr/>
+                    </p:nvPicPr>
+                    <p:blipFill>
+                      <a:blip r:embed="rId4">
+                        <a:extLst>
+                          <a:ext uri="{28A0092B-C50C-407E-A947-70E740481C1C}">
+                            <a14:useLocalDpi xmlns:a14="http://schemas.microsoft.com/office/drawing/2010/main" val="0"/>
+                          </a:ext>
+                        </a:extLst>
+                      </a:blip>
+                      <a:srcRect/>
+                      <a:stretch>
+                        <a:fillRect/>
+                      </a:stretch>
+                    </p:blipFill>
+                    <p:spPr bwMode="auto">
+                      <a:xfrm>
+                        <a:off x="6967898" y="1425041"/>
+                        <a:ext cx="1473200" cy="342900"/>
+                      </a:xfrm>
+                      <a:prstGeom prst="rect">
+                        <a:avLst/>
+                      </a:prstGeom>
+                      <a:noFill/>
+                      <a:ln>
+                        <a:noFill/>
+                      </a:ln>
+                      <a:extLst>
+                        <a:ext uri="{909E8E84-426E-40DD-AFC4-6F175D3DCCD1}">
+                          <a14:hiddenFill xmlns:a14="http://schemas.microsoft.com/office/drawing/2010/main">
+                            <a:solidFill>
+                              <a:srgbClr val="FFFFFF"/>
+                            </a:solidFill>
+                          </a14:hiddenFill>
+                        </a:ext>
+                        <a:ext uri="{91240B29-F687-4F45-9708-019B960494DF}">
+                          <a14:hiddenLine xmlns:a14="http://schemas.microsoft.com/office/drawing/2010/main" w="9525">
+                            <a:solidFill>
+                              <a:srgbClr val="000000"/>
+                            </a:solidFill>
+                            <a:miter lim="800000"/>
+                            <a:headEnd/>
+                            <a:tailEnd/>
+                          </a14:hiddenLine>
+                        </a:ext>
+                      </a:extLst>
+                    </p:spPr>
+                  </p:pic>
+                </p:oleObj>
+              </mc:Fallback>
+            </mc:AlternateContent>
+          </a:graphicData>
+        </a:graphic>
+      </p:graphicFrame>
+      <p:pic>
+        <p:nvPicPr>
+          <p:cNvPr id="11" name="Picture 1223"/>
+          <p:cNvPicPr>
+            <a:picLocks noChangeAspect="1" noChangeArrowheads="1"/>
+          </p:cNvPicPr>
+          <p:nvPr/>
+        </p:nvPicPr>
+        <p:blipFill>
+          <a:blip r:embed="rId5">
+            <a:extLst>
+              <a:ext uri="{28A0092B-C50C-407E-A947-70E740481C1C}">
+                <a14:useLocalDpi xmlns:a14="http://schemas.microsoft.com/office/drawing/2010/main" val="0"/>
+              </a:ext>
+            </a:extLst>
+          </a:blip>
+          <a:srcRect/>
+          <a:stretch>
+            <a:fillRect/>
+          </a:stretch>
+        </p:blipFill>
+        <p:spPr bwMode="auto">
+          <a:xfrm>
+            <a:off x="2849523" y="2511697"/>
+            <a:ext cx="4692807" cy="1142328"/>
+          </a:xfrm>
+          <a:prstGeom prst="rect">
+            <a:avLst/>
+          </a:prstGeom>
+          <a:noFill/>
+          <a:ln>
+            <a:noFill/>
+          </a:ln>
+          <a:extLst>
+            <a:ext uri="{909E8E84-426E-40DD-AFC4-6F175D3DCCD1}">
+              <a14:hiddenFill xmlns:a14="http://schemas.microsoft.com/office/drawing/2010/main">
+                <a:solidFill>
+                  <a:schemeClr val="accent1"/>
+                </a:solidFill>
+              </a14:hiddenFill>
+            </a:ext>
+            <a:ext uri="{91240B29-F687-4F45-9708-019B960494DF}">
+              <a14:hiddenLine xmlns:a14="http://schemas.microsoft.com/office/drawing/2010/main" w="9525">
+                <a:solidFill>
+                  <a:schemeClr val="tx1"/>
+                </a:solidFill>
+                <a:miter lim="800000"/>
+                <a:headEnd/>
+                <a:tailEnd/>
+              </a14:hiddenLine>
+            </a:ext>
+          </a:extLst>
+        </p:spPr>
+      </p:pic>
+      <p:pic>
+        <p:nvPicPr>
+          <p:cNvPr id="12" name="Picture 1224"/>
+          <p:cNvPicPr>
+            <a:picLocks noChangeAspect="1" noChangeArrowheads="1"/>
+          </p:cNvPicPr>
+          <p:nvPr/>
+        </p:nvPicPr>
+        <p:blipFill>
+          <a:blip r:embed="rId6">
+            <a:extLst>
+              <a:ext uri="{28A0092B-C50C-407E-A947-70E740481C1C}">
+                <a14:useLocalDpi xmlns:a14="http://schemas.microsoft.com/office/drawing/2010/main" val="0"/>
+              </a:ext>
+            </a:extLst>
+          </a:blip>
+          <a:srcRect/>
+          <a:stretch>
+            <a:fillRect/>
+          </a:stretch>
+        </p:blipFill>
+        <p:spPr bwMode="auto">
+          <a:xfrm>
+            <a:off x="2781995" y="3724499"/>
+            <a:ext cx="5345400" cy="2089766"/>
+          </a:xfrm>
+          <a:prstGeom prst="rect">
+            <a:avLst/>
+          </a:prstGeom>
+          <a:noFill/>
+          <a:ln>
+            <a:noFill/>
+          </a:ln>
+          <a:extLst>
+            <a:ext uri="{909E8E84-426E-40DD-AFC4-6F175D3DCCD1}">
+              <a14:hiddenFill xmlns:a14="http://schemas.microsoft.com/office/drawing/2010/main">
+                <a:solidFill>
+                  <a:schemeClr val="accent1"/>
+                </a:solidFill>
+              </a14:hiddenFill>
+            </a:ext>
+            <a:ext uri="{91240B29-F687-4F45-9708-019B960494DF}">
+              <a14:hiddenLine xmlns:a14="http://schemas.microsoft.com/office/drawing/2010/main" w="9525">
+                <a:solidFill>
+                  <a:schemeClr val="tx1"/>
+                </a:solidFill>
+                <a:miter lim="800000"/>
+                <a:headEnd/>
+                <a:tailEnd/>
+              </a14:hiddenLine>
+            </a:ext>
+          </a:extLst>
+        </p:spPr>
+      </p:pic>
+    </p:spTree>
+    <p:extLst>
+      <p:ext uri="{BB962C8B-B14F-4D97-AF65-F5344CB8AC3E}">
+        <p14:creationId xmlns:p14="http://schemas.microsoft.com/office/powerpoint/2010/main" val="4124222956"/>
+      </p:ext>
+    </p:extLst>
+  </p:cSld>
+  <p:clrMapOvr>
+    <a:masterClrMapping/>
+  </p:clrMapOvr>
+  <p:timing>
+    <p:tnLst>
+      <p:par>
+        <p:cTn id="1" dur="indefinite" restart="never" nodeType="tmRoot"/>
+      </p:par>
+    </p:tnLst>
+  </p:timing>
+</p:sld>
+</file>
+
+<file path=ppt/slides/slide12.xml><?xml version="1.0" encoding="utf-8"?>
+<p:sld xmlns:a="http://schemas.openxmlformats.org/drawingml/2006/main" xmlns:r="http://schemas.openxmlformats.org/officeDocument/2006/relationships" xmlns:p="http://schemas.openxmlformats.org/presentationml/2006/main">
+  <p:cSld>
+    <p:spTree>
+      <p:nvGrpSpPr>
+        <p:cNvPr id="1" name=""/>
+        <p:cNvGrpSpPr/>
+        <p:nvPr/>
+      </p:nvGrpSpPr>
+      <p:grpSpPr>
+        <a:xfrm>
+          <a:off x="0" y="0"/>
+          <a:ext cx="0" cy="0"/>
+          <a:chOff x="0" y="0"/>
+          <a:chExt cx="0" cy="0"/>
+        </a:xfrm>
+      </p:grpSpPr>
+      <p:sp>
+        <p:nvSpPr>
+          <p:cNvPr id="40" name="제목 1"/>
+          <p:cNvSpPr txBox="1">
+            <a:spLocks/>
+          </p:cNvSpPr>
+          <p:nvPr/>
+        </p:nvSpPr>
+        <p:spPr>
+          <a:xfrm>
+            <a:off x="476545" y="368660"/>
+            <a:ext cx="8289630" cy="765086"/>
+          </a:xfrm>
+          <a:prstGeom prst="rect">
+            <a:avLst/>
+          </a:prstGeom>
+        </p:spPr>
+        <p:txBody>
+          <a:bodyPr vert="horz" lIns="91440" tIns="45720" rIns="91440" bIns="45720" rtlCol="0" anchor="ctr">
+            <a:normAutofit/>
+          </a:bodyPr>
+          <a:lstStyle>
+            <a:lvl1pPr algn="l" defTabSz="914400" rtl="0" eaLnBrk="1" latinLnBrk="1" hangingPunct="1">
+              <a:spcBef>
+                <a:spcPct val="0"/>
+              </a:spcBef>
+              <a:buNone/>
+              <a:defRPr sz="3600" b="1" kern="1200">
+                <a:solidFill>
+                  <a:schemeClr val="tx1"/>
+                </a:solidFill>
+                <a:latin typeface="+mj-lt"/>
+                <a:ea typeface="+mj-ea"/>
+                <a:cs typeface="+mj-cs"/>
+              </a:defRPr>
+            </a:lvl1pPr>
+          </a:lstStyle>
+          <a:p>
+            <a:r>
+              <a:rPr lang="en-US" altLang="ko-KR" dirty="0" smtClean="0"/>
+              <a:t>3. </a:t>
+            </a:r>
+            <a:r>
+              <a:rPr lang="ko-KR" altLang="en-US" dirty="0" err="1"/>
+              <a:t>초기하분포</a:t>
+            </a:r>
+            <a:endParaRPr lang="ko-KR" altLang="en-US" dirty="0" smtClean="0"/>
+          </a:p>
+        </p:txBody>
+      </p:sp>
+      <p:pic>
+        <p:nvPicPr>
+          <p:cNvPr id="4" name="Picture 2"/>
+          <p:cNvPicPr>
+            <a:picLocks noChangeAspect="1" noChangeArrowheads="1"/>
+          </p:cNvPicPr>
+          <p:nvPr/>
+        </p:nvPicPr>
+        <p:blipFill>
+          <a:blip r:embed="rId3">
+            <a:extLst>
+              <a:ext uri="{28A0092B-C50C-407E-A947-70E740481C1C}">
+                <a14:useLocalDpi xmlns:a14="http://schemas.microsoft.com/office/drawing/2010/main" val="0"/>
+              </a:ext>
+            </a:extLst>
+          </a:blip>
+          <a:srcRect/>
+          <a:stretch>
+            <a:fillRect/>
+          </a:stretch>
+        </p:blipFill>
+        <p:spPr bwMode="auto">
+          <a:xfrm>
+            <a:off x="1723010" y="1617946"/>
+            <a:ext cx="5459280" cy="5043254"/>
+          </a:xfrm>
+          <a:prstGeom prst="rect">
+            <a:avLst/>
+          </a:prstGeom>
+          <a:noFill/>
+          <a:ln>
+            <a:noFill/>
+          </a:ln>
+          <a:effectLst/>
+          <a:extLst>
+            <a:ext uri="{909E8E84-426E-40DD-AFC4-6F175D3DCCD1}">
+              <a14:hiddenFill xmlns:a14="http://schemas.microsoft.com/office/drawing/2010/main">
+                <a:solidFill>
+                  <a:schemeClr val="accent1"/>
+                </a:solidFill>
+              </a14:hiddenFill>
+            </a:ext>
+            <a:ext uri="{91240B29-F687-4F45-9708-019B960494DF}">
+              <a14:hiddenLine xmlns:a14="http://schemas.microsoft.com/office/drawing/2010/main" w="9525">
+                <a:solidFill>
+                  <a:schemeClr val="tx1"/>
+                </a:solidFill>
+                <a:miter lim="800000"/>
+                <a:headEnd/>
+                <a:tailEnd/>
+              </a14:hiddenLine>
+            </a:ext>
+            <a:ext uri="{AF507438-7753-43E0-B8FC-AC1667EBCBE1}">
+              <a14:hiddenEffects xmlns:a14="http://schemas.microsoft.com/office/drawing/2010/main">
+                <a:effectLst>
+                  <a:outerShdw dist="35921" dir="2700000" algn="ctr" rotWithShape="0">
+                    <a:schemeClr val="bg2"/>
+                  </a:outerShdw>
+                </a:effectLst>
+              </a14:hiddenEffects>
+            </a:ext>
+          </a:extLst>
+        </p:spPr>
+      </p:pic>
+      <p:graphicFrame>
+        <p:nvGraphicFramePr>
+          <p:cNvPr id="2" name="개체 1"/>
+          <p:cNvGraphicFramePr>
+            <a:graphicFrameLocks noChangeAspect="1"/>
+          </p:cNvGraphicFramePr>
+          <p:nvPr>
+            <p:extLst/>
+          </p:nvPr>
+        </p:nvGraphicFramePr>
+        <p:xfrm>
+          <a:off x="4139115" y="1230262"/>
+          <a:ext cx="2247900" cy="304800"/>
+        </p:xfrm>
+        <a:graphic>
+          <a:graphicData uri="http://schemas.openxmlformats.org/presentationml/2006/ole">
+            <mc:AlternateContent xmlns:mc="http://schemas.openxmlformats.org/markup-compatibility/2006">
+              <mc:Choice xmlns:v="urn:schemas-microsoft-com:vml" Requires="v">
+                <p:oleObj spid="_x0000_s11266" name="Equation" r:id="rId4" imgW="2247840" imgH="304560" progId="Equation.DSMT4">
+                  <p:embed/>
+                </p:oleObj>
+              </mc:Choice>
+              <mc:Fallback>
+                <p:oleObj name="Equation" r:id="rId4" imgW="2247840" imgH="304560" progId="Equation.DSMT4">
+                  <p:embed/>
+                  <p:pic>
+                    <p:nvPicPr>
+                      <p:cNvPr id="2" name="개체 1"/>
+                      <p:cNvPicPr>
+                        <a:picLocks noChangeAspect="1" noChangeArrowheads="1"/>
+                      </p:cNvPicPr>
+                      <p:nvPr/>
+                    </p:nvPicPr>
+                    <p:blipFill>
+                      <a:blip r:embed="rId5">
+                        <a:extLst>
+                          <a:ext uri="{28A0092B-C50C-407E-A947-70E740481C1C}">
+                            <a14:useLocalDpi xmlns:a14="http://schemas.microsoft.com/office/drawing/2010/main" val="0"/>
+                          </a:ext>
+                        </a:extLst>
+                      </a:blip>
+                      <a:srcRect/>
+                      <a:stretch>
+                        <a:fillRect/>
+                      </a:stretch>
+                    </p:blipFill>
+                    <p:spPr bwMode="auto">
+                      <a:xfrm>
+                        <a:off x="4139115" y="1230262"/>
+                        <a:ext cx="2247900" cy="304800"/>
+                      </a:xfrm>
+                      <a:prstGeom prst="rect">
+                        <a:avLst/>
+                      </a:prstGeom>
+                      <a:noFill/>
+                      <a:ln>
+                        <a:noFill/>
+                      </a:ln>
+                      <a:extLst>
+                        <a:ext uri="{909E8E84-426E-40DD-AFC4-6F175D3DCCD1}">
+                          <a14:hiddenFill xmlns:a14="http://schemas.microsoft.com/office/drawing/2010/main">
+                            <a:solidFill>
+                              <a:srgbClr val="FFFFFF"/>
+                            </a:solidFill>
+                          </a14:hiddenFill>
+                        </a:ext>
+                        <a:ext uri="{91240B29-F687-4F45-9708-019B960494DF}">
+                          <a14:hiddenLine xmlns:a14="http://schemas.microsoft.com/office/drawing/2010/main" w="9525">
+                            <a:solidFill>
+                              <a:srgbClr val="000000"/>
+                            </a:solidFill>
+                            <a:miter lim="800000"/>
+                            <a:headEnd/>
+                            <a:tailEnd/>
+                          </a14:hiddenLine>
+                        </a:ext>
+                      </a:extLst>
+                    </p:spPr>
+                  </p:pic>
+                </p:oleObj>
+              </mc:Fallback>
+            </mc:AlternateContent>
+          </a:graphicData>
+        </a:graphic>
+      </p:graphicFrame>
+      <p:graphicFrame>
+        <p:nvGraphicFramePr>
+          <p:cNvPr id="3" name="개체 2"/>
+          <p:cNvGraphicFramePr>
+            <a:graphicFrameLocks noChangeAspect="1"/>
+          </p:cNvGraphicFramePr>
+          <p:nvPr>
+            <p:extLst/>
+          </p:nvPr>
+        </p:nvGraphicFramePr>
+        <p:xfrm>
+          <a:off x="6652128" y="1230262"/>
+          <a:ext cx="1485900" cy="342900"/>
+        </p:xfrm>
+        <a:graphic>
+          <a:graphicData uri="http://schemas.openxmlformats.org/presentationml/2006/ole">
+            <mc:AlternateContent xmlns:mc="http://schemas.openxmlformats.org/markup-compatibility/2006">
+              <mc:Choice xmlns:v="urn:schemas-microsoft-com:vml" Requires="v">
+                <p:oleObj spid="_x0000_s11267" name="Equation" r:id="rId6" imgW="1485720" imgH="342720" progId="Equation.DSMT4">
+                  <p:embed/>
+                </p:oleObj>
+              </mc:Choice>
+              <mc:Fallback>
+                <p:oleObj name="Equation" r:id="rId6" imgW="1485720" imgH="342720" progId="Equation.DSMT4">
+                  <p:embed/>
+                  <p:pic>
+                    <p:nvPicPr>
+                      <p:cNvPr id="3" name="개체 2"/>
+                      <p:cNvPicPr>
+                        <a:picLocks noChangeAspect="1" noChangeArrowheads="1"/>
+                      </p:cNvPicPr>
+                      <p:nvPr/>
+                    </p:nvPicPr>
+                    <p:blipFill>
+                      <a:blip r:embed="rId7">
+                        <a:extLst>
+                          <a:ext uri="{28A0092B-C50C-407E-A947-70E740481C1C}">
+                            <a14:useLocalDpi xmlns:a14="http://schemas.microsoft.com/office/drawing/2010/main" val="0"/>
+                          </a:ext>
+                        </a:extLst>
+                      </a:blip>
+                      <a:srcRect/>
+                      <a:stretch>
+                        <a:fillRect/>
+                      </a:stretch>
+                    </p:blipFill>
+                    <p:spPr bwMode="auto">
+                      <a:xfrm>
+                        <a:off x="6652128" y="1230262"/>
+                        <a:ext cx="1485900" cy="342900"/>
+                      </a:xfrm>
+                      <a:prstGeom prst="rect">
+                        <a:avLst/>
+                      </a:prstGeom>
+                      <a:noFill/>
+                      <a:ln>
+                        <a:noFill/>
+                      </a:ln>
+                      <a:extLst>
+                        <a:ext uri="{909E8E84-426E-40DD-AFC4-6F175D3DCCD1}">
+                          <a14:hiddenFill xmlns:a14="http://schemas.microsoft.com/office/drawing/2010/main">
+                            <a:solidFill>
+                              <a:srgbClr val="FFFFFF"/>
+                            </a:solidFill>
+                          </a14:hiddenFill>
+                        </a:ext>
+                        <a:ext uri="{91240B29-F687-4F45-9708-019B960494DF}">
+                          <a14:hiddenLine xmlns:a14="http://schemas.microsoft.com/office/drawing/2010/main" w="9525">
+                            <a:solidFill>
+                              <a:srgbClr val="000000"/>
+                            </a:solidFill>
+                            <a:miter lim="800000"/>
+                            <a:headEnd/>
+                            <a:tailEnd/>
+                          </a14:hiddenLine>
+                        </a:ext>
+                      </a:extLst>
+                    </p:spPr>
+                  </p:pic>
+                </p:oleObj>
+              </mc:Fallback>
+            </mc:AlternateContent>
+          </a:graphicData>
+        </a:graphic>
+      </p:graphicFrame>
+    </p:spTree>
+    <p:extLst>
+      <p:ext uri="{BB962C8B-B14F-4D97-AF65-F5344CB8AC3E}">
+        <p14:creationId xmlns:p14="http://schemas.microsoft.com/office/powerpoint/2010/main" val="1227127754"/>
+      </p:ext>
+    </p:extLst>
+  </p:cSld>
+  <p:clrMapOvr>
+    <a:masterClrMapping/>
+  </p:clrMapOvr>
+  <p:timing>
+    <p:tnLst>
+      <p:par>
+        <p:cTn id="1" dur="indefinite" restart="never" nodeType="tmRoot"/>
+      </p:par>
+    </p:tnLst>
+  </p:timing>
+</p:sld>
+</file>
+
+<file path=ppt/slides/slide13.xml><?xml version="1.0" encoding="utf-8"?>
+<p:sld xmlns:a="http://schemas.openxmlformats.org/drawingml/2006/main" xmlns:r="http://schemas.openxmlformats.org/officeDocument/2006/relationships" xmlns:p="http://schemas.openxmlformats.org/presentationml/2006/main">
+  <p:cSld>
+    <p:spTree>
+      <p:nvGrpSpPr>
+        <p:cNvPr id="1" name=""/>
+        <p:cNvGrpSpPr/>
+        <p:nvPr/>
+      </p:nvGrpSpPr>
+      <p:grpSpPr>
+        <a:xfrm>
+          <a:off x="0" y="0"/>
+          <a:ext cx="0" cy="0"/>
+          <a:chOff x="0" y="0"/>
+          <a:chExt cx="0" cy="0"/>
+        </a:xfrm>
+      </p:grpSpPr>
+      <p:sp>
+        <p:nvSpPr>
+          <p:cNvPr id="14339" name="내용 개체 틀 2"/>
+          <p:cNvSpPr>
+            <a:spLocks noGrp="1"/>
+          </p:cNvSpPr>
+          <p:nvPr>
+            <p:ph idx="4294967295"/>
+          </p:nvPr>
+        </p:nvSpPr>
+        <p:spPr>
+          <a:xfrm>
+            <a:off x="476545" y="1314450"/>
+            <a:ext cx="8415338" cy="4781550"/>
+          </a:xfrm>
+        </p:spPr>
+        <p:txBody>
+          <a:bodyPr>
+            <a:normAutofit/>
+          </a:bodyPr>
+          <a:lstStyle/>
+          <a:p>
+            <a:r>
+              <a:rPr lang="ko-KR" altLang="en-US" sz="2400" dirty="0">
+                <a:latin typeface="+mn-ea"/>
+              </a:rPr>
+              <a:t>유한모집단 수정계수</a:t>
+            </a:r>
+            <a:r>
+              <a:rPr lang="en-US" altLang="ko-KR" sz="2400" dirty="0">
+                <a:latin typeface="+mn-ea"/>
+              </a:rPr>
+              <a:t>(finite population correction factor</a:t>
+            </a:r>
+            <a:r>
+              <a:rPr lang="en-US" altLang="ko-KR" sz="2400" dirty="0" smtClean="0">
+                <a:latin typeface="+mn-ea"/>
+              </a:rPr>
+              <a:t>)</a:t>
+            </a:r>
+          </a:p>
+          <a:p>
+            <a:pPr lvl="1"/>
+            <a:endParaRPr lang="en-US" altLang="ko-KR" sz="2400" dirty="0" smtClean="0">
+              <a:latin typeface="+mn-ea"/>
+            </a:endParaRPr>
+          </a:p>
+          <a:p>
+            <a:pPr lvl="1"/>
+            <a:endParaRPr lang="en-US" altLang="ko-KR" sz="2400" dirty="0">
+              <a:latin typeface="+mn-ea"/>
+            </a:endParaRPr>
+          </a:p>
+          <a:p>
+            <a:pPr lvl="1"/>
+            <a:endParaRPr lang="en-US" altLang="ko-KR" sz="2400" dirty="0" smtClean="0">
+              <a:latin typeface="+mn-ea"/>
+            </a:endParaRPr>
+          </a:p>
+          <a:p>
+            <a:pPr marL="457200" lvl="1" indent="0">
+              <a:buNone/>
+            </a:pPr>
+            <a:endParaRPr lang="en-US" altLang="ko-KR" sz="2400" dirty="0" smtClean="0">
+              <a:latin typeface="+mn-ea"/>
+            </a:endParaRPr>
+          </a:p>
+          <a:p>
+            <a:r>
+              <a:rPr lang="ko-KR" altLang="en-US" sz="2400" dirty="0">
+                <a:latin typeface="+mn-ea"/>
+              </a:rPr>
+              <a:t>확률분포함수의 다른 </a:t>
+            </a:r>
+            <a:r>
+              <a:rPr lang="ko-KR" altLang="en-US" sz="2400" dirty="0" smtClean="0">
+                <a:latin typeface="+mn-ea"/>
+              </a:rPr>
+              <a:t>표현</a:t>
+            </a:r>
+            <a:endParaRPr lang="en-US" altLang="ko-KR" sz="2400" dirty="0">
+              <a:latin typeface="+mn-ea"/>
+            </a:endParaRPr>
+          </a:p>
+          <a:p>
+            <a:endParaRPr lang="ko-KR" altLang="en-US" sz="2400" dirty="0" smtClean="0">
+              <a:latin typeface="+mn-ea"/>
+            </a:endParaRPr>
+          </a:p>
+        </p:txBody>
+      </p:sp>
+      <p:sp>
+        <p:nvSpPr>
+          <p:cNvPr id="40" name="제목 1"/>
+          <p:cNvSpPr txBox="1">
+            <a:spLocks/>
+          </p:cNvSpPr>
+          <p:nvPr/>
+        </p:nvSpPr>
+        <p:spPr>
+          <a:xfrm>
+            <a:off x="476545" y="368660"/>
+            <a:ext cx="8289630" cy="765086"/>
+          </a:xfrm>
+          <a:prstGeom prst="rect">
+            <a:avLst/>
+          </a:prstGeom>
+        </p:spPr>
+        <p:txBody>
+          <a:bodyPr vert="horz" lIns="91440" tIns="45720" rIns="91440" bIns="45720" rtlCol="0" anchor="ctr">
+            <a:normAutofit/>
+          </a:bodyPr>
+          <a:lstStyle>
+            <a:lvl1pPr algn="l" defTabSz="914400" rtl="0" eaLnBrk="1" latinLnBrk="1" hangingPunct="1">
+              <a:spcBef>
+                <a:spcPct val="0"/>
+              </a:spcBef>
+              <a:buNone/>
+              <a:defRPr sz="3600" b="1" kern="1200">
+                <a:solidFill>
+                  <a:schemeClr val="tx1"/>
+                </a:solidFill>
+                <a:latin typeface="+mj-lt"/>
+                <a:ea typeface="+mj-ea"/>
+                <a:cs typeface="+mj-cs"/>
+              </a:defRPr>
+            </a:lvl1pPr>
+          </a:lstStyle>
+          <a:p>
+            <a:r>
+              <a:rPr lang="en-US" altLang="ko-KR" dirty="0" smtClean="0"/>
+              <a:t>3. </a:t>
+            </a:r>
+            <a:r>
+              <a:rPr lang="ko-KR" altLang="en-US" dirty="0" err="1"/>
+              <a:t>초기하분포</a:t>
+            </a:r>
+            <a:endParaRPr lang="ko-KR" altLang="en-US" dirty="0" smtClean="0"/>
+          </a:p>
+        </p:txBody>
+      </p:sp>
+      <p:pic>
+        <p:nvPicPr>
+          <p:cNvPr id="4" name="Picture 528"/>
+          <p:cNvPicPr>
+            <a:picLocks noChangeAspect="1" noChangeArrowheads="1"/>
+          </p:cNvPicPr>
+          <p:nvPr/>
+        </p:nvPicPr>
+        <p:blipFill>
+          <a:blip r:embed="rId2">
+            <a:extLst>
+              <a:ext uri="{28A0092B-C50C-407E-A947-70E740481C1C}">
+                <a14:useLocalDpi xmlns:a14="http://schemas.microsoft.com/office/drawing/2010/main" val="0"/>
+              </a:ext>
+            </a:extLst>
+          </a:blip>
+          <a:srcRect/>
+          <a:stretch>
+            <a:fillRect/>
+          </a:stretch>
+        </p:blipFill>
+        <p:spPr bwMode="auto">
+          <a:xfrm>
+            <a:off x="929068" y="1888197"/>
+            <a:ext cx="4689762" cy="1530170"/>
+          </a:xfrm>
+          <a:prstGeom prst="rect">
+            <a:avLst/>
+          </a:prstGeom>
+          <a:noFill/>
+          <a:ln>
+            <a:noFill/>
+          </a:ln>
+          <a:extLst>
+            <a:ext uri="{909E8E84-426E-40DD-AFC4-6F175D3DCCD1}">
+              <a14:hiddenFill xmlns:a14="http://schemas.microsoft.com/office/drawing/2010/main">
+                <a:solidFill>
+                  <a:schemeClr val="accent1"/>
+                </a:solidFill>
+              </a14:hiddenFill>
+            </a:ext>
+            <a:ext uri="{91240B29-F687-4F45-9708-019B960494DF}">
+              <a14:hiddenLine xmlns:a14="http://schemas.microsoft.com/office/drawing/2010/main" w="9525">
+                <a:solidFill>
+                  <a:schemeClr val="tx1"/>
+                </a:solidFill>
+                <a:miter lim="800000"/>
+                <a:headEnd/>
+                <a:tailEnd/>
+              </a14:hiddenLine>
+            </a:ext>
+          </a:extLst>
+        </p:spPr>
+      </p:pic>
+      <p:pic>
+        <p:nvPicPr>
+          <p:cNvPr id="5" name="Picture 529"/>
+          <p:cNvPicPr>
+            <a:picLocks noChangeAspect="1" noChangeArrowheads="1"/>
+          </p:cNvPicPr>
+          <p:nvPr/>
+        </p:nvPicPr>
+        <p:blipFill>
+          <a:blip r:embed="rId3">
+            <a:extLst>
+              <a:ext uri="{28A0092B-C50C-407E-A947-70E740481C1C}">
+                <a14:useLocalDpi xmlns:a14="http://schemas.microsoft.com/office/drawing/2010/main" val="0"/>
+              </a:ext>
+            </a:extLst>
+          </a:blip>
+          <a:srcRect/>
+          <a:stretch>
+            <a:fillRect/>
+          </a:stretch>
+        </p:blipFill>
+        <p:spPr bwMode="auto">
+          <a:xfrm>
+            <a:off x="836585" y="4117181"/>
+            <a:ext cx="6416902" cy="2417164"/>
+          </a:xfrm>
+          <a:prstGeom prst="rect">
+            <a:avLst/>
+          </a:prstGeom>
+          <a:noFill/>
+          <a:ln>
+            <a:noFill/>
+          </a:ln>
+          <a:extLst>
+            <a:ext uri="{909E8E84-426E-40DD-AFC4-6F175D3DCCD1}">
+              <a14:hiddenFill xmlns:a14="http://schemas.microsoft.com/office/drawing/2010/main">
+                <a:solidFill>
+                  <a:schemeClr val="accent1"/>
+                </a:solidFill>
+              </a14:hiddenFill>
+            </a:ext>
+            <a:ext uri="{91240B29-F687-4F45-9708-019B960494DF}">
+              <a14:hiddenLine xmlns:a14="http://schemas.microsoft.com/office/drawing/2010/main" w="9525">
+                <a:solidFill>
+                  <a:schemeClr val="tx1"/>
+                </a:solidFill>
+                <a:miter lim="800000"/>
+                <a:headEnd/>
+                <a:tailEnd/>
+              </a14:hiddenLine>
+            </a:ext>
+          </a:extLst>
+        </p:spPr>
+      </p:pic>
+    </p:spTree>
+    <p:extLst>
+      <p:ext uri="{BB962C8B-B14F-4D97-AF65-F5344CB8AC3E}">
+        <p14:creationId xmlns:p14="http://schemas.microsoft.com/office/powerpoint/2010/main" val="3354714866"/>
+      </p:ext>
+    </p:extLst>
+  </p:cSld>
+  <p:clrMapOvr>
+    <a:masterClrMapping/>
+  </p:clrMapOvr>
+  <p:timing>
+    <p:tnLst>
+      <p:par>
+        <p:cTn id="1" dur="indefinite" restart="never" nodeType="tmRoot"/>
+      </p:par>
+    </p:tnLst>
+  </p:timing>
+</p:sld>
+</file>
+
+<file path=ppt/slides/slide14.xml><?xml version="1.0" encoding="utf-8"?>
+<p:sld xmlns:a="http://schemas.openxmlformats.org/drawingml/2006/main" xmlns:r="http://schemas.openxmlformats.org/officeDocument/2006/relationships" xmlns:p="http://schemas.openxmlformats.org/presentationml/2006/main">
+  <p:cSld>
+    <p:spTree>
+      <p:nvGrpSpPr>
+        <p:cNvPr id="1" name=""/>
+        <p:cNvGrpSpPr/>
+        <p:nvPr/>
+      </p:nvGrpSpPr>
+      <p:grpSpPr>
+        <a:xfrm>
+          <a:off x="0" y="0"/>
+          <a:ext cx="0" cy="0"/>
+          <a:chOff x="0" y="0"/>
+          <a:chExt cx="0" cy="0"/>
+        </a:xfrm>
+      </p:grpSpPr>
+      <p:sp>
+        <p:nvSpPr>
+          <p:cNvPr id="14339" name="내용 개체 틀 2"/>
+          <p:cNvSpPr>
+            <a:spLocks noGrp="1"/>
+          </p:cNvSpPr>
+          <p:nvPr>
+            <p:ph idx="4294967295"/>
+          </p:nvPr>
+        </p:nvSpPr>
+        <p:spPr>
+          <a:xfrm>
+            <a:off x="476545" y="1314450"/>
+            <a:ext cx="8415338" cy="5084880"/>
+          </a:xfrm>
+        </p:spPr>
+        <p:txBody>
+          <a:bodyPr>
+            <a:normAutofit/>
+          </a:bodyPr>
+          <a:lstStyle/>
+          <a:p>
+            <a:pPr marL="0" indent="0">
+              <a:buNone/>
+            </a:pPr>
+            <a:r>
+              <a:rPr lang="en-US" altLang="ko-KR" sz="2000" dirty="0"/>
+              <a:t># </a:t>
+            </a:r>
+            <a:r>
+              <a:rPr lang="ko-KR" altLang="en-US" sz="2000" dirty="0" err="1" smtClean="0"/>
+              <a:t>초기하분포</a:t>
+            </a:r>
+            <a:r>
+              <a:rPr lang="ko-KR" altLang="en-US" sz="2000" dirty="0" smtClean="0"/>
+              <a:t>  </a:t>
+            </a:r>
+            <a:r>
+              <a:rPr lang="en-US" altLang="ko-KR" sz="2000" dirty="0"/>
+              <a:t>R </a:t>
+            </a:r>
+            <a:r>
+              <a:rPr lang="ko-KR" altLang="en-US" sz="2000" dirty="0" smtClean="0"/>
+              <a:t>함수</a:t>
+            </a:r>
+            <a:endParaRPr lang="en-US" altLang="ko-KR" sz="2000" dirty="0" smtClean="0"/>
+          </a:p>
+          <a:p>
+            <a:endParaRPr lang="en-US" altLang="ko-KR" sz="900" dirty="0"/>
+          </a:p>
+          <a:p>
+            <a:pPr marL="0" indent="0">
+              <a:buNone/>
+            </a:pPr>
+            <a:r>
+              <a:rPr lang="en-US" altLang="ko-KR" sz="2000" dirty="0"/>
+              <a:t># </a:t>
+            </a:r>
+            <a:r>
+              <a:rPr lang="ko-KR" altLang="en-US" sz="2000" dirty="0" smtClean="0"/>
+              <a:t>확률분포함수 </a:t>
+            </a:r>
+            <a:r>
+              <a:rPr lang="en-US" altLang="ko-KR" sz="2000" dirty="0"/>
+              <a:t>(x=</a:t>
+            </a:r>
+            <a:r>
+              <a:rPr lang="ko-KR" altLang="en-US" sz="2000" dirty="0"/>
+              <a:t>표본 성공개수</a:t>
+            </a:r>
+            <a:r>
+              <a:rPr lang="en-US" altLang="ko-KR" sz="2000" dirty="0"/>
+              <a:t>, m=r=</a:t>
+            </a:r>
+            <a:r>
+              <a:rPr lang="ko-KR" altLang="en-US" sz="2000" dirty="0"/>
+              <a:t>모집단 성공 개체 </a:t>
+            </a:r>
+            <a:r>
+              <a:rPr lang="ko-KR" altLang="en-US" sz="2000" dirty="0" smtClean="0"/>
+              <a:t>수</a:t>
+            </a:r>
+            <a:r>
+              <a:rPr lang="en-US" altLang="ko-KR" sz="2000" dirty="0" smtClean="0"/>
+              <a:t>,</a:t>
+            </a:r>
+          </a:p>
+          <a:p>
+            <a:pPr marL="0" indent="0">
+              <a:buNone/>
+            </a:pPr>
+            <a:r>
+              <a:rPr lang="en-US" altLang="ko-KR" sz="2000" dirty="0" smtClean="0"/>
+              <a:t>                      n=N-r</a:t>
+            </a:r>
+            <a:r>
+              <a:rPr lang="en-US" altLang="ko-KR" sz="2000" dirty="0"/>
+              <a:t>=</a:t>
+            </a:r>
+            <a:r>
+              <a:rPr lang="ko-KR" altLang="en-US" sz="2000" dirty="0"/>
+              <a:t>모집단 실패 개체 수</a:t>
+            </a:r>
+            <a:r>
+              <a:rPr lang="en-US" altLang="ko-KR" sz="2000" dirty="0"/>
+              <a:t>, k=</a:t>
+            </a:r>
+            <a:r>
+              <a:rPr lang="ko-KR" altLang="en-US" sz="2000" dirty="0"/>
+              <a:t>표본개수</a:t>
+            </a:r>
+            <a:r>
+              <a:rPr lang="en-US" altLang="ko-KR" sz="2000" dirty="0" smtClean="0"/>
+              <a:t>)</a:t>
+            </a:r>
+          </a:p>
+          <a:p>
+            <a:pPr marL="0" indent="0">
+              <a:buNone/>
+            </a:pPr>
+            <a:r>
+              <a:rPr lang="en-US" altLang="ko-KR" sz="2000" dirty="0" smtClean="0">
+                <a:solidFill>
+                  <a:srgbClr val="FF0000"/>
+                </a:solidFill>
+              </a:rPr>
+              <a:t>   </a:t>
+            </a:r>
+            <a:r>
+              <a:rPr lang="en-US" altLang="ko-KR" sz="2000" dirty="0" err="1" smtClean="0">
+                <a:solidFill>
+                  <a:srgbClr val="FF0000"/>
+                </a:solidFill>
+              </a:rPr>
+              <a:t>dhyper</a:t>
+            </a:r>
+            <a:r>
+              <a:rPr lang="en-US" altLang="ko-KR" sz="2000" dirty="0" smtClean="0">
+                <a:solidFill>
+                  <a:srgbClr val="FF0000"/>
+                </a:solidFill>
+              </a:rPr>
+              <a:t>(x</a:t>
+            </a:r>
+            <a:r>
+              <a:rPr lang="en-US" altLang="ko-KR" sz="2000" dirty="0">
+                <a:solidFill>
+                  <a:srgbClr val="FF0000"/>
+                </a:solidFill>
+              </a:rPr>
+              <a:t>, m, n, k</a:t>
+            </a:r>
+            <a:r>
+              <a:rPr lang="en-US" altLang="ko-KR" sz="2000" dirty="0" smtClean="0">
+                <a:solidFill>
+                  <a:srgbClr val="FF0000"/>
+                </a:solidFill>
+              </a:rPr>
+              <a:t>)</a:t>
+            </a:r>
+            <a:r>
+              <a:rPr lang="ko-KR" altLang="en-US" sz="2000" dirty="0" smtClean="0"/>
+              <a:t> </a:t>
+            </a:r>
+            <a:endParaRPr lang="en-US" altLang="ko-KR" sz="2000" dirty="0" smtClean="0"/>
+          </a:p>
+          <a:p>
+            <a:pPr marL="0" indent="0">
+              <a:buNone/>
+            </a:pPr>
+            <a:r>
+              <a:rPr lang="en-US" altLang="ko-KR" sz="2000" dirty="0">
+                <a:solidFill>
+                  <a:srgbClr val="0000FF"/>
+                </a:solidFill>
+              </a:rPr>
+              <a:t># </a:t>
+            </a:r>
+            <a:r>
+              <a:rPr lang="en-US" altLang="ko-KR" sz="2000" dirty="0" smtClean="0">
+                <a:solidFill>
+                  <a:srgbClr val="0000FF"/>
+                </a:solidFill>
+              </a:rPr>
+              <a:t>Excel </a:t>
+            </a:r>
+            <a:r>
+              <a:rPr lang="ko-KR" altLang="en-US" sz="2000" dirty="0">
+                <a:solidFill>
+                  <a:srgbClr val="0000FF"/>
+                </a:solidFill>
+              </a:rPr>
+              <a:t>함수 </a:t>
+            </a:r>
+            <a:r>
+              <a:rPr lang="en-US" altLang="ko-KR" sz="2000" dirty="0">
+                <a:solidFill>
+                  <a:srgbClr val="0000FF"/>
+                </a:solidFill>
+              </a:rPr>
+              <a:t>= HYPGEOM.DIST(x, k, m, N, FALSE</a:t>
+            </a:r>
+            <a:r>
+              <a:rPr lang="en-US" altLang="ko-KR" sz="2000" dirty="0" smtClean="0">
+                <a:solidFill>
+                  <a:srgbClr val="0000FF"/>
+                </a:solidFill>
+              </a:rPr>
+              <a:t>)</a:t>
+            </a:r>
+          </a:p>
+          <a:p>
+            <a:endParaRPr lang="en-US" altLang="ko-KR" sz="900" dirty="0">
+              <a:solidFill>
+                <a:srgbClr val="0000FF"/>
+              </a:solidFill>
+            </a:endParaRPr>
+          </a:p>
+          <a:p>
+            <a:pPr marL="0" indent="0">
+              <a:buNone/>
+            </a:pPr>
+            <a:r>
+              <a:rPr lang="en-US" altLang="ko-KR" sz="2000" dirty="0"/>
+              <a:t># </a:t>
+            </a:r>
+            <a:r>
+              <a:rPr lang="ko-KR" altLang="en-US" sz="2000" dirty="0" smtClean="0"/>
+              <a:t>누적분포함수 </a:t>
+            </a:r>
+            <a:r>
+              <a:rPr lang="en-US" altLang="ko-KR" sz="2000" dirty="0"/>
+              <a:t>(q=</a:t>
+            </a:r>
+            <a:r>
+              <a:rPr lang="ko-KR" altLang="en-US" sz="2000" dirty="0" err="1"/>
+              <a:t>분위수</a:t>
+            </a:r>
+            <a:r>
+              <a:rPr lang="en-US" altLang="ko-KR" sz="2000" dirty="0"/>
+              <a:t>, </a:t>
+            </a:r>
+            <a:r>
+              <a:rPr lang="en-US" altLang="ko-KR" sz="2000" dirty="0" err="1"/>
+              <a:t>lower.tail</a:t>
+            </a:r>
+            <a:r>
+              <a:rPr lang="en-US" altLang="ko-KR" sz="2000" dirty="0"/>
+              <a:t>=TRUE=</a:t>
+            </a:r>
+            <a:r>
+              <a:rPr lang="ko-KR" altLang="en-US" sz="2000" dirty="0"/>
+              <a:t>아래로부터 누적</a:t>
+            </a:r>
+            <a:r>
+              <a:rPr lang="en-US" altLang="ko-KR" sz="2000" dirty="0" smtClean="0"/>
+              <a:t>)</a:t>
+            </a:r>
+          </a:p>
+          <a:p>
+            <a:pPr marL="0" indent="0">
+              <a:buNone/>
+            </a:pPr>
+            <a:r>
+              <a:rPr lang="en-US" altLang="ko-KR" sz="2000" dirty="0" smtClean="0">
+                <a:solidFill>
+                  <a:srgbClr val="FF0000"/>
+                </a:solidFill>
+              </a:rPr>
+              <a:t>   </a:t>
+            </a:r>
+            <a:r>
+              <a:rPr lang="en-US" altLang="ko-KR" sz="2000" dirty="0" err="1" smtClean="0">
+                <a:solidFill>
+                  <a:srgbClr val="FF0000"/>
+                </a:solidFill>
+              </a:rPr>
+              <a:t>phyper</a:t>
+            </a:r>
+            <a:r>
+              <a:rPr lang="en-US" altLang="ko-KR" sz="2000" dirty="0" smtClean="0">
+                <a:solidFill>
+                  <a:srgbClr val="FF0000"/>
+                </a:solidFill>
+              </a:rPr>
+              <a:t>(q</a:t>
+            </a:r>
+            <a:r>
+              <a:rPr lang="en-US" altLang="ko-KR" sz="2000" dirty="0">
+                <a:solidFill>
+                  <a:srgbClr val="FF0000"/>
+                </a:solidFill>
+              </a:rPr>
+              <a:t>, m, n, k, </a:t>
+            </a:r>
+            <a:r>
+              <a:rPr lang="en-US" altLang="ko-KR" sz="2000" dirty="0" err="1">
+                <a:solidFill>
+                  <a:srgbClr val="FF0000"/>
+                </a:solidFill>
+              </a:rPr>
+              <a:t>lower.tail</a:t>
+            </a:r>
+            <a:r>
+              <a:rPr lang="en-US" altLang="ko-KR" sz="2000" dirty="0">
+                <a:solidFill>
+                  <a:srgbClr val="FF0000"/>
+                </a:solidFill>
+              </a:rPr>
+              <a:t> = TRUE</a:t>
+            </a:r>
+            <a:r>
+              <a:rPr lang="en-US" altLang="ko-KR" sz="2000" dirty="0" smtClean="0">
+                <a:solidFill>
+                  <a:srgbClr val="FF0000"/>
+                </a:solidFill>
+              </a:rPr>
+              <a:t>)</a:t>
+            </a:r>
+            <a:endParaRPr lang="en-US" altLang="ko-KR" sz="2000" dirty="0"/>
+          </a:p>
+          <a:p>
+            <a:pPr marL="0" indent="0">
+              <a:buNone/>
+            </a:pPr>
+            <a:r>
+              <a:rPr lang="en-US" altLang="ko-KR" sz="2000" dirty="0">
+                <a:solidFill>
+                  <a:srgbClr val="0000FF"/>
+                </a:solidFill>
+              </a:rPr>
+              <a:t># </a:t>
+            </a:r>
+            <a:r>
+              <a:rPr lang="en-US" altLang="ko-KR" sz="2000" dirty="0" smtClean="0">
+                <a:solidFill>
+                  <a:srgbClr val="0000FF"/>
+                </a:solidFill>
+              </a:rPr>
+              <a:t>Excel </a:t>
+            </a:r>
+            <a:r>
+              <a:rPr lang="ko-KR" altLang="en-US" sz="2000" dirty="0">
+                <a:solidFill>
+                  <a:srgbClr val="0000FF"/>
+                </a:solidFill>
+              </a:rPr>
+              <a:t>함수 </a:t>
+            </a:r>
+            <a:r>
+              <a:rPr lang="en-US" altLang="ko-KR" sz="2000" dirty="0">
+                <a:solidFill>
+                  <a:srgbClr val="0000FF"/>
+                </a:solidFill>
+              </a:rPr>
+              <a:t>= HYPGEOM.DIST(x, k, m, N, TRUE</a:t>
+            </a:r>
+            <a:r>
+              <a:rPr lang="en-US" altLang="ko-KR" sz="2000" dirty="0" smtClean="0">
+                <a:solidFill>
+                  <a:srgbClr val="0000FF"/>
+                </a:solidFill>
+              </a:rPr>
+              <a:t>)</a:t>
+            </a:r>
+          </a:p>
+          <a:p>
+            <a:pPr marL="0" indent="0">
+              <a:buNone/>
+            </a:pPr>
+            <a:endParaRPr lang="en-US" altLang="ko-KR" sz="900" dirty="0">
+              <a:solidFill>
+                <a:srgbClr val="0000FF"/>
+              </a:solidFill>
+            </a:endParaRPr>
+          </a:p>
+          <a:p>
+            <a:pPr marL="0" indent="0">
+              <a:buNone/>
+            </a:pPr>
+            <a:r>
+              <a:rPr lang="en-US" altLang="ko-KR" sz="2000" dirty="0"/>
+              <a:t># </a:t>
+            </a:r>
+            <a:r>
+              <a:rPr lang="ko-KR" altLang="en-US" sz="2000" dirty="0" err="1" smtClean="0"/>
+              <a:t>분위수</a:t>
+            </a:r>
+            <a:r>
+              <a:rPr lang="ko-KR" altLang="en-US" sz="2000" dirty="0" smtClean="0"/>
+              <a:t> </a:t>
+            </a:r>
+            <a:r>
+              <a:rPr lang="en-US" altLang="ko-KR" sz="2000" dirty="0"/>
+              <a:t>(p=</a:t>
+            </a:r>
+            <a:r>
+              <a:rPr lang="ko-KR" altLang="en-US" sz="2000" dirty="0" smtClean="0"/>
+              <a:t>누적확률</a:t>
+            </a:r>
+            <a:r>
+              <a:rPr lang="en-US" altLang="ko-KR" sz="2000" dirty="0" smtClean="0"/>
+              <a:t>)</a:t>
+            </a:r>
+          </a:p>
+          <a:p>
+            <a:pPr marL="0" indent="0">
+              <a:buNone/>
+            </a:pPr>
+            <a:r>
+              <a:rPr lang="en-US" altLang="ko-KR" sz="2000" dirty="0" smtClean="0">
+                <a:solidFill>
+                  <a:srgbClr val="FF0000"/>
+                </a:solidFill>
+              </a:rPr>
+              <a:t>   </a:t>
+            </a:r>
+            <a:r>
+              <a:rPr lang="en-US" altLang="ko-KR" sz="2000" dirty="0" err="1" smtClean="0">
+                <a:solidFill>
+                  <a:srgbClr val="FF0000"/>
+                </a:solidFill>
+              </a:rPr>
+              <a:t>qhyper</a:t>
+            </a:r>
+            <a:r>
+              <a:rPr lang="en-US" altLang="ko-KR" sz="2000" dirty="0" smtClean="0">
+                <a:solidFill>
+                  <a:srgbClr val="FF0000"/>
+                </a:solidFill>
+              </a:rPr>
+              <a:t>(p</a:t>
+            </a:r>
+            <a:r>
+              <a:rPr lang="en-US" altLang="ko-KR" sz="2000" dirty="0">
+                <a:solidFill>
+                  <a:srgbClr val="FF0000"/>
+                </a:solidFill>
+              </a:rPr>
+              <a:t>, m, n, k, </a:t>
+            </a:r>
+            <a:r>
+              <a:rPr lang="en-US" altLang="ko-KR" sz="2000" dirty="0" err="1">
+                <a:solidFill>
+                  <a:srgbClr val="FF0000"/>
+                </a:solidFill>
+              </a:rPr>
+              <a:t>lower.tail</a:t>
+            </a:r>
+            <a:r>
+              <a:rPr lang="en-US" altLang="ko-KR" sz="2000" dirty="0">
+                <a:solidFill>
+                  <a:srgbClr val="FF0000"/>
+                </a:solidFill>
+              </a:rPr>
+              <a:t> = TRUE)</a:t>
+            </a:r>
+          </a:p>
+          <a:p>
+            <a:endParaRPr lang="en-US" altLang="ko-KR" sz="800" dirty="0" smtClean="0"/>
+          </a:p>
+          <a:p>
+            <a:pPr marL="0" indent="0">
+              <a:buNone/>
+            </a:pPr>
+            <a:r>
+              <a:rPr lang="en-US" altLang="ko-KR" sz="2000" dirty="0"/>
+              <a:t># </a:t>
+            </a:r>
+            <a:r>
+              <a:rPr lang="ko-KR" altLang="en-US" sz="2000" dirty="0" err="1" smtClean="0"/>
+              <a:t>초기하</a:t>
+            </a:r>
+            <a:r>
+              <a:rPr lang="ko-KR" altLang="en-US" sz="2000" dirty="0" smtClean="0"/>
+              <a:t> </a:t>
+            </a:r>
+            <a:r>
+              <a:rPr lang="ko-KR" altLang="en-US" sz="2000" dirty="0"/>
+              <a:t>확률변수</a:t>
+            </a:r>
+            <a:r>
+              <a:rPr lang="en-US" altLang="ko-KR" sz="2000" dirty="0"/>
+              <a:t>(</a:t>
+            </a:r>
+            <a:r>
+              <a:rPr lang="en-US" altLang="ko-KR" sz="2000" dirty="0" err="1"/>
+              <a:t>nn</a:t>
+            </a:r>
+            <a:r>
+              <a:rPr lang="en-US" altLang="ko-KR" sz="2000" dirty="0"/>
+              <a:t>=</a:t>
+            </a:r>
+            <a:r>
+              <a:rPr lang="ko-KR" altLang="en-US" sz="2000" dirty="0" err="1"/>
+              <a:t>난수의</a:t>
+            </a:r>
+            <a:r>
+              <a:rPr lang="ko-KR" altLang="en-US" sz="2000" dirty="0"/>
+              <a:t> 개수</a:t>
+            </a:r>
+            <a:r>
+              <a:rPr lang="en-US" altLang="ko-KR" sz="2000" dirty="0" smtClean="0"/>
+              <a:t>)</a:t>
+            </a:r>
+            <a:endParaRPr lang="en-US" altLang="ko-KR" sz="2000" dirty="0"/>
+          </a:p>
+          <a:p>
+            <a:pPr marL="0" indent="0">
+              <a:buNone/>
+            </a:pPr>
+            <a:r>
+              <a:rPr lang="en-US" altLang="ko-KR" sz="2000" dirty="0" smtClean="0">
+                <a:solidFill>
+                  <a:srgbClr val="FF0000"/>
+                </a:solidFill>
+              </a:rPr>
+              <a:t>   </a:t>
+            </a:r>
+            <a:r>
+              <a:rPr lang="en-US" altLang="ko-KR" sz="2000" dirty="0" err="1" smtClean="0">
+                <a:solidFill>
+                  <a:srgbClr val="FF0000"/>
+                </a:solidFill>
+              </a:rPr>
+              <a:t>rhyper</a:t>
+            </a:r>
+            <a:r>
+              <a:rPr lang="en-US" altLang="ko-KR" sz="2000" dirty="0" smtClean="0">
+                <a:solidFill>
+                  <a:srgbClr val="FF0000"/>
+                </a:solidFill>
+              </a:rPr>
+              <a:t>(</a:t>
+            </a:r>
+            <a:r>
+              <a:rPr lang="en-US" altLang="ko-KR" sz="2000" dirty="0" err="1" smtClean="0">
+                <a:solidFill>
+                  <a:srgbClr val="FF0000"/>
+                </a:solidFill>
+              </a:rPr>
+              <a:t>nn</a:t>
+            </a:r>
+            <a:r>
+              <a:rPr lang="en-US" altLang="ko-KR" sz="2000" dirty="0">
+                <a:solidFill>
+                  <a:srgbClr val="FF0000"/>
+                </a:solidFill>
+              </a:rPr>
+              <a:t>, m, n, k</a:t>
+            </a:r>
+            <a:r>
+              <a:rPr lang="en-US" altLang="ko-KR" sz="2000" dirty="0" smtClean="0">
+                <a:solidFill>
+                  <a:srgbClr val="FF0000"/>
+                </a:solidFill>
+              </a:rPr>
+              <a:t>)</a:t>
+            </a:r>
+            <a:endParaRPr lang="en-US" altLang="ko-KR" sz="2000" dirty="0">
+              <a:solidFill>
+                <a:srgbClr val="FF0000"/>
+              </a:solidFill>
+            </a:endParaRPr>
+          </a:p>
+        </p:txBody>
+      </p:sp>
+      <p:sp>
+        <p:nvSpPr>
+          <p:cNvPr id="40" name="제목 1"/>
+          <p:cNvSpPr txBox="1">
+            <a:spLocks/>
+          </p:cNvSpPr>
+          <p:nvPr/>
+        </p:nvSpPr>
+        <p:spPr>
+          <a:xfrm>
+            <a:off x="476545" y="368660"/>
+            <a:ext cx="8289630" cy="765086"/>
+          </a:xfrm>
+          <a:prstGeom prst="rect">
+            <a:avLst/>
+          </a:prstGeom>
+        </p:spPr>
+        <p:txBody>
+          <a:bodyPr vert="horz" lIns="91440" tIns="45720" rIns="91440" bIns="45720" rtlCol="0" anchor="ctr">
+            <a:normAutofit/>
+          </a:bodyPr>
+          <a:lstStyle>
+            <a:lvl1pPr algn="l" defTabSz="914400" rtl="0" eaLnBrk="1" latinLnBrk="1" hangingPunct="1">
+              <a:spcBef>
+                <a:spcPct val="0"/>
+              </a:spcBef>
+              <a:buNone/>
+              <a:defRPr sz="3600" b="1" kern="1200">
+                <a:solidFill>
+                  <a:schemeClr val="tx1"/>
+                </a:solidFill>
+                <a:latin typeface="+mj-lt"/>
+                <a:ea typeface="+mj-ea"/>
+                <a:cs typeface="+mj-cs"/>
+              </a:defRPr>
+            </a:lvl1pPr>
+          </a:lstStyle>
+          <a:p>
+            <a:r>
+              <a:rPr lang="en-US" altLang="ko-KR" dirty="0" smtClean="0"/>
+              <a:t>3. </a:t>
+            </a:r>
+            <a:r>
+              <a:rPr lang="ko-KR" altLang="en-US" dirty="0" err="1"/>
+              <a:t>초기하분포</a:t>
+            </a:r>
+            <a:endParaRPr lang="ko-KR" altLang="en-US" dirty="0" smtClean="0"/>
+          </a:p>
+        </p:txBody>
+      </p:sp>
+    </p:spTree>
+    <p:extLst>
+      <p:ext uri="{BB962C8B-B14F-4D97-AF65-F5344CB8AC3E}">
+        <p14:creationId xmlns:p14="http://schemas.microsoft.com/office/powerpoint/2010/main" val="2140712297"/>
+      </p:ext>
+    </p:extLst>
+  </p:cSld>
+  <p:clrMapOvr>
+    <a:masterClrMapping/>
+  </p:clrMapOvr>
+  <p:timing>
+    <p:tnLst>
+      <p:par>
+        <p:cTn id="1" dur="indefinite" restart="never" nodeType="tmRoot"/>
+      </p:par>
+    </p:tnLst>
+  </p:timing>
+</p:sld>
+</file>
+
+<file path=ppt/slides/slide15.xml><?xml version="1.0" encoding="utf-8"?>
+<p:sld xmlns:a="http://schemas.openxmlformats.org/drawingml/2006/main" xmlns:r="http://schemas.openxmlformats.org/officeDocument/2006/relationships" xmlns:p="http://schemas.openxmlformats.org/presentationml/2006/main">
+  <p:cSld>
+    <p:spTree>
+      <p:nvGrpSpPr>
+        <p:cNvPr id="1" name=""/>
+        <p:cNvGrpSpPr/>
+        <p:nvPr/>
+      </p:nvGrpSpPr>
+      <p:grpSpPr>
+        <a:xfrm>
+          <a:off x="0" y="0"/>
+          <a:ext cx="0" cy="0"/>
+          <a:chOff x="0" y="0"/>
+          <a:chExt cx="0" cy="0"/>
+        </a:xfrm>
+      </p:grpSpPr>
+      <p:sp>
+        <p:nvSpPr>
+          <p:cNvPr id="14339" name="내용 개체 틀 2"/>
+          <p:cNvSpPr>
+            <a:spLocks noGrp="1"/>
+          </p:cNvSpPr>
+          <p:nvPr>
+            <p:ph idx="4294967295"/>
+          </p:nvPr>
+        </p:nvSpPr>
+        <p:spPr>
+          <a:xfrm>
+            <a:off x="476545" y="1314450"/>
+            <a:ext cx="8415338" cy="4781550"/>
+          </a:xfrm>
+        </p:spPr>
+        <p:txBody>
+          <a:bodyPr>
+            <a:normAutofit/>
+          </a:bodyPr>
+          <a:lstStyle/>
+          <a:p>
+            <a:pPr marL="0" indent="0">
+              <a:buNone/>
+            </a:pPr>
+            <a:r>
+              <a:rPr lang="en-US" altLang="ko-KR" sz="2000" dirty="0">
+                <a:latin typeface="+mn-ea"/>
+              </a:rPr>
+              <a:t>[</a:t>
+            </a:r>
+            <a:r>
+              <a:rPr lang="ko-KR" altLang="en-US" sz="2000" dirty="0">
+                <a:latin typeface="+mn-ea"/>
+              </a:rPr>
+              <a:t>예 </a:t>
+            </a:r>
+            <a:r>
+              <a:rPr lang="en-US" altLang="ko-KR" sz="2000" dirty="0">
+                <a:latin typeface="+mn-ea"/>
+              </a:rPr>
+              <a:t>6-4]</a:t>
+            </a:r>
+            <a:r>
+              <a:rPr lang="ko-KR" altLang="en-US" sz="2000" dirty="0">
+                <a:latin typeface="+mn-ea"/>
+              </a:rPr>
+              <a:t> 총 </a:t>
+            </a:r>
+            <a:r>
+              <a:rPr lang="en-US" altLang="ko-KR" sz="2000" dirty="0">
+                <a:latin typeface="+mn-ea"/>
+              </a:rPr>
+              <a:t>50</a:t>
+            </a:r>
+            <a:r>
+              <a:rPr lang="ko-KR" altLang="en-US" sz="2000" dirty="0">
+                <a:latin typeface="+mn-ea"/>
+              </a:rPr>
+              <a:t>개의 개체로 구성되며</a:t>
+            </a:r>
+            <a:r>
+              <a:rPr lang="en-US" altLang="ko-KR" sz="2000" dirty="0">
+                <a:latin typeface="+mn-ea"/>
+              </a:rPr>
+              <a:t>, </a:t>
+            </a:r>
+            <a:r>
+              <a:rPr lang="ko-KR" altLang="en-US" sz="2000" dirty="0">
+                <a:latin typeface="+mn-ea"/>
+              </a:rPr>
+              <a:t>각각 </a:t>
+            </a:r>
+            <a:r>
+              <a:rPr lang="en-US" altLang="ko-KR" sz="2000" dirty="0">
+                <a:latin typeface="+mn-ea"/>
+              </a:rPr>
+              <a:t>10</a:t>
+            </a:r>
+            <a:r>
+              <a:rPr lang="ko-KR" altLang="en-US" sz="2000" dirty="0">
+                <a:latin typeface="+mn-ea"/>
+              </a:rPr>
+              <a:t>개</a:t>
+            </a:r>
+            <a:r>
+              <a:rPr lang="en-US" altLang="ko-KR" sz="2000" dirty="0">
+                <a:latin typeface="+mn-ea"/>
+              </a:rPr>
+              <a:t>, 25</a:t>
+            </a:r>
+            <a:r>
+              <a:rPr lang="ko-KR" altLang="en-US" sz="2000" dirty="0">
+                <a:latin typeface="+mn-ea"/>
+              </a:rPr>
+              <a:t>개</a:t>
+            </a:r>
+            <a:r>
+              <a:rPr lang="en-US" altLang="ko-KR" sz="2000" dirty="0">
+                <a:latin typeface="+mn-ea"/>
+              </a:rPr>
+              <a:t>, 40</a:t>
+            </a:r>
+            <a:r>
+              <a:rPr lang="ko-KR" altLang="en-US" sz="2000" dirty="0">
+                <a:latin typeface="+mn-ea"/>
+              </a:rPr>
+              <a:t>개의 성공 개체가 있는 세 종류의 유한모집단에서 </a:t>
+            </a:r>
+            <a:r>
+              <a:rPr lang="en-US" altLang="ko-KR" sz="2000" dirty="0">
+                <a:latin typeface="+mn-ea"/>
+              </a:rPr>
+              <a:t>10</a:t>
+            </a:r>
+            <a:r>
+              <a:rPr lang="ko-KR" altLang="en-US" sz="2000" dirty="0">
+                <a:latin typeface="+mn-ea"/>
+              </a:rPr>
+              <a:t>개씩 표본을 취하였을 때</a:t>
+            </a:r>
+            <a:r>
+              <a:rPr lang="en-US" altLang="ko-KR" sz="2000" dirty="0">
+                <a:latin typeface="+mn-ea"/>
+              </a:rPr>
+              <a:t>, </a:t>
+            </a:r>
+            <a:r>
+              <a:rPr lang="ko-KR" altLang="en-US" sz="2000" dirty="0">
+                <a:latin typeface="+mn-ea"/>
+              </a:rPr>
+              <a:t>성공개수의 </a:t>
+            </a:r>
+            <a:r>
+              <a:rPr lang="ko-KR" altLang="en-US" sz="2000" dirty="0" smtClean="0">
+                <a:latin typeface="+mn-ea"/>
+              </a:rPr>
+              <a:t>확률분포</a:t>
+            </a:r>
+            <a:endParaRPr lang="ko-KR" altLang="en-US" sz="2000" dirty="0">
+              <a:latin typeface="+mn-ea"/>
+            </a:endParaRPr>
+          </a:p>
+        </p:txBody>
+      </p:sp>
+      <p:sp>
+        <p:nvSpPr>
+          <p:cNvPr id="40" name="제목 1"/>
+          <p:cNvSpPr txBox="1">
+            <a:spLocks/>
+          </p:cNvSpPr>
+          <p:nvPr/>
+        </p:nvSpPr>
+        <p:spPr>
+          <a:xfrm>
+            <a:off x="476545" y="368660"/>
+            <a:ext cx="8289630" cy="765086"/>
+          </a:xfrm>
+          <a:prstGeom prst="rect">
+            <a:avLst/>
+          </a:prstGeom>
+        </p:spPr>
+        <p:txBody>
+          <a:bodyPr vert="horz" lIns="91440" tIns="45720" rIns="91440" bIns="45720" rtlCol="0" anchor="ctr">
+            <a:normAutofit/>
+          </a:bodyPr>
+          <a:lstStyle>
+            <a:lvl1pPr algn="l" defTabSz="914400" rtl="0" eaLnBrk="1" latinLnBrk="1" hangingPunct="1">
+              <a:spcBef>
+                <a:spcPct val="0"/>
+              </a:spcBef>
+              <a:buNone/>
+              <a:defRPr sz="3600" b="1" kern="1200">
+                <a:solidFill>
+                  <a:schemeClr val="tx1"/>
+                </a:solidFill>
+                <a:latin typeface="+mj-lt"/>
+                <a:ea typeface="+mj-ea"/>
+                <a:cs typeface="+mj-cs"/>
+              </a:defRPr>
+            </a:lvl1pPr>
+          </a:lstStyle>
+          <a:p>
+            <a:r>
+              <a:rPr lang="en-US" altLang="ko-KR" dirty="0" smtClean="0"/>
+              <a:t>3. </a:t>
+            </a:r>
+            <a:r>
+              <a:rPr lang="ko-KR" altLang="en-US" dirty="0" err="1"/>
+              <a:t>초기하분포</a:t>
+            </a:r>
+            <a:endParaRPr lang="ko-KR" altLang="en-US" dirty="0" smtClean="0"/>
+          </a:p>
+        </p:txBody>
+      </p:sp>
+      <p:sp>
+        <p:nvSpPr>
+          <p:cNvPr id="4" name="TextBox 3"/>
+          <p:cNvSpPr txBox="1"/>
+          <p:nvPr/>
+        </p:nvSpPr>
+        <p:spPr>
+          <a:xfrm>
+            <a:off x="539552" y="2404914"/>
+            <a:ext cx="4392488" cy="3139321"/>
+          </a:xfrm>
+          <a:prstGeom prst="rect">
+            <a:avLst/>
+          </a:prstGeom>
+          <a:noFill/>
+        </p:spPr>
+        <p:txBody>
+          <a:bodyPr wrap="square" rtlCol="0">
+            <a:spAutoFit/>
+          </a:bodyPr>
+          <a:lstStyle/>
+          <a:p>
+            <a:r>
+              <a:rPr lang="en-US" altLang="ko-KR" dirty="0" smtClean="0">
+                <a:latin typeface="+mn-ea"/>
+                <a:ea typeface="+mn-ea"/>
+              </a:rPr>
+              <a:t>(1)</a:t>
+            </a:r>
+            <a:r>
+              <a:rPr lang="ko-KR" altLang="en-US" dirty="0">
+                <a:latin typeface="+mn-ea"/>
+                <a:ea typeface="+mn-ea"/>
+              </a:rPr>
+              <a:t> </a:t>
+            </a:r>
+            <a:r>
+              <a:rPr lang="en-US" altLang="ko-KR" dirty="0">
+                <a:latin typeface="+mn-ea"/>
+                <a:ea typeface="+mn-ea"/>
+              </a:rPr>
+              <a:t>10</a:t>
+            </a:r>
+            <a:r>
+              <a:rPr lang="ko-KR" altLang="en-US" dirty="0">
+                <a:latin typeface="+mn-ea"/>
+                <a:ea typeface="+mn-ea"/>
+              </a:rPr>
+              <a:t>개의 성공 개체가 있는 경우</a:t>
+            </a:r>
+            <a:endParaRPr lang="en-US" altLang="ko-KR" dirty="0" smtClean="0">
+              <a:latin typeface="+mn-ea"/>
+              <a:ea typeface="+mn-ea"/>
+            </a:endParaRPr>
+          </a:p>
+          <a:p>
+            <a:endParaRPr lang="en-US" altLang="ko-KR" dirty="0" smtClean="0">
+              <a:latin typeface="+mn-ea"/>
+              <a:ea typeface="+mn-ea"/>
+            </a:endParaRPr>
+          </a:p>
+          <a:p>
+            <a:endParaRPr lang="en-US" altLang="ko-KR" dirty="0" smtClean="0">
+              <a:latin typeface="+mn-ea"/>
+              <a:ea typeface="+mn-ea"/>
+            </a:endParaRPr>
+          </a:p>
+          <a:p>
+            <a:endParaRPr lang="en-US" altLang="ko-KR" dirty="0">
+              <a:latin typeface="+mn-ea"/>
+              <a:ea typeface="+mn-ea"/>
+            </a:endParaRPr>
+          </a:p>
+          <a:p>
+            <a:endParaRPr lang="en-US" altLang="ko-KR" dirty="0" smtClean="0">
+              <a:latin typeface="+mn-ea"/>
+              <a:ea typeface="+mn-ea"/>
+            </a:endParaRPr>
+          </a:p>
+          <a:p>
+            <a:r>
+              <a:rPr lang="en-US" altLang="ko-KR" dirty="0">
+                <a:latin typeface="+mn-ea"/>
+                <a:ea typeface="+mn-ea"/>
+              </a:rPr>
+              <a:t>(2</a:t>
+            </a:r>
+            <a:r>
+              <a:rPr lang="en-US" altLang="ko-KR" dirty="0" smtClean="0">
+                <a:latin typeface="+mn-ea"/>
+                <a:ea typeface="+mn-ea"/>
+              </a:rPr>
+              <a:t>)</a:t>
+            </a:r>
+            <a:r>
+              <a:rPr lang="ko-KR" altLang="en-US" dirty="0">
+                <a:latin typeface="+mn-ea"/>
+                <a:ea typeface="+mn-ea"/>
+              </a:rPr>
+              <a:t> </a:t>
+            </a:r>
+            <a:r>
+              <a:rPr lang="en-US" altLang="ko-KR" dirty="0" smtClean="0">
+                <a:latin typeface="+mn-ea"/>
+                <a:ea typeface="+mn-ea"/>
+              </a:rPr>
+              <a:t>25</a:t>
+            </a:r>
+            <a:r>
+              <a:rPr lang="ko-KR" altLang="en-US" dirty="0" smtClean="0">
+                <a:latin typeface="+mn-ea"/>
+                <a:ea typeface="+mn-ea"/>
+              </a:rPr>
+              <a:t>개의 </a:t>
+            </a:r>
+            <a:r>
+              <a:rPr lang="ko-KR" altLang="en-US" dirty="0">
+                <a:latin typeface="+mn-ea"/>
+                <a:ea typeface="+mn-ea"/>
+              </a:rPr>
+              <a:t>성공 개체가 있는 경우</a:t>
+            </a:r>
+            <a:endParaRPr lang="en-US" altLang="ko-KR" dirty="0" smtClean="0">
+              <a:latin typeface="+mn-ea"/>
+              <a:ea typeface="+mn-ea"/>
+            </a:endParaRPr>
+          </a:p>
+          <a:p>
+            <a:endParaRPr lang="en-US" altLang="ko-KR" dirty="0" smtClean="0">
+              <a:latin typeface="+mn-ea"/>
+              <a:ea typeface="+mn-ea"/>
+            </a:endParaRPr>
+          </a:p>
+          <a:p>
+            <a:endParaRPr lang="en-US" altLang="ko-KR" dirty="0" smtClean="0">
+              <a:latin typeface="+mn-ea"/>
+              <a:ea typeface="+mn-ea"/>
+            </a:endParaRPr>
+          </a:p>
+          <a:p>
+            <a:endParaRPr lang="en-US" altLang="ko-KR" dirty="0">
+              <a:latin typeface="+mn-ea"/>
+              <a:ea typeface="+mn-ea"/>
+            </a:endParaRPr>
+          </a:p>
+          <a:p>
+            <a:endParaRPr lang="en-US" altLang="ko-KR" dirty="0">
+              <a:latin typeface="+mn-ea"/>
+              <a:ea typeface="+mn-ea"/>
+            </a:endParaRPr>
+          </a:p>
+          <a:p>
+            <a:r>
+              <a:rPr lang="en-US" altLang="ko-KR" dirty="0">
+                <a:latin typeface="+mn-ea"/>
+                <a:ea typeface="+mn-ea"/>
+              </a:rPr>
+              <a:t>(3</a:t>
+            </a:r>
+            <a:r>
+              <a:rPr lang="en-US" altLang="ko-KR" dirty="0" smtClean="0">
+                <a:latin typeface="+mn-ea"/>
+                <a:ea typeface="+mn-ea"/>
+              </a:rPr>
+              <a:t>)</a:t>
+            </a:r>
+            <a:r>
+              <a:rPr lang="ko-KR" altLang="en-US" dirty="0">
+                <a:latin typeface="+mn-ea"/>
+                <a:ea typeface="+mn-ea"/>
+              </a:rPr>
+              <a:t> </a:t>
+            </a:r>
+            <a:r>
+              <a:rPr lang="en-US" altLang="ko-KR" dirty="0" smtClean="0">
+                <a:latin typeface="+mn-ea"/>
+                <a:ea typeface="+mn-ea"/>
+              </a:rPr>
+              <a:t>40</a:t>
+            </a:r>
+            <a:r>
+              <a:rPr lang="ko-KR" altLang="en-US" dirty="0">
+                <a:latin typeface="+mn-ea"/>
+                <a:ea typeface="+mn-ea"/>
+              </a:rPr>
+              <a:t>개의 성공 개체가 있는 경우</a:t>
+            </a:r>
+          </a:p>
+        </p:txBody>
+      </p:sp>
+      <p:graphicFrame>
+        <p:nvGraphicFramePr>
+          <p:cNvPr id="5" name="개체 4"/>
+          <p:cNvGraphicFramePr>
+            <a:graphicFrameLocks noChangeAspect="1"/>
+          </p:cNvGraphicFramePr>
+          <p:nvPr>
+            <p:extLst/>
+          </p:nvPr>
+        </p:nvGraphicFramePr>
+        <p:xfrm>
+          <a:off x="4211960" y="2474855"/>
+          <a:ext cx="2063588" cy="302809"/>
+        </p:xfrm>
+        <a:graphic>
+          <a:graphicData uri="http://schemas.openxmlformats.org/presentationml/2006/ole">
+            <mc:AlternateContent xmlns:mc="http://schemas.openxmlformats.org/markup-compatibility/2006">
+              <mc:Choice xmlns:v="urn:schemas-microsoft-com:vml" Requires="v">
+                <p:oleObj spid="_x0000_s12290" name="Equation" r:id="rId3" imgW="2336760" imgH="342720" progId="Equation.DSMT4">
+                  <p:embed/>
+                </p:oleObj>
+              </mc:Choice>
+              <mc:Fallback>
+                <p:oleObj name="Equation" r:id="rId3" imgW="2336760" imgH="342720" progId="Equation.DSMT4">
+                  <p:embed/>
+                  <p:pic>
+                    <p:nvPicPr>
+                      <p:cNvPr id="5" name="개체 4"/>
+                      <p:cNvPicPr/>
+                      <p:nvPr/>
+                    </p:nvPicPr>
+                    <p:blipFill>
+                      <a:blip r:embed="rId4"/>
+                      <a:stretch>
+                        <a:fillRect/>
+                      </a:stretch>
+                    </p:blipFill>
+                    <p:spPr>
+                      <a:xfrm>
+                        <a:off x="4211960" y="2474855"/>
+                        <a:ext cx="2063588" cy="302809"/>
+                      </a:xfrm>
+                      <a:prstGeom prst="rect">
+                        <a:avLst/>
+                      </a:prstGeom>
+                    </p:spPr>
+                  </p:pic>
+                </p:oleObj>
+              </mc:Fallback>
+            </mc:AlternateContent>
+          </a:graphicData>
+        </a:graphic>
+      </p:graphicFrame>
+      <p:graphicFrame>
+        <p:nvGraphicFramePr>
+          <p:cNvPr id="6" name="개체 5"/>
+          <p:cNvGraphicFramePr>
+            <a:graphicFrameLocks noChangeAspect="1"/>
+          </p:cNvGraphicFramePr>
+          <p:nvPr>
+            <p:extLst/>
+          </p:nvPr>
+        </p:nvGraphicFramePr>
+        <p:xfrm>
+          <a:off x="4211960" y="3855068"/>
+          <a:ext cx="2086018" cy="302809"/>
+        </p:xfrm>
+        <a:graphic>
+          <a:graphicData uri="http://schemas.openxmlformats.org/presentationml/2006/ole">
+            <mc:AlternateContent xmlns:mc="http://schemas.openxmlformats.org/markup-compatibility/2006">
+              <mc:Choice xmlns:v="urn:schemas-microsoft-com:vml" Requires="v">
+                <p:oleObj spid="_x0000_s12291" name="Equation" r:id="rId5" imgW="2361960" imgH="342720" progId="Equation.DSMT4">
+                  <p:embed/>
+                </p:oleObj>
+              </mc:Choice>
+              <mc:Fallback>
+                <p:oleObj name="Equation" r:id="rId5" imgW="2361960" imgH="342720" progId="Equation.DSMT4">
+                  <p:embed/>
+                  <p:pic>
+                    <p:nvPicPr>
+                      <p:cNvPr id="6" name="개체 5"/>
+                      <p:cNvPicPr>
+                        <a:picLocks noChangeAspect="1" noChangeArrowheads="1"/>
+                      </p:cNvPicPr>
+                      <p:nvPr/>
+                    </p:nvPicPr>
+                    <p:blipFill>
+                      <a:blip r:embed="rId6"/>
+                      <a:srcRect/>
+                      <a:stretch>
+                        <a:fillRect/>
+                      </a:stretch>
+                    </p:blipFill>
+                    <p:spPr bwMode="auto">
+                      <a:xfrm>
+                        <a:off x="4211960" y="3855068"/>
+                        <a:ext cx="2086018" cy="302809"/>
+                      </a:xfrm>
+                      <a:prstGeom prst="rect">
+                        <a:avLst/>
+                      </a:prstGeom>
+                      <a:noFill/>
+                      <a:ln>
+                        <a:noFill/>
+                      </a:ln>
+                      <a:extLst/>
+                    </p:spPr>
+                  </p:pic>
+                </p:oleObj>
+              </mc:Fallback>
+            </mc:AlternateContent>
+          </a:graphicData>
+        </a:graphic>
+      </p:graphicFrame>
+      <p:graphicFrame>
+        <p:nvGraphicFramePr>
+          <p:cNvPr id="7" name="개체 6"/>
+          <p:cNvGraphicFramePr>
+            <a:graphicFrameLocks noChangeAspect="1"/>
+          </p:cNvGraphicFramePr>
+          <p:nvPr>
+            <p:extLst/>
+          </p:nvPr>
+        </p:nvGraphicFramePr>
+        <p:xfrm>
+          <a:off x="4256965" y="5209527"/>
+          <a:ext cx="2097233" cy="302809"/>
+        </p:xfrm>
+        <a:graphic>
+          <a:graphicData uri="http://schemas.openxmlformats.org/presentationml/2006/ole">
+            <mc:AlternateContent xmlns:mc="http://schemas.openxmlformats.org/markup-compatibility/2006">
+              <mc:Choice xmlns:v="urn:schemas-microsoft-com:vml" Requires="v">
+                <p:oleObj spid="_x0000_s12292" name="Equation" r:id="rId7" imgW="2374560" imgH="342720" progId="Equation.DSMT4">
+                  <p:embed/>
+                </p:oleObj>
+              </mc:Choice>
+              <mc:Fallback>
+                <p:oleObj name="Equation" r:id="rId7" imgW="2374560" imgH="342720" progId="Equation.DSMT4">
+                  <p:embed/>
+                  <p:pic>
+                    <p:nvPicPr>
+                      <p:cNvPr id="7" name="개체 6"/>
+                      <p:cNvPicPr>
+                        <a:picLocks noChangeAspect="1" noChangeArrowheads="1"/>
+                      </p:cNvPicPr>
+                      <p:nvPr/>
+                    </p:nvPicPr>
+                    <p:blipFill>
+                      <a:blip r:embed="rId8"/>
+                      <a:srcRect/>
+                      <a:stretch>
+                        <a:fillRect/>
+                      </a:stretch>
+                    </p:blipFill>
+                    <p:spPr bwMode="auto">
+                      <a:xfrm>
+                        <a:off x="4256965" y="5209527"/>
+                        <a:ext cx="2097233" cy="302809"/>
+                      </a:xfrm>
+                      <a:prstGeom prst="rect">
+                        <a:avLst/>
+                      </a:prstGeom>
+                      <a:noFill/>
+                      <a:ln>
+                        <a:noFill/>
+                      </a:ln>
+                      <a:extLst/>
+                    </p:spPr>
+                  </p:pic>
+                </p:oleObj>
+              </mc:Fallback>
+            </mc:AlternateContent>
+          </a:graphicData>
+        </a:graphic>
+      </p:graphicFrame>
+      <p:sp>
+        <p:nvSpPr>
+          <p:cNvPr id="8" name="직사각형 7"/>
+          <p:cNvSpPr/>
+          <p:nvPr/>
+        </p:nvSpPr>
+        <p:spPr>
+          <a:xfrm>
+            <a:off x="539552" y="2404914"/>
+            <a:ext cx="8127903" cy="4192438"/>
+          </a:xfrm>
+          <a:prstGeom prst="rect">
+            <a:avLst/>
+          </a:prstGeom>
+          <a:noFill/>
+          <a:ln>
+            <a:solidFill>
+              <a:srgbClr val="00B0F0"/>
+            </a:solidFill>
+          </a:ln>
+        </p:spPr>
+        <p:style>
+          <a:lnRef idx="2">
+            <a:schemeClr val="accent1">
+              <a:shade val="50000"/>
+            </a:schemeClr>
+          </a:lnRef>
+          <a:fillRef idx="1">
+            <a:schemeClr val="accent1"/>
+          </a:fillRef>
+          <a:effectRef idx="0">
+            <a:schemeClr val="accent1"/>
+          </a:effectRef>
+          <a:fontRef idx="minor">
+            <a:schemeClr val="lt1"/>
+          </a:fontRef>
+        </p:style>
+        <p:txBody>
+          <a:bodyPr rtlCol="0" anchor="ctr"/>
+          <a:lstStyle/>
+          <a:p>
+            <a:pPr algn="ctr"/>
+            <a:endParaRPr lang="ko-KR" altLang="en-US"/>
+          </a:p>
+        </p:txBody>
+      </p:sp>
+      <p:pic>
+        <p:nvPicPr>
+          <p:cNvPr id="9" name="Picture 755"/>
+          <p:cNvPicPr>
+            <a:picLocks noChangeAspect="1" noChangeArrowheads="1"/>
+          </p:cNvPicPr>
+          <p:nvPr/>
+        </p:nvPicPr>
+        <p:blipFill>
+          <a:blip r:embed="rId9">
+            <a:extLst>
+              <a:ext uri="{28A0092B-C50C-407E-A947-70E740481C1C}">
+                <a14:useLocalDpi xmlns:a14="http://schemas.microsoft.com/office/drawing/2010/main" val="0"/>
+              </a:ext>
+            </a:extLst>
+          </a:blip>
+          <a:srcRect/>
+          <a:stretch>
+            <a:fillRect/>
+          </a:stretch>
+        </p:blipFill>
+        <p:spPr bwMode="auto">
+          <a:xfrm>
+            <a:off x="2163291" y="2762927"/>
+            <a:ext cx="3281239" cy="891098"/>
+          </a:xfrm>
+          <a:prstGeom prst="rect">
+            <a:avLst/>
+          </a:prstGeom>
+          <a:noFill/>
+          <a:ln>
+            <a:noFill/>
+          </a:ln>
+          <a:extLst>
+            <a:ext uri="{909E8E84-426E-40DD-AFC4-6F175D3DCCD1}">
+              <a14:hiddenFill xmlns:a14="http://schemas.microsoft.com/office/drawing/2010/main">
+                <a:solidFill>
+                  <a:schemeClr val="accent1"/>
+                </a:solidFill>
+              </a14:hiddenFill>
+            </a:ext>
+            <a:ext uri="{91240B29-F687-4F45-9708-019B960494DF}">
+              <a14:hiddenLine xmlns:a14="http://schemas.microsoft.com/office/drawing/2010/main" w="9525">
+                <a:solidFill>
+                  <a:schemeClr val="tx1"/>
+                </a:solidFill>
+                <a:miter lim="800000"/>
+                <a:headEnd/>
+                <a:tailEnd/>
+              </a14:hiddenLine>
+            </a:ext>
+          </a:extLst>
+        </p:spPr>
+      </p:pic>
+      <p:pic>
+        <p:nvPicPr>
+          <p:cNvPr id="10" name="Picture 756"/>
+          <p:cNvPicPr>
+            <a:picLocks noChangeAspect="1" noChangeArrowheads="1"/>
+          </p:cNvPicPr>
+          <p:nvPr/>
+        </p:nvPicPr>
+        <p:blipFill>
+          <a:blip r:embed="rId10">
+            <a:extLst>
+              <a:ext uri="{28A0092B-C50C-407E-A947-70E740481C1C}">
+                <a14:useLocalDpi xmlns:a14="http://schemas.microsoft.com/office/drawing/2010/main" val="0"/>
+              </a:ext>
+            </a:extLst>
+          </a:blip>
+          <a:srcRect/>
+          <a:stretch>
+            <a:fillRect/>
+          </a:stretch>
+        </p:blipFill>
+        <p:spPr bwMode="auto">
+          <a:xfrm>
+            <a:off x="2156110" y="4231436"/>
+            <a:ext cx="3231270" cy="907754"/>
+          </a:xfrm>
+          <a:prstGeom prst="rect">
+            <a:avLst/>
+          </a:prstGeom>
+          <a:noFill/>
+          <a:ln>
+            <a:noFill/>
+          </a:ln>
+          <a:extLst>
+            <a:ext uri="{909E8E84-426E-40DD-AFC4-6F175D3DCCD1}">
+              <a14:hiddenFill xmlns:a14="http://schemas.microsoft.com/office/drawing/2010/main">
+                <a:solidFill>
+                  <a:schemeClr val="accent1"/>
+                </a:solidFill>
+              </a14:hiddenFill>
+            </a:ext>
+            <a:ext uri="{91240B29-F687-4F45-9708-019B960494DF}">
+              <a14:hiddenLine xmlns:a14="http://schemas.microsoft.com/office/drawing/2010/main" w="9525">
+                <a:solidFill>
+                  <a:schemeClr val="tx1"/>
+                </a:solidFill>
+                <a:miter lim="800000"/>
+                <a:headEnd/>
+                <a:tailEnd/>
+              </a14:hiddenLine>
+            </a:ext>
+          </a:extLst>
+        </p:spPr>
+      </p:pic>
+      <p:pic>
+        <p:nvPicPr>
+          <p:cNvPr id="11" name="Picture 757"/>
+          <p:cNvPicPr>
+            <a:picLocks noChangeAspect="1" noChangeArrowheads="1"/>
+          </p:cNvPicPr>
+          <p:nvPr/>
+        </p:nvPicPr>
+        <p:blipFill>
+          <a:blip r:embed="rId11">
+            <a:extLst>
+              <a:ext uri="{28A0092B-C50C-407E-A947-70E740481C1C}">
+                <a14:useLocalDpi xmlns:a14="http://schemas.microsoft.com/office/drawing/2010/main" val="0"/>
+              </a:ext>
+            </a:extLst>
+          </a:blip>
+          <a:srcRect/>
+          <a:stretch>
+            <a:fillRect/>
+          </a:stretch>
+        </p:blipFill>
+        <p:spPr bwMode="auto">
+          <a:xfrm>
+            <a:off x="2163291" y="5643247"/>
+            <a:ext cx="3281239" cy="891098"/>
+          </a:xfrm>
+          <a:prstGeom prst="rect">
+            <a:avLst/>
+          </a:prstGeom>
+          <a:noFill/>
+          <a:ln>
+            <a:noFill/>
+          </a:ln>
+          <a:extLst>
+            <a:ext uri="{909E8E84-426E-40DD-AFC4-6F175D3DCCD1}">
+              <a14:hiddenFill xmlns:a14="http://schemas.microsoft.com/office/drawing/2010/main">
+                <a:solidFill>
+                  <a:schemeClr val="accent1"/>
+                </a:solidFill>
+              </a14:hiddenFill>
+            </a:ext>
+            <a:ext uri="{91240B29-F687-4F45-9708-019B960494DF}">
+              <a14:hiddenLine xmlns:a14="http://schemas.microsoft.com/office/drawing/2010/main" w="9525">
+                <a:solidFill>
+                  <a:schemeClr val="tx1"/>
+                </a:solidFill>
+                <a:miter lim="800000"/>
+                <a:headEnd/>
+                <a:tailEnd/>
+              </a14:hiddenLine>
+            </a:ext>
+          </a:extLst>
+        </p:spPr>
+      </p:pic>
+    </p:spTree>
+    <p:extLst>
+      <p:ext uri="{BB962C8B-B14F-4D97-AF65-F5344CB8AC3E}">
+        <p14:creationId xmlns:p14="http://schemas.microsoft.com/office/powerpoint/2010/main" val="2246346356"/>
+      </p:ext>
+    </p:extLst>
+  </p:cSld>
+  <p:clrMapOvr>
+    <a:masterClrMapping/>
+  </p:clrMapOvr>
+  <p:timing>
+    <p:tnLst>
+      <p:par>
+        <p:cTn id="1" dur="indefinite" restart="never" nodeType="tmRoot"/>
+      </p:par>
+    </p:tnLst>
+  </p:timing>
+</p:sld>
+</file>
+
+<file path=ppt/slides/slide16.xml><?xml version="1.0" encoding="utf-8"?>
+<p:sld xmlns:a="http://schemas.openxmlformats.org/drawingml/2006/main" xmlns:r="http://schemas.openxmlformats.org/officeDocument/2006/relationships" xmlns:p="http://schemas.openxmlformats.org/presentationml/2006/main">
+  <p:cSld>
+    <p:spTree>
+      <p:nvGrpSpPr>
+        <p:cNvPr id="1" name=""/>
+        <p:cNvGrpSpPr/>
+        <p:nvPr/>
+      </p:nvGrpSpPr>
+      <p:grpSpPr>
+        <a:xfrm>
+          <a:off x="0" y="0"/>
+          <a:ext cx="0" cy="0"/>
+          <a:chOff x="0" y="0"/>
+          <a:chExt cx="0" cy="0"/>
+        </a:xfrm>
+      </p:grpSpPr>
+      <p:sp>
+        <p:nvSpPr>
+          <p:cNvPr id="40" name="제목 1"/>
+          <p:cNvSpPr txBox="1">
+            <a:spLocks/>
+          </p:cNvSpPr>
+          <p:nvPr/>
+        </p:nvSpPr>
+        <p:spPr>
+          <a:xfrm>
+            <a:off x="476545" y="368660"/>
+            <a:ext cx="8289630" cy="765086"/>
+          </a:xfrm>
+          <a:prstGeom prst="rect">
+            <a:avLst/>
+          </a:prstGeom>
+        </p:spPr>
+        <p:txBody>
+          <a:bodyPr vert="horz" lIns="91440" tIns="45720" rIns="91440" bIns="45720" rtlCol="0" anchor="ctr">
+            <a:normAutofit/>
+          </a:bodyPr>
+          <a:lstStyle>
+            <a:lvl1pPr algn="l" defTabSz="914400" rtl="0" eaLnBrk="1" latinLnBrk="1" hangingPunct="1">
+              <a:spcBef>
+                <a:spcPct val="0"/>
+              </a:spcBef>
+              <a:buNone/>
+              <a:defRPr sz="3600" b="1" kern="1200">
+                <a:solidFill>
+                  <a:schemeClr val="tx1"/>
+                </a:solidFill>
+                <a:latin typeface="+mj-lt"/>
+                <a:ea typeface="+mj-ea"/>
+                <a:cs typeface="+mj-cs"/>
+              </a:defRPr>
+            </a:lvl1pPr>
+          </a:lstStyle>
+          <a:p>
+            <a:endParaRPr lang="ko-KR" altLang="en-US" dirty="0" smtClean="0"/>
+          </a:p>
+        </p:txBody>
+      </p:sp>
+      <p:pic>
+        <p:nvPicPr>
+          <p:cNvPr id="4" name="그림 3"/>
+          <p:cNvPicPr>
+            <a:picLocks noChangeAspect="1"/>
+          </p:cNvPicPr>
+          <p:nvPr/>
+        </p:nvPicPr>
+        <p:blipFill rotWithShape="1">
+          <a:blip r:embed="rId2">
+            <a:extLst>
+              <a:ext uri="{28A0092B-C50C-407E-A947-70E740481C1C}">
+                <a14:useLocalDpi xmlns:a14="http://schemas.microsoft.com/office/drawing/2010/main" val="0"/>
+              </a:ext>
+            </a:extLst>
+          </a:blip>
+          <a:srcRect b="3324"/>
+          <a:stretch/>
+        </p:blipFill>
+        <p:spPr>
+          <a:xfrm>
+            <a:off x="500284" y="863715"/>
+            <a:ext cx="8172400" cy="2631838"/>
+          </a:xfrm>
+          <a:prstGeom prst="rect">
+            <a:avLst/>
+          </a:prstGeom>
+          <a:ln>
+            <a:noFill/>
+          </a:ln>
+        </p:spPr>
+      </p:pic>
+      <p:pic>
+        <p:nvPicPr>
+          <p:cNvPr id="5" name="그림 4"/>
+          <p:cNvPicPr>
+            <a:picLocks noChangeAspect="1"/>
+          </p:cNvPicPr>
+          <p:nvPr/>
+        </p:nvPicPr>
+        <p:blipFill rotWithShape="1">
+          <a:blip r:embed="rId3">
+            <a:extLst>
+              <a:ext uri="{28A0092B-C50C-407E-A947-70E740481C1C}">
+                <a14:useLocalDpi xmlns:a14="http://schemas.microsoft.com/office/drawing/2010/main" val="0"/>
+              </a:ext>
+            </a:extLst>
+          </a:blip>
+          <a:srcRect b="10438"/>
+          <a:stretch/>
+        </p:blipFill>
+        <p:spPr>
+          <a:xfrm>
+            <a:off x="500284" y="3608544"/>
+            <a:ext cx="8172400" cy="2438182"/>
+          </a:xfrm>
+          <a:prstGeom prst="rect">
+            <a:avLst/>
+          </a:prstGeom>
+          <a:ln>
+            <a:noFill/>
+          </a:ln>
+        </p:spPr>
+      </p:pic>
+    </p:spTree>
+    <p:extLst>
+      <p:ext uri="{BB962C8B-B14F-4D97-AF65-F5344CB8AC3E}">
+        <p14:creationId xmlns:p14="http://schemas.microsoft.com/office/powerpoint/2010/main" val="1853365019"/>
+      </p:ext>
+    </p:extLst>
+  </p:cSld>
+  <p:clrMapOvr>
+    <a:masterClrMapping/>
+  </p:clrMapOvr>
+  <p:timing>
+    <p:tnLst>
+      <p:par>
+        <p:cTn id="1" dur="indefinite" restart="never" nodeType="tmRoot"/>
+      </p:par>
+    </p:tnLst>
+  </p:timing>
+</p:sld>
+</file>
+
+<file path=ppt/slides/slide17.xml><?xml version="1.0" encoding="utf-8"?>
+<p:sld xmlns:a="http://schemas.openxmlformats.org/drawingml/2006/main" xmlns:r="http://schemas.openxmlformats.org/officeDocument/2006/relationships" xmlns:p="http://schemas.openxmlformats.org/presentationml/2006/main">
+  <p:cSld>
+    <p:spTree>
+      <p:nvGrpSpPr>
+        <p:cNvPr id="1" name=""/>
+        <p:cNvGrpSpPr/>
+        <p:nvPr/>
+      </p:nvGrpSpPr>
+      <p:grpSpPr>
+        <a:xfrm>
+          <a:off x="0" y="0"/>
+          <a:ext cx="0" cy="0"/>
+          <a:chOff x="0" y="0"/>
+          <a:chExt cx="0" cy="0"/>
+        </a:xfrm>
+      </p:grpSpPr>
+      <p:sp>
+        <p:nvSpPr>
+          <p:cNvPr id="40" name="제목 1"/>
+          <p:cNvSpPr txBox="1">
+            <a:spLocks/>
+          </p:cNvSpPr>
+          <p:nvPr/>
+        </p:nvSpPr>
+        <p:spPr>
+          <a:xfrm>
+            <a:off x="476545" y="368660"/>
+            <a:ext cx="8289630" cy="765086"/>
+          </a:xfrm>
+          <a:prstGeom prst="rect">
+            <a:avLst/>
+          </a:prstGeom>
+        </p:spPr>
+        <p:txBody>
+          <a:bodyPr vert="horz" lIns="91440" tIns="45720" rIns="91440" bIns="45720" rtlCol="0" anchor="ctr">
+            <a:normAutofit/>
+          </a:bodyPr>
+          <a:lstStyle>
+            <a:lvl1pPr algn="l" defTabSz="914400" rtl="0" eaLnBrk="1" latinLnBrk="1" hangingPunct="1">
+              <a:spcBef>
+                <a:spcPct val="0"/>
+              </a:spcBef>
+              <a:buNone/>
+              <a:defRPr sz="3600" b="1" kern="1200">
+                <a:solidFill>
+                  <a:schemeClr val="tx1"/>
+                </a:solidFill>
+                <a:latin typeface="+mj-lt"/>
+                <a:ea typeface="+mj-ea"/>
+                <a:cs typeface="+mj-cs"/>
+              </a:defRPr>
+            </a:lvl1pPr>
+          </a:lstStyle>
+          <a:p>
+            <a:endParaRPr lang="ko-KR" altLang="en-US" dirty="0" smtClean="0"/>
+          </a:p>
+        </p:txBody>
+      </p:sp>
+      <p:sp>
+        <p:nvSpPr>
+          <p:cNvPr id="4" name="내용 개체 틀 2"/>
+          <p:cNvSpPr txBox="1">
+            <a:spLocks/>
+          </p:cNvSpPr>
+          <p:nvPr/>
+        </p:nvSpPr>
+        <p:spPr>
+          <a:xfrm>
+            <a:off x="476545" y="1314450"/>
+            <a:ext cx="8415338" cy="809405"/>
+          </a:xfrm>
+          <a:prstGeom prst="rect">
+            <a:avLst/>
+          </a:prstGeom>
+        </p:spPr>
+        <p:txBody>
+          <a:bodyPr vert="horz" lIns="91440" tIns="45720" rIns="91440" bIns="45720" rtlCol="0">
+            <a:normAutofit/>
+          </a:bodyPr>
+          <a:lstStyle>
+            <a:lvl1pPr marL="342900" indent="-342900" algn="l" defTabSz="914400" rtl="0" eaLnBrk="1" latinLnBrk="1" hangingPunct="1">
+              <a:spcBef>
+                <a:spcPct val="20000"/>
+              </a:spcBef>
+              <a:buFont typeface="Arial" pitchFamily="34" charset="0"/>
+              <a:buChar char="•"/>
+              <a:defRPr sz="3200" kern="1200">
+                <a:solidFill>
+                  <a:schemeClr val="tx1"/>
+                </a:solidFill>
+                <a:latin typeface="+mn-lt"/>
+                <a:ea typeface="+mn-ea"/>
+                <a:cs typeface="+mn-cs"/>
+              </a:defRPr>
+            </a:lvl1pPr>
+            <a:lvl2pPr marL="742950" indent="-285750" algn="l" defTabSz="914400" rtl="0" eaLnBrk="1" latinLnBrk="1" hangingPunct="1">
+              <a:spcBef>
+                <a:spcPct val="20000"/>
+              </a:spcBef>
+              <a:buFont typeface="Arial" pitchFamily="34" charset="0"/>
+              <a:buChar char="–"/>
+              <a:defRPr sz="2800" kern="1200">
+                <a:solidFill>
+                  <a:schemeClr val="tx1"/>
+                </a:solidFill>
+                <a:latin typeface="+mn-lt"/>
+                <a:ea typeface="+mn-ea"/>
+                <a:cs typeface="+mn-cs"/>
+              </a:defRPr>
+            </a:lvl2pPr>
+            <a:lvl3pPr marL="1143000" indent="-228600" algn="l" defTabSz="914400" rtl="0" eaLnBrk="1" latinLnBrk="1" hangingPunct="1">
+              <a:spcBef>
+                <a:spcPct val="20000"/>
+              </a:spcBef>
+              <a:buFont typeface="Arial" pitchFamily="34" charset="0"/>
+              <a:buChar char="•"/>
+              <a:defRPr sz="2400" kern="1200">
+                <a:solidFill>
+                  <a:schemeClr val="tx1"/>
+                </a:solidFill>
+                <a:latin typeface="+mn-lt"/>
+                <a:ea typeface="+mn-ea"/>
+                <a:cs typeface="+mn-cs"/>
+              </a:defRPr>
+            </a:lvl3pPr>
+            <a:lvl4pPr marL="1600200" indent="-228600" algn="l" defTabSz="914400" rtl="0" eaLnBrk="1" latinLnBrk="1" hangingPunct="1">
+              <a:spcBef>
+                <a:spcPct val="20000"/>
+              </a:spcBef>
+              <a:buFont typeface="Arial" pitchFamily="34" charset="0"/>
+              <a:buChar char="–"/>
+              <a:defRPr sz="2000" kern="1200">
+                <a:solidFill>
+                  <a:schemeClr val="tx1"/>
+                </a:solidFill>
+                <a:latin typeface="+mn-lt"/>
+                <a:ea typeface="+mn-ea"/>
+                <a:cs typeface="+mn-cs"/>
+              </a:defRPr>
+            </a:lvl4pPr>
+            <a:lvl5pPr marL="2057400" indent="-228600" algn="l" defTabSz="914400" rtl="0" eaLnBrk="1" latinLnBrk="1" hangingPunct="1">
+              <a:spcBef>
+                <a:spcPct val="20000"/>
+              </a:spcBef>
+              <a:buFont typeface="Arial" pitchFamily="34" charset="0"/>
+              <a:buChar char="»"/>
+              <a:defRPr sz="2000" kern="1200">
+                <a:solidFill>
+                  <a:schemeClr val="tx1"/>
+                </a:solidFill>
+                <a:latin typeface="+mn-lt"/>
+                <a:ea typeface="+mn-ea"/>
+                <a:cs typeface="+mn-cs"/>
+              </a:defRPr>
+            </a:lvl5pPr>
+            <a:lvl6pPr marL="2514600" indent="-228600" algn="l" defTabSz="914400" rtl="0" eaLnBrk="1" latinLnBrk="1" hangingPunct="1">
+              <a:spcBef>
+                <a:spcPct val="20000"/>
+              </a:spcBef>
+              <a:buFont typeface="Arial" pitchFamily="34" charset="0"/>
+              <a:buChar char="•"/>
+              <a:defRPr sz="2000" kern="1200">
+                <a:solidFill>
+                  <a:schemeClr val="tx1"/>
+                </a:solidFill>
+                <a:latin typeface="+mn-lt"/>
+                <a:ea typeface="+mn-ea"/>
+                <a:cs typeface="+mn-cs"/>
+              </a:defRPr>
+            </a:lvl6pPr>
+            <a:lvl7pPr marL="2971800" indent="-228600" algn="l" defTabSz="914400" rtl="0" eaLnBrk="1" latinLnBrk="1" hangingPunct="1">
+              <a:spcBef>
+                <a:spcPct val="20000"/>
+              </a:spcBef>
+              <a:buFont typeface="Arial" pitchFamily="34" charset="0"/>
+              <a:buChar char="•"/>
+              <a:defRPr sz="2000" kern="1200">
+                <a:solidFill>
+                  <a:schemeClr val="tx1"/>
+                </a:solidFill>
+                <a:latin typeface="+mn-lt"/>
+                <a:ea typeface="+mn-ea"/>
+                <a:cs typeface="+mn-cs"/>
+              </a:defRPr>
+            </a:lvl7pPr>
+            <a:lvl8pPr marL="3429000" indent="-228600" algn="l" defTabSz="914400" rtl="0" eaLnBrk="1" latinLnBrk="1" hangingPunct="1">
+              <a:spcBef>
+                <a:spcPct val="20000"/>
+              </a:spcBef>
+              <a:buFont typeface="Arial" pitchFamily="34" charset="0"/>
+              <a:buChar char="•"/>
+              <a:defRPr sz="2000" kern="1200">
+                <a:solidFill>
+                  <a:schemeClr val="tx1"/>
+                </a:solidFill>
+                <a:latin typeface="+mn-lt"/>
+                <a:ea typeface="+mn-ea"/>
+                <a:cs typeface="+mn-cs"/>
+              </a:defRPr>
+            </a:lvl8pPr>
+            <a:lvl9pPr marL="3886200" indent="-228600" algn="l" defTabSz="914400" rtl="0" eaLnBrk="1" latinLnBrk="1" hangingPunct="1">
+              <a:spcBef>
+                <a:spcPct val="20000"/>
+              </a:spcBef>
+              <a:buFont typeface="Arial" pitchFamily="34" charset="0"/>
+              <a:buChar char="•"/>
+              <a:defRPr sz="2000" kern="1200">
+                <a:solidFill>
+                  <a:schemeClr val="tx1"/>
+                </a:solidFill>
+                <a:latin typeface="+mn-lt"/>
+                <a:ea typeface="+mn-ea"/>
+                <a:cs typeface="+mn-cs"/>
+              </a:defRPr>
+            </a:lvl9pPr>
+          </a:lstStyle>
+          <a:p>
+            <a:pPr marL="0" indent="0">
+              <a:buNone/>
+            </a:pPr>
+            <a:r>
+              <a:rPr lang="en-US" altLang="ko-KR" sz="2000" dirty="0"/>
+              <a:t>[</a:t>
+            </a:r>
+            <a:r>
+              <a:rPr lang="ko-KR" altLang="en-US" sz="2000" dirty="0"/>
+              <a:t>예 </a:t>
+            </a:r>
+            <a:r>
+              <a:rPr lang="en-US" altLang="ko-KR" sz="2000" dirty="0"/>
+              <a:t>6-5] </a:t>
+            </a:r>
+            <a:r>
+              <a:rPr lang="ko-KR" altLang="en-US" sz="2000" dirty="0"/>
+              <a:t>불량률이 </a:t>
+            </a:r>
+            <a:r>
+              <a:rPr lang="en-US" altLang="ko-KR" sz="2000" dirty="0"/>
+              <a:t>5%</a:t>
+            </a:r>
+            <a:r>
+              <a:rPr lang="ko-KR" altLang="en-US" sz="2000" dirty="0"/>
+              <a:t>이고 </a:t>
+            </a:r>
+            <a:r>
+              <a:rPr lang="en-US" altLang="ko-KR" sz="2000" dirty="0"/>
+              <a:t>1000</a:t>
+            </a:r>
+            <a:r>
+              <a:rPr lang="ko-KR" altLang="en-US" sz="2000" dirty="0"/>
+              <a:t>개의 제품으로 구성된 </a:t>
+            </a:r>
+            <a:r>
+              <a:rPr lang="ko-KR" altLang="en-US" sz="2000" dirty="0" err="1"/>
+              <a:t>로트에서</a:t>
+            </a:r>
+            <a:r>
+              <a:rPr lang="ko-KR" altLang="en-US" sz="2000" dirty="0"/>
+              <a:t> </a:t>
+            </a:r>
+            <a:r>
+              <a:rPr lang="en-US" altLang="ko-KR" sz="2000" dirty="0"/>
+              <a:t>30</a:t>
+            </a:r>
+            <a:r>
+              <a:rPr lang="ko-KR" altLang="en-US" sz="2000" dirty="0"/>
+              <a:t>개의 표본을 추출하였을 때 나오는 불량개수 </a:t>
+            </a:r>
+            <a:r>
+              <a:rPr lang="en-US" altLang="ko-KR" sz="2000" dirty="0"/>
+              <a:t>X</a:t>
+            </a:r>
+            <a:endParaRPr lang="ko-KR" altLang="en-US" sz="2000" dirty="0"/>
+          </a:p>
+        </p:txBody>
+      </p:sp>
+      <p:sp>
+        <p:nvSpPr>
+          <p:cNvPr id="6" name="직사각형 5"/>
+          <p:cNvSpPr/>
+          <p:nvPr/>
+        </p:nvSpPr>
+        <p:spPr>
+          <a:xfrm>
+            <a:off x="746575" y="2123855"/>
+            <a:ext cx="7650850" cy="3375375"/>
+          </a:xfrm>
+          <a:prstGeom prst="rect">
+            <a:avLst/>
+          </a:prstGeom>
+          <a:noFill/>
+          <a:ln>
+            <a:solidFill>
+              <a:srgbClr val="00B0F0"/>
+            </a:solidFill>
+          </a:ln>
+        </p:spPr>
+        <p:style>
+          <a:lnRef idx="2">
+            <a:schemeClr val="accent1">
+              <a:shade val="50000"/>
+            </a:schemeClr>
+          </a:lnRef>
+          <a:fillRef idx="1">
+            <a:schemeClr val="accent1"/>
+          </a:fillRef>
+          <a:effectRef idx="0">
+            <a:schemeClr val="accent1"/>
+          </a:effectRef>
+          <a:fontRef idx="minor">
+            <a:schemeClr val="lt1"/>
+          </a:fontRef>
+        </p:style>
+        <p:txBody>
+          <a:bodyPr rtlCol="0" anchor="ctr"/>
+          <a:lstStyle/>
+          <a:p>
+            <a:pPr algn="ctr"/>
+            <a:endParaRPr lang="ko-KR" altLang="en-US"/>
+          </a:p>
+        </p:txBody>
+      </p:sp>
+      <p:sp>
+        <p:nvSpPr>
+          <p:cNvPr id="11" name="TextBox 10"/>
+          <p:cNvSpPr txBox="1"/>
+          <p:nvPr/>
+        </p:nvSpPr>
+        <p:spPr>
+          <a:xfrm>
+            <a:off x="728573" y="5579036"/>
+            <a:ext cx="7488832" cy="1077218"/>
+          </a:xfrm>
+          <a:prstGeom prst="rect">
+            <a:avLst/>
+          </a:prstGeom>
+          <a:noFill/>
+          <a:ln>
+            <a:solidFill>
+              <a:schemeClr val="accent1"/>
+            </a:solidFill>
+          </a:ln>
+        </p:spPr>
+        <p:txBody>
+          <a:bodyPr wrap="square" rtlCol="0">
+            <a:spAutoFit/>
+          </a:bodyPr>
+          <a:lstStyle/>
+          <a:p>
+            <a:r>
+              <a:rPr lang="nb-NO" altLang="ko-KR" sz="1600" dirty="0">
+                <a:solidFill>
+                  <a:srgbClr val="FF0000"/>
+                </a:solidFill>
+                <a:latin typeface="+mn-ea"/>
+                <a:ea typeface="+mn-ea"/>
+              </a:rPr>
+              <a:t>dhyper(0:3, 50, 950, 30)</a:t>
+            </a:r>
+          </a:p>
+          <a:p>
+            <a:r>
+              <a:rPr lang="nb-NO" altLang="ko-KR" sz="1600" dirty="0">
+                <a:solidFill>
+                  <a:srgbClr val="0000FF"/>
+                </a:solidFill>
+                <a:latin typeface="+mn-ea"/>
+                <a:ea typeface="+mn-ea"/>
+              </a:rPr>
+              <a:t>[1] 0.2096813 0.3415005 0.2631628 0.1277323</a:t>
+            </a:r>
+          </a:p>
+          <a:p>
+            <a:r>
+              <a:rPr lang="nb-NO" altLang="ko-KR" sz="1600" dirty="0">
+                <a:solidFill>
+                  <a:srgbClr val="FF0000"/>
+                </a:solidFill>
+                <a:latin typeface="+mn-ea"/>
+                <a:ea typeface="+mn-ea"/>
+              </a:rPr>
+              <a:t>sum(dhyper(0:3, 50, 950, 30)); phyper(3, 50, 950, 30)</a:t>
+            </a:r>
+          </a:p>
+          <a:p>
+            <a:r>
+              <a:rPr lang="nb-NO" altLang="ko-KR" sz="1600" dirty="0">
+                <a:solidFill>
+                  <a:srgbClr val="0000FF"/>
+                </a:solidFill>
+                <a:latin typeface="+mn-ea"/>
+                <a:ea typeface="+mn-ea"/>
+              </a:rPr>
+              <a:t>[1] 0.942077	[1] </a:t>
+            </a:r>
+            <a:r>
+              <a:rPr lang="nb-NO" altLang="ko-KR" sz="1600" dirty="0" smtClean="0">
+                <a:solidFill>
+                  <a:srgbClr val="0000FF"/>
+                </a:solidFill>
+                <a:latin typeface="+mn-ea"/>
+                <a:ea typeface="+mn-ea"/>
+              </a:rPr>
+              <a:t>0.942077</a:t>
+            </a:r>
+            <a:endParaRPr lang="ko-KR" altLang="en-US" sz="1600" dirty="0">
+              <a:solidFill>
+                <a:srgbClr val="0000FF"/>
+              </a:solidFill>
+              <a:latin typeface="+mn-ea"/>
+              <a:ea typeface="+mn-ea"/>
+            </a:endParaRPr>
+          </a:p>
+        </p:txBody>
+      </p:sp>
+      <p:sp>
+        <p:nvSpPr>
+          <p:cNvPr id="12" name="내용 개체 틀 2"/>
+          <p:cNvSpPr txBox="1">
+            <a:spLocks/>
+          </p:cNvSpPr>
+          <p:nvPr/>
+        </p:nvSpPr>
+        <p:spPr>
+          <a:xfrm>
+            <a:off x="791580" y="2329071"/>
+            <a:ext cx="2790310" cy="3800229"/>
+          </a:xfrm>
+          <a:prstGeom prst="rect">
+            <a:avLst/>
+          </a:prstGeom>
+        </p:spPr>
+        <p:txBody>
+          <a:bodyPr>
+            <a:noAutofit/>
+          </a:bodyPr>
+          <a:lstStyle>
+            <a:lvl1pPr marL="342900" indent="-342900" algn="l" defTabSz="914400" rtl="0" eaLnBrk="1" latinLnBrk="1" hangingPunct="1">
+              <a:spcBef>
+                <a:spcPct val="20000"/>
+              </a:spcBef>
+              <a:buFont typeface="Arial" pitchFamily="34" charset="0"/>
+              <a:buChar char="•"/>
+              <a:defRPr sz="3200" kern="1200">
+                <a:solidFill>
+                  <a:schemeClr val="tx1"/>
+                </a:solidFill>
+                <a:latin typeface="+mn-lt"/>
+                <a:ea typeface="+mn-ea"/>
+                <a:cs typeface="+mn-cs"/>
+              </a:defRPr>
+            </a:lvl1pPr>
+            <a:lvl2pPr marL="742950" indent="-285750" algn="l" defTabSz="914400" rtl="0" eaLnBrk="1" latinLnBrk="1" hangingPunct="1">
+              <a:spcBef>
+                <a:spcPct val="20000"/>
+              </a:spcBef>
+              <a:buFont typeface="Arial" pitchFamily="34" charset="0"/>
+              <a:buChar char="–"/>
+              <a:defRPr sz="2800" kern="1200">
+                <a:solidFill>
+                  <a:schemeClr val="tx1"/>
+                </a:solidFill>
+                <a:latin typeface="+mn-lt"/>
+                <a:ea typeface="+mn-ea"/>
+                <a:cs typeface="+mn-cs"/>
+              </a:defRPr>
+            </a:lvl2pPr>
+            <a:lvl3pPr marL="1143000" indent="-228600" algn="l" defTabSz="914400" rtl="0" eaLnBrk="1" latinLnBrk="1" hangingPunct="1">
+              <a:spcBef>
+                <a:spcPct val="20000"/>
+              </a:spcBef>
+              <a:buFont typeface="Arial" pitchFamily="34" charset="0"/>
+              <a:buChar char="•"/>
+              <a:defRPr sz="2400" kern="1200">
+                <a:solidFill>
+                  <a:schemeClr val="tx1"/>
+                </a:solidFill>
+                <a:latin typeface="+mn-lt"/>
+                <a:ea typeface="+mn-ea"/>
+                <a:cs typeface="+mn-cs"/>
+              </a:defRPr>
+            </a:lvl3pPr>
+            <a:lvl4pPr marL="1600200" indent="-228600" algn="l" defTabSz="914400" rtl="0" eaLnBrk="1" latinLnBrk="1" hangingPunct="1">
+              <a:spcBef>
+                <a:spcPct val="20000"/>
+              </a:spcBef>
+              <a:buFont typeface="Arial" pitchFamily="34" charset="0"/>
+              <a:buChar char="–"/>
+              <a:defRPr sz="2000" kern="1200">
+                <a:solidFill>
+                  <a:schemeClr val="tx1"/>
+                </a:solidFill>
+                <a:latin typeface="+mn-lt"/>
+                <a:ea typeface="+mn-ea"/>
+                <a:cs typeface="+mn-cs"/>
+              </a:defRPr>
+            </a:lvl4pPr>
+            <a:lvl5pPr marL="2057400" indent="-228600" algn="l" defTabSz="914400" rtl="0" eaLnBrk="1" latinLnBrk="1" hangingPunct="1">
+              <a:spcBef>
+                <a:spcPct val="20000"/>
+              </a:spcBef>
+              <a:buFont typeface="Arial" pitchFamily="34" charset="0"/>
+              <a:buChar char="»"/>
+              <a:defRPr sz="2000" kern="1200">
+                <a:solidFill>
+                  <a:schemeClr val="tx1"/>
+                </a:solidFill>
+                <a:latin typeface="+mn-lt"/>
+                <a:ea typeface="+mn-ea"/>
+                <a:cs typeface="+mn-cs"/>
+              </a:defRPr>
+            </a:lvl5pPr>
+            <a:lvl6pPr marL="2514600" indent="-228600" algn="l" defTabSz="914400" rtl="0" eaLnBrk="1" latinLnBrk="1" hangingPunct="1">
+              <a:spcBef>
+                <a:spcPct val="20000"/>
+              </a:spcBef>
+              <a:buFont typeface="Arial" pitchFamily="34" charset="0"/>
+              <a:buChar char="•"/>
+              <a:defRPr sz="2000" kern="1200">
+                <a:solidFill>
+                  <a:schemeClr val="tx1"/>
+                </a:solidFill>
+                <a:latin typeface="+mn-lt"/>
+                <a:ea typeface="+mn-ea"/>
+                <a:cs typeface="+mn-cs"/>
+              </a:defRPr>
+            </a:lvl6pPr>
+            <a:lvl7pPr marL="2971800" indent="-228600" algn="l" defTabSz="914400" rtl="0" eaLnBrk="1" latinLnBrk="1" hangingPunct="1">
+              <a:spcBef>
+                <a:spcPct val="20000"/>
+              </a:spcBef>
+              <a:buFont typeface="Arial" pitchFamily="34" charset="0"/>
+              <a:buChar char="•"/>
+              <a:defRPr sz="2000" kern="1200">
+                <a:solidFill>
+                  <a:schemeClr val="tx1"/>
+                </a:solidFill>
+                <a:latin typeface="+mn-lt"/>
+                <a:ea typeface="+mn-ea"/>
+                <a:cs typeface="+mn-cs"/>
+              </a:defRPr>
+            </a:lvl7pPr>
+            <a:lvl8pPr marL="3429000" indent="-228600" algn="l" defTabSz="914400" rtl="0" eaLnBrk="1" latinLnBrk="1" hangingPunct="1">
+              <a:spcBef>
+                <a:spcPct val="20000"/>
+              </a:spcBef>
+              <a:buFont typeface="Arial" pitchFamily="34" charset="0"/>
+              <a:buChar char="•"/>
+              <a:defRPr sz="2000" kern="1200">
+                <a:solidFill>
+                  <a:schemeClr val="tx1"/>
+                </a:solidFill>
+                <a:latin typeface="+mn-lt"/>
+                <a:ea typeface="+mn-ea"/>
+                <a:cs typeface="+mn-cs"/>
+              </a:defRPr>
+            </a:lvl8pPr>
+            <a:lvl9pPr marL="3886200" indent="-228600" algn="l" defTabSz="914400" rtl="0" eaLnBrk="1" latinLnBrk="1" hangingPunct="1">
+              <a:spcBef>
+                <a:spcPct val="20000"/>
+              </a:spcBef>
+              <a:buFont typeface="Arial" pitchFamily="34" charset="0"/>
+              <a:buChar char="•"/>
+              <a:defRPr sz="2000" kern="1200">
+                <a:solidFill>
+                  <a:schemeClr val="tx1"/>
+                </a:solidFill>
+                <a:latin typeface="+mn-lt"/>
+                <a:ea typeface="+mn-ea"/>
+                <a:cs typeface="+mn-cs"/>
+              </a:defRPr>
+            </a:lvl9pPr>
+          </a:lstStyle>
+          <a:p>
+            <a:pPr marL="457200" indent="-457200" fontAlgn="auto">
+              <a:spcAft>
+                <a:spcPts val="0"/>
+              </a:spcAft>
+              <a:buFont typeface="Arial" pitchFamily="34" charset="0"/>
+              <a:buAutoNum type="arabicParenBoth"/>
+            </a:pPr>
+            <a:r>
+              <a:rPr kumimoji="0" lang="ko-KR" altLang="en-US" sz="1800" dirty="0" smtClean="0">
+                <a:latin typeface="+mn-ea"/>
+              </a:rPr>
+              <a:t>확률분포함수</a:t>
+            </a:r>
+            <a:endParaRPr kumimoji="0" lang="en-US" altLang="ko-KR" sz="1800" dirty="0" smtClean="0">
+              <a:latin typeface="+mn-ea"/>
+            </a:endParaRPr>
+          </a:p>
+          <a:p>
+            <a:pPr marL="457200" indent="-457200" fontAlgn="auto">
+              <a:spcAft>
+                <a:spcPts val="0"/>
+              </a:spcAft>
+              <a:buFont typeface="Arial" pitchFamily="34" charset="0"/>
+              <a:buAutoNum type="arabicParenBoth"/>
+            </a:pPr>
+            <a:endParaRPr kumimoji="0" lang="en-US" altLang="ko-KR" sz="1800" dirty="0" smtClean="0">
+              <a:latin typeface="+mn-ea"/>
+            </a:endParaRPr>
+          </a:p>
+          <a:p>
+            <a:pPr marL="457200" indent="-457200" fontAlgn="auto">
+              <a:spcAft>
+                <a:spcPts val="0"/>
+              </a:spcAft>
+              <a:buFont typeface="Arial" pitchFamily="34" charset="0"/>
+              <a:buAutoNum type="arabicParenBoth"/>
+            </a:pPr>
+            <a:r>
+              <a:rPr kumimoji="0" lang="ko-KR" altLang="en-US" sz="1800" dirty="0" smtClean="0">
+                <a:latin typeface="+mn-ea"/>
+              </a:rPr>
+              <a:t>평균과 분산</a:t>
+            </a:r>
+            <a:endParaRPr kumimoji="0" lang="en-US" altLang="ko-KR" sz="1800" dirty="0" smtClean="0">
+              <a:latin typeface="+mn-ea"/>
+            </a:endParaRPr>
+          </a:p>
+          <a:p>
+            <a:pPr marL="457200" indent="-457200" fontAlgn="auto">
+              <a:spcAft>
+                <a:spcPts val="0"/>
+              </a:spcAft>
+              <a:buFont typeface="Arial" pitchFamily="34" charset="0"/>
+              <a:buAutoNum type="arabicParenBoth"/>
+            </a:pPr>
+            <a:endParaRPr kumimoji="0" lang="en-US" altLang="ko-KR" sz="1800" dirty="0" smtClean="0">
+              <a:latin typeface="+mn-ea"/>
+            </a:endParaRPr>
+          </a:p>
+          <a:p>
+            <a:pPr marL="457200" indent="-457200" fontAlgn="auto">
+              <a:spcAft>
+                <a:spcPts val="0"/>
+              </a:spcAft>
+              <a:buFont typeface="Arial" pitchFamily="34" charset="0"/>
+              <a:buAutoNum type="arabicParenBoth"/>
+            </a:pPr>
+            <a:endParaRPr kumimoji="0" lang="en-US" altLang="ko-KR" sz="1800" dirty="0" smtClean="0">
+              <a:latin typeface="+mn-ea"/>
+            </a:endParaRPr>
+          </a:p>
+          <a:p>
+            <a:pPr marL="457200" indent="-457200" fontAlgn="auto">
+              <a:spcAft>
+                <a:spcPts val="0"/>
+              </a:spcAft>
+              <a:buFont typeface="Arial" pitchFamily="34" charset="0"/>
+              <a:buAutoNum type="arabicParenBoth"/>
+            </a:pPr>
+            <a:r>
+              <a:rPr kumimoji="0" lang="en-US" altLang="ko-KR" sz="1800" dirty="0" smtClean="0">
+                <a:latin typeface="+mn-ea"/>
+              </a:rPr>
+              <a:t>P(3</a:t>
+            </a:r>
+            <a:r>
+              <a:rPr kumimoji="0" lang="ko-KR" altLang="en-US" sz="1800" dirty="0" smtClean="0">
+                <a:latin typeface="+mn-ea"/>
+              </a:rPr>
+              <a:t>개 불량</a:t>
+            </a:r>
+            <a:r>
+              <a:rPr kumimoji="0" lang="en-US" altLang="ko-KR" sz="1800" dirty="0" smtClean="0">
+                <a:latin typeface="+mn-ea"/>
+              </a:rPr>
+              <a:t>)</a:t>
+            </a:r>
+          </a:p>
+          <a:p>
+            <a:pPr marL="457200" indent="-457200" fontAlgn="auto">
+              <a:spcAft>
+                <a:spcPts val="0"/>
+              </a:spcAft>
+              <a:buFont typeface="Arial" pitchFamily="34" charset="0"/>
+              <a:buAutoNum type="arabicParenBoth"/>
+            </a:pPr>
+            <a:endParaRPr kumimoji="0" lang="en-US" altLang="ko-KR" sz="1800" dirty="0" smtClean="0">
+              <a:latin typeface="+mn-ea"/>
+            </a:endParaRPr>
+          </a:p>
+          <a:p>
+            <a:pPr marL="457200" indent="-457200" fontAlgn="auto">
+              <a:spcAft>
+                <a:spcPts val="0"/>
+              </a:spcAft>
+              <a:buFont typeface="Arial" pitchFamily="34" charset="0"/>
+              <a:buAutoNum type="arabicParenBoth"/>
+            </a:pPr>
+            <a:r>
+              <a:rPr kumimoji="0" lang="en-US" altLang="ko-KR" sz="1800" dirty="0" smtClean="0">
+                <a:latin typeface="+mn-ea"/>
+              </a:rPr>
+              <a:t>P(3</a:t>
+            </a:r>
+            <a:r>
+              <a:rPr kumimoji="0" lang="ko-KR" altLang="en-US" sz="1800" dirty="0" smtClean="0">
+                <a:latin typeface="+mn-ea"/>
+              </a:rPr>
+              <a:t>개 이하 불량</a:t>
+            </a:r>
+            <a:r>
+              <a:rPr kumimoji="0" lang="en-US" altLang="ko-KR" sz="1800" dirty="0" smtClean="0">
+                <a:latin typeface="+mn-ea"/>
+              </a:rPr>
+              <a:t>)</a:t>
+            </a:r>
+          </a:p>
+        </p:txBody>
+      </p:sp>
+      <p:pic>
+        <p:nvPicPr>
+          <p:cNvPr id="13" name="Picture 623"/>
+          <p:cNvPicPr>
+            <a:picLocks noChangeAspect="1" noChangeArrowheads="1"/>
+          </p:cNvPicPr>
+          <p:nvPr/>
+        </p:nvPicPr>
+        <p:blipFill>
+          <a:blip r:embed="rId3">
+            <a:extLst>
+              <a:ext uri="{28A0092B-C50C-407E-A947-70E740481C1C}">
+                <a14:useLocalDpi xmlns:a14="http://schemas.microsoft.com/office/drawing/2010/main" val="0"/>
+              </a:ext>
+            </a:extLst>
+          </a:blip>
+          <a:srcRect/>
+          <a:stretch>
+            <a:fillRect/>
+          </a:stretch>
+        </p:blipFill>
+        <p:spPr bwMode="auto">
+          <a:xfrm>
+            <a:off x="2904342" y="2160057"/>
+            <a:ext cx="2791695" cy="797627"/>
+          </a:xfrm>
+          <a:prstGeom prst="rect">
+            <a:avLst/>
+          </a:prstGeom>
+          <a:noFill/>
+          <a:ln>
+            <a:noFill/>
+          </a:ln>
+          <a:extLst>
+            <a:ext uri="{909E8E84-426E-40DD-AFC4-6F175D3DCCD1}">
+              <a14:hiddenFill xmlns:a14="http://schemas.microsoft.com/office/drawing/2010/main">
+                <a:solidFill>
+                  <a:schemeClr val="accent1"/>
+                </a:solidFill>
+              </a14:hiddenFill>
+            </a:ext>
+            <a:ext uri="{91240B29-F687-4F45-9708-019B960494DF}">
+              <a14:hiddenLine xmlns:a14="http://schemas.microsoft.com/office/drawing/2010/main" w="9525">
+                <a:solidFill>
+                  <a:schemeClr val="tx1"/>
+                </a:solidFill>
+                <a:miter lim="800000"/>
+                <a:headEnd/>
+                <a:tailEnd/>
+              </a14:hiddenLine>
+            </a:ext>
+          </a:extLst>
+        </p:spPr>
+      </p:pic>
+      <p:pic>
+        <p:nvPicPr>
+          <p:cNvPr id="14" name="Picture 624"/>
+          <p:cNvPicPr>
+            <a:picLocks noChangeAspect="1" noChangeArrowheads="1"/>
+          </p:cNvPicPr>
+          <p:nvPr/>
+        </p:nvPicPr>
+        <p:blipFill>
+          <a:blip r:embed="rId4">
+            <a:extLst>
+              <a:ext uri="{28A0092B-C50C-407E-A947-70E740481C1C}">
+                <a14:useLocalDpi xmlns:a14="http://schemas.microsoft.com/office/drawing/2010/main" val="0"/>
+              </a:ext>
+            </a:extLst>
+          </a:blip>
+          <a:srcRect/>
+          <a:stretch>
+            <a:fillRect/>
+          </a:stretch>
+        </p:blipFill>
+        <p:spPr bwMode="auto">
+          <a:xfrm>
+            <a:off x="2899444" y="3026428"/>
+            <a:ext cx="4778642" cy="790506"/>
+          </a:xfrm>
+          <a:prstGeom prst="rect">
+            <a:avLst/>
+          </a:prstGeom>
+          <a:noFill/>
+          <a:ln>
+            <a:noFill/>
+          </a:ln>
+          <a:extLst>
+            <a:ext uri="{909E8E84-426E-40DD-AFC4-6F175D3DCCD1}">
+              <a14:hiddenFill xmlns:a14="http://schemas.microsoft.com/office/drawing/2010/main">
+                <a:solidFill>
+                  <a:schemeClr val="accent1"/>
+                </a:solidFill>
+              </a14:hiddenFill>
+            </a:ext>
+            <a:ext uri="{91240B29-F687-4F45-9708-019B960494DF}">
+              <a14:hiddenLine xmlns:a14="http://schemas.microsoft.com/office/drawing/2010/main" w="9525">
+                <a:solidFill>
+                  <a:schemeClr val="tx1"/>
+                </a:solidFill>
+                <a:miter lim="800000"/>
+                <a:headEnd/>
+                <a:tailEnd/>
+              </a14:hiddenLine>
+            </a:ext>
+          </a:extLst>
+        </p:spPr>
+      </p:pic>
+      <p:pic>
+        <p:nvPicPr>
+          <p:cNvPr id="15" name="Picture 626"/>
+          <p:cNvPicPr>
+            <a:picLocks noChangeAspect="1" noChangeArrowheads="1"/>
+          </p:cNvPicPr>
+          <p:nvPr/>
+        </p:nvPicPr>
+        <p:blipFill>
+          <a:blip r:embed="rId5">
+            <a:extLst>
+              <a:ext uri="{28A0092B-C50C-407E-A947-70E740481C1C}">
+                <a14:useLocalDpi xmlns:a14="http://schemas.microsoft.com/office/drawing/2010/main" val="0"/>
+              </a:ext>
+            </a:extLst>
+          </a:blip>
+          <a:srcRect/>
+          <a:stretch>
+            <a:fillRect/>
+          </a:stretch>
+        </p:blipFill>
+        <p:spPr bwMode="auto">
+          <a:xfrm>
+            <a:off x="2901869" y="3851885"/>
+            <a:ext cx="2051041" cy="690802"/>
+          </a:xfrm>
+          <a:prstGeom prst="rect">
+            <a:avLst/>
+          </a:prstGeom>
+          <a:noFill/>
+          <a:ln>
+            <a:noFill/>
+          </a:ln>
+          <a:extLst>
+            <a:ext uri="{909E8E84-426E-40DD-AFC4-6F175D3DCCD1}">
+              <a14:hiddenFill xmlns:a14="http://schemas.microsoft.com/office/drawing/2010/main">
+                <a:solidFill>
+                  <a:schemeClr val="accent1"/>
+                </a:solidFill>
+              </a14:hiddenFill>
+            </a:ext>
+            <a:ext uri="{91240B29-F687-4F45-9708-019B960494DF}">
+              <a14:hiddenLine xmlns:a14="http://schemas.microsoft.com/office/drawing/2010/main" w="9525">
+                <a:solidFill>
+                  <a:schemeClr val="tx1"/>
+                </a:solidFill>
+                <a:miter lim="800000"/>
+                <a:headEnd/>
+                <a:tailEnd/>
+              </a14:hiddenLine>
+            </a:ext>
+          </a:extLst>
+        </p:spPr>
+      </p:pic>
+      <p:pic>
+        <p:nvPicPr>
+          <p:cNvPr id="16" name="Picture 627"/>
+          <p:cNvPicPr>
+            <a:picLocks noChangeAspect="1" noChangeArrowheads="1"/>
+          </p:cNvPicPr>
+          <p:nvPr/>
+        </p:nvPicPr>
+        <p:blipFill>
+          <a:blip r:embed="rId6">
+            <a:extLst>
+              <a:ext uri="{28A0092B-C50C-407E-A947-70E740481C1C}">
+                <a14:useLocalDpi xmlns:a14="http://schemas.microsoft.com/office/drawing/2010/main" val="0"/>
+              </a:ext>
+            </a:extLst>
+          </a:blip>
+          <a:srcRect/>
+          <a:stretch>
+            <a:fillRect/>
+          </a:stretch>
+        </p:blipFill>
+        <p:spPr bwMode="auto">
+          <a:xfrm>
+            <a:off x="3950485" y="4723512"/>
+            <a:ext cx="4187543" cy="740654"/>
+          </a:xfrm>
+          <a:prstGeom prst="rect">
+            <a:avLst/>
+          </a:prstGeom>
+          <a:noFill/>
+          <a:ln>
+            <a:noFill/>
+          </a:ln>
+          <a:extLst>
+            <a:ext uri="{909E8E84-426E-40DD-AFC4-6F175D3DCCD1}">
+              <a14:hiddenFill xmlns:a14="http://schemas.microsoft.com/office/drawing/2010/main">
+                <a:solidFill>
+                  <a:schemeClr val="accent1"/>
+                </a:solidFill>
+              </a14:hiddenFill>
+            </a:ext>
+            <a:ext uri="{91240B29-F687-4F45-9708-019B960494DF}">
+              <a14:hiddenLine xmlns:a14="http://schemas.microsoft.com/office/drawing/2010/main" w="9525">
+                <a:solidFill>
+                  <a:schemeClr val="tx1"/>
+                </a:solidFill>
+                <a:miter lim="800000"/>
+                <a:headEnd/>
+                <a:tailEnd/>
+              </a14:hiddenLine>
+            </a:ext>
+          </a:extLst>
+        </p:spPr>
+      </p:pic>
+      <p:graphicFrame>
+        <p:nvGraphicFramePr>
+          <p:cNvPr id="2" name="개체 1"/>
+          <p:cNvGraphicFramePr>
+            <a:graphicFrameLocks noChangeAspect="1"/>
+          </p:cNvGraphicFramePr>
+          <p:nvPr>
+            <p:extLst/>
+          </p:nvPr>
+        </p:nvGraphicFramePr>
+        <p:xfrm>
+          <a:off x="2915369" y="4974955"/>
+          <a:ext cx="989245" cy="258064"/>
+        </p:xfrm>
+        <a:graphic>
+          <a:graphicData uri="http://schemas.openxmlformats.org/presentationml/2006/ole">
+            <mc:AlternateContent xmlns:mc="http://schemas.openxmlformats.org/markup-compatibility/2006">
+              <mc:Choice xmlns:v="urn:schemas-microsoft-com:vml" Requires="v">
+                <p:oleObj spid="_x0000_s13314" name="Equation" r:id="rId7" imgW="1168200" imgH="304560" progId="Equation.DSMT4">
+                  <p:embed/>
+                </p:oleObj>
+              </mc:Choice>
+              <mc:Fallback>
+                <p:oleObj name="Equation" r:id="rId7" imgW="1168200" imgH="304560" progId="Equation.DSMT4">
+                  <p:embed/>
+                  <p:pic>
+                    <p:nvPicPr>
+                      <p:cNvPr id="2" name="개체 1"/>
+                      <p:cNvPicPr>
+                        <a:picLocks noChangeAspect="1" noChangeArrowheads="1"/>
+                      </p:cNvPicPr>
+                      <p:nvPr/>
+                    </p:nvPicPr>
+                    <p:blipFill>
+                      <a:blip r:embed="rId8">
+                        <a:extLst>
+                          <a:ext uri="{28A0092B-C50C-407E-A947-70E740481C1C}">
+                            <a14:useLocalDpi xmlns:a14="http://schemas.microsoft.com/office/drawing/2010/main" val="0"/>
+                          </a:ext>
+                        </a:extLst>
+                      </a:blip>
+                      <a:srcRect/>
+                      <a:stretch>
+                        <a:fillRect/>
+                      </a:stretch>
+                    </p:blipFill>
+                    <p:spPr bwMode="auto">
+                      <a:xfrm>
+                        <a:off x="2915369" y="4974955"/>
+                        <a:ext cx="989245" cy="258064"/>
+                      </a:xfrm>
+                      <a:prstGeom prst="rect">
+                        <a:avLst/>
+                      </a:prstGeom>
+                      <a:noFill/>
+                      <a:ln>
+                        <a:noFill/>
+                      </a:ln>
+                    </p:spPr>
+                  </p:pic>
+                </p:oleObj>
+              </mc:Fallback>
+            </mc:AlternateContent>
+          </a:graphicData>
+        </a:graphic>
+      </p:graphicFrame>
+    </p:spTree>
+    <p:extLst>
+      <p:ext uri="{BB962C8B-B14F-4D97-AF65-F5344CB8AC3E}">
+        <p14:creationId xmlns:p14="http://schemas.microsoft.com/office/powerpoint/2010/main" val="2245019693"/>
+      </p:ext>
+    </p:extLst>
+  </p:cSld>
+  <p:clrMapOvr>
+    <a:masterClrMapping/>
+  </p:clrMapOvr>
+  <p:timing>
+    <p:tnLst>
+      <p:par>
+        <p:cTn id="1" dur="indefinite" restart="never" nodeType="tmRoot"/>
+      </p:par>
+    </p:tnLst>
+  </p:timing>
+</p:sld>
+</file>
+
+<file path=ppt/slides/slide18.xml><?xml version="1.0" encoding="utf-8"?>
+<p:sld xmlns:a="http://schemas.openxmlformats.org/drawingml/2006/main" xmlns:r="http://schemas.openxmlformats.org/officeDocument/2006/relationships" xmlns:p="http://schemas.openxmlformats.org/presentationml/2006/main">
+  <p:cSld>
+    <p:spTree>
+      <p:nvGrpSpPr>
+        <p:cNvPr id="1" name=""/>
+        <p:cNvGrpSpPr/>
+        <p:nvPr/>
+      </p:nvGrpSpPr>
+      <p:grpSpPr>
+        <a:xfrm>
+          <a:off x="0" y="0"/>
+          <a:ext cx="0" cy="0"/>
+          <a:chOff x="0" y="0"/>
+          <a:chExt cx="0" cy="0"/>
+        </a:xfrm>
+      </p:grpSpPr>
+      <p:sp>
+        <p:nvSpPr>
+          <p:cNvPr id="40" name="제목 1"/>
+          <p:cNvSpPr txBox="1">
+            <a:spLocks/>
+          </p:cNvSpPr>
+          <p:nvPr/>
+        </p:nvSpPr>
+        <p:spPr>
+          <a:xfrm>
+            <a:off x="476545" y="368660"/>
+            <a:ext cx="8289630" cy="765086"/>
+          </a:xfrm>
+          <a:prstGeom prst="rect">
+            <a:avLst/>
+          </a:prstGeom>
+        </p:spPr>
+        <p:txBody>
+          <a:bodyPr vert="horz" lIns="91440" tIns="45720" rIns="91440" bIns="45720" rtlCol="0" anchor="ctr">
+            <a:normAutofit/>
+          </a:bodyPr>
+          <a:lstStyle>
+            <a:lvl1pPr algn="l" defTabSz="914400" rtl="0" eaLnBrk="1" latinLnBrk="1" hangingPunct="1">
+              <a:spcBef>
+                <a:spcPct val="0"/>
+              </a:spcBef>
+              <a:buNone/>
+              <a:defRPr sz="3600" b="1" kern="1200">
+                <a:solidFill>
+                  <a:schemeClr val="tx1"/>
+                </a:solidFill>
+                <a:latin typeface="+mj-lt"/>
+                <a:ea typeface="+mj-ea"/>
+                <a:cs typeface="+mj-cs"/>
+              </a:defRPr>
+            </a:lvl1pPr>
+          </a:lstStyle>
+          <a:p>
+            <a:r>
               <a:rPr lang="en-US" altLang="ko-KR" dirty="0"/>
               <a:t>4. </a:t>
             </a:r>
@@ -6436,7 +10503,7 @@
           <a:graphicData uri="http://schemas.openxmlformats.org/presentationml/2006/ole">
             <mc:AlternateContent xmlns:mc="http://schemas.openxmlformats.org/markup-compatibility/2006">
               <mc:Choice xmlns:v="urn:schemas-microsoft-com:vml" Requires="v">
-                <p:oleObj spid="_x0000_s6146" name="Equation" r:id="rId3" imgW="876240" imgH="342720" progId="Equation.DSMT4">
+                <p:oleObj spid="_x0000_s6148" name="Equation" r:id="rId3" imgW="876240" imgH="342720" progId="Equation.DSMT4">
                   <p:embed/>
                 </p:oleObj>
               </mc:Choice>
@@ -6525,7 +10592,7 @@
           <a:graphicData uri="http://schemas.openxmlformats.org/presentationml/2006/ole">
             <mc:AlternateContent xmlns:mc="http://schemas.openxmlformats.org/markup-compatibility/2006">
               <mc:Choice xmlns:v="urn:schemas-microsoft-com:vml" Requires="v">
-                <p:oleObj spid="_x0000_s6147" name="Equation" r:id="rId5" imgW="2006280" imgH="736560" progId="Equation.DSMT4">
+                <p:oleObj spid="_x0000_s6149" name="Equation" r:id="rId5" imgW="2006280" imgH="736560" progId="Equation.DSMT4">
                   <p:embed/>
                 </p:oleObj>
               </mc:Choice>
@@ -6681,7 +10748,7 @@
 </p:sld>
 </file>
 
-<file path=ppt/slides/slide12.xml><?xml version="1.0" encoding="utf-8"?>
+<file path=ppt/slides/slide19.xml><?xml version="1.0" encoding="utf-8"?>
 <p:sld xmlns:a="http://schemas.openxmlformats.org/drawingml/2006/main" xmlns:r="http://schemas.openxmlformats.org/officeDocument/2006/relationships" xmlns:p="http://schemas.openxmlformats.org/presentationml/2006/main">
   <p:cSld>
     <p:spTree>
@@ -6938,7 +11005,432 @@
 </p:sld>
 </file>
 
-<file path=ppt/slides/slide13.xml><?xml version="1.0" encoding="utf-8"?>
+<file path=ppt/slides/slide2.xml><?xml version="1.0" encoding="utf-8"?>
+<p:sld xmlns:a="http://schemas.openxmlformats.org/drawingml/2006/main" xmlns:r="http://schemas.openxmlformats.org/officeDocument/2006/relationships" xmlns:p="http://schemas.openxmlformats.org/presentationml/2006/main">
+  <p:cSld>
+    <p:spTree>
+      <p:nvGrpSpPr>
+        <p:cNvPr id="1" name=""/>
+        <p:cNvGrpSpPr/>
+        <p:nvPr/>
+      </p:nvGrpSpPr>
+      <p:grpSpPr>
+        <a:xfrm>
+          <a:off x="0" y="0"/>
+          <a:ext cx="0" cy="0"/>
+          <a:chOff x="0" y="0"/>
+          <a:chExt cx="0" cy="0"/>
+        </a:xfrm>
+      </p:grpSpPr>
+      <p:sp>
+        <p:nvSpPr>
+          <p:cNvPr id="3" name="제목 1"/>
+          <p:cNvSpPr txBox="1">
+            <a:spLocks/>
+          </p:cNvSpPr>
+          <p:nvPr/>
+        </p:nvSpPr>
+        <p:spPr>
+          <a:xfrm>
+            <a:off x="685800" y="642918"/>
+            <a:ext cx="7772400" cy="1470025"/>
+          </a:xfrm>
+          <a:prstGeom prst="rect">
+            <a:avLst/>
+          </a:prstGeom>
+        </p:spPr>
+        <p:txBody>
+          <a:bodyPr/>
+          <a:lstStyle>
+            <a:lvl1pPr algn="l" defTabSz="914400" rtl="0" eaLnBrk="1" latinLnBrk="1" hangingPunct="1">
+              <a:spcBef>
+                <a:spcPct val="0"/>
+              </a:spcBef>
+              <a:buNone/>
+              <a:defRPr sz="3600" b="1" kern="1200">
+                <a:solidFill>
+                  <a:schemeClr val="tx1"/>
+                </a:solidFill>
+                <a:latin typeface="+mj-lt"/>
+                <a:ea typeface="+mj-ea"/>
+                <a:cs typeface="+mj-cs"/>
+              </a:defRPr>
+            </a:lvl1pPr>
+          </a:lstStyle>
+          <a:p>
+            <a:pPr fontAlgn="auto">
+              <a:spcAft>
+                <a:spcPts val="0"/>
+              </a:spcAft>
+            </a:pPr>
+            <a:r>
+              <a:rPr kumimoji="0" lang="ko-KR" altLang="en-US" dirty="0"/>
+              <a:t>제</a:t>
+            </a:r>
+            <a:r>
+              <a:rPr kumimoji="0" lang="en-US" altLang="ko-KR" dirty="0"/>
+              <a:t>4-3</a:t>
+            </a:r>
+            <a:r>
+              <a:rPr kumimoji="0" lang="ko-KR" altLang="en-US" dirty="0"/>
+              <a:t>장</a:t>
+            </a:r>
+            <a:r>
+              <a:rPr kumimoji="0" lang="en-US" altLang="ko-KR" dirty="0"/>
+              <a:t/>
+            </a:r>
+            <a:br>
+              <a:rPr kumimoji="0" lang="en-US" altLang="ko-KR" dirty="0"/>
+            </a:br>
+            <a:r>
+              <a:rPr kumimoji="0" lang="ko-KR" altLang="en-US" dirty="0"/>
+              <a:t>이산형 확률분포</a:t>
+            </a:r>
+          </a:p>
+        </p:txBody>
+      </p:sp>
+      <p:sp>
+        <p:nvSpPr>
+          <p:cNvPr id="10" name="TextBox 9"/>
+          <p:cNvSpPr txBox="1"/>
+          <p:nvPr/>
+        </p:nvSpPr>
+        <p:spPr>
+          <a:xfrm>
+            <a:off x="1713340" y="2463420"/>
+            <a:ext cx="3794764" cy="461665"/>
+          </a:xfrm>
+          <a:prstGeom prst="rect">
+            <a:avLst/>
+          </a:prstGeom>
+          <a:noFill/>
+        </p:spPr>
+        <p:txBody>
+          <a:bodyPr wrap="square" rtlCol="0">
+            <a:spAutoFit/>
+          </a:bodyPr>
+          <a:lstStyle/>
+          <a:p>
+            <a:r>
+              <a:rPr lang="en-US" altLang="ko-KR" sz="2400" b="1" dirty="0">
+                <a:latin typeface="+mn-ea"/>
+                <a:ea typeface="+mn-ea"/>
+              </a:rPr>
+              <a:t>1. </a:t>
+            </a:r>
+            <a:r>
+              <a:rPr lang="ko-KR" altLang="en-US" sz="2400" b="1" dirty="0">
+                <a:latin typeface="+mn-ea"/>
+                <a:ea typeface="+mn-ea"/>
+              </a:rPr>
+              <a:t>이산균일분포</a:t>
+            </a:r>
+          </a:p>
+        </p:txBody>
+      </p:sp>
+      <p:sp>
+        <p:nvSpPr>
+          <p:cNvPr id="11" name="TextBox 10"/>
+          <p:cNvSpPr txBox="1"/>
+          <p:nvPr/>
+        </p:nvSpPr>
+        <p:spPr>
+          <a:xfrm>
+            <a:off x="1691680" y="3012340"/>
+            <a:ext cx="3794764" cy="461665"/>
+          </a:xfrm>
+          <a:prstGeom prst="rect">
+            <a:avLst/>
+          </a:prstGeom>
+          <a:noFill/>
+        </p:spPr>
+        <p:txBody>
+          <a:bodyPr wrap="square" rtlCol="0">
+            <a:spAutoFit/>
+          </a:bodyPr>
+          <a:lstStyle/>
+          <a:p>
+            <a:r>
+              <a:rPr lang="en-US" altLang="ko-KR" sz="2400" b="1" dirty="0">
+                <a:latin typeface="+mn-ea"/>
+                <a:ea typeface="+mn-ea"/>
+              </a:rPr>
+              <a:t>2. </a:t>
+            </a:r>
+            <a:r>
+              <a:rPr lang="ko-KR" altLang="en-US" sz="2400" b="1" dirty="0">
+                <a:latin typeface="+mn-ea"/>
+                <a:ea typeface="+mn-ea"/>
+              </a:rPr>
+              <a:t>이항분포</a:t>
+            </a:r>
+          </a:p>
+        </p:txBody>
+      </p:sp>
+      <p:sp>
+        <p:nvSpPr>
+          <p:cNvPr id="12" name="TextBox 11"/>
+          <p:cNvSpPr txBox="1"/>
+          <p:nvPr/>
+        </p:nvSpPr>
+        <p:spPr>
+          <a:xfrm>
+            <a:off x="1691680" y="3588404"/>
+            <a:ext cx="3794764" cy="461665"/>
+          </a:xfrm>
+          <a:prstGeom prst="rect">
+            <a:avLst/>
+          </a:prstGeom>
+          <a:noFill/>
+        </p:spPr>
+        <p:txBody>
+          <a:bodyPr wrap="square" rtlCol="0">
+            <a:spAutoFit/>
+          </a:bodyPr>
+          <a:lstStyle/>
+          <a:p>
+            <a:r>
+              <a:rPr lang="en-US" altLang="ko-KR" sz="2400" b="1" dirty="0">
+                <a:solidFill>
+                  <a:schemeClr val="bg1">
+                    <a:lumMod val="85000"/>
+                  </a:schemeClr>
+                </a:solidFill>
+                <a:latin typeface="+mn-ea"/>
+                <a:ea typeface="+mn-ea"/>
+              </a:rPr>
+              <a:t>3. </a:t>
+            </a:r>
+            <a:r>
+              <a:rPr lang="ko-KR" altLang="en-US" sz="2400" b="1" dirty="0" err="1">
+                <a:solidFill>
+                  <a:schemeClr val="bg1">
+                    <a:lumMod val="85000"/>
+                  </a:schemeClr>
+                </a:solidFill>
+                <a:latin typeface="+mn-ea"/>
+                <a:ea typeface="+mn-ea"/>
+              </a:rPr>
+              <a:t>초기하분포</a:t>
+            </a:r>
+            <a:endParaRPr lang="ko-KR" altLang="en-US" sz="2400" b="1" dirty="0">
+              <a:solidFill>
+                <a:schemeClr val="bg1">
+                  <a:lumMod val="85000"/>
+                </a:schemeClr>
+              </a:solidFill>
+              <a:latin typeface="+mn-ea"/>
+              <a:ea typeface="+mn-ea"/>
+            </a:endParaRPr>
+          </a:p>
+        </p:txBody>
+      </p:sp>
+      <p:sp>
+        <p:nvSpPr>
+          <p:cNvPr id="13" name="TextBox 12"/>
+          <p:cNvSpPr txBox="1"/>
+          <p:nvPr/>
+        </p:nvSpPr>
+        <p:spPr>
+          <a:xfrm>
+            <a:off x="1691680" y="4183632"/>
+            <a:ext cx="3794764" cy="461665"/>
+          </a:xfrm>
+          <a:prstGeom prst="rect">
+            <a:avLst/>
+          </a:prstGeom>
+          <a:noFill/>
+        </p:spPr>
+        <p:txBody>
+          <a:bodyPr wrap="square" rtlCol="0">
+            <a:spAutoFit/>
+          </a:bodyPr>
+          <a:lstStyle/>
+          <a:p>
+            <a:r>
+              <a:rPr lang="en-US" altLang="ko-KR" sz="2400" b="1" dirty="0">
+                <a:latin typeface="+mn-ea"/>
+                <a:ea typeface="+mn-ea"/>
+              </a:rPr>
+              <a:t>4. </a:t>
+            </a:r>
+            <a:r>
+              <a:rPr lang="ko-KR" altLang="en-US" sz="2400" b="1" dirty="0" err="1">
+                <a:latin typeface="+mn-ea"/>
+                <a:ea typeface="+mn-ea"/>
+              </a:rPr>
+              <a:t>포아송분포</a:t>
+            </a:r>
+            <a:endParaRPr lang="ko-KR" altLang="en-US" sz="2400" b="1" dirty="0">
+              <a:latin typeface="+mn-ea"/>
+              <a:ea typeface="+mn-ea"/>
+            </a:endParaRPr>
+          </a:p>
+        </p:txBody>
+      </p:sp>
+      <p:sp>
+        <p:nvSpPr>
+          <p:cNvPr id="14" name="TextBox 13"/>
+          <p:cNvSpPr txBox="1"/>
+          <p:nvPr/>
+        </p:nvSpPr>
+        <p:spPr>
+          <a:xfrm>
+            <a:off x="1713340" y="4740532"/>
+            <a:ext cx="3794764" cy="461665"/>
+          </a:xfrm>
+          <a:prstGeom prst="rect">
+            <a:avLst/>
+          </a:prstGeom>
+          <a:noFill/>
+        </p:spPr>
+        <p:txBody>
+          <a:bodyPr wrap="square" rtlCol="0">
+            <a:spAutoFit/>
+          </a:bodyPr>
+          <a:lstStyle/>
+          <a:p>
+            <a:r>
+              <a:rPr lang="en-US" altLang="ko-KR" sz="2400" b="1" dirty="0">
+                <a:latin typeface="+mn-ea"/>
+                <a:ea typeface="+mn-ea"/>
+              </a:rPr>
+              <a:t>5. </a:t>
+            </a:r>
+            <a:r>
+              <a:rPr lang="ko-KR" altLang="en-US" sz="2400" b="1" dirty="0">
+                <a:latin typeface="+mn-ea"/>
+                <a:ea typeface="+mn-ea"/>
+              </a:rPr>
+              <a:t>기하분포</a:t>
+            </a:r>
+          </a:p>
+        </p:txBody>
+      </p:sp>
+      <p:sp>
+        <p:nvSpPr>
+          <p:cNvPr id="15" name="TextBox 14"/>
+          <p:cNvSpPr txBox="1"/>
+          <p:nvPr/>
+        </p:nvSpPr>
+        <p:spPr>
+          <a:xfrm>
+            <a:off x="1713340" y="5316596"/>
+            <a:ext cx="3794764" cy="461665"/>
+          </a:xfrm>
+          <a:prstGeom prst="rect">
+            <a:avLst/>
+          </a:prstGeom>
+          <a:noFill/>
+        </p:spPr>
+        <p:txBody>
+          <a:bodyPr wrap="square" rtlCol="0">
+            <a:spAutoFit/>
+          </a:bodyPr>
+          <a:lstStyle/>
+          <a:p>
+            <a:r>
+              <a:rPr lang="en-US" altLang="ko-KR" sz="2400" b="1" dirty="0">
+                <a:solidFill>
+                  <a:schemeClr val="bg1">
+                    <a:lumMod val="85000"/>
+                  </a:schemeClr>
+                </a:solidFill>
+                <a:latin typeface="+mn-ea"/>
+                <a:ea typeface="+mn-ea"/>
+              </a:rPr>
+              <a:t>6. </a:t>
+            </a:r>
+            <a:r>
+              <a:rPr lang="ko-KR" altLang="en-US" sz="2400" b="1" dirty="0" err="1">
+                <a:solidFill>
+                  <a:schemeClr val="bg1">
+                    <a:lumMod val="85000"/>
+                  </a:schemeClr>
+                </a:solidFill>
+                <a:latin typeface="+mn-ea"/>
+                <a:ea typeface="+mn-ea"/>
+              </a:rPr>
+              <a:t>음이항분포</a:t>
+            </a:r>
+            <a:r>
+              <a:rPr lang="ko-KR" altLang="en-US" sz="2400" b="1" dirty="0">
+                <a:solidFill>
+                  <a:schemeClr val="bg1">
+                    <a:lumMod val="85000"/>
+                  </a:schemeClr>
+                </a:solidFill>
+                <a:latin typeface="+mn-ea"/>
+                <a:ea typeface="+mn-ea"/>
+              </a:rPr>
+              <a:t>*</a:t>
+            </a:r>
+          </a:p>
+        </p:txBody>
+      </p:sp>
+      <p:sp>
+        <p:nvSpPr>
+          <p:cNvPr id="16" name="TextBox 15"/>
+          <p:cNvSpPr txBox="1"/>
+          <p:nvPr/>
+        </p:nvSpPr>
+        <p:spPr>
+          <a:xfrm>
+            <a:off x="1691680" y="5892660"/>
+            <a:ext cx="3794764" cy="461665"/>
+          </a:xfrm>
+          <a:prstGeom prst="rect">
+            <a:avLst/>
+          </a:prstGeom>
+          <a:noFill/>
+        </p:spPr>
+        <p:txBody>
+          <a:bodyPr wrap="square" rtlCol="0">
+            <a:spAutoFit/>
+          </a:bodyPr>
+          <a:lstStyle/>
+          <a:p>
+            <a:r>
+              <a:rPr lang="en-US" altLang="ko-KR" sz="2400" b="1" dirty="0">
+                <a:solidFill>
+                  <a:schemeClr val="bg1">
+                    <a:lumMod val="85000"/>
+                  </a:schemeClr>
+                </a:solidFill>
+                <a:latin typeface="+mn-ea"/>
+                <a:ea typeface="+mn-ea"/>
+              </a:rPr>
+              <a:t>7. </a:t>
+            </a:r>
+            <a:r>
+              <a:rPr lang="ko-KR" altLang="en-US" sz="2400" b="1" dirty="0">
+                <a:solidFill>
+                  <a:schemeClr val="bg1">
+                    <a:lumMod val="85000"/>
+                  </a:schemeClr>
+                </a:solidFill>
+                <a:latin typeface="+mn-ea"/>
+                <a:ea typeface="+mn-ea"/>
+              </a:rPr>
+              <a:t>다항분포*</a:t>
+            </a:r>
+          </a:p>
+        </p:txBody>
+      </p:sp>
+    </p:spTree>
+    <p:extLst>
+      <p:ext uri="{BB962C8B-B14F-4D97-AF65-F5344CB8AC3E}">
+        <p14:creationId xmlns:p14="http://schemas.microsoft.com/office/powerpoint/2010/main" val="548207019"/>
+      </p:ext>
+    </p:extLst>
+  </p:cSld>
+  <p:clrMapOvr>
+    <a:masterClrMapping/>
+  </p:clrMapOvr>
+</p:sld>
+</file>
+
+<file path=ppt/slides/slide20.xml><?xml version="1.0" encoding="utf-8"?>
 <p:sld xmlns:a="http://schemas.openxmlformats.org/drawingml/2006/main" xmlns:r="http://schemas.openxmlformats.org/officeDocument/2006/relationships" xmlns:p="http://schemas.openxmlformats.org/presentationml/2006/main">
   <p:cSld>
     <p:spTree>
@@ -7427,7 +11919,7 @@
 </p:sld>
 </file>
 
-<file path=ppt/slides/slide14.xml><?xml version="1.0" encoding="utf-8"?>
+<file path=ppt/slides/slide21.xml><?xml version="1.0" encoding="utf-8"?>
 <p:sld xmlns:a="http://schemas.openxmlformats.org/drawingml/2006/main" xmlns:r="http://schemas.openxmlformats.org/officeDocument/2006/relationships" xmlns:p="http://schemas.openxmlformats.org/presentationml/2006/main">
   <p:cSld>
     <p:spTree>
@@ -7791,7 +12283,7 @@
           <a:graphicData uri="http://schemas.openxmlformats.org/presentationml/2006/ole">
             <mc:AlternateContent xmlns:mc="http://schemas.openxmlformats.org/markup-compatibility/2006">
               <mc:Choice xmlns:v="urn:schemas-microsoft-com:vml" Requires="v">
-                <p:oleObj spid="_x0000_s7170" name="Equation" r:id="rId3" imgW="850680" imgH="342720" progId="Equation.DSMT4">
+                <p:oleObj spid="_x0000_s7173" name="Equation" r:id="rId3" imgW="850680" imgH="342720" progId="Equation.DSMT4">
                   <p:embed/>
                 </p:oleObj>
               </mc:Choice>
@@ -7874,7 +12366,7 @@
           <a:graphicData uri="http://schemas.openxmlformats.org/presentationml/2006/ole">
             <mc:AlternateContent xmlns:mc="http://schemas.openxmlformats.org/markup-compatibility/2006">
               <mc:Choice xmlns:v="urn:schemas-microsoft-com:vml" Requires="v">
-                <p:oleObj spid="_x0000_s7171" name="Equation" r:id="rId5" imgW="838080" imgH="342720" progId="Equation.DSMT4">
+                <p:oleObj spid="_x0000_s7174" name="Equation" r:id="rId5" imgW="838080" imgH="342720" progId="Equation.DSMT4">
                   <p:embed/>
                 </p:oleObj>
               </mc:Choice>
@@ -7957,7 +12449,7 @@
           <a:graphicData uri="http://schemas.openxmlformats.org/presentationml/2006/ole">
             <mc:AlternateContent xmlns:mc="http://schemas.openxmlformats.org/markup-compatibility/2006">
               <mc:Choice xmlns:v="urn:schemas-microsoft-com:vml" Requires="v">
-                <p:oleObj spid="_x0000_s7172" name="Equation" r:id="rId7" imgW="825480" imgH="342720" progId="Equation.DSMT4">
+                <p:oleObj spid="_x0000_s7175" name="Equation" r:id="rId7" imgW="825480" imgH="342720" progId="Equation.DSMT4">
                   <p:embed/>
                 </p:oleObj>
               </mc:Choice>
@@ -8239,7 +12731,7 @@
 </p:sld>
 </file>
 
-<file path=ppt/slides/slide15.xml><?xml version="1.0" encoding="utf-8"?>
+<file path=ppt/slides/slide22.xml><?xml version="1.0" encoding="utf-8"?>
 <p:sld xmlns:a="http://schemas.openxmlformats.org/drawingml/2006/main" xmlns:r="http://schemas.openxmlformats.org/officeDocument/2006/relationships" xmlns:p="http://schemas.openxmlformats.org/presentationml/2006/main">
   <p:cSld>
     <p:spTree>
@@ -8378,7 +12870,7 @@
 </p:sld>
 </file>
 
-<file path=ppt/slides/slide16.xml><?xml version="1.0" encoding="utf-8"?>
+<file path=ppt/slides/slide23.xml><?xml version="1.0" encoding="utf-8"?>
 <p:sld xmlns:a="http://schemas.openxmlformats.org/drawingml/2006/main" xmlns:r="http://schemas.openxmlformats.org/officeDocument/2006/relationships" xmlns:p="http://schemas.openxmlformats.org/presentationml/2006/main">
   <p:cSld>
     <p:spTree>
@@ -8652,7 +13144,7 @@
           <a:graphicData uri="http://schemas.openxmlformats.org/presentationml/2006/ole">
             <mc:AlternateContent xmlns:mc="http://schemas.openxmlformats.org/markup-compatibility/2006">
               <mc:Choice xmlns:v="urn:schemas-microsoft-com:vml" Requires="v">
-                <p:oleObj spid="_x0000_s8194" name="Equation" r:id="rId3" imgW="1612800" imgH="342720" progId="Equation.DSMT4">
+                <p:oleObj spid="_x0000_s8195" name="Equation" r:id="rId3" imgW="1612800" imgH="342720" progId="Equation.DSMT4">
                   <p:embed/>
                 </p:oleObj>
               </mc:Choice>
@@ -9274,7 +13766,7 @@
 </p:sld>
 </file>
 
-<file path=ppt/slides/slide17.xml><?xml version="1.0" encoding="utf-8"?>
+<file path=ppt/slides/slide24.xml><?xml version="1.0" encoding="utf-8"?>
 <p:sld xmlns:a="http://schemas.openxmlformats.org/drawingml/2006/main" xmlns:r="http://schemas.openxmlformats.org/officeDocument/2006/relationships" xmlns:p="http://schemas.openxmlformats.org/presentationml/2006/main">
   <p:cSld>
     <p:spTree>
@@ -9500,7 +13992,7 @@
           <a:graphicData uri="http://schemas.openxmlformats.org/presentationml/2006/ole">
             <mc:AlternateContent xmlns:mc="http://schemas.openxmlformats.org/markup-compatibility/2006">
               <mc:Choice xmlns:v="urn:schemas-microsoft-com:vml" Requires="v">
-                <p:oleObj spid="_x0000_s9218" name="Equation" r:id="rId3" imgW="1244520" imgH="342720" progId="Equation.DSMT4">
+                <p:oleObj spid="_x0000_s9219" name="Equation" r:id="rId3" imgW="1244520" imgH="342720" progId="Equation.DSMT4">
                   <p:embed/>
                 </p:oleObj>
               </mc:Choice>
@@ -9688,7 +14180,7 @@
 </p:sld>
 </file>
 
-<file path=ppt/slides/slide18.xml><?xml version="1.0" encoding="utf-8"?>
+<file path=ppt/slides/slide25.xml><?xml version="1.0" encoding="utf-8"?>
 <p:sld xmlns:a="http://schemas.openxmlformats.org/drawingml/2006/main" xmlns:r="http://schemas.openxmlformats.org/officeDocument/2006/relationships" xmlns:p="http://schemas.openxmlformats.org/presentationml/2006/main">
   <p:cSld>
     <p:spTree>
@@ -9993,7 +14485,7 @@
 </p:sld>
 </file>
 
-<file path=ppt/slides/slide19.xml><?xml version="1.0" encoding="utf-8"?>
+<file path=ppt/slides/slide26.xml><?xml version="1.0" encoding="utf-8"?>
 <p:sld xmlns:a="http://schemas.openxmlformats.org/drawingml/2006/main" xmlns:r="http://schemas.openxmlformats.org/officeDocument/2006/relationships" xmlns:p="http://schemas.openxmlformats.org/presentationml/2006/main">
   <p:cSld>
     <p:spTree>
@@ -10321,388 +14813,7 @@
 </p:sld>
 </file>
 
-<file path=ppt/slides/slide2.xml><?xml version="1.0" encoding="utf-8"?>
-<p:sld xmlns:a="http://schemas.openxmlformats.org/drawingml/2006/main" xmlns:r="http://schemas.openxmlformats.org/officeDocument/2006/relationships" xmlns:p="http://schemas.openxmlformats.org/presentationml/2006/main">
-  <p:cSld>
-    <p:spTree>
-      <p:nvGrpSpPr>
-        <p:cNvPr id="1" name=""/>
-        <p:cNvGrpSpPr/>
-        <p:nvPr/>
-      </p:nvGrpSpPr>
-      <p:grpSpPr>
-        <a:xfrm>
-          <a:off x="0" y="0"/>
-          <a:ext cx="0" cy="0"/>
-          <a:chOff x="0" y="0"/>
-          <a:chExt cx="0" cy="0"/>
-        </a:xfrm>
-      </p:grpSpPr>
-      <p:sp>
-        <p:nvSpPr>
-          <p:cNvPr id="3" name="제목 1"/>
-          <p:cNvSpPr txBox="1">
-            <a:spLocks/>
-          </p:cNvSpPr>
-          <p:nvPr/>
-        </p:nvSpPr>
-        <p:spPr>
-          <a:xfrm>
-            <a:off x="685800" y="642918"/>
-            <a:ext cx="7772400" cy="1470025"/>
-          </a:xfrm>
-          <a:prstGeom prst="rect">
-            <a:avLst/>
-          </a:prstGeom>
-        </p:spPr>
-        <p:txBody>
-          <a:bodyPr/>
-          <a:lstStyle>
-            <a:lvl1pPr algn="l" defTabSz="914400" rtl="0" eaLnBrk="1" latinLnBrk="1" hangingPunct="1">
-              <a:spcBef>
-                <a:spcPct val="0"/>
-              </a:spcBef>
-              <a:buNone/>
-              <a:defRPr sz="3600" b="1" kern="1200">
-                <a:solidFill>
-                  <a:schemeClr val="tx1"/>
-                </a:solidFill>
-                <a:latin typeface="+mj-lt"/>
-                <a:ea typeface="+mj-ea"/>
-                <a:cs typeface="+mj-cs"/>
-              </a:defRPr>
-            </a:lvl1pPr>
-          </a:lstStyle>
-          <a:p>
-            <a:pPr fontAlgn="auto">
-              <a:spcAft>
-                <a:spcPts val="0"/>
-              </a:spcAft>
-            </a:pPr>
-            <a:r>
-              <a:rPr kumimoji="0" lang="ko-KR" altLang="en-US" dirty="0"/>
-              <a:t>제</a:t>
-            </a:r>
-            <a:r>
-              <a:rPr kumimoji="0" lang="en-US" altLang="ko-KR" dirty="0"/>
-              <a:t>4</a:t>
-            </a:r>
-            <a:r>
-              <a:rPr kumimoji="0" lang="ko-KR" altLang="en-US" dirty="0"/>
-              <a:t>장</a:t>
-            </a:r>
-            <a:br>
-              <a:rPr kumimoji="0" lang="en-US" altLang="ko-KR" dirty="0"/>
-            </a:br>
-            <a:r>
-              <a:rPr kumimoji="0" lang="ko-KR" altLang="en-US" dirty="0"/>
-              <a:t>이산형 확률분포</a:t>
-            </a:r>
-          </a:p>
-        </p:txBody>
-      </p:sp>
-      <p:sp>
-        <p:nvSpPr>
-          <p:cNvPr id="10" name="TextBox 9"/>
-          <p:cNvSpPr txBox="1"/>
-          <p:nvPr/>
-        </p:nvSpPr>
-        <p:spPr>
-          <a:xfrm>
-            <a:off x="1713340" y="2463420"/>
-            <a:ext cx="3794764" cy="461665"/>
-          </a:xfrm>
-          <a:prstGeom prst="rect">
-            <a:avLst/>
-          </a:prstGeom>
-          <a:noFill/>
-        </p:spPr>
-        <p:txBody>
-          <a:bodyPr wrap="square" rtlCol="0">
-            <a:spAutoFit/>
-          </a:bodyPr>
-          <a:lstStyle/>
-          <a:p>
-            <a:r>
-              <a:rPr lang="en-US" altLang="ko-KR" sz="2400" b="1" dirty="0">
-                <a:latin typeface="+mn-ea"/>
-                <a:ea typeface="+mn-ea"/>
-              </a:rPr>
-              <a:t>1. </a:t>
-            </a:r>
-            <a:r>
-              <a:rPr lang="ko-KR" altLang="en-US" sz="2400" b="1" dirty="0">
-                <a:latin typeface="+mn-ea"/>
-                <a:ea typeface="+mn-ea"/>
-              </a:rPr>
-              <a:t>이산균일분포</a:t>
-            </a:r>
-          </a:p>
-        </p:txBody>
-      </p:sp>
-      <p:sp>
-        <p:nvSpPr>
-          <p:cNvPr id="11" name="TextBox 10"/>
-          <p:cNvSpPr txBox="1"/>
-          <p:nvPr/>
-        </p:nvSpPr>
-        <p:spPr>
-          <a:xfrm>
-            <a:off x="1691680" y="3012340"/>
-            <a:ext cx="3794764" cy="461665"/>
-          </a:xfrm>
-          <a:prstGeom prst="rect">
-            <a:avLst/>
-          </a:prstGeom>
-          <a:noFill/>
-        </p:spPr>
-        <p:txBody>
-          <a:bodyPr wrap="square" rtlCol="0">
-            <a:spAutoFit/>
-          </a:bodyPr>
-          <a:lstStyle/>
-          <a:p>
-            <a:r>
-              <a:rPr lang="en-US" altLang="ko-KR" sz="2400" b="1" dirty="0">
-                <a:latin typeface="+mn-ea"/>
-                <a:ea typeface="+mn-ea"/>
-              </a:rPr>
-              <a:t>2. </a:t>
-            </a:r>
-            <a:r>
-              <a:rPr lang="ko-KR" altLang="en-US" sz="2400" b="1" dirty="0">
-                <a:latin typeface="+mn-ea"/>
-                <a:ea typeface="+mn-ea"/>
-              </a:rPr>
-              <a:t>이항분포</a:t>
-            </a:r>
-          </a:p>
-        </p:txBody>
-      </p:sp>
-      <p:sp>
-        <p:nvSpPr>
-          <p:cNvPr id="12" name="TextBox 11"/>
-          <p:cNvSpPr txBox="1"/>
-          <p:nvPr/>
-        </p:nvSpPr>
-        <p:spPr>
-          <a:xfrm>
-            <a:off x="1691680" y="3588404"/>
-            <a:ext cx="3794764" cy="461665"/>
-          </a:xfrm>
-          <a:prstGeom prst="rect">
-            <a:avLst/>
-          </a:prstGeom>
-          <a:noFill/>
-        </p:spPr>
-        <p:txBody>
-          <a:bodyPr wrap="square" rtlCol="0">
-            <a:spAutoFit/>
-          </a:bodyPr>
-          <a:lstStyle/>
-          <a:p>
-            <a:r>
-              <a:rPr lang="en-US" altLang="ko-KR" sz="2400" b="1" dirty="0">
-                <a:latin typeface="+mn-ea"/>
-                <a:ea typeface="+mn-ea"/>
-              </a:rPr>
-              <a:t>3. </a:t>
-            </a:r>
-            <a:r>
-              <a:rPr lang="ko-KR" altLang="en-US" sz="2400" b="1" dirty="0" err="1">
-                <a:latin typeface="+mn-ea"/>
-                <a:ea typeface="+mn-ea"/>
-              </a:rPr>
-              <a:t>초기하분포</a:t>
-            </a:r>
-            <a:endParaRPr lang="ko-KR" altLang="en-US" sz="2400" b="1" dirty="0">
-              <a:latin typeface="+mn-ea"/>
-              <a:ea typeface="+mn-ea"/>
-            </a:endParaRPr>
-          </a:p>
-        </p:txBody>
-      </p:sp>
-      <p:sp>
-        <p:nvSpPr>
-          <p:cNvPr id="13" name="TextBox 12"/>
-          <p:cNvSpPr txBox="1"/>
-          <p:nvPr/>
-        </p:nvSpPr>
-        <p:spPr>
-          <a:xfrm>
-            <a:off x="1691680" y="4183632"/>
-            <a:ext cx="3794764" cy="461665"/>
-          </a:xfrm>
-          <a:prstGeom prst="rect">
-            <a:avLst/>
-          </a:prstGeom>
-          <a:noFill/>
-        </p:spPr>
-        <p:txBody>
-          <a:bodyPr wrap="square" rtlCol="0">
-            <a:spAutoFit/>
-          </a:bodyPr>
-          <a:lstStyle/>
-          <a:p>
-            <a:r>
-              <a:rPr lang="en-US" altLang="ko-KR" sz="2400" b="1" dirty="0">
-                <a:latin typeface="+mn-ea"/>
-                <a:ea typeface="+mn-ea"/>
-              </a:rPr>
-              <a:t>4. </a:t>
-            </a:r>
-            <a:r>
-              <a:rPr lang="ko-KR" altLang="en-US" sz="2400" b="1" dirty="0" err="1">
-                <a:latin typeface="+mn-ea"/>
-                <a:ea typeface="+mn-ea"/>
-              </a:rPr>
-              <a:t>포아송분포</a:t>
-            </a:r>
-            <a:endParaRPr lang="ko-KR" altLang="en-US" sz="2400" b="1" dirty="0">
-              <a:latin typeface="+mn-ea"/>
-              <a:ea typeface="+mn-ea"/>
-            </a:endParaRPr>
-          </a:p>
-        </p:txBody>
-      </p:sp>
-      <p:sp>
-        <p:nvSpPr>
-          <p:cNvPr id="14" name="TextBox 13"/>
-          <p:cNvSpPr txBox="1"/>
-          <p:nvPr/>
-        </p:nvSpPr>
-        <p:spPr>
-          <a:xfrm>
-            <a:off x="1713340" y="4740532"/>
-            <a:ext cx="3794764" cy="461665"/>
-          </a:xfrm>
-          <a:prstGeom prst="rect">
-            <a:avLst/>
-          </a:prstGeom>
-          <a:noFill/>
-        </p:spPr>
-        <p:txBody>
-          <a:bodyPr wrap="square" rtlCol="0">
-            <a:spAutoFit/>
-          </a:bodyPr>
-          <a:lstStyle/>
-          <a:p>
-            <a:r>
-              <a:rPr lang="en-US" altLang="ko-KR" sz="2400" b="1" dirty="0">
-                <a:latin typeface="+mn-ea"/>
-                <a:ea typeface="+mn-ea"/>
-              </a:rPr>
-              <a:t>5. </a:t>
-            </a:r>
-            <a:r>
-              <a:rPr lang="ko-KR" altLang="en-US" sz="2400" b="1" dirty="0">
-                <a:latin typeface="+mn-ea"/>
-                <a:ea typeface="+mn-ea"/>
-              </a:rPr>
-              <a:t>기하분포</a:t>
-            </a:r>
-          </a:p>
-        </p:txBody>
-      </p:sp>
-      <p:sp>
-        <p:nvSpPr>
-          <p:cNvPr id="15" name="TextBox 14"/>
-          <p:cNvSpPr txBox="1"/>
-          <p:nvPr/>
-        </p:nvSpPr>
-        <p:spPr>
-          <a:xfrm>
-            <a:off x="1713340" y="5316596"/>
-            <a:ext cx="3794764" cy="461665"/>
-          </a:xfrm>
-          <a:prstGeom prst="rect">
-            <a:avLst/>
-          </a:prstGeom>
-          <a:noFill/>
-        </p:spPr>
-        <p:txBody>
-          <a:bodyPr wrap="square" rtlCol="0">
-            <a:spAutoFit/>
-          </a:bodyPr>
-          <a:lstStyle/>
-          <a:p>
-            <a:r>
-              <a:rPr lang="en-US" altLang="ko-KR" sz="2400" b="1" dirty="0">
-                <a:latin typeface="+mn-ea"/>
-                <a:ea typeface="+mn-ea"/>
-              </a:rPr>
-              <a:t>6. </a:t>
-            </a:r>
-            <a:r>
-              <a:rPr lang="ko-KR" altLang="en-US" sz="2400" b="1" dirty="0" err="1">
-                <a:latin typeface="+mn-ea"/>
-                <a:ea typeface="+mn-ea"/>
-              </a:rPr>
-              <a:t>음이항분포</a:t>
-            </a:r>
-            <a:r>
-              <a:rPr lang="ko-KR" altLang="en-US" sz="2400" b="1" dirty="0">
-                <a:latin typeface="+mn-ea"/>
-                <a:ea typeface="+mn-ea"/>
-              </a:rPr>
-              <a:t>*</a:t>
-            </a:r>
-          </a:p>
-        </p:txBody>
-      </p:sp>
-      <p:sp>
-        <p:nvSpPr>
-          <p:cNvPr id="16" name="TextBox 15"/>
-          <p:cNvSpPr txBox="1"/>
-          <p:nvPr/>
-        </p:nvSpPr>
-        <p:spPr>
-          <a:xfrm>
-            <a:off x="1691680" y="5892660"/>
-            <a:ext cx="3794764" cy="461665"/>
-          </a:xfrm>
-          <a:prstGeom prst="rect">
-            <a:avLst/>
-          </a:prstGeom>
-          <a:noFill/>
-        </p:spPr>
-        <p:txBody>
-          <a:bodyPr wrap="square" rtlCol="0">
-            <a:spAutoFit/>
-          </a:bodyPr>
-          <a:lstStyle/>
-          <a:p>
-            <a:r>
-              <a:rPr lang="en-US" altLang="ko-KR" sz="2400" b="1" dirty="0">
-                <a:latin typeface="+mn-ea"/>
-                <a:ea typeface="+mn-ea"/>
-              </a:rPr>
-              <a:t>7. </a:t>
-            </a:r>
-            <a:r>
-              <a:rPr lang="ko-KR" altLang="en-US" sz="2400" b="1" dirty="0">
-                <a:latin typeface="+mn-ea"/>
-                <a:ea typeface="+mn-ea"/>
-              </a:rPr>
-              <a:t>다항분포*</a:t>
-            </a:r>
-          </a:p>
-        </p:txBody>
-      </p:sp>
-    </p:spTree>
-    <p:extLst>
-      <p:ext uri="{BB962C8B-B14F-4D97-AF65-F5344CB8AC3E}">
-        <p14:creationId xmlns:p14="http://schemas.microsoft.com/office/powerpoint/2010/main" val="548207019"/>
-      </p:ext>
-    </p:extLst>
-  </p:cSld>
-  <p:clrMapOvr>
-    <a:masterClrMapping/>
-  </p:clrMapOvr>
-</p:sld>
-</file>
-
-<file path=ppt/slides/slide20.xml><?xml version="1.0" encoding="utf-8"?>
+<file path=ppt/slides/slide27.xml><?xml version="1.0" encoding="utf-8"?>
 <p:sld xmlns:a="http://schemas.openxmlformats.org/drawingml/2006/main" xmlns:r="http://schemas.openxmlformats.org/officeDocument/2006/relationships" xmlns:p="http://schemas.openxmlformats.org/presentationml/2006/main">
   <p:cSld>
     <p:spTree>
@@ -11275,7 +15386,7 @@
 </p:sld>
 </file>
 
-<file path=ppt/slides/slide21.xml><?xml version="1.0" encoding="utf-8"?>
+<file path=ppt/slides/slide28.xml><?xml version="1.0" encoding="utf-8"?>
 <p:sld xmlns:a="http://schemas.openxmlformats.org/drawingml/2006/main" xmlns:r="http://schemas.openxmlformats.org/officeDocument/2006/relationships" xmlns:p="http://schemas.openxmlformats.org/presentationml/2006/main">
   <p:cSld>
     <p:spTree>
@@ -11691,7 +15802,7 @@
 </p:sld>
 </file>
 
-<file path=ppt/slides/slide22.xml><?xml version="1.0" encoding="utf-8"?>
+<file path=ppt/slides/slide29.xml><?xml version="1.0" encoding="utf-8"?>
 <p:sld xmlns:a="http://schemas.openxmlformats.org/drawingml/2006/main" xmlns:r="http://schemas.openxmlformats.org/officeDocument/2006/relationships" xmlns:p="http://schemas.openxmlformats.org/presentationml/2006/main">
   <p:cSld>
     <p:spTree>
@@ -11781,571 +15892,6 @@
           <a:ln>
             <a:noFill/>
           </a:ln>
-        </p:spPr>
-      </p:pic>
-    </p:spTree>
-    <p:extLst>
-      <p:ext uri="{BB962C8B-B14F-4D97-AF65-F5344CB8AC3E}">
-        <p14:creationId xmlns:p14="http://schemas.microsoft.com/office/powerpoint/2010/main" val="3829212394"/>
-      </p:ext>
-    </p:extLst>
-  </p:cSld>
-  <p:clrMapOvr>
-    <a:masterClrMapping/>
-  </p:clrMapOvr>
-</p:sld>
-</file>
-
-<file path=ppt/slides/slide23.xml><?xml version="1.0" encoding="utf-8"?>
-<p:sld xmlns:a="http://schemas.openxmlformats.org/drawingml/2006/main" xmlns:r="http://schemas.openxmlformats.org/officeDocument/2006/relationships" xmlns:p="http://schemas.openxmlformats.org/presentationml/2006/main">
-  <p:cSld>
-    <p:spTree>
-      <p:nvGrpSpPr>
-        <p:cNvPr id="1" name=""/>
-        <p:cNvGrpSpPr/>
-        <p:nvPr/>
-      </p:nvGrpSpPr>
-      <p:grpSpPr>
-        <a:xfrm>
-          <a:off x="0" y="0"/>
-          <a:ext cx="0" cy="0"/>
-          <a:chOff x="0" y="0"/>
-          <a:chExt cx="0" cy="0"/>
-        </a:xfrm>
-      </p:grpSpPr>
-      <p:sp>
-        <p:nvSpPr>
-          <p:cNvPr id="14339" name="내용 개체 틀 2"/>
-          <p:cNvSpPr>
-            <a:spLocks noGrp="1"/>
-          </p:cNvSpPr>
-          <p:nvPr>
-            <p:ph idx="4294967295"/>
-          </p:nvPr>
-        </p:nvSpPr>
-        <p:spPr>
-          <a:xfrm>
-            <a:off x="476545" y="1314450"/>
-            <a:ext cx="8415338" cy="1394470"/>
-          </a:xfrm>
-        </p:spPr>
-        <p:txBody>
-          <a:bodyPr>
-            <a:normAutofit/>
-          </a:bodyPr>
-          <a:lstStyle/>
-          <a:p>
-            <a:pPr marL="0" indent="0">
-              <a:buNone/>
-            </a:pPr>
-            <a:r>
-              <a:rPr lang="en-US" altLang="ko-KR" sz="2000" dirty="0">
-                <a:latin typeface="+mn-ea"/>
-              </a:rPr>
-              <a:t>[</a:t>
-            </a:r>
-            <a:r>
-              <a:rPr lang="ko-KR" altLang="en-US" sz="2000" dirty="0">
-                <a:latin typeface="+mn-ea"/>
-              </a:rPr>
-              <a:t>예 </a:t>
-            </a:r>
-            <a:r>
-              <a:rPr lang="en-US" altLang="ko-KR" sz="2000" dirty="0">
-                <a:latin typeface="+mn-ea"/>
-              </a:rPr>
-              <a:t>6-9] </a:t>
-            </a:r>
-            <a:r>
-              <a:rPr lang="ko-KR" altLang="en-US" sz="2000" dirty="0">
-                <a:latin typeface="+mn-ea"/>
-              </a:rPr>
-              <a:t>주사위 </a:t>
-            </a:r>
-            <a:r>
-              <a:rPr lang="en-US" altLang="ko-KR" sz="2000" dirty="0">
-                <a:latin typeface="+mn-ea"/>
-              </a:rPr>
-              <a:t>1</a:t>
-            </a:r>
-            <a:r>
-              <a:rPr lang="ko-KR" altLang="en-US" sz="2000" dirty="0">
-                <a:latin typeface="+mn-ea"/>
-              </a:rPr>
-              <a:t>개를 ‘</a:t>
-            </a:r>
-            <a:r>
-              <a:rPr lang="en-US" altLang="ko-KR" sz="2000" dirty="0">
-                <a:latin typeface="+mn-ea"/>
-              </a:rPr>
-              <a:t>6’</a:t>
-            </a:r>
-            <a:r>
-              <a:rPr lang="ko-KR" altLang="en-US" sz="2000" dirty="0">
-                <a:latin typeface="+mn-ea"/>
-              </a:rPr>
-              <a:t>이 나올 때까지 반복해서 굴리는 실험에서 총  시행회수 </a:t>
-            </a:r>
-            <a:r>
-              <a:rPr lang="en-US" altLang="ko-KR" sz="2000" dirty="0">
-                <a:latin typeface="+mn-ea"/>
-              </a:rPr>
-              <a:t>X</a:t>
-            </a:r>
-            <a:endParaRPr lang="ko-KR" altLang="en-US" sz="2000" dirty="0">
-              <a:latin typeface="+mn-ea"/>
-            </a:endParaRPr>
-          </a:p>
-        </p:txBody>
-      </p:sp>
-      <p:sp>
-        <p:nvSpPr>
-          <p:cNvPr id="40" name="제목 1"/>
-          <p:cNvSpPr txBox="1">
-            <a:spLocks/>
-          </p:cNvSpPr>
-          <p:nvPr/>
-        </p:nvSpPr>
-        <p:spPr>
-          <a:xfrm>
-            <a:off x="476545" y="368660"/>
-            <a:ext cx="8289630" cy="765086"/>
-          </a:xfrm>
-          <a:prstGeom prst="rect">
-            <a:avLst/>
-          </a:prstGeom>
-        </p:spPr>
-        <p:txBody>
-          <a:bodyPr vert="horz" lIns="91440" tIns="45720" rIns="91440" bIns="45720" rtlCol="0" anchor="ctr">
-            <a:normAutofit/>
-          </a:bodyPr>
-          <a:lstStyle>
-            <a:lvl1pPr algn="l" defTabSz="914400" rtl="0" eaLnBrk="1" latinLnBrk="1" hangingPunct="1">
-              <a:spcBef>
-                <a:spcPct val="0"/>
-              </a:spcBef>
-              <a:buNone/>
-              <a:defRPr sz="3600" b="1" kern="1200">
-                <a:solidFill>
-                  <a:schemeClr val="tx1"/>
-                </a:solidFill>
-                <a:latin typeface="+mj-lt"/>
-                <a:ea typeface="+mj-ea"/>
-                <a:cs typeface="+mj-cs"/>
-              </a:defRPr>
-            </a:lvl1pPr>
-          </a:lstStyle>
-          <a:p>
-            <a:r>
-              <a:rPr lang="en-US" altLang="ko-KR" dirty="0"/>
-              <a:t>5. </a:t>
-            </a:r>
-            <a:r>
-              <a:rPr lang="ko-KR" altLang="en-US" dirty="0"/>
-              <a:t>기하분포</a:t>
-            </a:r>
-          </a:p>
-        </p:txBody>
-      </p:sp>
-      <p:sp>
-        <p:nvSpPr>
-          <p:cNvPr id="4" name="TextBox 3"/>
-          <p:cNvSpPr txBox="1"/>
-          <p:nvPr/>
-        </p:nvSpPr>
-        <p:spPr>
-          <a:xfrm>
-            <a:off x="729003" y="2249360"/>
-            <a:ext cx="4752528" cy="2031325"/>
-          </a:xfrm>
-          <a:prstGeom prst="rect">
-            <a:avLst/>
-          </a:prstGeom>
-          <a:noFill/>
-        </p:spPr>
-        <p:txBody>
-          <a:bodyPr wrap="square" rtlCol="0">
-            <a:spAutoFit/>
-          </a:bodyPr>
-          <a:lstStyle/>
-          <a:p>
-            <a:r>
-              <a:rPr lang="en-US" altLang="ko-KR" dirty="0">
-                <a:latin typeface="+mn-ea"/>
-                <a:ea typeface="+mn-ea"/>
-              </a:rPr>
-              <a:t>(1) X</a:t>
-            </a:r>
-            <a:r>
-              <a:rPr lang="ko-KR" altLang="en-US" dirty="0">
-                <a:latin typeface="+mn-ea"/>
-                <a:ea typeface="+mn-ea"/>
-              </a:rPr>
-              <a:t>의 확률분포함수</a:t>
-            </a:r>
-          </a:p>
-          <a:p>
-            <a:endParaRPr lang="en-US" altLang="ko-KR" dirty="0">
-              <a:latin typeface="+mn-ea"/>
-              <a:ea typeface="+mn-ea"/>
-            </a:endParaRPr>
-          </a:p>
-          <a:p>
-            <a:endParaRPr lang="en-US" altLang="ko-KR" dirty="0">
-              <a:latin typeface="+mn-ea"/>
-              <a:ea typeface="+mn-ea"/>
-            </a:endParaRPr>
-          </a:p>
-          <a:p>
-            <a:r>
-              <a:rPr lang="en-US" altLang="ko-KR" dirty="0">
-                <a:latin typeface="+mn-ea"/>
-                <a:ea typeface="+mn-ea"/>
-              </a:rPr>
-              <a:t>(2) X</a:t>
-            </a:r>
-            <a:r>
-              <a:rPr lang="ko-KR" altLang="en-US" dirty="0">
-                <a:latin typeface="+mn-ea"/>
-                <a:ea typeface="+mn-ea"/>
-              </a:rPr>
-              <a:t>의 </a:t>
-            </a:r>
-            <a:r>
-              <a:rPr lang="ko-KR" altLang="en-US" dirty="0" err="1">
-                <a:latin typeface="+mn-ea"/>
-                <a:ea typeface="+mn-ea"/>
-              </a:rPr>
-              <a:t>기댓값과</a:t>
-            </a:r>
-            <a:r>
-              <a:rPr lang="ko-KR" altLang="en-US" dirty="0">
-                <a:latin typeface="+mn-ea"/>
-                <a:ea typeface="+mn-ea"/>
-              </a:rPr>
-              <a:t> 분산</a:t>
-            </a:r>
-          </a:p>
-          <a:p>
-            <a:endParaRPr lang="en-US" altLang="ko-KR" dirty="0">
-              <a:latin typeface="+mn-ea"/>
-              <a:ea typeface="+mn-ea"/>
-            </a:endParaRPr>
-          </a:p>
-          <a:p>
-            <a:endParaRPr lang="en-US" altLang="ko-KR" dirty="0">
-              <a:latin typeface="+mn-ea"/>
-              <a:ea typeface="+mn-ea"/>
-            </a:endParaRPr>
-          </a:p>
-          <a:p>
-            <a:r>
-              <a:rPr lang="en-US" altLang="ko-KR" dirty="0">
-                <a:latin typeface="+mn-ea"/>
-                <a:ea typeface="+mn-ea"/>
-              </a:rPr>
-              <a:t>(3) 3</a:t>
-            </a:r>
-            <a:r>
-              <a:rPr lang="ko-KR" altLang="en-US" dirty="0">
-                <a:latin typeface="+mn-ea"/>
-                <a:ea typeface="+mn-ea"/>
-              </a:rPr>
-              <a:t>회의 시행 이내에 ‘</a:t>
-            </a:r>
-            <a:r>
-              <a:rPr lang="en-US" altLang="ko-KR" dirty="0">
-                <a:latin typeface="+mn-ea"/>
-                <a:ea typeface="+mn-ea"/>
-              </a:rPr>
-              <a:t>6’</a:t>
-            </a:r>
-            <a:r>
-              <a:rPr lang="ko-KR" altLang="en-US" dirty="0">
-                <a:latin typeface="+mn-ea"/>
-                <a:ea typeface="+mn-ea"/>
-              </a:rPr>
-              <a:t>이 나올 확률</a:t>
-            </a:r>
-          </a:p>
-        </p:txBody>
-      </p:sp>
-      <p:sp>
-        <p:nvSpPr>
-          <p:cNvPr id="5" name="직사각형 4"/>
-          <p:cNvSpPr/>
-          <p:nvPr/>
-        </p:nvSpPr>
-        <p:spPr>
-          <a:xfrm>
-            <a:off x="746125" y="2079756"/>
-            <a:ext cx="7696306" cy="2330176"/>
-          </a:xfrm>
-          <a:prstGeom prst="rect">
-            <a:avLst/>
-          </a:prstGeom>
-          <a:noFill/>
-          <a:ln>
-            <a:solidFill>
-              <a:srgbClr val="00B0F0"/>
-            </a:solidFill>
-          </a:ln>
-        </p:spPr>
-        <p:style>
-          <a:lnRef idx="2">
-            <a:schemeClr val="accent1">
-              <a:shade val="50000"/>
-            </a:schemeClr>
-          </a:lnRef>
-          <a:fillRef idx="1">
-            <a:schemeClr val="accent1"/>
-          </a:fillRef>
-          <a:effectRef idx="0">
-            <a:schemeClr val="accent1"/>
-          </a:effectRef>
-          <a:fontRef idx="minor">
-            <a:schemeClr val="lt1"/>
-          </a:fontRef>
-        </p:style>
-        <p:txBody>
-          <a:bodyPr rtlCol="0" anchor="ctr"/>
-          <a:lstStyle/>
-          <a:p>
-            <a:pPr algn="ctr"/>
-            <a:endParaRPr lang="ko-KR" altLang="en-US"/>
-          </a:p>
-        </p:txBody>
-      </p:sp>
-      <p:pic>
-        <p:nvPicPr>
-          <p:cNvPr id="6" name="Picture 765"/>
-          <p:cNvPicPr>
-            <a:picLocks noChangeAspect="1" noChangeArrowheads="1"/>
-          </p:cNvPicPr>
-          <p:nvPr/>
-        </p:nvPicPr>
-        <p:blipFill>
-          <a:blip r:embed="rId2">
-            <a:extLst>
-              <a:ext uri="{28A0092B-C50C-407E-A947-70E740481C1C}">
-                <a14:useLocalDpi xmlns:a14="http://schemas.microsoft.com/office/drawing/2010/main" val="0"/>
-              </a:ext>
-            </a:extLst>
-          </a:blip>
-          <a:srcRect/>
-          <a:stretch>
-            <a:fillRect/>
-          </a:stretch>
-        </p:blipFill>
-        <p:spPr bwMode="auto">
-          <a:xfrm>
-            <a:off x="3182171" y="2134488"/>
-            <a:ext cx="4204343" cy="1456623"/>
-          </a:xfrm>
-          <a:prstGeom prst="rect">
-            <a:avLst/>
-          </a:prstGeom>
-          <a:noFill/>
-          <a:ln>
-            <a:noFill/>
-          </a:ln>
-          <a:extLst>
-            <a:ext uri="{909E8E84-426E-40DD-AFC4-6F175D3DCCD1}">
-              <a14:hiddenFill xmlns:a14="http://schemas.microsoft.com/office/drawing/2010/main">
-                <a:solidFill>
-                  <a:schemeClr val="accent1"/>
-                </a:solidFill>
-              </a14:hiddenFill>
-            </a:ext>
-            <a:ext uri="{91240B29-F687-4F45-9708-019B960494DF}">
-              <a14:hiddenLine xmlns:a14="http://schemas.microsoft.com/office/drawing/2010/main" w="9525">
-                <a:solidFill>
-                  <a:schemeClr val="tx1"/>
-                </a:solidFill>
-                <a:miter lim="800000"/>
-                <a:headEnd/>
-                <a:tailEnd/>
-              </a14:hiddenLine>
-            </a:ext>
-          </a:extLst>
-        </p:spPr>
-      </p:pic>
-      <p:pic>
-        <p:nvPicPr>
-          <p:cNvPr id="7" name="Picture 766"/>
-          <p:cNvPicPr>
-            <a:picLocks noChangeAspect="1" noChangeArrowheads="1"/>
-          </p:cNvPicPr>
-          <p:nvPr/>
-        </p:nvPicPr>
-        <p:blipFill>
-          <a:blip r:embed="rId3">
-            <a:extLst>
-              <a:ext uri="{28A0092B-C50C-407E-A947-70E740481C1C}">
-                <a14:useLocalDpi xmlns:a14="http://schemas.microsoft.com/office/drawing/2010/main" val="0"/>
-              </a:ext>
-            </a:extLst>
-          </a:blip>
-          <a:srcRect/>
-          <a:stretch>
-            <a:fillRect/>
-          </a:stretch>
-        </p:blipFill>
-        <p:spPr bwMode="auto">
-          <a:xfrm>
-            <a:off x="4857989" y="3775934"/>
-            <a:ext cx="3460059" cy="602099"/>
-          </a:xfrm>
-          <a:prstGeom prst="rect">
-            <a:avLst/>
-          </a:prstGeom>
-          <a:noFill/>
-          <a:ln>
-            <a:noFill/>
-          </a:ln>
-          <a:extLst>
-            <a:ext uri="{909E8E84-426E-40DD-AFC4-6F175D3DCCD1}">
-              <a14:hiddenFill xmlns:a14="http://schemas.microsoft.com/office/drawing/2010/main">
-                <a:solidFill>
-                  <a:schemeClr val="accent1"/>
-                </a:solidFill>
-              </a14:hiddenFill>
-            </a:ext>
-            <a:ext uri="{91240B29-F687-4F45-9708-019B960494DF}">
-              <a14:hiddenLine xmlns:a14="http://schemas.microsoft.com/office/drawing/2010/main" w="9525">
-                <a:solidFill>
-                  <a:schemeClr val="tx1"/>
-                </a:solidFill>
-                <a:miter lim="800000"/>
-                <a:headEnd/>
-                <a:tailEnd/>
-              </a14:hiddenLine>
-            </a:ext>
-          </a:extLst>
-        </p:spPr>
-      </p:pic>
-      <p:sp>
-        <p:nvSpPr>
-          <p:cNvPr id="8" name="내용 개체 틀 9"/>
-          <p:cNvSpPr txBox="1">
-            <a:spLocks/>
-          </p:cNvSpPr>
-          <p:nvPr/>
-        </p:nvSpPr>
-        <p:spPr>
-          <a:xfrm>
-            <a:off x="633611" y="4594119"/>
-            <a:ext cx="6400816" cy="500066"/>
-          </a:xfrm>
-          <a:prstGeom prst="rect">
-            <a:avLst/>
-          </a:prstGeom>
-        </p:spPr>
-        <p:txBody>
-          <a:bodyPr vert="horz" lIns="91440" tIns="45720" rIns="91440" bIns="45720" rtlCol="0">
-            <a:normAutofit/>
-          </a:bodyPr>
-          <a:lstStyle/>
-          <a:p>
-            <a:pPr marL="342900" lvl="0" indent="-342900">
-              <a:spcAft>
-                <a:spcPts val="600"/>
-              </a:spcAft>
-              <a:buClr>
-                <a:srgbClr val="FF0000"/>
-              </a:buClr>
-              <a:buFont typeface="Wingdings" panose="05000000000000000000" pitchFamily="2" charset="2"/>
-              <a:buChar char="§"/>
-            </a:pPr>
-            <a:r>
-              <a:rPr lang="ko-KR" altLang="en-US" sz="2400" dirty="0" err="1">
-                <a:latin typeface="+mn-ea"/>
-                <a:ea typeface="+mn-ea"/>
-              </a:rPr>
-              <a:t>비기억</a:t>
-            </a:r>
-            <a:r>
-              <a:rPr lang="ko-KR" altLang="en-US" sz="2400" dirty="0">
-                <a:latin typeface="+mn-ea"/>
-                <a:ea typeface="+mn-ea"/>
-              </a:rPr>
-              <a:t> 특성 </a:t>
-            </a:r>
-            <a:r>
-              <a:rPr lang="en-US" altLang="ko-KR" sz="2400" dirty="0">
-                <a:latin typeface="+mn-ea"/>
-                <a:ea typeface="+mn-ea"/>
-              </a:rPr>
-              <a:t>(memoryless property)</a:t>
-            </a:r>
-            <a:endParaRPr kumimoji="0" lang="ko-KR" altLang="en-US" sz="2400" i="0" u="none" strike="noStrike" kern="1200" cap="none" spc="0" normalizeH="0" baseline="0" noProof="0" dirty="0">
-              <a:ln>
-                <a:noFill/>
-              </a:ln>
-              <a:solidFill>
-                <a:schemeClr val="tx1"/>
-              </a:solidFill>
-              <a:effectLst/>
-              <a:uLnTx/>
-              <a:uFillTx/>
-              <a:latin typeface="+mn-ea"/>
-              <a:ea typeface="+mn-ea"/>
-            </a:endParaRPr>
-          </a:p>
-        </p:txBody>
-      </p:sp>
-      <p:pic>
-        <p:nvPicPr>
-          <p:cNvPr id="9" name="Picture 767"/>
-          <p:cNvPicPr>
-            <a:picLocks noChangeAspect="1" noChangeArrowheads="1"/>
-          </p:cNvPicPr>
-          <p:nvPr/>
-        </p:nvPicPr>
-        <p:blipFill>
-          <a:blip r:embed="rId4">
-            <a:extLst>
-              <a:ext uri="{28A0092B-C50C-407E-A947-70E740481C1C}">
-                <a14:useLocalDpi xmlns:a14="http://schemas.microsoft.com/office/drawing/2010/main" val="0"/>
-              </a:ext>
-            </a:extLst>
-          </a:blip>
-          <a:srcRect/>
-          <a:stretch>
-            <a:fillRect/>
-          </a:stretch>
-        </p:blipFill>
-        <p:spPr bwMode="auto">
-          <a:xfrm>
-            <a:off x="1181787" y="5219969"/>
-            <a:ext cx="5625625" cy="1115563"/>
-          </a:xfrm>
-          <a:prstGeom prst="rect">
-            <a:avLst/>
-          </a:prstGeom>
-          <a:noFill/>
-          <a:ln>
-            <a:noFill/>
-          </a:ln>
-          <a:extLst>
-            <a:ext uri="{909E8E84-426E-40DD-AFC4-6F175D3DCCD1}">
-              <a14:hiddenFill xmlns:a14="http://schemas.microsoft.com/office/drawing/2010/main">
-                <a:solidFill>
-                  <a:schemeClr val="accent1"/>
-                </a:solidFill>
-              </a14:hiddenFill>
-            </a:ext>
-            <a:ext uri="{91240B29-F687-4F45-9708-019B960494DF}">
-              <a14:hiddenLine xmlns:a14="http://schemas.microsoft.com/office/drawing/2010/main" w="9525">
-                <a:solidFill>
-                  <a:schemeClr val="tx1"/>
-                </a:solidFill>
-                <a:miter lim="800000"/>
-                <a:headEnd/>
-                <a:tailEnd/>
-              </a14:hiddenLine>
-            </a:ext>
-          </a:extLst>
         </p:spPr>
       </p:pic>
     </p:spTree>
@@ -12873,6 +16419,571 @@
     <p:extLst>
       <p:ext uri="{BB962C8B-B14F-4D97-AF65-F5344CB8AC3E}">
         <p14:creationId xmlns:p14="http://schemas.microsoft.com/office/powerpoint/2010/main" val="706679794"/>
+      </p:ext>
+    </p:extLst>
+  </p:cSld>
+  <p:clrMapOvr>
+    <a:masterClrMapping/>
+  </p:clrMapOvr>
+</p:sld>
+</file>
+
+<file path=ppt/slides/slide30.xml><?xml version="1.0" encoding="utf-8"?>
+<p:sld xmlns:a="http://schemas.openxmlformats.org/drawingml/2006/main" xmlns:r="http://schemas.openxmlformats.org/officeDocument/2006/relationships" xmlns:p="http://schemas.openxmlformats.org/presentationml/2006/main">
+  <p:cSld>
+    <p:spTree>
+      <p:nvGrpSpPr>
+        <p:cNvPr id="1" name=""/>
+        <p:cNvGrpSpPr/>
+        <p:nvPr/>
+      </p:nvGrpSpPr>
+      <p:grpSpPr>
+        <a:xfrm>
+          <a:off x="0" y="0"/>
+          <a:ext cx="0" cy="0"/>
+          <a:chOff x="0" y="0"/>
+          <a:chExt cx="0" cy="0"/>
+        </a:xfrm>
+      </p:grpSpPr>
+      <p:sp>
+        <p:nvSpPr>
+          <p:cNvPr id="14339" name="내용 개체 틀 2"/>
+          <p:cNvSpPr>
+            <a:spLocks noGrp="1"/>
+          </p:cNvSpPr>
+          <p:nvPr>
+            <p:ph idx="4294967295"/>
+          </p:nvPr>
+        </p:nvSpPr>
+        <p:spPr>
+          <a:xfrm>
+            <a:off x="476545" y="1314450"/>
+            <a:ext cx="8415338" cy="1394470"/>
+          </a:xfrm>
+        </p:spPr>
+        <p:txBody>
+          <a:bodyPr>
+            <a:normAutofit/>
+          </a:bodyPr>
+          <a:lstStyle/>
+          <a:p>
+            <a:pPr marL="0" indent="0">
+              <a:buNone/>
+            </a:pPr>
+            <a:r>
+              <a:rPr lang="en-US" altLang="ko-KR" sz="2000" dirty="0">
+                <a:latin typeface="+mn-ea"/>
+              </a:rPr>
+              <a:t>[</a:t>
+            </a:r>
+            <a:r>
+              <a:rPr lang="ko-KR" altLang="en-US" sz="2000" dirty="0">
+                <a:latin typeface="+mn-ea"/>
+              </a:rPr>
+              <a:t>예 </a:t>
+            </a:r>
+            <a:r>
+              <a:rPr lang="en-US" altLang="ko-KR" sz="2000" dirty="0">
+                <a:latin typeface="+mn-ea"/>
+              </a:rPr>
+              <a:t>6-9] </a:t>
+            </a:r>
+            <a:r>
+              <a:rPr lang="ko-KR" altLang="en-US" sz="2000" dirty="0">
+                <a:latin typeface="+mn-ea"/>
+              </a:rPr>
+              <a:t>주사위 </a:t>
+            </a:r>
+            <a:r>
+              <a:rPr lang="en-US" altLang="ko-KR" sz="2000" dirty="0">
+                <a:latin typeface="+mn-ea"/>
+              </a:rPr>
+              <a:t>1</a:t>
+            </a:r>
+            <a:r>
+              <a:rPr lang="ko-KR" altLang="en-US" sz="2000" dirty="0">
+                <a:latin typeface="+mn-ea"/>
+              </a:rPr>
+              <a:t>개를 ‘</a:t>
+            </a:r>
+            <a:r>
+              <a:rPr lang="en-US" altLang="ko-KR" sz="2000" dirty="0">
+                <a:latin typeface="+mn-ea"/>
+              </a:rPr>
+              <a:t>6’</a:t>
+            </a:r>
+            <a:r>
+              <a:rPr lang="ko-KR" altLang="en-US" sz="2000" dirty="0">
+                <a:latin typeface="+mn-ea"/>
+              </a:rPr>
+              <a:t>이 나올 때까지 반복해서 굴리는 실험에서 총  시행회수 </a:t>
+            </a:r>
+            <a:r>
+              <a:rPr lang="en-US" altLang="ko-KR" sz="2000" dirty="0">
+                <a:latin typeface="+mn-ea"/>
+              </a:rPr>
+              <a:t>X</a:t>
+            </a:r>
+            <a:endParaRPr lang="ko-KR" altLang="en-US" sz="2000" dirty="0">
+              <a:latin typeface="+mn-ea"/>
+            </a:endParaRPr>
+          </a:p>
+        </p:txBody>
+      </p:sp>
+      <p:sp>
+        <p:nvSpPr>
+          <p:cNvPr id="40" name="제목 1"/>
+          <p:cNvSpPr txBox="1">
+            <a:spLocks/>
+          </p:cNvSpPr>
+          <p:nvPr/>
+        </p:nvSpPr>
+        <p:spPr>
+          <a:xfrm>
+            <a:off x="476545" y="368660"/>
+            <a:ext cx="8289630" cy="765086"/>
+          </a:xfrm>
+          <a:prstGeom prst="rect">
+            <a:avLst/>
+          </a:prstGeom>
+        </p:spPr>
+        <p:txBody>
+          <a:bodyPr vert="horz" lIns="91440" tIns="45720" rIns="91440" bIns="45720" rtlCol="0" anchor="ctr">
+            <a:normAutofit/>
+          </a:bodyPr>
+          <a:lstStyle>
+            <a:lvl1pPr algn="l" defTabSz="914400" rtl="0" eaLnBrk="1" latinLnBrk="1" hangingPunct="1">
+              <a:spcBef>
+                <a:spcPct val="0"/>
+              </a:spcBef>
+              <a:buNone/>
+              <a:defRPr sz="3600" b="1" kern="1200">
+                <a:solidFill>
+                  <a:schemeClr val="tx1"/>
+                </a:solidFill>
+                <a:latin typeface="+mj-lt"/>
+                <a:ea typeface="+mj-ea"/>
+                <a:cs typeface="+mj-cs"/>
+              </a:defRPr>
+            </a:lvl1pPr>
+          </a:lstStyle>
+          <a:p>
+            <a:r>
+              <a:rPr lang="en-US" altLang="ko-KR" dirty="0"/>
+              <a:t>5. </a:t>
+            </a:r>
+            <a:r>
+              <a:rPr lang="ko-KR" altLang="en-US" dirty="0"/>
+              <a:t>기하분포</a:t>
+            </a:r>
+          </a:p>
+        </p:txBody>
+      </p:sp>
+      <p:sp>
+        <p:nvSpPr>
+          <p:cNvPr id="4" name="TextBox 3"/>
+          <p:cNvSpPr txBox="1"/>
+          <p:nvPr/>
+        </p:nvSpPr>
+        <p:spPr>
+          <a:xfrm>
+            <a:off x="729003" y="2249360"/>
+            <a:ext cx="4752528" cy="2031325"/>
+          </a:xfrm>
+          <a:prstGeom prst="rect">
+            <a:avLst/>
+          </a:prstGeom>
+          <a:noFill/>
+        </p:spPr>
+        <p:txBody>
+          <a:bodyPr wrap="square" rtlCol="0">
+            <a:spAutoFit/>
+          </a:bodyPr>
+          <a:lstStyle/>
+          <a:p>
+            <a:r>
+              <a:rPr lang="en-US" altLang="ko-KR" dirty="0">
+                <a:latin typeface="+mn-ea"/>
+                <a:ea typeface="+mn-ea"/>
+              </a:rPr>
+              <a:t>(1) X</a:t>
+            </a:r>
+            <a:r>
+              <a:rPr lang="ko-KR" altLang="en-US" dirty="0">
+                <a:latin typeface="+mn-ea"/>
+                <a:ea typeface="+mn-ea"/>
+              </a:rPr>
+              <a:t>의 확률분포함수</a:t>
+            </a:r>
+          </a:p>
+          <a:p>
+            <a:endParaRPr lang="en-US" altLang="ko-KR" dirty="0">
+              <a:latin typeface="+mn-ea"/>
+              <a:ea typeface="+mn-ea"/>
+            </a:endParaRPr>
+          </a:p>
+          <a:p>
+            <a:endParaRPr lang="en-US" altLang="ko-KR" dirty="0">
+              <a:latin typeface="+mn-ea"/>
+              <a:ea typeface="+mn-ea"/>
+            </a:endParaRPr>
+          </a:p>
+          <a:p>
+            <a:r>
+              <a:rPr lang="en-US" altLang="ko-KR" dirty="0">
+                <a:latin typeface="+mn-ea"/>
+                <a:ea typeface="+mn-ea"/>
+              </a:rPr>
+              <a:t>(2) X</a:t>
+            </a:r>
+            <a:r>
+              <a:rPr lang="ko-KR" altLang="en-US" dirty="0">
+                <a:latin typeface="+mn-ea"/>
+                <a:ea typeface="+mn-ea"/>
+              </a:rPr>
+              <a:t>의 </a:t>
+            </a:r>
+            <a:r>
+              <a:rPr lang="ko-KR" altLang="en-US" dirty="0" err="1">
+                <a:latin typeface="+mn-ea"/>
+                <a:ea typeface="+mn-ea"/>
+              </a:rPr>
+              <a:t>기댓값과</a:t>
+            </a:r>
+            <a:r>
+              <a:rPr lang="ko-KR" altLang="en-US" dirty="0">
+                <a:latin typeface="+mn-ea"/>
+                <a:ea typeface="+mn-ea"/>
+              </a:rPr>
+              <a:t> 분산</a:t>
+            </a:r>
+          </a:p>
+          <a:p>
+            <a:endParaRPr lang="en-US" altLang="ko-KR" dirty="0">
+              <a:latin typeface="+mn-ea"/>
+              <a:ea typeface="+mn-ea"/>
+            </a:endParaRPr>
+          </a:p>
+          <a:p>
+            <a:endParaRPr lang="en-US" altLang="ko-KR" dirty="0">
+              <a:latin typeface="+mn-ea"/>
+              <a:ea typeface="+mn-ea"/>
+            </a:endParaRPr>
+          </a:p>
+          <a:p>
+            <a:r>
+              <a:rPr lang="en-US" altLang="ko-KR" dirty="0">
+                <a:latin typeface="+mn-ea"/>
+                <a:ea typeface="+mn-ea"/>
+              </a:rPr>
+              <a:t>(3) 3</a:t>
+            </a:r>
+            <a:r>
+              <a:rPr lang="ko-KR" altLang="en-US" dirty="0">
+                <a:latin typeface="+mn-ea"/>
+                <a:ea typeface="+mn-ea"/>
+              </a:rPr>
+              <a:t>회의 시행 이내에 ‘</a:t>
+            </a:r>
+            <a:r>
+              <a:rPr lang="en-US" altLang="ko-KR" dirty="0">
+                <a:latin typeface="+mn-ea"/>
+                <a:ea typeface="+mn-ea"/>
+              </a:rPr>
+              <a:t>6’</a:t>
+            </a:r>
+            <a:r>
+              <a:rPr lang="ko-KR" altLang="en-US" dirty="0">
+                <a:latin typeface="+mn-ea"/>
+                <a:ea typeface="+mn-ea"/>
+              </a:rPr>
+              <a:t>이 나올 확률</a:t>
+            </a:r>
+          </a:p>
+        </p:txBody>
+      </p:sp>
+      <p:sp>
+        <p:nvSpPr>
+          <p:cNvPr id="5" name="직사각형 4"/>
+          <p:cNvSpPr/>
+          <p:nvPr/>
+        </p:nvSpPr>
+        <p:spPr>
+          <a:xfrm>
+            <a:off x="746125" y="2079756"/>
+            <a:ext cx="7696306" cy="2330176"/>
+          </a:xfrm>
+          <a:prstGeom prst="rect">
+            <a:avLst/>
+          </a:prstGeom>
+          <a:noFill/>
+          <a:ln>
+            <a:solidFill>
+              <a:srgbClr val="00B0F0"/>
+            </a:solidFill>
+          </a:ln>
+        </p:spPr>
+        <p:style>
+          <a:lnRef idx="2">
+            <a:schemeClr val="accent1">
+              <a:shade val="50000"/>
+            </a:schemeClr>
+          </a:lnRef>
+          <a:fillRef idx="1">
+            <a:schemeClr val="accent1"/>
+          </a:fillRef>
+          <a:effectRef idx="0">
+            <a:schemeClr val="accent1"/>
+          </a:effectRef>
+          <a:fontRef idx="minor">
+            <a:schemeClr val="lt1"/>
+          </a:fontRef>
+        </p:style>
+        <p:txBody>
+          <a:bodyPr rtlCol="0" anchor="ctr"/>
+          <a:lstStyle/>
+          <a:p>
+            <a:pPr algn="ctr"/>
+            <a:endParaRPr lang="ko-KR" altLang="en-US"/>
+          </a:p>
+        </p:txBody>
+      </p:sp>
+      <p:pic>
+        <p:nvPicPr>
+          <p:cNvPr id="6" name="Picture 765"/>
+          <p:cNvPicPr>
+            <a:picLocks noChangeAspect="1" noChangeArrowheads="1"/>
+          </p:cNvPicPr>
+          <p:nvPr/>
+        </p:nvPicPr>
+        <p:blipFill>
+          <a:blip r:embed="rId2">
+            <a:extLst>
+              <a:ext uri="{28A0092B-C50C-407E-A947-70E740481C1C}">
+                <a14:useLocalDpi xmlns:a14="http://schemas.microsoft.com/office/drawing/2010/main" val="0"/>
+              </a:ext>
+            </a:extLst>
+          </a:blip>
+          <a:srcRect/>
+          <a:stretch>
+            <a:fillRect/>
+          </a:stretch>
+        </p:blipFill>
+        <p:spPr bwMode="auto">
+          <a:xfrm>
+            <a:off x="3182171" y="2134488"/>
+            <a:ext cx="4204343" cy="1456623"/>
+          </a:xfrm>
+          <a:prstGeom prst="rect">
+            <a:avLst/>
+          </a:prstGeom>
+          <a:noFill/>
+          <a:ln>
+            <a:noFill/>
+          </a:ln>
+          <a:extLst>
+            <a:ext uri="{909E8E84-426E-40DD-AFC4-6F175D3DCCD1}">
+              <a14:hiddenFill xmlns:a14="http://schemas.microsoft.com/office/drawing/2010/main">
+                <a:solidFill>
+                  <a:schemeClr val="accent1"/>
+                </a:solidFill>
+              </a14:hiddenFill>
+            </a:ext>
+            <a:ext uri="{91240B29-F687-4F45-9708-019B960494DF}">
+              <a14:hiddenLine xmlns:a14="http://schemas.microsoft.com/office/drawing/2010/main" w="9525">
+                <a:solidFill>
+                  <a:schemeClr val="tx1"/>
+                </a:solidFill>
+                <a:miter lim="800000"/>
+                <a:headEnd/>
+                <a:tailEnd/>
+              </a14:hiddenLine>
+            </a:ext>
+          </a:extLst>
+        </p:spPr>
+      </p:pic>
+      <p:pic>
+        <p:nvPicPr>
+          <p:cNvPr id="7" name="Picture 766"/>
+          <p:cNvPicPr>
+            <a:picLocks noChangeAspect="1" noChangeArrowheads="1"/>
+          </p:cNvPicPr>
+          <p:nvPr/>
+        </p:nvPicPr>
+        <p:blipFill>
+          <a:blip r:embed="rId3">
+            <a:extLst>
+              <a:ext uri="{28A0092B-C50C-407E-A947-70E740481C1C}">
+                <a14:useLocalDpi xmlns:a14="http://schemas.microsoft.com/office/drawing/2010/main" val="0"/>
+              </a:ext>
+            </a:extLst>
+          </a:blip>
+          <a:srcRect/>
+          <a:stretch>
+            <a:fillRect/>
+          </a:stretch>
+        </p:blipFill>
+        <p:spPr bwMode="auto">
+          <a:xfrm>
+            <a:off x="4857989" y="3775934"/>
+            <a:ext cx="3460059" cy="602099"/>
+          </a:xfrm>
+          <a:prstGeom prst="rect">
+            <a:avLst/>
+          </a:prstGeom>
+          <a:noFill/>
+          <a:ln>
+            <a:noFill/>
+          </a:ln>
+          <a:extLst>
+            <a:ext uri="{909E8E84-426E-40DD-AFC4-6F175D3DCCD1}">
+              <a14:hiddenFill xmlns:a14="http://schemas.microsoft.com/office/drawing/2010/main">
+                <a:solidFill>
+                  <a:schemeClr val="accent1"/>
+                </a:solidFill>
+              </a14:hiddenFill>
+            </a:ext>
+            <a:ext uri="{91240B29-F687-4F45-9708-019B960494DF}">
+              <a14:hiddenLine xmlns:a14="http://schemas.microsoft.com/office/drawing/2010/main" w="9525">
+                <a:solidFill>
+                  <a:schemeClr val="tx1"/>
+                </a:solidFill>
+                <a:miter lim="800000"/>
+                <a:headEnd/>
+                <a:tailEnd/>
+              </a14:hiddenLine>
+            </a:ext>
+          </a:extLst>
+        </p:spPr>
+      </p:pic>
+      <p:sp>
+        <p:nvSpPr>
+          <p:cNvPr id="8" name="내용 개체 틀 9"/>
+          <p:cNvSpPr txBox="1">
+            <a:spLocks/>
+          </p:cNvSpPr>
+          <p:nvPr/>
+        </p:nvSpPr>
+        <p:spPr>
+          <a:xfrm>
+            <a:off x="633611" y="4594119"/>
+            <a:ext cx="6400816" cy="500066"/>
+          </a:xfrm>
+          <a:prstGeom prst="rect">
+            <a:avLst/>
+          </a:prstGeom>
+        </p:spPr>
+        <p:txBody>
+          <a:bodyPr vert="horz" lIns="91440" tIns="45720" rIns="91440" bIns="45720" rtlCol="0">
+            <a:normAutofit/>
+          </a:bodyPr>
+          <a:lstStyle/>
+          <a:p>
+            <a:pPr marL="342900" lvl="0" indent="-342900">
+              <a:spcAft>
+                <a:spcPts val="600"/>
+              </a:spcAft>
+              <a:buClr>
+                <a:srgbClr val="FF0000"/>
+              </a:buClr>
+              <a:buFont typeface="Wingdings" panose="05000000000000000000" pitchFamily="2" charset="2"/>
+              <a:buChar char="§"/>
+            </a:pPr>
+            <a:r>
+              <a:rPr lang="ko-KR" altLang="en-US" sz="2400" dirty="0" err="1">
+                <a:latin typeface="+mn-ea"/>
+                <a:ea typeface="+mn-ea"/>
+              </a:rPr>
+              <a:t>비기억</a:t>
+            </a:r>
+            <a:r>
+              <a:rPr lang="ko-KR" altLang="en-US" sz="2400" dirty="0">
+                <a:latin typeface="+mn-ea"/>
+                <a:ea typeface="+mn-ea"/>
+              </a:rPr>
+              <a:t> 특성 </a:t>
+            </a:r>
+            <a:r>
+              <a:rPr lang="en-US" altLang="ko-KR" sz="2400" dirty="0">
+                <a:latin typeface="+mn-ea"/>
+                <a:ea typeface="+mn-ea"/>
+              </a:rPr>
+              <a:t>(memoryless property)</a:t>
+            </a:r>
+            <a:endParaRPr kumimoji="0" lang="ko-KR" altLang="en-US" sz="2400" i="0" u="none" strike="noStrike" kern="1200" cap="none" spc="0" normalizeH="0" baseline="0" noProof="0" dirty="0">
+              <a:ln>
+                <a:noFill/>
+              </a:ln>
+              <a:solidFill>
+                <a:schemeClr val="tx1"/>
+              </a:solidFill>
+              <a:effectLst/>
+              <a:uLnTx/>
+              <a:uFillTx/>
+              <a:latin typeface="+mn-ea"/>
+              <a:ea typeface="+mn-ea"/>
+            </a:endParaRPr>
+          </a:p>
+        </p:txBody>
+      </p:sp>
+      <p:pic>
+        <p:nvPicPr>
+          <p:cNvPr id="9" name="Picture 767"/>
+          <p:cNvPicPr>
+            <a:picLocks noChangeAspect="1" noChangeArrowheads="1"/>
+          </p:cNvPicPr>
+          <p:nvPr/>
+        </p:nvPicPr>
+        <p:blipFill>
+          <a:blip r:embed="rId4">
+            <a:extLst>
+              <a:ext uri="{28A0092B-C50C-407E-A947-70E740481C1C}">
+                <a14:useLocalDpi xmlns:a14="http://schemas.microsoft.com/office/drawing/2010/main" val="0"/>
+              </a:ext>
+            </a:extLst>
+          </a:blip>
+          <a:srcRect/>
+          <a:stretch>
+            <a:fillRect/>
+          </a:stretch>
+        </p:blipFill>
+        <p:spPr bwMode="auto">
+          <a:xfrm>
+            <a:off x="1181787" y="5219969"/>
+            <a:ext cx="5625625" cy="1115563"/>
+          </a:xfrm>
+          <a:prstGeom prst="rect">
+            <a:avLst/>
+          </a:prstGeom>
+          <a:noFill/>
+          <a:ln>
+            <a:noFill/>
+          </a:ln>
+          <a:extLst>
+            <a:ext uri="{909E8E84-426E-40DD-AFC4-6F175D3DCCD1}">
+              <a14:hiddenFill xmlns:a14="http://schemas.microsoft.com/office/drawing/2010/main">
+                <a:solidFill>
+                  <a:schemeClr val="accent1"/>
+                </a:solidFill>
+              </a14:hiddenFill>
+            </a:ext>
+            <a:ext uri="{91240B29-F687-4F45-9708-019B960494DF}">
+              <a14:hiddenLine xmlns:a14="http://schemas.microsoft.com/office/drawing/2010/main" w="9525">
+                <a:solidFill>
+                  <a:schemeClr val="tx1"/>
+                </a:solidFill>
+                <a:miter lim="800000"/>
+                <a:headEnd/>
+                <a:tailEnd/>
+              </a14:hiddenLine>
+            </a:ext>
+          </a:extLst>
+        </p:spPr>
+      </p:pic>
+    </p:spTree>
+    <p:extLst>
+      <p:ext uri="{BB962C8B-B14F-4D97-AF65-F5344CB8AC3E}">
+        <p14:creationId xmlns:p14="http://schemas.microsoft.com/office/powerpoint/2010/main" val="3829212394"/>
       </p:ext>
     </p:extLst>
   </p:cSld>
@@ -13923,7 +18034,7 @@
           <a:graphicData uri="http://schemas.openxmlformats.org/presentationml/2006/ole">
             <mc:AlternateContent xmlns:mc="http://schemas.openxmlformats.org/markup-compatibility/2006">
               <mc:Choice xmlns:v="urn:schemas-microsoft-com:vml" Requires="v">
-                <p:oleObj spid="_x0000_s1026" name="Equation" r:id="rId5" imgW="1434960" imgH="342720" progId="Equation.DSMT4">
+                <p:oleObj spid="_x0000_s1027" name="Equation" r:id="rId5" imgW="1434960" imgH="342720" progId="Equation.DSMT4">
                   <p:embed/>
                 </p:oleObj>
               </mc:Choice>
@@ -14637,7 +18748,7 @@
           <a:graphicData uri="http://schemas.openxmlformats.org/presentationml/2006/ole">
             <mc:AlternateContent xmlns:mc="http://schemas.openxmlformats.org/markup-compatibility/2006">
               <mc:Choice xmlns:v="urn:schemas-microsoft-com:vml" Requires="v">
-                <p:oleObj spid="_x0000_s2050" name="Equation" r:id="rId3" imgW="1485720" imgH="342720" progId="Equation.DSMT4">
+                <p:oleObj spid="_x0000_s2051" name="Equation" r:id="rId3" imgW="1485720" imgH="342720" progId="Equation.DSMT4">
                   <p:embed/>
                 </p:oleObj>
               </mc:Choice>
@@ -14916,7 +19027,7 @@
           <a:graphicData uri="http://schemas.openxmlformats.org/presentationml/2006/ole">
             <mc:AlternateContent xmlns:mc="http://schemas.openxmlformats.org/markup-compatibility/2006">
               <mc:Choice xmlns:v="urn:schemas-microsoft-com:vml" Requires="v">
-                <p:oleObj spid="_x0000_s3074" name="Equation" r:id="rId4" imgW="1473120" imgH="342720" progId="Equation.DSMT4">
+                <p:oleObj spid="_x0000_s3075" name="Equation" r:id="rId4" imgW="1473120" imgH="342720" progId="Equation.DSMT4">
                   <p:embed/>
                 </p:oleObj>
               </mc:Choice>
@@ -15962,7 +20073,7 @@
           <a:graphicData uri="http://schemas.openxmlformats.org/presentationml/2006/ole">
             <mc:AlternateContent xmlns:mc="http://schemas.openxmlformats.org/markup-compatibility/2006">
               <mc:Choice xmlns:v="urn:schemas-microsoft-com:vml" Requires="v">
-                <p:oleObj spid="_x0000_s4098" name="Equation" r:id="rId3" imgW="1777680" imgH="342720" progId="Equation.DSMT4">
+                <p:oleObj spid="_x0000_s4101" name="Equation" r:id="rId3" imgW="1777680" imgH="342720" progId="Equation.DSMT4">
                   <p:embed/>
                 </p:oleObj>
               </mc:Choice>
@@ -16019,7 +20130,7 @@
           <a:graphicData uri="http://schemas.openxmlformats.org/presentationml/2006/ole">
             <mc:AlternateContent xmlns:mc="http://schemas.openxmlformats.org/markup-compatibility/2006">
               <mc:Choice xmlns:v="urn:schemas-microsoft-com:vml" Requires="v">
-                <p:oleObj spid="_x0000_s4099" name="Equation" r:id="rId5" imgW="1777680" imgH="342720" progId="Equation.DSMT4">
+                <p:oleObj spid="_x0000_s4102" name="Equation" r:id="rId5" imgW="1777680" imgH="342720" progId="Equation.DSMT4">
                   <p:embed/>
                 </p:oleObj>
               </mc:Choice>
@@ -16083,7 +20194,7 @@
           <a:graphicData uri="http://schemas.openxmlformats.org/presentationml/2006/ole">
             <mc:AlternateContent xmlns:mc="http://schemas.openxmlformats.org/markup-compatibility/2006">
               <mc:Choice xmlns:v="urn:schemas-microsoft-com:vml" Requires="v">
-                <p:oleObj spid="_x0000_s4100" name="Equation" r:id="rId7" imgW="1777680" imgH="342720" progId="Equation.DSMT4">
+                <p:oleObj spid="_x0000_s4103" name="Equation" r:id="rId7" imgW="1777680" imgH="342720" progId="Equation.DSMT4">
                   <p:embed/>
                 </p:oleObj>
               </mc:Choice>

--- a/.gitbook/assets/chapter-04-3-kor (1).pptx
+++ b/.gitbook/assets/chapter-04-3-kor (1).pptx
@@ -5,10 +5,10 @@
     <p:sldMasterId id="2147484296" r:id="rId1"/>
   </p:sldMasterIdLst>
   <p:notesMasterIdLst>
-    <p:notesMasterId r:id="rId32"/>
+    <p:notesMasterId r:id="rId25"/>
   </p:notesMasterIdLst>
   <p:handoutMasterIdLst>
-    <p:handoutMasterId r:id="rId33"/>
+    <p:handoutMasterId r:id="rId26"/>
   </p:handoutMasterIdLst>
   <p:sldIdLst>
     <p:sldId id="345" r:id="rId2"/>
@@ -21,29 +21,22 @@
     <p:sldId id="357" r:id="rId9"/>
     <p:sldId id="358" r:id="rId10"/>
     <p:sldId id="359" r:id="rId11"/>
-    <p:sldId id="380" r:id="rId12"/>
-    <p:sldId id="381" r:id="rId13"/>
-    <p:sldId id="382" r:id="rId14"/>
-    <p:sldId id="383" r:id="rId15"/>
-    <p:sldId id="384" r:id="rId16"/>
-    <p:sldId id="385" r:id="rId17"/>
-    <p:sldId id="386" r:id="rId18"/>
-    <p:sldId id="367" r:id="rId19"/>
-    <p:sldId id="368" r:id="rId20"/>
-    <p:sldId id="369" r:id="rId21"/>
-    <p:sldId id="372" r:id="rId22"/>
-    <p:sldId id="370" r:id="rId23"/>
-    <p:sldId id="371" r:id="rId24"/>
-    <p:sldId id="356" r:id="rId25"/>
-    <p:sldId id="346" r:id="rId26"/>
-    <p:sldId id="374" r:id="rId27"/>
-    <p:sldId id="375" r:id="rId28"/>
-    <p:sldId id="376" r:id="rId29"/>
-    <p:sldId id="378" r:id="rId30"/>
-    <p:sldId id="379" r:id="rId31"/>
+    <p:sldId id="367" r:id="rId12"/>
+    <p:sldId id="368" r:id="rId13"/>
+    <p:sldId id="369" r:id="rId14"/>
+    <p:sldId id="372" r:id="rId15"/>
+    <p:sldId id="370" r:id="rId16"/>
+    <p:sldId id="371" r:id="rId17"/>
+    <p:sldId id="356" r:id="rId18"/>
+    <p:sldId id="346" r:id="rId19"/>
+    <p:sldId id="374" r:id="rId20"/>
+    <p:sldId id="375" r:id="rId21"/>
+    <p:sldId id="376" r:id="rId22"/>
+    <p:sldId id="378" r:id="rId23"/>
+    <p:sldId id="379" r:id="rId24"/>
   </p:sldIdLst>
   <p:sldSz cx="9144000" cy="6858000" type="screen4x3"/>
-  <p:notesSz cx="7099300" cy="10234613"/>
+  <p:notesSz cx="10234613" cy="7104063"/>
   <p:defaultTextStyle>
     <a:defPPr>
       <a:defRPr lang="ko-KR"/>
@@ -196,12 +189,12 @@
     </p:ext>
     <p:ext uri="{2D200454-40CA-4A62-9FC3-DE9A4176ACB9}">
       <p15:notesGuideLst xmlns:p15="http://schemas.microsoft.com/office/powerpoint/2012/main">
-        <p15:guide id="1" orient="horz" pos="3224" userDrawn="1">
+        <p15:guide id="1" orient="horz" pos="2238">
           <p15:clr>
             <a:srgbClr val="A4A3A4"/>
           </p15:clr>
         </p15:guide>
-        <p15:guide id="2" pos="2236" userDrawn="1">
+        <p15:guide id="2" pos="3224">
           <p15:clr>
             <a:srgbClr val="A4A3A4"/>
           </p15:clr>
@@ -210,14 +203,6 @@
     </p:ext>
   </p:extLst>
 </p:presentation>
-</file>
-
-<file path=ppt/revisionInfo.xml><?xml version="1.0" encoding="utf-8"?>
-<p1510:revInfo xmlns:a="http://schemas.openxmlformats.org/drawingml/2006/main" xmlns:r="http://schemas.openxmlformats.org/officeDocument/2006/relationships" xmlns:p1510="http://schemas.microsoft.com/office/powerpoint/2015/10/main">
-  <p1510:revLst>
-    <p1510:client id="{E085844C-693F-417C-87C3-C65371734C7C}" v="5" dt="2020-01-14T00:29:57.658"/>
-  </p1510:revLst>
-</p1510:revInfo>
 </file>
 
 <file path=ppt/changesInfos/changesInfo1.xml><?xml version="1.0" encoding="utf-8"?>
@@ -332,25 +317,17 @@
   </pc:docChgLst>
   <pc:docChgLst>
     <pc:chgData name=" " userId="1decf387-3a62-48e1-8264-95221a86067c" providerId="ADAL" clId="{E085844C-693F-417C-87C3-C65371734C7C}"/>
-    <pc:docChg chg="modSld modNotesMaster modHandout">
-      <pc:chgData name=" " userId="1decf387-3a62-48e1-8264-95221a86067c" providerId="ADAL" clId="{E085844C-693F-417C-87C3-C65371734C7C}" dt="2020-01-14T00:29:57.658" v="27"/>
+    <pc:docChg chg="modSld">
+      <pc:chgData name=" " userId="1decf387-3a62-48e1-8264-95221a86067c" providerId="ADAL" clId="{E085844C-693F-417C-87C3-C65371734C7C}" dt="2020-01-07T23:39:16.212" v="20" actId="20577"/>
       <pc:docMkLst>
         <pc:docMk/>
       </pc:docMkLst>
       <pc:sldChg chg="modSp">
-        <pc:chgData name=" " userId="1decf387-3a62-48e1-8264-95221a86067c" providerId="ADAL" clId="{E085844C-693F-417C-87C3-C65371734C7C}" dt="2020-01-14T00:23:24.804" v="25" actId="207"/>
+        <pc:chgData name=" " userId="1decf387-3a62-48e1-8264-95221a86067c" providerId="ADAL" clId="{E085844C-693F-417C-87C3-C65371734C7C}" dt="2020-01-07T23:39:16.212" v="20" actId="20577"/>
         <pc:sldMkLst>
           <pc:docMk/>
           <pc:sldMk cId="548207019" sldId="344"/>
         </pc:sldMkLst>
-        <pc:spChg chg="mod">
-          <ac:chgData name=" " userId="1decf387-3a62-48e1-8264-95221a86067c" providerId="ADAL" clId="{E085844C-693F-417C-87C3-C65371734C7C}" dt="2020-01-14T00:22:51.450" v="22" actId="20577"/>
-          <ac:spMkLst>
-            <pc:docMk/>
-            <pc:sldMk cId="548207019" sldId="344"/>
-            <ac:spMk id="3" creationId="{00000000-0000-0000-0000-000000000000}"/>
-          </ac:spMkLst>
-        </pc:spChg>
         <pc:spChg chg="mod">
           <ac:chgData name=" " userId="1decf387-3a62-48e1-8264-95221a86067c" providerId="ADAL" clId="{E085844C-693F-417C-87C3-C65371734C7C}" dt="2020-01-07T23:38:55.309" v="2" actId="20577"/>
           <ac:spMkLst>
@@ -368,7 +345,7 @@
           </ac:spMkLst>
         </pc:spChg>
         <pc:spChg chg="mod">
-          <ac:chgData name=" " userId="1decf387-3a62-48e1-8264-95221a86067c" providerId="ADAL" clId="{E085844C-693F-417C-87C3-C65371734C7C}" dt="2020-01-14T00:23:18.256" v="23" actId="207"/>
+          <ac:chgData name=" " userId="1decf387-3a62-48e1-8264-95221a86067c" providerId="ADAL" clId="{E085844C-693F-417C-87C3-C65371734C7C}" dt="2020-01-07T23:39:04.123" v="8" actId="20577"/>
           <ac:spMkLst>
             <pc:docMk/>
             <pc:sldMk cId="548207019" sldId="344"/>
@@ -392,7 +369,7 @@
           </ac:spMkLst>
         </pc:spChg>
         <pc:spChg chg="mod">
-          <ac:chgData name=" " userId="1decf387-3a62-48e1-8264-95221a86067c" providerId="ADAL" clId="{E085844C-693F-417C-87C3-C65371734C7C}" dt="2020-01-14T00:23:22.332" v="24" actId="207"/>
+          <ac:chgData name=" " userId="1decf387-3a62-48e1-8264-95221a86067c" providerId="ADAL" clId="{E085844C-693F-417C-87C3-C65371734C7C}" dt="2020-01-07T23:39:13.097" v="17" actId="20577"/>
           <ac:spMkLst>
             <pc:docMk/>
             <pc:sldMk cId="548207019" sldId="344"/>
@@ -400,7 +377,7 @@
           </ac:spMkLst>
         </pc:spChg>
         <pc:spChg chg="mod">
-          <ac:chgData name=" " userId="1decf387-3a62-48e1-8264-95221a86067c" providerId="ADAL" clId="{E085844C-693F-417C-87C3-C65371734C7C}" dt="2020-01-14T00:23:24.804" v="25" actId="207"/>
+          <ac:chgData name=" " userId="1decf387-3a62-48e1-8264-95221a86067c" providerId="ADAL" clId="{E085844C-693F-417C-87C3-C65371734C7C}" dt="2020-01-07T23:39:16.212" v="20" actId="20577"/>
           <ac:spMkLst>
             <pc:docMk/>
             <pc:sldMk cId="548207019" sldId="344"/>
@@ -447,8 +424,8 @@
         </p:nvSpPr>
         <p:spPr>
           <a:xfrm>
-            <a:off x="0" y="9705975"/>
-            <a:ext cx="3297238" cy="533400"/>
+            <a:off x="0" y="6737124"/>
+            <a:ext cx="4753420" cy="370244"/>
           </a:xfrm>
           <a:prstGeom prst="rect">
             <a:avLst/>
@@ -490,8 +467,8 @@
         </p:nvSpPr>
         <p:spPr>
           <a:xfrm>
-            <a:off x="3822700" y="9705975"/>
-            <a:ext cx="3297238" cy="533400"/>
+            <a:off x="5510945" y="6737124"/>
+            <a:ext cx="4753420" cy="370244"/>
           </a:xfrm>
           <a:prstGeom prst="rect">
             <a:avLst/>
@@ -575,8 +552,8 @@
         </p:nvSpPr>
         <p:spPr>
           <a:xfrm>
-            <a:off x="1" y="1"/>
-            <a:ext cx="3076575" cy="512763"/>
+            <a:off x="1" y="0"/>
+            <a:ext cx="4435304" cy="355920"/>
           </a:xfrm>
           <a:prstGeom prst="rect">
             <a:avLst/>
@@ -609,8 +586,8 @@
         </p:nvSpPr>
         <p:spPr>
           <a:xfrm>
-            <a:off x="4021139" y="1"/>
-            <a:ext cx="3076575" cy="512763"/>
+            <a:off x="5797022" y="0"/>
+            <a:ext cx="4435304" cy="355920"/>
           </a:xfrm>
           <a:prstGeom prst="rect">
             <a:avLst/>
@@ -632,7 +609,7 @@
               <a:pPr>
                 <a:defRPr/>
               </a:pPr>
-              <a:t>2020-01-15</a:t>
+              <a:t>2020-01-08</a:t>
             </a:fld>
             <a:endParaRPr lang="ko-KR" altLang="en-US"/>
           </a:p>
@@ -650,8 +627,8 @@
         </p:nvSpPr>
         <p:spPr>
           <a:xfrm>
-            <a:off x="990600" y="766763"/>
-            <a:ext cx="5118100" cy="3838575"/>
+            <a:off x="3341688" y="531813"/>
+            <a:ext cx="3551237" cy="2663825"/>
           </a:xfrm>
           <a:prstGeom prst="rect">
             <a:avLst/>
@@ -684,8 +661,8 @@
         </p:nvSpPr>
         <p:spPr>
           <a:xfrm>
-            <a:off x="709614" y="4860928"/>
-            <a:ext cx="5680075" cy="4606925"/>
+            <a:off x="1023005" y="3374073"/>
+            <a:ext cx="8188606" cy="3197765"/>
           </a:xfrm>
           <a:prstGeom prst="rect">
             <a:avLst/>
@@ -745,8 +722,8 @@
         </p:nvSpPr>
         <p:spPr>
           <a:xfrm>
-            <a:off x="1" y="9720263"/>
-            <a:ext cx="3076575" cy="512761"/>
+            <a:off x="1" y="6747041"/>
+            <a:ext cx="4435304" cy="355919"/>
           </a:xfrm>
           <a:prstGeom prst="rect">
             <a:avLst/>
@@ -779,8 +756,8 @@
         </p:nvSpPr>
         <p:spPr>
           <a:xfrm>
-            <a:off x="4021139" y="9720263"/>
-            <a:ext cx="3076575" cy="512761"/>
+            <a:off x="5797022" y="6747041"/>
+            <a:ext cx="4435304" cy="355919"/>
           </a:xfrm>
           <a:prstGeom prst="rect">
             <a:avLst/>
@@ -1089,6 +1066,36 @@
           </a:p>
         </p:txBody>
       </p:sp>
+      <p:pic>
+        <p:nvPicPr>
+          <p:cNvPr id="8" name="그림 7"/>
+          <p:cNvPicPr>
+            <a:picLocks noChangeAspect="1"/>
+          </p:cNvPicPr>
+          <p:nvPr userDrawn="1"/>
+        </p:nvPicPr>
+        <p:blipFill>
+          <a:blip r:embed="rId2" cstate="print">
+            <a:extLst>
+              <a:ext uri="{28A0092B-C50C-407E-A947-70E740481C1C}">
+                <a14:useLocalDpi xmlns:a14="http://schemas.microsoft.com/office/drawing/2010/main" val="0"/>
+              </a:ext>
+            </a:extLst>
+          </a:blip>
+          <a:stretch>
+            <a:fillRect/>
+          </a:stretch>
+        </p:blipFill>
+        <p:spPr>
+          <a:xfrm>
+            <a:off x="-108520" y="143635"/>
+            <a:ext cx="2255525" cy="1146050"/>
+          </a:xfrm>
+          <a:prstGeom prst="rect">
+            <a:avLst/>
+          </a:prstGeom>
+        </p:spPr>
+      </p:pic>
       <p:sp>
         <p:nvSpPr>
           <p:cNvPr id="71" name="정오각형 70"/>
@@ -1858,7 +1865,7 @@
               <a:pPr>
                 <a:defRPr/>
               </a:pPr>
-              <a:t>Wednesday, January 15, 2020</a:t>
+              <a:t>Wednesday, January 8, 2020</a:t>
             </a:fld>
             <a:endParaRPr lang="en-US" dirty="0"/>
           </a:p>
@@ -2051,7 +2058,7 @@
               <a:pPr>
                 <a:defRPr/>
               </a:pPr>
-              <a:t>Wednesday, January 15, 2020</a:t>
+              <a:t>Wednesday, January 8, 2020</a:t>
             </a:fld>
             <a:endParaRPr lang="en-US"/>
           </a:p>
@@ -2161,7 +2168,7 @@
               <a:pPr>
                 <a:defRPr/>
               </a:pPr>
-              <a:t>Wednesday, January 15, 2020</a:t>
+              <a:t>Wednesday, January 8, 2020</a:t>
             </a:fld>
             <a:endParaRPr lang="en-US" dirty="0"/>
           </a:p>
@@ -2521,7 +2528,7 @@
               <a:pPr>
                 <a:defRPr/>
               </a:pPr>
-              <a:t>Wednesday, January 15, 2020</a:t>
+              <a:t>Wednesday, January 8, 2020</a:t>
             </a:fld>
             <a:endParaRPr lang="en-US"/>
           </a:p>
@@ -2821,7 +2828,7 @@
               <a:pPr>
                 <a:defRPr/>
               </a:pPr>
-              <a:t>Wednesday, January 15, 2020</a:t>
+              <a:t>Wednesday, January 8, 2020</a:t>
             </a:fld>
             <a:endParaRPr lang="en-US"/>
           </a:p>
@@ -3255,7 +3262,7 @@
               <a:pPr>
                 <a:defRPr/>
               </a:pPr>
-              <a:t>Wednesday, January 15, 2020</a:t>
+              <a:t>Wednesday, January 8, 2020</a:t>
             </a:fld>
             <a:endParaRPr lang="en-US"/>
           </a:p>
@@ -3387,7 +3394,7 @@
               <a:pPr>
                 <a:defRPr/>
               </a:pPr>
-              <a:t>Wednesday, January 15, 2020</a:t>
+              <a:t>Wednesday, January 8, 2020</a:t>
             </a:fld>
             <a:endParaRPr lang="en-US" dirty="0"/>
           </a:p>
@@ -3497,7 +3504,7 @@
               <a:pPr>
                 <a:defRPr/>
               </a:pPr>
-              <a:t>Wednesday, January 15, 2020</a:t>
+              <a:t>Wednesday, January 8, 2020</a:t>
             </a:fld>
             <a:endParaRPr lang="en-US"/>
           </a:p>
@@ -3787,7 +3794,7 @@
               <a:pPr>
                 <a:defRPr/>
               </a:pPr>
-              <a:t>Wednesday, January 15, 2020</a:t>
+              <a:t>Wednesday, January 8, 2020</a:t>
             </a:fld>
             <a:endParaRPr lang="en-US" dirty="0"/>
           </a:p>
@@ -4054,7 +4061,7 @@
               <a:pPr>
                 <a:defRPr/>
               </a:pPr>
-              <a:t>Wednesday, January 15, 2020</a:t>
+              <a:t>Wednesday, January 8, 2020</a:t>
             </a:fld>
             <a:endParaRPr lang="en-US"/>
           </a:p>
@@ -4347,7 +4354,7 @@
               <a:pPr>
                 <a:defRPr/>
               </a:pPr>
-              <a:t>Wednesday, January 15, 2020</a:t>
+              <a:t>Wednesday, January 8, 2020</a:t>
             </a:fld>
             <a:endParaRPr lang="en-US" dirty="0"/>
           </a:p>
@@ -4496,8 +4503,8 @@
         </p:nvSpPr>
         <p:spPr bwMode="auto">
           <a:xfrm>
-            <a:off x="8413455" y="6489340"/>
-            <a:ext cx="553357" cy="253916"/>
+            <a:off x="8397425" y="6489340"/>
+            <a:ext cx="569387" cy="261610"/>
           </a:xfrm>
           <a:prstGeom prst="rect">
             <a:avLst/>
@@ -4656,7 +4663,7 @@
                 <a:latin typeface="+mn-ea"/>
                 <a:ea typeface="+mn-ea"/>
               </a:rPr>
-              <a:t>/23</a:t>
+              <a:t>/31</a:t>
             </a:r>
           </a:p>
         </p:txBody>
@@ -5888,7 +5895,7 @@
           <a:graphicData uri="http://schemas.openxmlformats.org/presentationml/2006/ole">
             <mc:AlternateContent xmlns:mc="http://schemas.openxmlformats.org/markup-compatibility/2006">
               <mc:Choice xmlns:v="urn:schemas-microsoft-com:vml" Requires="v">
-                <p:oleObj spid="_x0000_s5123" name="Equation" r:id="rId6" imgW="1955520" imgH="342720" progId="Equation.DSMT4">
+                <p:oleObj spid="_x0000_s5122" name="Equation" r:id="rId6" imgW="1955520" imgH="342720" progId="Equation.DSMT4">
                   <p:embed/>
                 </p:oleObj>
               </mc:Choice>
@@ -6107,4080 +6114,6 @@
           </a:lstStyle>
           <a:p>
             <a:r>
-              <a:rPr lang="en-US" altLang="ko-KR" dirty="0" smtClean="0"/>
-              <a:t>3. </a:t>
-            </a:r>
-            <a:r>
-              <a:rPr lang="ko-KR" altLang="en-US" dirty="0" err="1"/>
-              <a:t>초기하분포</a:t>
-            </a:r>
-            <a:endParaRPr lang="ko-KR" altLang="en-US" dirty="0" smtClean="0"/>
-          </a:p>
-        </p:txBody>
-      </p:sp>
-      <p:sp>
-        <p:nvSpPr>
-          <p:cNvPr id="5" name="내용 개체 틀 2"/>
-          <p:cNvSpPr txBox="1">
-            <a:spLocks/>
-          </p:cNvSpPr>
-          <p:nvPr/>
-        </p:nvSpPr>
-        <p:spPr>
-          <a:xfrm>
-            <a:off x="476545" y="1314450"/>
-            <a:ext cx="8289630" cy="4781550"/>
-          </a:xfrm>
-          <a:prstGeom prst="rect">
-            <a:avLst/>
-          </a:prstGeom>
-        </p:spPr>
-        <p:txBody>
-          <a:bodyPr vert="horz" lIns="91440" tIns="45720" rIns="91440" bIns="45720" rtlCol="0">
-            <a:normAutofit/>
-          </a:bodyPr>
-          <a:lstStyle>
-            <a:lvl1pPr marL="342900" indent="-342900" algn="l" defTabSz="914400" rtl="0" eaLnBrk="1" latinLnBrk="1" hangingPunct="1">
-              <a:spcBef>
-                <a:spcPct val="20000"/>
-              </a:spcBef>
-              <a:buFont typeface="Arial" pitchFamily="34" charset="0"/>
-              <a:buChar char="•"/>
-              <a:defRPr sz="3200" kern="1200">
-                <a:solidFill>
-                  <a:schemeClr val="tx1"/>
-                </a:solidFill>
-                <a:latin typeface="+mn-lt"/>
-                <a:ea typeface="+mn-ea"/>
-                <a:cs typeface="+mn-cs"/>
-              </a:defRPr>
-            </a:lvl1pPr>
-            <a:lvl2pPr marL="742950" indent="-285750" algn="l" defTabSz="914400" rtl="0" eaLnBrk="1" latinLnBrk="1" hangingPunct="1">
-              <a:spcBef>
-                <a:spcPct val="20000"/>
-              </a:spcBef>
-              <a:buFont typeface="Arial" pitchFamily="34" charset="0"/>
-              <a:buChar char="–"/>
-              <a:defRPr sz="2800" kern="1200">
-                <a:solidFill>
-                  <a:schemeClr val="tx1"/>
-                </a:solidFill>
-                <a:latin typeface="+mn-lt"/>
-                <a:ea typeface="+mn-ea"/>
-                <a:cs typeface="+mn-cs"/>
-              </a:defRPr>
-            </a:lvl2pPr>
-            <a:lvl3pPr marL="1143000" indent="-228600" algn="l" defTabSz="914400" rtl="0" eaLnBrk="1" latinLnBrk="1" hangingPunct="1">
-              <a:spcBef>
-                <a:spcPct val="20000"/>
-              </a:spcBef>
-              <a:buFont typeface="Arial" pitchFamily="34" charset="0"/>
-              <a:buChar char="•"/>
-              <a:defRPr sz="2400" kern="1200">
-                <a:solidFill>
-                  <a:schemeClr val="tx1"/>
-                </a:solidFill>
-                <a:latin typeface="+mn-lt"/>
-                <a:ea typeface="+mn-ea"/>
-                <a:cs typeface="+mn-cs"/>
-              </a:defRPr>
-            </a:lvl3pPr>
-            <a:lvl4pPr marL="1600200" indent="-228600" algn="l" defTabSz="914400" rtl="0" eaLnBrk="1" latinLnBrk="1" hangingPunct="1">
-              <a:spcBef>
-                <a:spcPct val="20000"/>
-              </a:spcBef>
-              <a:buFont typeface="Arial" pitchFamily="34" charset="0"/>
-              <a:buChar char="–"/>
-              <a:defRPr sz="2000" kern="1200">
-                <a:solidFill>
-                  <a:schemeClr val="tx1"/>
-                </a:solidFill>
-                <a:latin typeface="+mn-lt"/>
-                <a:ea typeface="+mn-ea"/>
-                <a:cs typeface="+mn-cs"/>
-              </a:defRPr>
-            </a:lvl4pPr>
-            <a:lvl5pPr marL="2057400" indent="-228600" algn="l" defTabSz="914400" rtl="0" eaLnBrk="1" latinLnBrk="1" hangingPunct="1">
-              <a:spcBef>
-                <a:spcPct val="20000"/>
-              </a:spcBef>
-              <a:buFont typeface="Arial" pitchFamily="34" charset="0"/>
-              <a:buChar char="»"/>
-              <a:defRPr sz="2000" kern="1200">
-                <a:solidFill>
-                  <a:schemeClr val="tx1"/>
-                </a:solidFill>
-                <a:latin typeface="+mn-lt"/>
-                <a:ea typeface="+mn-ea"/>
-                <a:cs typeface="+mn-cs"/>
-              </a:defRPr>
-            </a:lvl5pPr>
-            <a:lvl6pPr marL="2514600" indent="-228600" algn="l" defTabSz="914400" rtl="0" eaLnBrk="1" latinLnBrk="1" hangingPunct="1">
-              <a:spcBef>
-                <a:spcPct val="20000"/>
-              </a:spcBef>
-              <a:buFont typeface="Arial" pitchFamily="34" charset="0"/>
-              <a:buChar char="•"/>
-              <a:defRPr sz="2000" kern="1200">
-                <a:solidFill>
-                  <a:schemeClr val="tx1"/>
-                </a:solidFill>
-                <a:latin typeface="+mn-lt"/>
-                <a:ea typeface="+mn-ea"/>
-                <a:cs typeface="+mn-cs"/>
-              </a:defRPr>
-            </a:lvl6pPr>
-            <a:lvl7pPr marL="2971800" indent="-228600" algn="l" defTabSz="914400" rtl="0" eaLnBrk="1" latinLnBrk="1" hangingPunct="1">
-              <a:spcBef>
-                <a:spcPct val="20000"/>
-              </a:spcBef>
-              <a:buFont typeface="Arial" pitchFamily="34" charset="0"/>
-              <a:buChar char="•"/>
-              <a:defRPr sz="2000" kern="1200">
-                <a:solidFill>
-                  <a:schemeClr val="tx1"/>
-                </a:solidFill>
-                <a:latin typeface="+mn-lt"/>
-                <a:ea typeface="+mn-ea"/>
-                <a:cs typeface="+mn-cs"/>
-              </a:defRPr>
-            </a:lvl7pPr>
-            <a:lvl8pPr marL="3429000" indent="-228600" algn="l" defTabSz="914400" rtl="0" eaLnBrk="1" latinLnBrk="1" hangingPunct="1">
-              <a:spcBef>
-                <a:spcPct val="20000"/>
-              </a:spcBef>
-              <a:buFont typeface="Arial" pitchFamily="34" charset="0"/>
-              <a:buChar char="•"/>
-              <a:defRPr sz="2000" kern="1200">
-                <a:solidFill>
-                  <a:schemeClr val="tx1"/>
-                </a:solidFill>
-                <a:latin typeface="+mn-lt"/>
-                <a:ea typeface="+mn-ea"/>
-                <a:cs typeface="+mn-cs"/>
-              </a:defRPr>
-            </a:lvl8pPr>
-            <a:lvl9pPr marL="3886200" indent="-228600" algn="l" defTabSz="914400" rtl="0" eaLnBrk="1" latinLnBrk="1" hangingPunct="1">
-              <a:spcBef>
-                <a:spcPct val="20000"/>
-              </a:spcBef>
-              <a:buFont typeface="Arial" pitchFamily="34" charset="0"/>
-              <a:buChar char="•"/>
-              <a:defRPr sz="2000" kern="1200">
-                <a:solidFill>
-                  <a:schemeClr val="tx1"/>
-                </a:solidFill>
-                <a:latin typeface="+mn-lt"/>
-                <a:ea typeface="+mn-ea"/>
-                <a:cs typeface="+mn-cs"/>
-              </a:defRPr>
-            </a:lvl9pPr>
-          </a:lstStyle>
-          <a:p>
-            <a:pPr marL="0" lvl="1" indent="0">
-              <a:buNone/>
-            </a:pPr>
-            <a:r>
-              <a:rPr lang="en-US" altLang="ko-KR" sz="2400" dirty="0"/>
-              <a:t>[</a:t>
-            </a:r>
-            <a:r>
-              <a:rPr lang="ko-KR" altLang="en-US" sz="2400" dirty="0"/>
-              <a:t>정의 </a:t>
-            </a:r>
-            <a:r>
-              <a:rPr lang="en-US" altLang="ko-KR" sz="2400" dirty="0"/>
-              <a:t>6-4] </a:t>
-            </a:r>
-            <a:r>
-              <a:rPr lang="ko-KR" altLang="en-US" sz="2400" dirty="0" err="1"/>
-              <a:t>초기하분포</a:t>
-            </a:r>
-            <a:r>
-              <a:rPr lang="en-US" altLang="ko-KR" sz="2000" dirty="0"/>
-              <a:t>(hypergeometric distribution)</a:t>
-            </a:r>
-          </a:p>
-          <a:p>
-            <a:pPr marL="0" lvl="1" indent="0" fontAlgn="auto">
-              <a:spcAft>
-                <a:spcPts val="0"/>
-              </a:spcAft>
-              <a:buNone/>
-            </a:pPr>
-            <a:r>
-              <a:rPr kumimoji="0" lang="en-US" altLang="ko-KR" sz="2000" dirty="0" smtClean="0"/>
-              <a:t> : </a:t>
-            </a:r>
-            <a:r>
-              <a:rPr lang="ko-KR" altLang="en-US" sz="2000" dirty="0" smtClean="0">
-                <a:solidFill>
-                  <a:srgbClr val="0000FF"/>
-                </a:solidFill>
-              </a:rPr>
-              <a:t>두 </a:t>
-            </a:r>
-            <a:r>
-              <a:rPr lang="ko-KR" altLang="en-US" sz="2000" dirty="0">
-                <a:solidFill>
-                  <a:srgbClr val="0000FF"/>
-                </a:solidFill>
-              </a:rPr>
-              <a:t>가지 속성</a:t>
-            </a:r>
-            <a:r>
-              <a:rPr lang="ko-KR" altLang="en-US" sz="2000" dirty="0"/>
-              <a:t>의 개체들로 구성된 </a:t>
-            </a:r>
-            <a:r>
-              <a:rPr lang="ko-KR" altLang="en-US" sz="2000" dirty="0">
-                <a:solidFill>
-                  <a:srgbClr val="0000FF"/>
-                </a:solidFill>
-              </a:rPr>
-              <a:t>유한모집단</a:t>
-            </a:r>
-            <a:r>
-              <a:rPr lang="ko-KR" altLang="en-US" sz="2000" dirty="0"/>
-              <a:t>에서 일정한 개수의 표본을 </a:t>
-            </a:r>
-            <a:r>
-              <a:rPr lang="ko-KR" altLang="en-US" sz="2000" dirty="0" err="1">
-                <a:solidFill>
-                  <a:srgbClr val="0000FF"/>
-                </a:solidFill>
-              </a:rPr>
-              <a:t>비복원추출</a:t>
-            </a:r>
-            <a:r>
-              <a:rPr lang="ko-KR" altLang="en-US" sz="2000" dirty="0"/>
-              <a:t> 했을 때</a:t>
-            </a:r>
-            <a:r>
-              <a:rPr lang="en-US" altLang="ko-KR" sz="2000" dirty="0"/>
-              <a:t>, </a:t>
-            </a:r>
-            <a:r>
-              <a:rPr lang="ko-KR" altLang="en-US" sz="2000" dirty="0"/>
-              <a:t>특정 속성을 갖는 개체수의 확률분포</a:t>
-            </a:r>
-          </a:p>
-          <a:p>
-            <a:pPr marL="0" lvl="1" indent="0" fontAlgn="auto">
-              <a:spcAft>
-                <a:spcPts val="0"/>
-              </a:spcAft>
-              <a:buFont typeface="Arial" pitchFamily="34" charset="0"/>
-              <a:buNone/>
-            </a:pPr>
-            <a:endParaRPr kumimoji="0" lang="ko-KR" altLang="en-US" sz="2000" dirty="0"/>
-          </a:p>
-        </p:txBody>
-      </p:sp>
-      <p:sp>
-        <p:nvSpPr>
-          <p:cNvPr id="6" name="모서리가 둥근 직사각형 5"/>
-          <p:cNvSpPr/>
-          <p:nvPr/>
-        </p:nvSpPr>
-        <p:spPr>
-          <a:xfrm>
-            <a:off x="476545" y="1268760"/>
-            <a:ext cx="8289630" cy="4725525"/>
-          </a:xfrm>
-          <a:prstGeom prst="roundRect">
-            <a:avLst>
-              <a:gd name="adj" fmla="val 5153"/>
-            </a:avLst>
-          </a:prstGeom>
-          <a:noFill/>
-          <a:ln w="38100">
-            <a:solidFill>
-              <a:schemeClr val="accent5">
-                <a:lumMod val="40000"/>
-                <a:lumOff val="60000"/>
-              </a:schemeClr>
-            </a:solidFill>
-          </a:ln>
-        </p:spPr>
-        <p:style>
-          <a:lnRef idx="2">
-            <a:schemeClr val="accent1">
-              <a:shade val="50000"/>
-            </a:schemeClr>
-          </a:lnRef>
-          <a:fillRef idx="1">
-            <a:schemeClr val="accent1"/>
-          </a:fillRef>
-          <a:effectRef idx="0">
-            <a:schemeClr val="accent1"/>
-          </a:effectRef>
-          <a:fontRef idx="minor">
-            <a:schemeClr val="lt1"/>
-          </a:fontRef>
-        </p:style>
-        <p:txBody>
-          <a:bodyPr rtlCol="0" anchor="ctr"/>
-          <a:lstStyle/>
-          <a:p>
-            <a:pPr algn="ctr"/>
-            <a:endParaRPr lang="ko-KR" altLang="en-US"/>
-          </a:p>
-        </p:txBody>
-      </p:sp>
-      <p:sp>
-        <p:nvSpPr>
-          <p:cNvPr id="7" name="내용 개체 틀 2"/>
-          <p:cNvSpPr txBox="1">
-            <a:spLocks/>
-          </p:cNvSpPr>
-          <p:nvPr/>
-        </p:nvSpPr>
-        <p:spPr>
-          <a:xfrm>
-            <a:off x="1258289" y="2600908"/>
-            <a:ext cx="1738536" cy="2448272"/>
-          </a:xfrm>
-          <a:prstGeom prst="rect">
-            <a:avLst/>
-          </a:prstGeom>
-        </p:spPr>
-        <p:txBody>
-          <a:bodyPr>
-            <a:noAutofit/>
-          </a:bodyPr>
-          <a:lstStyle>
-            <a:lvl1pPr marL="342900" indent="-342900" algn="l" defTabSz="914400" rtl="0" eaLnBrk="1" latinLnBrk="1" hangingPunct="1">
-              <a:spcBef>
-                <a:spcPct val="20000"/>
-              </a:spcBef>
-              <a:buFont typeface="Arial" pitchFamily="34" charset="0"/>
-              <a:buChar char="•"/>
-              <a:defRPr sz="3200" kern="1200">
-                <a:solidFill>
-                  <a:schemeClr val="tx1"/>
-                </a:solidFill>
-                <a:latin typeface="+mn-lt"/>
-                <a:ea typeface="+mn-ea"/>
-                <a:cs typeface="+mn-cs"/>
-              </a:defRPr>
-            </a:lvl1pPr>
-            <a:lvl2pPr marL="742950" indent="-285750" algn="l" defTabSz="914400" rtl="0" eaLnBrk="1" latinLnBrk="1" hangingPunct="1">
-              <a:spcBef>
-                <a:spcPct val="20000"/>
-              </a:spcBef>
-              <a:buFont typeface="Arial" pitchFamily="34" charset="0"/>
-              <a:buChar char="–"/>
-              <a:defRPr sz="2800" kern="1200">
-                <a:solidFill>
-                  <a:schemeClr val="tx1"/>
-                </a:solidFill>
-                <a:latin typeface="+mn-lt"/>
-                <a:ea typeface="+mn-ea"/>
-                <a:cs typeface="+mn-cs"/>
-              </a:defRPr>
-            </a:lvl2pPr>
-            <a:lvl3pPr marL="1143000" indent="-228600" algn="l" defTabSz="914400" rtl="0" eaLnBrk="1" latinLnBrk="1" hangingPunct="1">
-              <a:spcBef>
-                <a:spcPct val="20000"/>
-              </a:spcBef>
-              <a:buFont typeface="Arial" pitchFamily="34" charset="0"/>
-              <a:buChar char="•"/>
-              <a:defRPr sz="2400" kern="1200">
-                <a:solidFill>
-                  <a:schemeClr val="tx1"/>
-                </a:solidFill>
-                <a:latin typeface="+mn-lt"/>
-                <a:ea typeface="+mn-ea"/>
-                <a:cs typeface="+mn-cs"/>
-              </a:defRPr>
-            </a:lvl3pPr>
-            <a:lvl4pPr marL="1600200" indent="-228600" algn="l" defTabSz="914400" rtl="0" eaLnBrk="1" latinLnBrk="1" hangingPunct="1">
-              <a:spcBef>
-                <a:spcPct val="20000"/>
-              </a:spcBef>
-              <a:buFont typeface="Arial" pitchFamily="34" charset="0"/>
-              <a:buChar char="–"/>
-              <a:defRPr sz="2000" kern="1200">
-                <a:solidFill>
-                  <a:schemeClr val="tx1"/>
-                </a:solidFill>
-                <a:latin typeface="+mn-lt"/>
-                <a:ea typeface="+mn-ea"/>
-                <a:cs typeface="+mn-cs"/>
-              </a:defRPr>
-            </a:lvl4pPr>
-            <a:lvl5pPr marL="2057400" indent="-228600" algn="l" defTabSz="914400" rtl="0" eaLnBrk="1" latinLnBrk="1" hangingPunct="1">
-              <a:spcBef>
-                <a:spcPct val="20000"/>
-              </a:spcBef>
-              <a:buFont typeface="Arial" pitchFamily="34" charset="0"/>
-              <a:buChar char="»"/>
-              <a:defRPr sz="2000" kern="1200">
-                <a:solidFill>
-                  <a:schemeClr val="tx1"/>
-                </a:solidFill>
-                <a:latin typeface="+mn-lt"/>
-                <a:ea typeface="+mn-ea"/>
-                <a:cs typeface="+mn-cs"/>
-              </a:defRPr>
-            </a:lvl5pPr>
-            <a:lvl6pPr marL="2514600" indent="-228600" algn="l" defTabSz="914400" rtl="0" eaLnBrk="1" latinLnBrk="1" hangingPunct="1">
-              <a:spcBef>
-                <a:spcPct val="20000"/>
-              </a:spcBef>
-              <a:buFont typeface="Arial" pitchFamily="34" charset="0"/>
-              <a:buChar char="•"/>
-              <a:defRPr sz="2000" kern="1200">
-                <a:solidFill>
-                  <a:schemeClr val="tx1"/>
-                </a:solidFill>
-                <a:latin typeface="+mn-lt"/>
-                <a:ea typeface="+mn-ea"/>
-                <a:cs typeface="+mn-cs"/>
-              </a:defRPr>
-            </a:lvl6pPr>
-            <a:lvl7pPr marL="2971800" indent="-228600" algn="l" defTabSz="914400" rtl="0" eaLnBrk="1" latinLnBrk="1" hangingPunct="1">
-              <a:spcBef>
-                <a:spcPct val="20000"/>
-              </a:spcBef>
-              <a:buFont typeface="Arial" pitchFamily="34" charset="0"/>
-              <a:buChar char="•"/>
-              <a:defRPr sz="2000" kern="1200">
-                <a:solidFill>
-                  <a:schemeClr val="tx1"/>
-                </a:solidFill>
-                <a:latin typeface="+mn-lt"/>
-                <a:ea typeface="+mn-ea"/>
-                <a:cs typeface="+mn-cs"/>
-              </a:defRPr>
-            </a:lvl7pPr>
-            <a:lvl8pPr marL="3429000" indent="-228600" algn="l" defTabSz="914400" rtl="0" eaLnBrk="1" latinLnBrk="1" hangingPunct="1">
-              <a:spcBef>
-                <a:spcPct val="20000"/>
-              </a:spcBef>
-              <a:buFont typeface="Arial" pitchFamily="34" charset="0"/>
-              <a:buChar char="•"/>
-              <a:defRPr sz="2000" kern="1200">
-                <a:solidFill>
-                  <a:schemeClr val="tx1"/>
-                </a:solidFill>
-                <a:latin typeface="+mn-lt"/>
-                <a:ea typeface="+mn-ea"/>
-                <a:cs typeface="+mn-cs"/>
-              </a:defRPr>
-            </a:lvl8pPr>
-            <a:lvl9pPr marL="3886200" indent="-228600" algn="l" defTabSz="914400" rtl="0" eaLnBrk="1" latinLnBrk="1" hangingPunct="1">
-              <a:spcBef>
-                <a:spcPct val="20000"/>
-              </a:spcBef>
-              <a:buFont typeface="Arial" pitchFamily="34" charset="0"/>
-              <a:buChar char="•"/>
-              <a:defRPr sz="2000" kern="1200">
-                <a:solidFill>
-                  <a:schemeClr val="tx1"/>
-                </a:solidFill>
-                <a:latin typeface="+mn-lt"/>
-                <a:ea typeface="+mn-ea"/>
-                <a:cs typeface="+mn-cs"/>
-              </a:defRPr>
-            </a:lvl9pPr>
-          </a:lstStyle>
-          <a:p>
-            <a:pPr marL="342900" lvl="1" indent="-342900" fontAlgn="auto">
-              <a:lnSpc>
-                <a:spcPct val="250000"/>
-              </a:lnSpc>
-              <a:spcBef>
-                <a:spcPts val="0"/>
-              </a:spcBef>
-              <a:spcAft>
-                <a:spcPts val="600"/>
-              </a:spcAft>
-              <a:buClr>
-                <a:srgbClr val="FF0000"/>
-              </a:buClr>
-              <a:buFont typeface="Wingdings" panose="05000000000000000000" pitchFamily="2" charset="2"/>
-              <a:buChar char="§"/>
-            </a:pPr>
-            <a:r>
-              <a:rPr kumimoji="0" lang="en-US" altLang="ko-KR" sz="2000" dirty="0" smtClean="0">
-                <a:latin typeface="+mn-ea"/>
-              </a:rPr>
-              <a:t>Pdf</a:t>
-            </a:r>
-          </a:p>
-          <a:p>
-            <a:pPr marL="342900" lvl="1" indent="-342900" fontAlgn="auto">
-              <a:lnSpc>
-                <a:spcPct val="250000"/>
-              </a:lnSpc>
-              <a:spcBef>
-                <a:spcPts val="0"/>
-              </a:spcBef>
-              <a:spcAft>
-                <a:spcPts val="600"/>
-              </a:spcAft>
-              <a:buClr>
-                <a:srgbClr val="FF0000"/>
-              </a:buClr>
-              <a:buFont typeface="Wingdings" panose="05000000000000000000" pitchFamily="2" charset="2"/>
-              <a:buChar char="§"/>
-            </a:pPr>
-            <a:r>
-              <a:rPr kumimoji="0" lang="ko-KR" altLang="en-US" sz="2000" dirty="0" err="1" smtClean="0">
-                <a:latin typeface="+mn-ea"/>
-              </a:rPr>
-              <a:t>기댓값</a:t>
-            </a:r>
-            <a:endParaRPr kumimoji="0" lang="en-US" altLang="ko-KR" sz="2000" dirty="0" smtClean="0">
-              <a:latin typeface="+mn-ea"/>
-            </a:endParaRPr>
-          </a:p>
-          <a:p>
-            <a:pPr marL="342900" lvl="1" indent="-342900" fontAlgn="auto">
-              <a:lnSpc>
-                <a:spcPct val="250000"/>
-              </a:lnSpc>
-              <a:spcBef>
-                <a:spcPts val="0"/>
-              </a:spcBef>
-              <a:spcAft>
-                <a:spcPts val="600"/>
-              </a:spcAft>
-              <a:buClr>
-                <a:srgbClr val="FF0000"/>
-              </a:buClr>
-              <a:buFont typeface="Wingdings" panose="05000000000000000000" pitchFamily="2" charset="2"/>
-              <a:buChar char="§"/>
-            </a:pPr>
-            <a:r>
-              <a:rPr kumimoji="0" lang="ko-KR" altLang="en-US" sz="2000" dirty="0" smtClean="0">
-                <a:latin typeface="+mn-ea"/>
-              </a:rPr>
-              <a:t>분산</a:t>
-            </a:r>
-            <a:endParaRPr kumimoji="0" lang="en-US" altLang="ko-KR" sz="2000" dirty="0" smtClean="0">
-              <a:latin typeface="+mn-ea"/>
-            </a:endParaRPr>
-          </a:p>
-          <a:p>
-            <a:pPr marL="342900" lvl="1" indent="-342900" fontAlgn="auto">
-              <a:lnSpc>
-                <a:spcPct val="250000"/>
-              </a:lnSpc>
-              <a:spcBef>
-                <a:spcPts val="0"/>
-              </a:spcBef>
-              <a:spcAft>
-                <a:spcPts val="600"/>
-              </a:spcAft>
-              <a:buClr>
-                <a:srgbClr val="FF0000"/>
-              </a:buClr>
-              <a:buFont typeface="Wingdings" panose="05000000000000000000" pitchFamily="2" charset="2"/>
-              <a:buChar char="§"/>
-            </a:pPr>
-            <a:endParaRPr kumimoji="0" lang="en-US" altLang="ko-KR" sz="2000" dirty="0" smtClean="0">
-              <a:latin typeface="+mn-ea"/>
-            </a:endParaRPr>
-          </a:p>
-        </p:txBody>
-      </p:sp>
-      <p:graphicFrame>
-        <p:nvGraphicFramePr>
-          <p:cNvPr id="2" name="개체 1"/>
-          <p:cNvGraphicFramePr>
-            <a:graphicFrameLocks noChangeAspect="1"/>
-          </p:cNvGraphicFramePr>
-          <p:nvPr>
-            <p:extLst/>
-          </p:nvPr>
-        </p:nvGraphicFramePr>
-        <p:xfrm>
-          <a:off x="6967898" y="1425041"/>
-          <a:ext cx="1473200" cy="342900"/>
-        </p:xfrm>
-        <a:graphic>
-          <a:graphicData uri="http://schemas.openxmlformats.org/presentationml/2006/ole">
-            <mc:AlternateContent xmlns:mc="http://schemas.openxmlformats.org/markup-compatibility/2006">
-              <mc:Choice xmlns:v="urn:schemas-microsoft-com:vml" Requires="v">
-                <p:oleObj spid="_x0000_s10242" name="Equation" r:id="rId3" imgW="1473120" imgH="342720" progId="Equation.DSMT4">
-                  <p:embed/>
-                </p:oleObj>
-              </mc:Choice>
-              <mc:Fallback>
-                <p:oleObj name="Equation" r:id="rId3" imgW="1473120" imgH="342720" progId="Equation.DSMT4">
-                  <p:embed/>
-                  <p:pic>
-                    <p:nvPicPr>
-                      <p:cNvPr id="2" name="개체 1"/>
-                      <p:cNvPicPr>
-                        <a:picLocks noChangeAspect="1" noChangeArrowheads="1"/>
-                      </p:cNvPicPr>
-                      <p:nvPr/>
-                    </p:nvPicPr>
-                    <p:blipFill>
-                      <a:blip r:embed="rId4">
-                        <a:extLst>
-                          <a:ext uri="{28A0092B-C50C-407E-A947-70E740481C1C}">
-                            <a14:useLocalDpi xmlns:a14="http://schemas.microsoft.com/office/drawing/2010/main" val="0"/>
-                          </a:ext>
-                        </a:extLst>
-                      </a:blip>
-                      <a:srcRect/>
-                      <a:stretch>
-                        <a:fillRect/>
-                      </a:stretch>
-                    </p:blipFill>
-                    <p:spPr bwMode="auto">
-                      <a:xfrm>
-                        <a:off x="6967898" y="1425041"/>
-                        <a:ext cx="1473200" cy="342900"/>
-                      </a:xfrm>
-                      <a:prstGeom prst="rect">
-                        <a:avLst/>
-                      </a:prstGeom>
-                      <a:noFill/>
-                      <a:ln>
-                        <a:noFill/>
-                      </a:ln>
-                      <a:extLst>
-                        <a:ext uri="{909E8E84-426E-40DD-AFC4-6F175D3DCCD1}">
-                          <a14:hiddenFill xmlns:a14="http://schemas.microsoft.com/office/drawing/2010/main">
-                            <a:solidFill>
-                              <a:srgbClr val="FFFFFF"/>
-                            </a:solidFill>
-                          </a14:hiddenFill>
-                        </a:ext>
-                        <a:ext uri="{91240B29-F687-4F45-9708-019B960494DF}">
-                          <a14:hiddenLine xmlns:a14="http://schemas.microsoft.com/office/drawing/2010/main" w="9525">
-                            <a:solidFill>
-                              <a:srgbClr val="000000"/>
-                            </a:solidFill>
-                            <a:miter lim="800000"/>
-                            <a:headEnd/>
-                            <a:tailEnd/>
-                          </a14:hiddenLine>
-                        </a:ext>
-                      </a:extLst>
-                    </p:spPr>
-                  </p:pic>
-                </p:oleObj>
-              </mc:Fallback>
-            </mc:AlternateContent>
-          </a:graphicData>
-        </a:graphic>
-      </p:graphicFrame>
-      <p:pic>
-        <p:nvPicPr>
-          <p:cNvPr id="11" name="Picture 1223"/>
-          <p:cNvPicPr>
-            <a:picLocks noChangeAspect="1" noChangeArrowheads="1"/>
-          </p:cNvPicPr>
-          <p:nvPr/>
-        </p:nvPicPr>
-        <p:blipFill>
-          <a:blip r:embed="rId5">
-            <a:extLst>
-              <a:ext uri="{28A0092B-C50C-407E-A947-70E740481C1C}">
-                <a14:useLocalDpi xmlns:a14="http://schemas.microsoft.com/office/drawing/2010/main" val="0"/>
-              </a:ext>
-            </a:extLst>
-          </a:blip>
-          <a:srcRect/>
-          <a:stretch>
-            <a:fillRect/>
-          </a:stretch>
-        </p:blipFill>
-        <p:spPr bwMode="auto">
-          <a:xfrm>
-            <a:off x="2849523" y="2511697"/>
-            <a:ext cx="4692807" cy="1142328"/>
-          </a:xfrm>
-          <a:prstGeom prst="rect">
-            <a:avLst/>
-          </a:prstGeom>
-          <a:noFill/>
-          <a:ln>
-            <a:noFill/>
-          </a:ln>
-          <a:extLst>
-            <a:ext uri="{909E8E84-426E-40DD-AFC4-6F175D3DCCD1}">
-              <a14:hiddenFill xmlns:a14="http://schemas.microsoft.com/office/drawing/2010/main">
-                <a:solidFill>
-                  <a:schemeClr val="accent1"/>
-                </a:solidFill>
-              </a14:hiddenFill>
-            </a:ext>
-            <a:ext uri="{91240B29-F687-4F45-9708-019B960494DF}">
-              <a14:hiddenLine xmlns:a14="http://schemas.microsoft.com/office/drawing/2010/main" w="9525">
-                <a:solidFill>
-                  <a:schemeClr val="tx1"/>
-                </a:solidFill>
-                <a:miter lim="800000"/>
-                <a:headEnd/>
-                <a:tailEnd/>
-              </a14:hiddenLine>
-            </a:ext>
-          </a:extLst>
-        </p:spPr>
-      </p:pic>
-      <p:pic>
-        <p:nvPicPr>
-          <p:cNvPr id="12" name="Picture 1224"/>
-          <p:cNvPicPr>
-            <a:picLocks noChangeAspect="1" noChangeArrowheads="1"/>
-          </p:cNvPicPr>
-          <p:nvPr/>
-        </p:nvPicPr>
-        <p:blipFill>
-          <a:blip r:embed="rId6">
-            <a:extLst>
-              <a:ext uri="{28A0092B-C50C-407E-A947-70E740481C1C}">
-                <a14:useLocalDpi xmlns:a14="http://schemas.microsoft.com/office/drawing/2010/main" val="0"/>
-              </a:ext>
-            </a:extLst>
-          </a:blip>
-          <a:srcRect/>
-          <a:stretch>
-            <a:fillRect/>
-          </a:stretch>
-        </p:blipFill>
-        <p:spPr bwMode="auto">
-          <a:xfrm>
-            <a:off x="2781995" y="3724499"/>
-            <a:ext cx="5345400" cy="2089766"/>
-          </a:xfrm>
-          <a:prstGeom prst="rect">
-            <a:avLst/>
-          </a:prstGeom>
-          <a:noFill/>
-          <a:ln>
-            <a:noFill/>
-          </a:ln>
-          <a:extLst>
-            <a:ext uri="{909E8E84-426E-40DD-AFC4-6F175D3DCCD1}">
-              <a14:hiddenFill xmlns:a14="http://schemas.microsoft.com/office/drawing/2010/main">
-                <a:solidFill>
-                  <a:schemeClr val="accent1"/>
-                </a:solidFill>
-              </a14:hiddenFill>
-            </a:ext>
-            <a:ext uri="{91240B29-F687-4F45-9708-019B960494DF}">
-              <a14:hiddenLine xmlns:a14="http://schemas.microsoft.com/office/drawing/2010/main" w="9525">
-                <a:solidFill>
-                  <a:schemeClr val="tx1"/>
-                </a:solidFill>
-                <a:miter lim="800000"/>
-                <a:headEnd/>
-                <a:tailEnd/>
-              </a14:hiddenLine>
-            </a:ext>
-          </a:extLst>
-        </p:spPr>
-      </p:pic>
-    </p:spTree>
-    <p:extLst>
-      <p:ext uri="{BB962C8B-B14F-4D97-AF65-F5344CB8AC3E}">
-        <p14:creationId xmlns:p14="http://schemas.microsoft.com/office/powerpoint/2010/main" val="4124222956"/>
-      </p:ext>
-    </p:extLst>
-  </p:cSld>
-  <p:clrMapOvr>
-    <a:masterClrMapping/>
-  </p:clrMapOvr>
-  <p:timing>
-    <p:tnLst>
-      <p:par>
-        <p:cTn id="1" dur="indefinite" restart="never" nodeType="tmRoot"/>
-      </p:par>
-    </p:tnLst>
-  </p:timing>
-</p:sld>
-</file>
-
-<file path=ppt/slides/slide12.xml><?xml version="1.0" encoding="utf-8"?>
-<p:sld xmlns:a="http://schemas.openxmlformats.org/drawingml/2006/main" xmlns:r="http://schemas.openxmlformats.org/officeDocument/2006/relationships" xmlns:p="http://schemas.openxmlformats.org/presentationml/2006/main">
-  <p:cSld>
-    <p:spTree>
-      <p:nvGrpSpPr>
-        <p:cNvPr id="1" name=""/>
-        <p:cNvGrpSpPr/>
-        <p:nvPr/>
-      </p:nvGrpSpPr>
-      <p:grpSpPr>
-        <a:xfrm>
-          <a:off x="0" y="0"/>
-          <a:ext cx="0" cy="0"/>
-          <a:chOff x="0" y="0"/>
-          <a:chExt cx="0" cy="0"/>
-        </a:xfrm>
-      </p:grpSpPr>
-      <p:sp>
-        <p:nvSpPr>
-          <p:cNvPr id="40" name="제목 1"/>
-          <p:cNvSpPr txBox="1">
-            <a:spLocks/>
-          </p:cNvSpPr>
-          <p:nvPr/>
-        </p:nvSpPr>
-        <p:spPr>
-          <a:xfrm>
-            <a:off x="476545" y="368660"/>
-            <a:ext cx="8289630" cy="765086"/>
-          </a:xfrm>
-          <a:prstGeom prst="rect">
-            <a:avLst/>
-          </a:prstGeom>
-        </p:spPr>
-        <p:txBody>
-          <a:bodyPr vert="horz" lIns="91440" tIns="45720" rIns="91440" bIns="45720" rtlCol="0" anchor="ctr">
-            <a:normAutofit/>
-          </a:bodyPr>
-          <a:lstStyle>
-            <a:lvl1pPr algn="l" defTabSz="914400" rtl="0" eaLnBrk="1" latinLnBrk="1" hangingPunct="1">
-              <a:spcBef>
-                <a:spcPct val="0"/>
-              </a:spcBef>
-              <a:buNone/>
-              <a:defRPr sz="3600" b="1" kern="1200">
-                <a:solidFill>
-                  <a:schemeClr val="tx1"/>
-                </a:solidFill>
-                <a:latin typeface="+mj-lt"/>
-                <a:ea typeface="+mj-ea"/>
-                <a:cs typeface="+mj-cs"/>
-              </a:defRPr>
-            </a:lvl1pPr>
-          </a:lstStyle>
-          <a:p>
-            <a:r>
-              <a:rPr lang="en-US" altLang="ko-KR" dirty="0" smtClean="0"/>
-              <a:t>3. </a:t>
-            </a:r>
-            <a:r>
-              <a:rPr lang="ko-KR" altLang="en-US" dirty="0" err="1"/>
-              <a:t>초기하분포</a:t>
-            </a:r>
-            <a:endParaRPr lang="ko-KR" altLang="en-US" dirty="0" smtClean="0"/>
-          </a:p>
-        </p:txBody>
-      </p:sp>
-      <p:pic>
-        <p:nvPicPr>
-          <p:cNvPr id="4" name="Picture 2"/>
-          <p:cNvPicPr>
-            <a:picLocks noChangeAspect="1" noChangeArrowheads="1"/>
-          </p:cNvPicPr>
-          <p:nvPr/>
-        </p:nvPicPr>
-        <p:blipFill>
-          <a:blip r:embed="rId3">
-            <a:extLst>
-              <a:ext uri="{28A0092B-C50C-407E-A947-70E740481C1C}">
-                <a14:useLocalDpi xmlns:a14="http://schemas.microsoft.com/office/drawing/2010/main" val="0"/>
-              </a:ext>
-            </a:extLst>
-          </a:blip>
-          <a:srcRect/>
-          <a:stretch>
-            <a:fillRect/>
-          </a:stretch>
-        </p:blipFill>
-        <p:spPr bwMode="auto">
-          <a:xfrm>
-            <a:off x="1723010" y="1617946"/>
-            <a:ext cx="5459280" cy="5043254"/>
-          </a:xfrm>
-          <a:prstGeom prst="rect">
-            <a:avLst/>
-          </a:prstGeom>
-          <a:noFill/>
-          <a:ln>
-            <a:noFill/>
-          </a:ln>
-          <a:effectLst/>
-          <a:extLst>
-            <a:ext uri="{909E8E84-426E-40DD-AFC4-6F175D3DCCD1}">
-              <a14:hiddenFill xmlns:a14="http://schemas.microsoft.com/office/drawing/2010/main">
-                <a:solidFill>
-                  <a:schemeClr val="accent1"/>
-                </a:solidFill>
-              </a14:hiddenFill>
-            </a:ext>
-            <a:ext uri="{91240B29-F687-4F45-9708-019B960494DF}">
-              <a14:hiddenLine xmlns:a14="http://schemas.microsoft.com/office/drawing/2010/main" w="9525">
-                <a:solidFill>
-                  <a:schemeClr val="tx1"/>
-                </a:solidFill>
-                <a:miter lim="800000"/>
-                <a:headEnd/>
-                <a:tailEnd/>
-              </a14:hiddenLine>
-            </a:ext>
-            <a:ext uri="{AF507438-7753-43E0-B8FC-AC1667EBCBE1}">
-              <a14:hiddenEffects xmlns:a14="http://schemas.microsoft.com/office/drawing/2010/main">
-                <a:effectLst>
-                  <a:outerShdw dist="35921" dir="2700000" algn="ctr" rotWithShape="0">
-                    <a:schemeClr val="bg2"/>
-                  </a:outerShdw>
-                </a:effectLst>
-              </a14:hiddenEffects>
-            </a:ext>
-          </a:extLst>
-        </p:spPr>
-      </p:pic>
-      <p:graphicFrame>
-        <p:nvGraphicFramePr>
-          <p:cNvPr id="2" name="개체 1"/>
-          <p:cNvGraphicFramePr>
-            <a:graphicFrameLocks noChangeAspect="1"/>
-          </p:cNvGraphicFramePr>
-          <p:nvPr>
-            <p:extLst/>
-          </p:nvPr>
-        </p:nvGraphicFramePr>
-        <p:xfrm>
-          <a:off x="4139115" y="1230262"/>
-          <a:ext cx="2247900" cy="304800"/>
-        </p:xfrm>
-        <a:graphic>
-          <a:graphicData uri="http://schemas.openxmlformats.org/presentationml/2006/ole">
-            <mc:AlternateContent xmlns:mc="http://schemas.openxmlformats.org/markup-compatibility/2006">
-              <mc:Choice xmlns:v="urn:schemas-microsoft-com:vml" Requires="v">
-                <p:oleObj spid="_x0000_s11266" name="Equation" r:id="rId4" imgW="2247840" imgH="304560" progId="Equation.DSMT4">
-                  <p:embed/>
-                </p:oleObj>
-              </mc:Choice>
-              <mc:Fallback>
-                <p:oleObj name="Equation" r:id="rId4" imgW="2247840" imgH="304560" progId="Equation.DSMT4">
-                  <p:embed/>
-                  <p:pic>
-                    <p:nvPicPr>
-                      <p:cNvPr id="2" name="개체 1"/>
-                      <p:cNvPicPr>
-                        <a:picLocks noChangeAspect="1" noChangeArrowheads="1"/>
-                      </p:cNvPicPr>
-                      <p:nvPr/>
-                    </p:nvPicPr>
-                    <p:blipFill>
-                      <a:blip r:embed="rId5">
-                        <a:extLst>
-                          <a:ext uri="{28A0092B-C50C-407E-A947-70E740481C1C}">
-                            <a14:useLocalDpi xmlns:a14="http://schemas.microsoft.com/office/drawing/2010/main" val="0"/>
-                          </a:ext>
-                        </a:extLst>
-                      </a:blip>
-                      <a:srcRect/>
-                      <a:stretch>
-                        <a:fillRect/>
-                      </a:stretch>
-                    </p:blipFill>
-                    <p:spPr bwMode="auto">
-                      <a:xfrm>
-                        <a:off x="4139115" y="1230262"/>
-                        <a:ext cx="2247900" cy="304800"/>
-                      </a:xfrm>
-                      <a:prstGeom prst="rect">
-                        <a:avLst/>
-                      </a:prstGeom>
-                      <a:noFill/>
-                      <a:ln>
-                        <a:noFill/>
-                      </a:ln>
-                      <a:extLst>
-                        <a:ext uri="{909E8E84-426E-40DD-AFC4-6F175D3DCCD1}">
-                          <a14:hiddenFill xmlns:a14="http://schemas.microsoft.com/office/drawing/2010/main">
-                            <a:solidFill>
-                              <a:srgbClr val="FFFFFF"/>
-                            </a:solidFill>
-                          </a14:hiddenFill>
-                        </a:ext>
-                        <a:ext uri="{91240B29-F687-4F45-9708-019B960494DF}">
-                          <a14:hiddenLine xmlns:a14="http://schemas.microsoft.com/office/drawing/2010/main" w="9525">
-                            <a:solidFill>
-                              <a:srgbClr val="000000"/>
-                            </a:solidFill>
-                            <a:miter lim="800000"/>
-                            <a:headEnd/>
-                            <a:tailEnd/>
-                          </a14:hiddenLine>
-                        </a:ext>
-                      </a:extLst>
-                    </p:spPr>
-                  </p:pic>
-                </p:oleObj>
-              </mc:Fallback>
-            </mc:AlternateContent>
-          </a:graphicData>
-        </a:graphic>
-      </p:graphicFrame>
-      <p:graphicFrame>
-        <p:nvGraphicFramePr>
-          <p:cNvPr id="3" name="개체 2"/>
-          <p:cNvGraphicFramePr>
-            <a:graphicFrameLocks noChangeAspect="1"/>
-          </p:cNvGraphicFramePr>
-          <p:nvPr>
-            <p:extLst/>
-          </p:nvPr>
-        </p:nvGraphicFramePr>
-        <p:xfrm>
-          <a:off x="6652128" y="1230262"/>
-          <a:ext cx="1485900" cy="342900"/>
-        </p:xfrm>
-        <a:graphic>
-          <a:graphicData uri="http://schemas.openxmlformats.org/presentationml/2006/ole">
-            <mc:AlternateContent xmlns:mc="http://schemas.openxmlformats.org/markup-compatibility/2006">
-              <mc:Choice xmlns:v="urn:schemas-microsoft-com:vml" Requires="v">
-                <p:oleObj spid="_x0000_s11267" name="Equation" r:id="rId6" imgW="1485720" imgH="342720" progId="Equation.DSMT4">
-                  <p:embed/>
-                </p:oleObj>
-              </mc:Choice>
-              <mc:Fallback>
-                <p:oleObj name="Equation" r:id="rId6" imgW="1485720" imgH="342720" progId="Equation.DSMT4">
-                  <p:embed/>
-                  <p:pic>
-                    <p:nvPicPr>
-                      <p:cNvPr id="3" name="개체 2"/>
-                      <p:cNvPicPr>
-                        <a:picLocks noChangeAspect="1" noChangeArrowheads="1"/>
-                      </p:cNvPicPr>
-                      <p:nvPr/>
-                    </p:nvPicPr>
-                    <p:blipFill>
-                      <a:blip r:embed="rId7">
-                        <a:extLst>
-                          <a:ext uri="{28A0092B-C50C-407E-A947-70E740481C1C}">
-                            <a14:useLocalDpi xmlns:a14="http://schemas.microsoft.com/office/drawing/2010/main" val="0"/>
-                          </a:ext>
-                        </a:extLst>
-                      </a:blip>
-                      <a:srcRect/>
-                      <a:stretch>
-                        <a:fillRect/>
-                      </a:stretch>
-                    </p:blipFill>
-                    <p:spPr bwMode="auto">
-                      <a:xfrm>
-                        <a:off x="6652128" y="1230262"/>
-                        <a:ext cx="1485900" cy="342900"/>
-                      </a:xfrm>
-                      <a:prstGeom prst="rect">
-                        <a:avLst/>
-                      </a:prstGeom>
-                      <a:noFill/>
-                      <a:ln>
-                        <a:noFill/>
-                      </a:ln>
-                      <a:extLst>
-                        <a:ext uri="{909E8E84-426E-40DD-AFC4-6F175D3DCCD1}">
-                          <a14:hiddenFill xmlns:a14="http://schemas.microsoft.com/office/drawing/2010/main">
-                            <a:solidFill>
-                              <a:srgbClr val="FFFFFF"/>
-                            </a:solidFill>
-                          </a14:hiddenFill>
-                        </a:ext>
-                        <a:ext uri="{91240B29-F687-4F45-9708-019B960494DF}">
-                          <a14:hiddenLine xmlns:a14="http://schemas.microsoft.com/office/drawing/2010/main" w="9525">
-                            <a:solidFill>
-                              <a:srgbClr val="000000"/>
-                            </a:solidFill>
-                            <a:miter lim="800000"/>
-                            <a:headEnd/>
-                            <a:tailEnd/>
-                          </a14:hiddenLine>
-                        </a:ext>
-                      </a:extLst>
-                    </p:spPr>
-                  </p:pic>
-                </p:oleObj>
-              </mc:Fallback>
-            </mc:AlternateContent>
-          </a:graphicData>
-        </a:graphic>
-      </p:graphicFrame>
-    </p:spTree>
-    <p:extLst>
-      <p:ext uri="{BB962C8B-B14F-4D97-AF65-F5344CB8AC3E}">
-        <p14:creationId xmlns:p14="http://schemas.microsoft.com/office/powerpoint/2010/main" val="1227127754"/>
-      </p:ext>
-    </p:extLst>
-  </p:cSld>
-  <p:clrMapOvr>
-    <a:masterClrMapping/>
-  </p:clrMapOvr>
-  <p:timing>
-    <p:tnLst>
-      <p:par>
-        <p:cTn id="1" dur="indefinite" restart="never" nodeType="tmRoot"/>
-      </p:par>
-    </p:tnLst>
-  </p:timing>
-</p:sld>
-</file>
-
-<file path=ppt/slides/slide13.xml><?xml version="1.0" encoding="utf-8"?>
-<p:sld xmlns:a="http://schemas.openxmlformats.org/drawingml/2006/main" xmlns:r="http://schemas.openxmlformats.org/officeDocument/2006/relationships" xmlns:p="http://schemas.openxmlformats.org/presentationml/2006/main">
-  <p:cSld>
-    <p:spTree>
-      <p:nvGrpSpPr>
-        <p:cNvPr id="1" name=""/>
-        <p:cNvGrpSpPr/>
-        <p:nvPr/>
-      </p:nvGrpSpPr>
-      <p:grpSpPr>
-        <a:xfrm>
-          <a:off x="0" y="0"/>
-          <a:ext cx="0" cy="0"/>
-          <a:chOff x="0" y="0"/>
-          <a:chExt cx="0" cy="0"/>
-        </a:xfrm>
-      </p:grpSpPr>
-      <p:sp>
-        <p:nvSpPr>
-          <p:cNvPr id="14339" name="내용 개체 틀 2"/>
-          <p:cNvSpPr>
-            <a:spLocks noGrp="1"/>
-          </p:cNvSpPr>
-          <p:nvPr>
-            <p:ph idx="4294967295"/>
-          </p:nvPr>
-        </p:nvSpPr>
-        <p:spPr>
-          <a:xfrm>
-            <a:off x="476545" y="1314450"/>
-            <a:ext cx="8415338" cy="4781550"/>
-          </a:xfrm>
-        </p:spPr>
-        <p:txBody>
-          <a:bodyPr>
-            <a:normAutofit/>
-          </a:bodyPr>
-          <a:lstStyle/>
-          <a:p>
-            <a:r>
-              <a:rPr lang="ko-KR" altLang="en-US" sz="2400" dirty="0">
-                <a:latin typeface="+mn-ea"/>
-              </a:rPr>
-              <a:t>유한모집단 수정계수</a:t>
-            </a:r>
-            <a:r>
-              <a:rPr lang="en-US" altLang="ko-KR" sz="2400" dirty="0">
-                <a:latin typeface="+mn-ea"/>
-              </a:rPr>
-              <a:t>(finite population correction factor</a:t>
-            </a:r>
-            <a:r>
-              <a:rPr lang="en-US" altLang="ko-KR" sz="2400" dirty="0" smtClean="0">
-                <a:latin typeface="+mn-ea"/>
-              </a:rPr>
-              <a:t>)</a:t>
-            </a:r>
-          </a:p>
-          <a:p>
-            <a:pPr lvl="1"/>
-            <a:endParaRPr lang="en-US" altLang="ko-KR" sz="2400" dirty="0" smtClean="0">
-              <a:latin typeface="+mn-ea"/>
-            </a:endParaRPr>
-          </a:p>
-          <a:p>
-            <a:pPr lvl="1"/>
-            <a:endParaRPr lang="en-US" altLang="ko-KR" sz="2400" dirty="0">
-              <a:latin typeface="+mn-ea"/>
-            </a:endParaRPr>
-          </a:p>
-          <a:p>
-            <a:pPr lvl="1"/>
-            <a:endParaRPr lang="en-US" altLang="ko-KR" sz="2400" dirty="0" smtClean="0">
-              <a:latin typeface="+mn-ea"/>
-            </a:endParaRPr>
-          </a:p>
-          <a:p>
-            <a:pPr marL="457200" lvl="1" indent="0">
-              <a:buNone/>
-            </a:pPr>
-            <a:endParaRPr lang="en-US" altLang="ko-KR" sz="2400" dirty="0" smtClean="0">
-              <a:latin typeface="+mn-ea"/>
-            </a:endParaRPr>
-          </a:p>
-          <a:p>
-            <a:r>
-              <a:rPr lang="ko-KR" altLang="en-US" sz="2400" dirty="0">
-                <a:latin typeface="+mn-ea"/>
-              </a:rPr>
-              <a:t>확률분포함수의 다른 </a:t>
-            </a:r>
-            <a:r>
-              <a:rPr lang="ko-KR" altLang="en-US" sz="2400" dirty="0" smtClean="0">
-                <a:latin typeface="+mn-ea"/>
-              </a:rPr>
-              <a:t>표현</a:t>
-            </a:r>
-            <a:endParaRPr lang="en-US" altLang="ko-KR" sz="2400" dirty="0">
-              <a:latin typeface="+mn-ea"/>
-            </a:endParaRPr>
-          </a:p>
-          <a:p>
-            <a:endParaRPr lang="ko-KR" altLang="en-US" sz="2400" dirty="0" smtClean="0">
-              <a:latin typeface="+mn-ea"/>
-            </a:endParaRPr>
-          </a:p>
-        </p:txBody>
-      </p:sp>
-      <p:sp>
-        <p:nvSpPr>
-          <p:cNvPr id="40" name="제목 1"/>
-          <p:cNvSpPr txBox="1">
-            <a:spLocks/>
-          </p:cNvSpPr>
-          <p:nvPr/>
-        </p:nvSpPr>
-        <p:spPr>
-          <a:xfrm>
-            <a:off x="476545" y="368660"/>
-            <a:ext cx="8289630" cy="765086"/>
-          </a:xfrm>
-          <a:prstGeom prst="rect">
-            <a:avLst/>
-          </a:prstGeom>
-        </p:spPr>
-        <p:txBody>
-          <a:bodyPr vert="horz" lIns="91440" tIns="45720" rIns="91440" bIns="45720" rtlCol="0" anchor="ctr">
-            <a:normAutofit/>
-          </a:bodyPr>
-          <a:lstStyle>
-            <a:lvl1pPr algn="l" defTabSz="914400" rtl="0" eaLnBrk="1" latinLnBrk="1" hangingPunct="1">
-              <a:spcBef>
-                <a:spcPct val="0"/>
-              </a:spcBef>
-              <a:buNone/>
-              <a:defRPr sz="3600" b="1" kern="1200">
-                <a:solidFill>
-                  <a:schemeClr val="tx1"/>
-                </a:solidFill>
-                <a:latin typeface="+mj-lt"/>
-                <a:ea typeface="+mj-ea"/>
-                <a:cs typeface="+mj-cs"/>
-              </a:defRPr>
-            </a:lvl1pPr>
-          </a:lstStyle>
-          <a:p>
-            <a:r>
-              <a:rPr lang="en-US" altLang="ko-KR" dirty="0" smtClean="0"/>
-              <a:t>3. </a:t>
-            </a:r>
-            <a:r>
-              <a:rPr lang="ko-KR" altLang="en-US" dirty="0" err="1"/>
-              <a:t>초기하분포</a:t>
-            </a:r>
-            <a:endParaRPr lang="ko-KR" altLang="en-US" dirty="0" smtClean="0"/>
-          </a:p>
-        </p:txBody>
-      </p:sp>
-      <p:pic>
-        <p:nvPicPr>
-          <p:cNvPr id="4" name="Picture 528"/>
-          <p:cNvPicPr>
-            <a:picLocks noChangeAspect="1" noChangeArrowheads="1"/>
-          </p:cNvPicPr>
-          <p:nvPr/>
-        </p:nvPicPr>
-        <p:blipFill>
-          <a:blip r:embed="rId2">
-            <a:extLst>
-              <a:ext uri="{28A0092B-C50C-407E-A947-70E740481C1C}">
-                <a14:useLocalDpi xmlns:a14="http://schemas.microsoft.com/office/drawing/2010/main" val="0"/>
-              </a:ext>
-            </a:extLst>
-          </a:blip>
-          <a:srcRect/>
-          <a:stretch>
-            <a:fillRect/>
-          </a:stretch>
-        </p:blipFill>
-        <p:spPr bwMode="auto">
-          <a:xfrm>
-            <a:off x="929068" y="1888197"/>
-            <a:ext cx="4689762" cy="1530170"/>
-          </a:xfrm>
-          <a:prstGeom prst="rect">
-            <a:avLst/>
-          </a:prstGeom>
-          <a:noFill/>
-          <a:ln>
-            <a:noFill/>
-          </a:ln>
-          <a:extLst>
-            <a:ext uri="{909E8E84-426E-40DD-AFC4-6F175D3DCCD1}">
-              <a14:hiddenFill xmlns:a14="http://schemas.microsoft.com/office/drawing/2010/main">
-                <a:solidFill>
-                  <a:schemeClr val="accent1"/>
-                </a:solidFill>
-              </a14:hiddenFill>
-            </a:ext>
-            <a:ext uri="{91240B29-F687-4F45-9708-019B960494DF}">
-              <a14:hiddenLine xmlns:a14="http://schemas.microsoft.com/office/drawing/2010/main" w="9525">
-                <a:solidFill>
-                  <a:schemeClr val="tx1"/>
-                </a:solidFill>
-                <a:miter lim="800000"/>
-                <a:headEnd/>
-                <a:tailEnd/>
-              </a14:hiddenLine>
-            </a:ext>
-          </a:extLst>
-        </p:spPr>
-      </p:pic>
-      <p:pic>
-        <p:nvPicPr>
-          <p:cNvPr id="5" name="Picture 529"/>
-          <p:cNvPicPr>
-            <a:picLocks noChangeAspect="1" noChangeArrowheads="1"/>
-          </p:cNvPicPr>
-          <p:nvPr/>
-        </p:nvPicPr>
-        <p:blipFill>
-          <a:blip r:embed="rId3">
-            <a:extLst>
-              <a:ext uri="{28A0092B-C50C-407E-A947-70E740481C1C}">
-                <a14:useLocalDpi xmlns:a14="http://schemas.microsoft.com/office/drawing/2010/main" val="0"/>
-              </a:ext>
-            </a:extLst>
-          </a:blip>
-          <a:srcRect/>
-          <a:stretch>
-            <a:fillRect/>
-          </a:stretch>
-        </p:blipFill>
-        <p:spPr bwMode="auto">
-          <a:xfrm>
-            <a:off x="836585" y="4117181"/>
-            <a:ext cx="6416902" cy="2417164"/>
-          </a:xfrm>
-          <a:prstGeom prst="rect">
-            <a:avLst/>
-          </a:prstGeom>
-          <a:noFill/>
-          <a:ln>
-            <a:noFill/>
-          </a:ln>
-          <a:extLst>
-            <a:ext uri="{909E8E84-426E-40DD-AFC4-6F175D3DCCD1}">
-              <a14:hiddenFill xmlns:a14="http://schemas.microsoft.com/office/drawing/2010/main">
-                <a:solidFill>
-                  <a:schemeClr val="accent1"/>
-                </a:solidFill>
-              </a14:hiddenFill>
-            </a:ext>
-            <a:ext uri="{91240B29-F687-4F45-9708-019B960494DF}">
-              <a14:hiddenLine xmlns:a14="http://schemas.microsoft.com/office/drawing/2010/main" w="9525">
-                <a:solidFill>
-                  <a:schemeClr val="tx1"/>
-                </a:solidFill>
-                <a:miter lim="800000"/>
-                <a:headEnd/>
-                <a:tailEnd/>
-              </a14:hiddenLine>
-            </a:ext>
-          </a:extLst>
-        </p:spPr>
-      </p:pic>
-    </p:spTree>
-    <p:extLst>
-      <p:ext uri="{BB962C8B-B14F-4D97-AF65-F5344CB8AC3E}">
-        <p14:creationId xmlns:p14="http://schemas.microsoft.com/office/powerpoint/2010/main" val="3354714866"/>
-      </p:ext>
-    </p:extLst>
-  </p:cSld>
-  <p:clrMapOvr>
-    <a:masterClrMapping/>
-  </p:clrMapOvr>
-  <p:timing>
-    <p:tnLst>
-      <p:par>
-        <p:cTn id="1" dur="indefinite" restart="never" nodeType="tmRoot"/>
-      </p:par>
-    </p:tnLst>
-  </p:timing>
-</p:sld>
-</file>
-
-<file path=ppt/slides/slide14.xml><?xml version="1.0" encoding="utf-8"?>
-<p:sld xmlns:a="http://schemas.openxmlformats.org/drawingml/2006/main" xmlns:r="http://schemas.openxmlformats.org/officeDocument/2006/relationships" xmlns:p="http://schemas.openxmlformats.org/presentationml/2006/main">
-  <p:cSld>
-    <p:spTree>
-      <p:nvGrpSpPr>
-        <p:cNvPr id="1" name=""/>
-        <p:cNvGrpSpPr/>
-        <p:nvPr/>
-      </p:nvGrpSpPr>
-      <p:grpSpPr>
-        <a:xfrm>
-          <a:off x="0" y="0"/>
-          <a:ext cx="0" cy="0"/>
-          <a:chOff x="0" y="0"/>
-          <a:chExt cx="0" cy="0"/>
-        </a:xfrm>
-      </p:grpSpPr>
-      <p:sp>
-        <p:nvSpPr>
-          <p:cNvPr id="14339" name="내용 개체 틀 2"/>
-          <p:cNvSpPr>
-            <a:spLocks noGrp="1"/>
-          </p:cNvSpPr>
-          <p:nvPr>
-            <p:ph idx="4294967295"/>
-          </p:nvPr>
-        </p:nvSpPr>
-        <p:spPr>
-          <a:xfrm>
-            <a:off x="476545" y="1314450"/>
-            <a:ext cx="8415338" cy="5084880"/>
-          </a:xfrm>
-        </p:spPr>
-        <p:txBody>
-          <a:bodyPr>
-            <a:normAutofit/>
-          </a:bodyPr>
-          <a:lstStyle/>
-          <a:p>
-            <a:pPr marL="0" indent="0">
-              <a:buNone/>
-            </a:pPr>
-            <a:r>
-              <a:rPr lang="en-US" altLang="ko-KR" sz="2000" dirty="0"/>
-              <a:t># </a:t>
-            </a:r>
-            <a:r>
-              <a:rPr lang="ko-KR" altLang="en-US" sz="2000" dirty="0" err="1" smtClean="0"/>
-              <a:t>초기하분포</a:t>
-            </a:r>
-            <a:r>
-              <a:rPr lang="ko-KR" altLang="en-US" sz="2000" dirty="0" smtClean="0"/>
-              <a:t>  </a:t>
-            </a:r>
-            <a:r>
-              <a:rPr lang="en-US" altLang="ko-KR" sz="2000" dirty="0"/>
-              <a:t>R </a:t>
-            </a:r>
-            <a:r>
-              <a:rPr lang="ko-KR" altLang="en-US" sz="2000" dirty="0" smtClean="0"/>
-              <a:t>함수</a:t>
-            </a:r>
-            <a:endParaRPr lang="en-US" altLang="ko-KR" sz="2000" dirty="0" smtClean="0"/>
-          </a:p>
-          <a:p>
-            <a:endParaRPr lang="en-US" altLang="ko-KR" sz="900" dirty="0"/>
-          </a:p>
-          <a:p>
-            <a:pPr marL="0" indent="0">
-              <a:buNone/>
-            </a:pPr>
-            <a:r>
-              <a:rPr lang="en-US" altLang="ko-KR" sz="2000" dirty="0"/>
-              <a:t># </a:t>
-            </a:r>
-            <a:r>
-              <a:rPr lang="ko-KR" altLang="en-US" sz="2000" dirty="0" smtClean="0"/>
-              <a:t>확률분포함수 </a:t>
-            </a:r>
-            <a:r>
-              <a:rPr lang="en-US" altLang="ko-KR" sz="2000" dirty="0"/>
-              <a:t>(x=</a:t>
-            </a:r>
-            <a:r>
-              <a:rPr lang="ko-KR" altLang="en-US" sz="2000" dirty="0"/>
-              <a:t>표본 성공개수</a:t>
-            </a:r>
-            <a:r>
-              <a:rPr lang="en-US" altLang="ko-KR" sz="2000" dirty="0"/>
-              <a:t>, m=r=</a:t>
-            </a:r>
-            <a:r>
-              <a:rPr lang="ko-KR" altLang="en-US" sz="2000" dirty="0"/>
-              <a:t>모집단 성공 개체 </a:t>
-            </a:r>
-            <a:r>
-              <a:rPr lang="ko-KR" altLang="en-US" sz="2000" dirty="0" smtClean="0"/>
-              <a:t>수</a:t>
-            </a:r>
-            <a:r>
-              <a:rPr lang="en-US" altLang="ko-KR" sz="2000" dirty="0" smtClean="0"/>
-              <a:t>,</a:t>
-            </a:r>
-          </a:p>
-          <a:p>
-            <a:pPr marL="0" indent="0">
-              <a:buNone/>
-            </a:pPr>
-            <a:r>
-              <a:rPr lang="en-US" altLang="ko-KR" sz="2000" dirty="0" smtClean="0"/>
-              <a:t>                      n=N-r</a:t>
-            </a:r>
-            <a:r>
-              <a:rPr lang="en-US" altLang="ko-KR" sz="2000" dirty="0"/>
-              <a:t>=</a:t>
-            </a:r>
-            <a:r>
-              <a:rPr lang="ko-KR" altLang="en-US" sz="2000" dirty="0"/>
-              <a:t>모집단 실패 개체 수</a:t>
-            </a:r>
-            <a:r>
-              <a:rPr lang="en-US" altLang="ko-KR" sz="2000" dirty="0"/>
-              <a:t>, k=</a:t>
-            </a:r>
-            <a:r>
-              <a:rPr lang="ko-KR" altLang="en-US" sz="2000" dirty="0"/>
-              <a:t>표본개수</a:t>
-            </a:r>
-            <a:r>
-              <a:rPr lang="en-US" altLang="ko-KR" sz="2000" dirty="0" smtClean="0"/>
-              <a:t>)</a:t>
-            </a:r>
-          </a:p>
-          <a:p>
-            <a:pPr marL="0" indent="0">
-              <a:buNone/>
-            </a:pPr>
-            <a:r>
-              <a:rPr lang="en-US" altLang="ko-KR" sz="2000" dirty="0" smtClean="0">
-                <a:solidFill>
-                  <a:srgbClr val="FF0000"/>
-                </a:solidFill>
-              </a:rPr>
-              <a:t>   </a:t>
-            </a:r>
-            <a:r>
-              <a:rPr lang="en-US" altLang="ko-KR" sz="2000" dirty="0" err="1" smtClean="0">
-                <a:solidFill>
-                  <a:srgbClr val="FF0000"/>
-                </a:solidFill>
-              </a:rPr>
-              <a:t>dhyper</a:t>
-            </a:r>
-            <a:r>
-              <a:rPr lang="en-US" altLang="ko-KR" sz="2000" dirty="0" smtClean="0">
-                <a:solidFill>
-                  <a:srgbClr val="FF0000"/>
-                </a:solidFill>
-              </a:rPr>
-              <a:t>(x</a:t>
-            </a:r>
-            <a:r>
-              <a:rPr lang="en-US" altLang="ko-KR" sz="2000" dirty="0">
-                <a:solidFill>
-                  <a:srgbClr val="FF0000"/>
-                </a:solidFill>
-              </a:rPr>
-              <a:t>, m, n, k</a:t>
-            </a:r>
-            <a:r>
-              <a:rPr lang="en-US" altLang="ko-KR" sz="2000" dirty="0" smtClean="0">
-                <a:solidFill>
-                  <a:srgbClr val="FF0000"/>
-                </a:solidFill>
-              </a:rPr>
-              <a:t>)</a:t>
-            </a:r>
-            <a:r>
-              <a:rPr lang="ko-KR" altLang="en-US" sz="2000" dirty="0" smtClean="0"/>
-              <a:t> </a:t>
-            </a:r>
-            <a:endParaRPr lang="en-US" altLang="ko-KR" sz="2000" dirty="0" smtClean="0"/>
-          </a:p>
-          <a:p>
-            <a:pPr marL="0" indent="0">
-              <a:buNone/>
-            </a:pPr>
-            <a:r>
-              <a:rPr lang="en-US" altLang="ko-KR" sz="2000" dirty="0">
-                <a:solidFill>
-                  <a:srgbClr val="0000FF"/>
-                </a:solidFill>
-              </a:rPr>
-              <a:t># </a:t>
-            </a:r>
-            <a:r>
-              <a:rPr lang="en-US" altLang="ko-KR" sz="2000" dirty="0" smtClean="0">
-                <a:solidFill>
-                  <a:srgbClr val="0000FF"/>
-                </a:solidFill>
-              </a:rPr>
-              <a:t>Excel </a:t>
-            </a:r>
-            <a:r>
-              <a:rPr lang="ko-KR" altLang="en-US" sz="2000" dirty="0">
-                <a:solidFill>
-                  <a:srgbClr val="0000FF"/>
-                </a:solidFill>
-              </a:rPr>
-              <a:t>함수 </a:t>
-            </a:r>
-            <a:r>
-              <a:rPr lang="en-US" altLang="ko-KR" sz="2000" dirty="0">
-                <a:solidFill>
-                  <a:srgbClr val="0000FF"/>
-                </a:solidFill>
-              </a:rPr>
-              <a:t>= HYPGEOM.DIST(x, k, m, N, FALSE</a:t>
-            </a:r>
-            <a:r>
-              <a:rPr lang="en-US" altLang="ko-KR" sz="2000" dirty="0" smtClean="0">
-                <a:solidFill>
-                  <a:srgbClr val="0000FF"/>
-                </a:solidFill>
-              </a:rPr>
-              <a:t>)</a:t>
-            </a:r>
-          </a:p>
-          <a:p>
-            <a:endParaRPr lang="en-US" altLang="ko-KR" sz="900" dirty="0">
-              <a:solidFill>
-                <a:srgbClr val="0000FF"/>
-              </a:solidFill>
-            </a:endParaRPr>
-          </a:p>
-          <a:p>
-            <a:pPr marL="0" indent="0">
-              <a:buNone/>
-            </a:pPr>
-            <a:r>
-              <a:rPr lang="en-US" altLang="ko-KR" sz="2000" dirty="0"/>
-              <a:t># </a:t>
-            </a:r>
-            <a:r>
-              <a:rPr lang="ko-KR" altLang="en-US" sz="2000" dirty="0" smtClean="0"/>
-              <a:t>누적분포함수 </a:t>
-            </a:r>
-            <a:r>
-              <a:rPr lang="en-US" altLang="ko-KR" sz="2000" dirty="0"/>
-              <a:t>(q=</a:t>
-            </a:r>
-            <a:r>
-              <a:rPr lang="ko-KR" altLang="en-US" sz="2000" dirty="0" err="1"/>
-              <a:t>분위수</a:t>
-            </a:r>
-            <a:r>
-              <a:rPr lang="en-US" altLang="ko-KR" sz="2000" dirty="0"/>
-              <a:t>, </a:t>
-            </a:r>
-            <a:r>
-              <a:rPr lang="en-US" altLang="ko-KR" sz="2000" dirty="0" err="1"/>
-              <a:t>lower.tail</a:t>
-            </a:r>
-            <a:r>
-              <a:rPr lang="en-US" altLang="ko-KR" sz="2000" dirty="0"/>
-              <a:t>=TRUE=</a:t>
-            </a:r>
-            <a:r>
-              <a:rPr lang="ko-KR" altLang="en-US" sz="2000" dirty="0"/>
-              <a:t>아래로부터 누적</a:t>
-            </a:r>
-            <a:r>
-              <a:rPr lang="en-US" altLang="ko-KR" sz="2000" dirty="0" smtClean="0"/>
-              <a:t>)</a:t>
-            </a:r>
-          </a:p>
-          <a:p>
-            <a:pPr marL="0" indent="0">
-              <a:buNone/>
-            </a:pPr>
-            <a:r>
-              <a:rPr lang="en-US" altLang="ko-KR" sz="2000" dirty="0" smtClean="0">
-                <a:solidFill>
-                  <a:srgbClr val="FF0000"/>
-                </a:solidFill>
-              </a:rPr>
-              <a:t>   </a:t>
-            </a:r>
-            <a:r>
-              <a:rPr lang="en-US" altLang="ko-KR" sz="2000" dirty="0" err="1" smtClean="0">
-                <a:solidFill>
-                  <a:srgbClr val="FF0000"/>
-                </a:solidFill>
-              </a:rPr>
-              <a:t>phyper</a:t>
-            </a:r>
-            <a:r>
-              <a:rPr lang="en-US" altLang="ko-KR" sz="2000" dirty="0" smtClean="0">
-                <a:solidFill>
-                  <a:srgbClr val="FF0000"/>
-                </a:solidFill>
-              </a:rPr>
-              <a:t>(q</a:t>
-            </a:r>
-            <a:r>
-              <a:rPr lang="en-US" altLang="ko-KR" sz="2000" dirty="0">
-                <a:solidFill>
-                  <a:srgbClr val="FF0000"/>
-                </a:solidFill>
-              </a:rPr>
-              <a:t>, m, n, k, </a:t>
-            </a:r>
-            <a:r>
-              <a:rPr lang="en-US" altLang="ko-KR" sz="2000" dirty="0" err="1">
-                <a:solidFill>
-                  <a:srgbClr val="FF0000"/>
-                </a:solidFill>
-              </a:rPr>
-              <a:t>lower.tail</a:t>
-            </a:r>
-            <a:r>
-              <a:rPr lang="en-US" altLang="ko-KR" sz="2000" dirty="0">
-                <a:solidFill>
-                  <a:srgbClr val="FF0000"/>
-                </a:solidFill>
-              </a:rPr>
-              <a:t> = TRUE</a:t>
-            </a:r>
-            <a:r>
-              <a:rPr lang="en-US" altLang="ko-KR" sz="2000" dirty="0" smtClean="0">
-                <a:solidFill>
-                  <a:srgbClr val="FF0000"/>
-                </a:solidFill>
-              </a:rPr>
-              <a:t>)</a:t>
-            </a:r>
-            <a:endParaRPr lang="en-US" altLang="ko-KR" sz="2000" dirty="0"/>
-          </a:p>
-          <a:p>
-            <a:pPr marL="0" indent="0">
-              <a:buNone/>
-            </a:pPr>
-            <a:r>
-              <a:rPr lang="en-US" altLang="ko-KR" sz="2000" dirty="0">
-                <a:solidFill>
-                  <a:srgbClr val="0000FF"/>
-                </a:solidFill>
-              </a:rPr>
-              <a:t># </a:t>
-            </a:r>
-            <a:r>
-              <a:rPr lang="en-US" altLang="ko-KR" sz="2000" dirty="0" smtClean="0">
-                <a:solidFill>
-                  <a:srgbClr val="0000FF"/>
-                </a:solidFill>
-              </a:rPr>
-              <a:t>Excel </a:t>
-            </a:r>
-            <a:r>
-              <a:rPr lang="ko-KR" altLang="en-US" sz="2000" dirty="0">
-                <a:solidFill>
-                  <a:srgbClr val="0000FF"/>
-                </a:solidFill>
-              </a:rPr>
-              <a:t>함수 </a:t>
-            </a:r>
-            <a:r>
-              <a:rPr lang="en-US" altLang="ko-KR" sz="2000" dirty="0">
-                <a:solidFill>
-                  <a:srgbClr val="0000FF"/>
-                </a:solidFill>
-              </a:rPr>
-              <a:t>= HYPGEOM.DIST(x, k, m, N, TRUE</a:t>
-            </a:r>
-            <a:r>
-              <a:rPr lang="en-US" altLang="ko-KR" sz="2000" dirty="0" smtClean="0">
-                <a:solidFill>
-                  <a:srgbClr val="0000FF"/>
-                </a:solidFill>
-              </a:rPr>
-              <a:t>)</a:t>
-            </a:r>
-          </a:p>
-          <a:p>
-            <a:pPr marL="0" indent="0">
-              <a:buNone/>
-            </a:pPr>
-            <a:endParaRPr lang="en-US" altLang="ko-KR" sz="900" dirty="0">
-              <a:solidFill>
-                <a:srgbClr val="0000FF"/>
-              </a:solidFill>
-            </a:endParaRPr>
-          </a:p>
-          <a:p>
-            <a:pPr marL="0" indent="0">
-              <a:buNone/>
-            </a:pPr>
-            <a:r>
-              <a:rPr lang="en-US" altLang="ko-KR" sz="2000" dirty="0"/>
-              <a:t># </a:t>
-            </a:r>
-            <a:r>
-              <a:rPr lang="ko-KR" altLang="en-US" sz="2000" dirty="0" err="1" smtClean="0"/>
-              <a:t>분위수</a:t>
-            </a:r>
-            <a:r>
-              <a:rPr lang="ko-KR" altLang="en-US" sz="2000" dirty="0" smtClean="0"/>
-              <a:t> </a:t>
-            </a:r>
-            <a:r>
-              <a:rPr lang="en-US" altLang="ko-KR" sz="2000" dirty="0"/>
-              <a:t>(p=</a:t>
-            </a:r>
-            <a:r>
-              <a:rPr lang="ko-KR" altLang="en-US" sz="2000" dirty="0" smtClean="0"/>
-              <a:t>누적확률</a:t>
-            </a:r>
-            <a:r>
-              <a:rPr lang="en-US" altLang="ko-KR" sz="2000" dirty="0" smtClean="0"/>
-              <a:t>)</a:t>
-            </a:r>
-          </a:p>
-          <a:p>
-            <a:pPr marL="0" indent="0">
-              <a:buNone/>
-            </a:pPr>
-            <a:r>
-              <a:rPr lang="en-US" altLang="ko-KR" sz="2000" dirty="0" smtClean="0">
-                <a:solidFill>
-                  <a:srgbClr val="FF0000"/>
-                </a:solidFill>
-              </a:rPr>
-              <a:t>   </a:t>
-            </a:r>
-            <a:r>
-              <a:rPr lang="en-US" altLang="ko-KR" sz="2000" dirty="0" err="1" smtClean="0">
-                <a:solidFill>
-                  <a:srgbClr val="FF0000"/>
-                </a:solidFill>
-              </a:rPr>
-              <a:t>qhyper</a:t>
-            </a:r>
-            <a:r>
-              <a:rPr lang="en-US" altLang="ko-KR" sz="2000" dirty="0" smtClean="0">
-                <a:solidFill>
-                  <a:srgbClr val="FF0000"/>
-                </a:solidFill>
-              </a:rPr>
-              <a:t>(p</a:t>
-            </a:r>
-            <a:r>
-              <a:rPr lang="en-US" altLang="ko-KR" sz="2000" dirty="0">
-                <a:solidFill>
-                  <a:srgbClr val="FF0000"/>
-                </a:solidFill>
-              </a:rPr>
-              <a:t>, m, n, k, </a:t>
-            </a:r>
-            <a:r>
-              <a:rPr lang="en-US" altLang="ko-KR" sz="2000" dirty="0" err="1">
-                <a:solidFill>
-                  <a:srgbClr val="FF0000"/>
-                </a:solidFill>
-              </a:rPr>
-              <a:t>lower.tail</a:t>
-            </a:r>
-            <a:r>
-              <a:rPr lang="en-US" altLang="ko-KR" sz="2000" dirty="0">
-                <a:solidFill>
-                  <a:srgbClr val="FF0000"/>
-                </a:solidFill>
-              </a:rPr>
-              <a:t> = TRUE)</a:t>
-            </a:r>
-          </a:p>
-          <a:p>
-            <a:endParaRPr lang="en-US" altLang="ko-KR" sz="800" dirty="0" smtClean="0"/>
-          </a:p>
-          <a:p>
-            <a:pPr marL="0" indent="0">
-              <a:buNone/>
-            </a:pPr>
-            <a:r>
-              <a:rPr lang="en-US" altLang="ko-KR" sz="2000" dirty="0"/>
-              <a:t># </a:t>
-            </a:r>
-            <a:r>
-              <a:rPr lang="ko-KR" altLang="en-US" sz="2000" dirty="0" err="1" smtClean="0"/>
-              <a:t>초기하</a:t>
-            </a:r>
-            <a:r>
-              <a:rPr lang="ko-KR" altLang="en-US" sz="2000" dirty="0" smtClean="0"/>
-              <a:t> </a:t>
-            </a:r>
-            <a:r>
-              <a:rPr lang="ko-KR" altLang="en-US" sz="2000" dirty="0"/>
-              <a:t>확률변수</a:t>
-            </a:r>
-            <a:r>
-              <a:rPr lang="en-US" altLang="ko-KR" sz="2000" dirty="0"/>
-              <a:t>(</a:t>
-            </a:r>
-            <a:r>
-              <a:rPr lang="en-US" altLang="ko-KR" sz="2000" dirty="0" err="1"/>
-              <a:t>nn</a:t>
-            </a:r>
-            <a:r>
-              <a:rPr lang="en-US" altLang="ko-KR" sz="2000" dirty="0"/>
-              <a:t>=</a:t>
-            </a:r>
-            <a:r>
-              <a:rPr lang="ko-KR" altLang="en-US" sz="2000" dirty="0" err="1"/>
-              <a:t>난수의</a:t>
-            </a:r>
-            <a:r>
-              <a:rPr lang="ko-KR" altLang="en-US" sz="2000" dirty="0"/>
-              <a:t> 개수</a:t>
-            </a:r>
-            <a:r>
-              <a:rPr lang="en-US" altLang="ko-KR" sz="2000" dirty="0" smtClean="0"/>
-              <a:t>)</a:t>
-            </a:r>
-            <a:endParaRPr lang="en-US" altLang="ko-KR" sz="2000" dirty="0"/>
-          </a:p>
-          <a:p>
-            <a:pPr marL="0" indent="0">
-              <a:buNone/>
-            </a:pPr>
-            <a:r>
-              <a:rPr lang="en-US" altLang="ko-KR" sz="2000" dirty="0" smtClean="0">
-                <a:solidFill>
-                  <a:srgbClr val="FF0000"/>
-                </a:solidFill>
-              </a:rPr>
-              <a:t>   </a:t>
-            </a:r>
-            <a:r>
-              <a:rPr lang="en-US" altLang="ko-KR" sz="2000" dirty="0" err="1" smtClean="0">
-                <a:solidFill>
-                  <a:srgbClr val="FF0000"/>
-                </a:solidFill>
-              </a:rPr>
-              <a:t>rhyper</a:t>
-            </a:r>
-            <a:r>
-              <a:rPr lang="en-US" altLang="ko-KR" sz="2000" dirty="0" smtClean="0">
-                <a:solidFill>
-                  <a:srgbClr val="FF0000"/>
-                </a:solidFill>
-              </a:rPr>
-              <a:t>(</a:t>
-            </a:r>
-            <a:r>
-              <a:rPr lang="en-US" altLang="ko-KR" sz="2000" dirty="0" err="1" smtClean="0">
-                <a:solidFill>
-                  <a:srgbClr val="FF0000"/>
-                </a:solidFill>
-              </a:rPr>
-              <a:t>nn</a:t>
-            </a:r>
-            <a:r>
-              <a:rPr lang="en-US" altLang="ko-KR" sz="2000" dirty="0">
-                <a:solidFill>
-                  <a:srgbClr val="FF0000"/>
-                </a:solidFill>
-              </a:rPr>
-              <a:t>, m, n, k</a:t>
-            </a:r>
-            <a:r>
-              <a:rPr lang="en-US" altLang="ko-KR" sz="2000" dirty="0" smtClean="0">
-                <a:solidFill>
-                  <a:srgbClr val="FF0000"/>
-                </a:solidFill>
-              </a:rPr>
-              <a:t>)</a:t>
-            </a:r>
-            <a:endParaRPr lang="en-US" altLang="ko-KR" sz="2000" dirty="0">
-              <a:solidFill>
-                <a:srgbClr val="FF0000"/>
-              </a:solidFill>
-            </a:endParaRPr>
-          </a:p>
-        </p:txBody>
-      </p:sp>
-      <p:sp>
-        <p:nvSpPr>
-          <p:cNvPr id="40" name="제목 1"/>
-          <p:cNvSpPr txBox="1">
-            <a:spLocks/>
-          </p:cNvSpPr>
-          <p:nvPr/>
-        </p:nvSpPr>
-        <p:spPr>
-          <a:xfrm>
-            <a:off x="476545" y="368660"/>
-            <a:ext cx="8289630" cy="765086"/>
-          </a:xfrm>
-          <a:prstGeom prst="rect">
-            <a:avLst/>
-          </a:prstGeom>
-        </p:spPr>
-        <p:txBody>
-          <a:bodyPr vert="horz" lIns="91440" tIns="45720" rIns="91440" bIns="45720" rtlCol="0" anchor="ctr">
-            <a:normAutofit/>
-          </a:bodyPr>
-          <a:lstStyle>
-            <a:lvl1pPr algn="l" defTabSz="914400" rtl="0" eaLnBrk="1" latinLnBrk="1" hangingPunct="1">
-              <a:spcBef>
-                <a:spcPct val="0"/>
-              </a:spcBef>
-              <a:buNone/>
-              <a:defRPr sz="3600" b="1" kern="1200">
-                <a:solidFill>
-                  <a:schemeClr val="tx1"/>
-                </a:solidFill>
-                <a:latin typeface="+mj-lt"/>
-                <a:ea typeface="+mj-ea"/>
-                <a:cs typeface="+mj-cs"/>
-              </a:defRPr>
-            </a:lvl1pPr>
-          </a:lstStyle>
-          <a:p>
-            <a:r>
-              <a:rPr lang="en-US" altLang="ko-KR" dirty="0" smtClean="0"/>
-              <a:t>3. </a:t>
-            </a:r>
-            <a:r>
-              <a:rPr lang="ko-KR" altLang="en-US" dirty="0" err="1"/>
-              <a:t>초기하분포</a:t>
-            </a:r>
-            <a:endParaRPr lang="ko-KR" altLang="en-US" dirty="0" smtClean="0"/>
-          </a:p>
-        </p:txBody>
-      </p:sp>
-    </p:spTree>
-    <p:extLst>
-      <p:ext uri="{BB962C8B-B14F-4D97-AF65-F5344CB8AC3E}">
-        <p14:creationId xmlns:p14="http://schemas.microsoft.com/office/powerpoint/2010/main" val="2140712297"/>
-      </p:ext>
-    </p:extLst>
-  </p:cSld>
-  <p:clrMapOvr>
-    <a:masterClrMapping/>
-  </p:clrMapOvr>
-  <p:timing>
-    <p:tnLst>
-      <p:par>
-        <p:cTn id="1" dur="indefinite" restart="never" nodeType="tmRoot"/>
-      </p:par>
-    </p:tnLst>
-  </p:timing>
-</p:sld>
-</file>
-
-<file path=ppt/slides/slide15.xml><?xml version="1.0" encoding="utf-8"?>
-<p:sld xmlns:a="http://schemas.openxmlformats.org/drawingml/2006/main" xmlns:r="http://schemas.openxmlformats.org/officeDocument/2006/relationships" xmlns:p="http://schemas.openxmlformats.org/presentationml/2006/main">
-  <p:cSld>
-    <p:spTree>
-      <p:nvGrpSpPr>
-        <p:cNvPr id="1" name=""/>
-        <p:cNvGrpSpPr/>
-        <p:nvPr/>
-      </p:nvGrpSpPr>
-      <p:grpSpPr>
-        <a:xfrm>
-          <a:off x="0" y="0"/>
-          <a:ext cx="0" cy="0"/>
-          <a:chOff x="0" y="0"/>
-          <a:chExt cx="0" cy="0"/>
-        </a:xfrm>
-      </p:grpSpPr>
-      <p:sp>
-        <p:nvSpPr>
-          <p:cNvPr id="14339" name="내용 개체 틀 2"/>
-          <p:cNvSpPr>
-            <a:spLocks noGrp="1"/>
-          </p:cNvSpPr>
-          <p:nvPr>
-            <p:ph idx="4294967295"/>
-          </p:nvPr>
-        </p:nvSpPr>
-        <p:spPr>
-          <a:xfrm>
-            <a:off x="476545" y="1314450"/>
-            <a:ext cx="8415338" cy="4781550"/>
-          </a:xfrm>
-        </p:spPr>
-        <p:txBody>
-          <a:bodyPr>
-            <a:normAutofit/>
-          </a:bodyPr>
-          <a:lstStyle/>
-          <a:p>
-            <a:pPr marL="0" indent="0">
-              <a:buNone/>
-            </a:pPr>
-            <a:r>
-              <a:rPr lang="en-US" altLang="ko-KR" sz="2000" dirty="0">
-                <a:latin typeface="+mn-ea"/>
-              </a:rPr>
-              <a:t>[</a:t>
-            </a:r>
-            <a:r>
-              <a:rPr lang="ko-KR" altLang="en-US" sz="2000" dirty="0">
-                <a:latin typeface="+mn-ea"/>
-              </a:rPr>
-              <a:t>예 </a:t>
-            </a:r>
-            <a:r>
-              <a:rPr lang="en-US" altLang="ko-KR" sz="2000" dirty="0">
-                <a:latin typeface="+mn-ea"/>
-              </a:rPr>
-              <a:t>6-4]</a:t>
-            </a:r>
-            <a:r>
-              <a:rPr lang="ko-KR" altLang="en-US" sz="2000" dirty="0">
-                <a:latin typeface="+mn-ea"/>
-              </a:rPr>
-              <a:t> 총 </a:t>
-            </a:r>
-            <a:r>
-              <a:rPr lang="en-US" altLang="ko-KR" sz="2000" dirty="0">
-                <a:latin typeface="+mn-ea"/>
-              </a:rPr>
-              <a:t>50</a:t>
-            </a:r>
-            <a:r>
-              <a:rPr lang="ko-KR" altLang="en-US" sz="2000" dirty="0">
-                <a:latin typeface="+mn-ea"/>
-              </a:rPr>
-              <a:t>개의 개체로 구성되며</a:t>
-            </a:r>
-            <a:r>
-              <a:rPr lang="en-US" altLang="ko-KR" sz="2000" dirty="0">
-                <a:latin typeface="+mn-ea"/>
-              </a:rPr>
-              <a:t>, </a:t>
-            </a:r>
-            <a:r>
-              <a:rPr lang="ko-KR" altLang="en-US" sz="2000" dirty="0">
-                <a:latin typeface="+mn-ea"/>
-              </a:rPr>
-              <a:t>각각 </a:t>
-            </a:r>
-            <a:r>
-              <a:rPr lang="en-US" altLang="ko-KR" sz="2000" dirty="0">
-                <a:latin typeface="+mn-ea"/>
-              </a:rPr>
-              <a:t>10</a:t>
-            </a:r>
-            <a:r>
-              <a:rPr lang="ko-KR" altLang="en-US" sz="2000" dirty="0">
-                <a:latin typeface="+mn-ea"/>
-              </a:rPr>
-              <a:t>개</a:t>
-            </a:r>
-            <a:r>
-              <a:rPr lang="en-US" altLang="ko-KR" sz="2000" dirty="0">
-                <a:latin typeface="+mn-ea"/>
-              </a:rPr>
-              <a:t>, 25</a:t>
-            </a:r>
-            <a:r>
-              <a:rPr lang="ko-KR" altLang="en-US" sz="2000" dirty="0">
-                <a:latin typeface="+mn-ea"/>
-              </a:rPr>
-              <a:t>개</a:t>
-            </a:r>
-            <a:r>
-              <a:rPr lang="en-US" altLang="ko-KR" sz="2000" dirty="0">
-                <a:latin typeface="+mn-ea"/>
-              </a:rPr>
-              <a:t>, 40</a:t>
-            </a:r>
-            <a:r>
-              <a:rPr lang="ko-KR" altLang="en-US" sz="2000" dirty="0">
-                <a:latin typeface="+mn-ea"/>
-              </a:rPr>
-              <a:t>개의 성공 개체가 있는 세 종류의 유한모집단에서 </a:t>
-            </a:r>
-            <a:r>
-              <a:rPr lang="en-US" altLang="ko-KR" sz="2000" dirty="0">
-                <a:latin typeface="+mn-ea"/>
-              </a:rPr>
-              <a:t>10</a:t>
-            </a:r>
-            <a:r>
-              <a:rPr lang="ko-KR" altLang="en-US" sz="2000" dirty="0">
-                <a:latin typeface="+mn-ea"/>
-              </a:rPr>
-              <a:t>개씩 표본을 취하였을 때</a:t>
-            </a:r>
-            <a:r>
-              <a:rPr lang="en-US" altLang="ko-KR" sz="2000" dirty="0">
-                <a:latin typeface="+mn-ea"/>
-              </a:rPr>
-              <a:t>, </a:t>
-            </a:r>
-            <a:r>
-              <a:rPr lang="ko-KR" altLang="en-US" sz="2000" dirty="0">
-                <a:latin typeface="+mn-ea"/>
-              </a:rPr>
-              <a:t>성공개수의 </a:t>
-            </a:r>
-            <a:r>
-              <a:rPr lang="ko-KR" altLang="en-US" sz="2000" dirty="0" smtClean="0">
-                <a:latin typeface="+mn-ea"/>
-              </a:rPr>
-              <a:t>확률분포</a:t>
-            </a:r>
-            <a:endParaRPr lang="ko-KR" altLang="en-US" sz="2000" dirty="0">
-              <a:latin typeface="+mn-ea"/>
-            </a:endParaRPr>
-          </a:p>
-        </p:txBody>
-      </p:sp>
-      <p:sp>
-        <p:nvSpPr>
-          <p:cNvPr id="40" name="제목 1"/>
-          <p:cNvSpPr txBox="1">
-            <a:spLocks/>
-          </p:cNvSpPr>
-          <p:nvPr/>
-        </p:nvSpPr>
-        <p:spPr>
-          <a:xfrm>
-            <a:off x="476545" y="368660"/>
-            <a:ext cx="8289630" cy="765086"/>
-          </a:xfrm>
-          <a:prstGeom prst="rect">
-            <a:avLst/>
-          </a:prstGeom>
-        </p:spPr>
-        <p:txBody>
-          <a:bodyPr vert="horz" lIns="91440" tIns="45720" rIns="91440" bIns="45720" rtlCol="0" anchor="ctr">
-            <a:normAutofit/>
-          </a:bodyPr>
-          <a:lstStyle>
-            <a:lvl1pPr algn="l" defTabSz="914400" rtl="0" eaLnBrk="1" latinLnBrk="1" hangingPunct="1">
-              <a:spcBef>
-                <a:spcPct val="0"/>
-              </a:spcBef>
-              <a:buNone/>
-              <a:defRPr sz="3600" b="1" kern="1200">
-                <a:solidFill>
-                  <a:schemeClr val="tx1"/>
-                </a:solidFill>
-                <a:latin typeface="+mj-lt"/>
-                <a:ea typeface="+mj-ea"/>
-                <a:cs typeface="+mj-cs"/>
-              </a:defRPr>
-            </a:lvl1pPr>
-          </a:lstStyle>
-          <a:p>
-            <a:r>
-              <a:rPr lang="en-US" altLang="ko-KR" dirty="0" smtClean="0"/>
-              <a:t>3. </a:t>
-            </a:r>
-            <a:r>
-              <a:rPr lang="ko-KR" altLang="en-US" dirty="0" err="1"/>
-              <a:t>초기하분포</a:t>
-            </a:r>
-            <a:endParaRPr lang="ko-KR" altLang="en-US" dirty="0" smtClean="0"/>
-          </a:p>
-        </p:txBody>
-      </p:sp>
-      <p:sp>
-        <p:nvSpPr>
-          <p:cNvPr id="4" name="TextBox 3"/>
-          <p:cNvSpPr txBox="1"/>
-          <p:nvPr/>
-        </p:nvSpPr>
-        <p:spPr>
-          <a:xfrm>
-            <a:off x="539552" y="2404914"/>
-            <a:ext cx="4392488" cy="3139321"/>
-          </a:xfrm>
-          <a:prstGeom prst="rect">
-            <a:avLst/>
-          </a:prstGeom>
-          <a:noFill/>
-        </p:spPr>
-        <p:txBody>
-          <a:bodyPr wrap="square" rtlCol="0">
-            <a:spAutoFit/>
-          </a:bodyPr>
-          <a:lstStyle/>
-          <a:p>
-            <a:r>
-              <a:rPr lang="en-US" altLang="ko-KR" dirty="0" smtClean="0">
-                <a:latin typeface="+mn-ea"/>
-                <a:ea typeface="+mn-ea"/>
-              </a:rPr>
-              <a:t>(1)</a:t>
-            </a:r>
-            <a:r>
-              <a:rPr lang="ko-KR" altLang="en-US" dirty="0">
-                <a:latin typeface="+mn-ea"/>
-                <a:ea typeface="+mn-ea"/>
-              </a:rPr>
-              <a:t> </a:t>
-            </a:r>
-            <a:r>
-              <a:rPr lang="en-US" altLang="ko-KR" dirty="0">
-                <a:latin typeface="+mn-ea"/>
-                <a:ea typeface="+mn-ea"/>
-              </a:rPr>
-              <a:t>10</a:t>
-            </a:r>
-            <a:r>
-              <a:rPr lang="ko-KR" altLang="en-US" dirty="0">
-                <a:latin typeface="+mn-ea"/>
-                <a:ea typeface="+mn-ea"/>
-              </a:rPr>
-              <a:t>개의 성공 개체가 있는 경우</a:t>
-            </a:r>
-            <a:endParaRPr lang="en-US" altLang="ko-KR" dirty="0" smtClean="0">
-              <a:latin typeface="+mn-ea"/>
-              <a:ea typeface="+mn-ea"/>
-            </a:endParaRPr>
-          </a:p>
-          <a:p>
-            <a:endParaRPr lang="en-US" altLang="ko-KR" dirty="0" smtClean="0">
-              <a:latin typeface="+mn-ea"/>
-              <a:ea typeface="+mn-ea"/>
-            </a:endParaRPr>
-          </a:p>
-          <a:p>
-            <a:endParaRPr lang="en-US" altLang="ko-KR" dirty="0" smtClean="0">
-              <a:latin typeface="+mn-ea"/>
-              <a:ea typeface="+mn-ea"/>
-            </a:endParaRPr>
-          </a:p>
-          <a:p>
-            <a:endParaRPr lang="en-US" altLang="ko-KR" dirty="0">
-              <a:latin typeface="+mn-ea"/>
-              <a:ea typeface="+mn-ea"/>
-            </a:endParaRPr>
-          </a:p>
-          <a:p>
-            <a:endParaRPr lang="en-US" altLang="ko-KR" dirty="0" smtClean="0">
-              <a:latin typeface="+mn-ea"/>
-              <a:ea typeface="+mn-ea"/>
-            </a:endParaRPr>
-          </a:p>
-          <a:p>
-            <a:r>
-              <a:rPr lang="en-US" altLang="ko-KR" dirty="0">
-                <a:latin typeface="+mn-ea"/>
-                <a:ea typeface="+mn-ea"/>
-              </a:rPr>
-              <a:t>(2</a:t>
-            </a:r>
-            <a:r>
-              <a:rPr lang="en-US" altLang="ko-KR" dirty="0" smtClean="0">
-                <a:latin typeface="+mn-ea"/>
-                <a:ea typeface="+mn-ea"/>
-              </a:rPr>
-              <a:t>)</a:t>
-            </a:r>
-            <a:r>
-              <a:rPr lang="ko-KR" altLang="en-US" dirty="0">
-                <a:latin typeface="+mn-ea"/>
-                <a:ea typeface="+mn-ea"/>
-              </a:rPr>
-              <a:t> </a:t>
-            </a:r>
-            <a:r>
-              <a:rPr lang="en-US" altLang="ko-KR" dirty="0" smtClean="0">
-                <a:latin typeface="+mn-ea"/>
-                <a:ea typeface="+mn-ea"/>
-              </a:rPr>
-              <a:t>25</a:t>
-            </a:r>
-            <a:r>
-              <a:rPr lang="ko-KR" altLang="en-US" dirty="0" smtClean="0">
-                <a:latin typeface="+mn-ea"/>
-                <a:ea typeface="+mn-ea"/>
-              </a:rPr>
-              <a:t>개의 </a:t>
-            </a:r>
-            <a:r>
-              <a:rPr lang="ko-KR" altLang="en-US" dirty="0">
-                <a:latin typeface="+mn-ea"/>
-                <a:ea typeface="+mn-ea"/>
-              </a:rPr>
-              <a:t>성공 개체가 있는 경우</a:t>
-            </a:r>
-            <a:endParaRPr lang="en-US" altLang="ko-KR" dirty="0" smtClean="0">
-              <a:latin typeface="+mn-ea"/>
-              <a:ea typeface="+mn-ea"/>
-            </a:endParaRPr>
-          </a:p>
-          <a:p>
-            <a:endParaRPr lang="en-US" altLang="ko-KR" dirty="0" smtClean="0">
-              <a:latin typeface="+mn-ea"/>
-              <a:ea typeface="+mn-ea"/>
-            </a:endParaRPr>
-          </a:p>
-          <a:p>
-            <a:endParaRPr lang="en-US" altLang="ko-KR" dirty="0" smtClean="0">
-              <a:latin typeface="+mn-ea"/>
-              <a:ea typeface="+mn-ea"/>
-            </a:endParaRPr>
-          </a:p>
-          <a:p>
-            <a:endParaRPr lang="en-US" altLang="ko-KR" dirty="0">
-              <a:latin typeface="+mn-ea"/>
-              <a:ea typeface="+mn-ea"/>
-            </a:endParaRPr>
-          </a:p>
-          <a:p>
-            <a:endParaRPr lang="en-US" altLang="ko-KR" dirty="0">
-              <a:latin typeface="+mn-ea"/>
-              <a:ea typeface="+mn-ea"/>
-            </a:endParaRPr>
-          </a:p>
-          <a:p>
-            <a:r>
-              <a:rPr lang="en-US" altLang="ko-KR" dirty="0">
-                <a:latin typeface="+mn-ea"/>
-                <a:ea typeface="+mn-ea"/>
-              </a:rPr>
-              <a:t>(3</a:t>
-            </a:r>
-            <a:r>
-              <a:rPr lang="en-US" altLang="ko-KR" dirty="0" smtClean="0">
-                <a:latin typeface="+mn-ea"/>
-                <a:ea typeface="+mn-ea"/>
-              </a:rPr>
-              <a:t>)</a:t>
-            </a:r>
-            <a:r>
-              <a:rPr lang="ko-KR" altLang="en-US" dirty="0">
-                <a:latin typeface="+mn-ea"/>
-                <a:ea typeface="+mn-ea"/>
-              </a:rPr>
-              <a:t> </a:t>
-            </a:r>
-            <a:r>
-              <a:rPr lang="en-US" altLang="ko-KR" dirty="0" smtClean="0">
-                <a:latin typeface="+mn-ea"/>
-                <a:ea typeface="+mn-ea"/>
-              </a:rPr>
-              <a:t>40</a:t>
-            </a:r>
-            <a:r>
-              <a:rPr lang="ko-KR" altLang="en-US" dirty="0">
-                <a:latin typeface="+mn-ea"/>
-                <a:ea typeface="+mn-ea"/>
-              </a:rPr>
-              <a:t>개의 성공 개체가 있는 경우</a:t>
-            </a:r>
-          </a:p>
-        </p:txBody>
-      </p:sp>
-      <p:graphicFrame>
-        <p:nvGraphicFramePr>
-          <p:cNvPr id="5" name="개체 4"/>
-          <p:cNvGraphicFramePr>
-            <a:graphicFrameLocks noChangeAspect="1"/>
-          </p:cNvGraphicFramePr>
-          <p:nvPr>
-            <p:extLst/>
-          </p:nvPr>
-        </p:nvGraphicFramePr>
-        <p:xfrm>
-          <a:off x="4211960" y="2474855"/>
-          <a:ext cx="2063588" cy="302809"/>
-        </p:xfrm>
-        <a:graphic>
-          <a:graphicData uri="http://schemas.openxmlformats.org/presentationml/2006/ole">
-            <mc:AlternateContent xmlns:mc="http://schemas.openxmlformats.org/markup-compatibility/2006">
-              <mc:Choice xmlns:v="urn:schemas-microsoft-com:vml" Requires="v">
-                <p:oleObj spid="_x0000_s12290" name="Equation" r:id="rId3" imgW="2336760" imgH="342720" progId="Equation.DSMT4">
-                  <p:embed/>
-                </p:oleObj>
-              </mc:Choice>
-              <mc:Fallback>
-                <p:oleObj name="Equation" r:id="rId3" imgW="2336760" imgH="342720" progId="Equation.DSMT4">
-                  <p:embed/>
-                  <p:pic>
-                    <p:nvPicPr>
-                      <p:cNvPr id="5" name="개체 4"/>
-                      <p:cNvPicPr/>
-                      <p:nvPr/>
-                    </p:nvPicPr>
-                    <p:blipFill>
-                      <a:blip r:embed="rId4"/>
-                      <a:stretch>
-                        <a:fillRect/>
-                      </a:stretch>
-                    </p:blipFill>
-                    <p:spPr>
-                      <a:xfrm>
-                        <a:off x="4211960" y="2474855"/>
-                        <a:ext cx="2063588" cy="302809"/>
-                      </a:xfrm>
-                      <a:prstGeom prst="rect">
-                        <a:avLst/>
-                      </a:prstGeom>
-                    </p:spPr>
-                  </p:pic>
-                </p:oleObj>
-              </mc:Fallback>
-            </mc:AlternateContent>
-          </a:graphicData>
-        </a:graphic>
-      </p:graphicFrame>
-      <p:graphicFrame>
-        <p:nvGraphicFramePr>
-          <p:cNvPr id="6" name="개체 5"/>
-          <p:cNvGraphicFramePr>
-            <a:graphicFrameLocks noChangeAspect="1"/>
-          </p:cNvGraphicFramePr>
-          <p:nvPr>
-            <p:extLst/>
-          </p:nvPr>
-        </p:nvGraphicFramePr>
-        <p:xfrm>
-          <a:off x="4211960" y="3855068"/>
-          <a:ext cx="2086018" cy="302809"/>
-        </p:xfrm>
-        <a:graphic>
-          <a:graphicData uri="http://schemas.openxmlformats.org/presentationml/2006/ole">
-            <mc:AlternateContent xmlns:mc="http://schemas.openxmlformats.org/markup-compatibility/2006">
-              <mc:Choice xmlns:v="urn:schemas-microsoft-com:vml" Requires="v">
-                <p:oleObj spid="_x0000_s12291" name="Equation" r:id="rId5" imgW="2361960" imgH="342720" progId="Equation.DSMT4">
-                  <p:embed/>
-                </p:oleObj>
-              </mc:Choice>
-              <mc:Fallback>
-                <p:oleObj name="Equation" r:id="rId5" imgW="2361960" imgH="342720" progId="Equation.DSMT4">
-                  <p:embed/>
-                  <p:pic>
-                    <p:nvPicPr>
-                      <p:cNvPr id="6" name="개체 5"/>
-                      <p:cNvPicPr>
-                        <a:picLocks noChangeAspect="1" noChangeArrowheads="1"/>
-                      </p:cNvPicPr>
-                      <p:nvPr/>
-                    </p:nvPicPr>
-                    <p:blipFill>
-                      <a:blip r:embed="rId6"/>
-                      <a:srcRect/>
-                      <a:stretch>
-                        <a:fillRect/>
-                      </a:stretch>
-                    </p:blipFill>
-                    <p:spPr bwMode="auto">
-                      <a:xfrm>
-                        <a:off x="4211960" y="3855068"/>
-                        <a:ext cx="2086018" cy="302809"/>
-                      </a:xfrm>
-                      <a:prstGeom prst="rect">
-                        <a:avLst/>
-                      </a:prstGeom>
-                      <a:noFill/>
-                      <a:ln>
-                        <a:noFill/>
-                      </a:ln>
-                      <a:extLst/>
-                    </p:spPr>
-                  </p:pic>
-                </p:oleObj>
-              </mc:Fallback>
-            </mc:AlternateContent>
-          </a:graphicData>
-        </a:graphic>
-      </p:graphicFrame>
-      <p:graphicFrame>
-        <p:nvGraphicFramePr>
-          <p:cNvPr id="7" name="개체 6"/>
-          <p:cNvGraphicFramePr>
-            <a:graphicFrameLocks noChangeAspect="1"/>
-          </p:cNvGraphicFramePr>
-          <p:nvPr>
-            <p:extLst/>
-          </p:nvPr>
-        </p:nvGraphicFramePr>
-        <p:xfrm>
-          <a:off x="4256965" y="5209527"/>
-          <a:ext cx="2097233" cy="302809"/>
-        </p:xfrm>
-        <a:graphic>
-          <a:graphicData uri="http://schemas.openxmlformats.org/presentationml/2006/ole">
-            <mc:AlternateContent xmlns:mc="http://schemas.openxmlformats.org/markup-compatibility/2006">
-              <mc:Choice xmlns:v="urn:schemas-microsoft-com:vml" Requires="v">
-                <p:oleObj spid="_x0000_s12292" name="Equation" r:id="rId7" imgW="2374560" imgH="342720" progId="Equation.DSMT4">
-                  <p:embed/>
-                </p:oleObj>
-              </mc:Choice>
-              <mc:Fallback>
-                <p:oleObj name="Equation" r:id="rId7" imgW="2374560" imgH="342720" progId="Equation.DSMT4">
-                  <p:embed/>
-                  <p:pic>
-                    <p:nvPicPr>
-                      <p:cNvPr id="7" name="개체 6"/>
-                      <p:cNvPicPr>
-                        <a:picLocks noChangeAspect="1" noChangeArrowheads="1"/>
-                      </p:cNvPicPr>
-                      <p:nvPr/>
-                    </p:nvPicPr>
-                    <p:blipFill>
-                      <a:blip r:embed="rId8"/>
-                      <a:srcRect/>
-                      <a:stretch>
-                        <a:fillRect/>
-                      </a:stretch>
-                    </p:blipFill>
-                    <p:spPr bwMode="auto">
-                      <a:xfrm>
-                        <a:off x="4256965" y="5209527"/>
-                        <a:ext cx="2097233" cy="302809"/>
-                      </a:xfrm>
-                      <a:prstGeom prst="rect">
-                        <a:avLst/>
-                      </a:prstGeom>
-                      <a:noFill/>
-                      <a:ln>
-                        <a:noFill/>
-                      </a:ln>
-                      <a:extLst/>
-                    </p:spPr>
-                  </p:pic>
-                </p:oleObj>
-              </mc:Fallback>
-            </mc:AlternateContent>
-          </a:graphicData>
-        </a:graphic>
-      </p:graphicFrame>
-      <p:sp>
-        <p:nvSpPr>
-          <p:cNvPr id="8" name="직사각형 7"/>
-          <p:cNvSpPr/>
-          <p:nvPr/>
-        </p:nvSpPr>
-        <p:spPr>
-          <a:xfrm>
-            <a:off x="539552" y="2404914"/>
-            <a:ext cx="8127903" cy="4192438"/>
-          </a:xfrm>
-          <a:prstGeom prst="rect">
-            <a:avLst/>
-          </a:prstGeom>
-          <a:noFill/>
-          <a:ln>
-            <a:solidFill>
-              <a:srgbClr val="00B0F0"/>
-            </a:solidFill>
-          </a:ln>
-        </p:spPr>
-        <p:style>
-          <a:lnRef idx="2">
-            <a:schemeClr val="accent1">
-              <a:shade val="50000"/>
-            </a:schemeClr>
-          </a:lnRef>
-          <a:fillRef idx="1">
-            <a:schemeClr val="accent1"/>
-          </a:fillRef>
-          <a:effectRef idx="0">
-            <a:schemeClr val="accent1"/>
-          </a:effectRef>
-          <a:fontRef idx="minor">
-            <a:schemeClr val="lt1"/>
-          </a:fontRef>
-        </p:style>
-        <p:txBody>
-          <a:bodyPr rtlCol="0" anchor="ctr"/>
-          <a:lstStyle/>
-          <a:p>
-            <a:pPr algn="ctr"/>
-            <a:endParaRPr lang="ko-KR" altLang="en-US"/>
-          </a:p>
-        </p:txBody>
-      </p:sp>
-      <p:pic>
-        <p:nvPicPr>
-          <p:cNvPr id="9" name="Picture 755"/>
-          <p:cNvPicPr>
-            <a:picLocks noChangeAspect="1" noChangeArrowheads="1"/>
-          </p:cNvPicPr>
-          <p:nvPr/>
-        </p:nvPicPr>
-        <p:blipFill>
-          <a:blip r:embed="rId9">
-            <a:extLst>
-              <a:ext uri="{28A0092B-C50C-407E-A947-70E740481C1C}">
-                <a14:useLocalDpi xmlns:a14="http://schemas.microsoft.com/office/drawing/2010/main" val="0"/>
-              </a:ext>
-            </a:extLst>
-          </a:blip>
-          <a:srcRect/>
-          <a:stretch>
-            <a:fillRect/>
-          </a:stretch>
-        </p:blipFill>
-        <p:spPr bwMode="auto">
-          <a:xfrm>
-            <a:off x="2163291" y="2762927"/>
-            <a:ext cx="3281239" cy="891098"/>
-          </a:xfrm>
-          <a:prstGeom prst="rect">
-            <a:avLst/>
-          </a:prstGeom>
-          <a:noFill/>
-          <a:ln>
-            <a:noFill/>
-          </a:ln>
-          <a:extLst>
-            <a:ext uri="{909E8E84-426E-40DD-AFC4-6F175D3DCCD1}">
-              <a14:hiddenFill xmlns:a14="http://schemas.microsoft.com/office/drawing/2010/main">
-                <a:solidFill>
-                  <a:schemeClr val="accent1"/>
-                </a:solidFill>
-              </a14:hiddenFill>
-            </a:ext>
-            <a:ext uri="{91240B29-F687-4F45-9708-019B960494DF}">
-              <a14:hiddenLine xmlns:a14="http://schemas.microsoft.com/office/drawing/2010/main" w="9525">
-                <a:solidFill>
-                  <a:schemeClr val="tx1"/>
-                </a:solidFill>
-                <a:miter lim="800000"/>
-                <a:headEnd/>
-                <a:tailEnd/>
-              </a14:hiddenLine>
-            </a:ext>
-          </a:extLst>
-        </p:spPr>
-      </p:pic>
-      <p:pic>
-        <p:nvPicPr>
-          <p:cNvPr id="10" name="Picture 756"/>
-          <p:cNvPicPr>
-            <a:picLocks noChangeAspect="1" noChangeArrowheads="1"/>
-          </p:cNvPicPr>
-          <p:nvPr/>
-        </p:nvPicPr>
-        <p:blipFill>
-          <a:blip r:embed="rId10">
-            <a:extLst>
-              <a:ext uri="{28A0092B-C50C-407E-A947-70E740481C1C}">
-                <a14:useLocalDpi xmlns:a14="http://schemas.microsoft.com/office/drawing/2010/main" val="0"/>
-              </a:ext>
-            </a:extLst>
-          </a:blip>
-          <a:srcRect/>
-          <a:stretch>
-            <a:fillRect/>
-          </a:stretch>
-        </p:blipFill>
-        <p:spPr bwMode="auto">
-          <a:xfrm>
-            <a:off x="2156110" y="4231436"/>
-            <a:ext cx="3231270" cy="907754"/>
-          </a:xfrm>
-          <a:prstGeom prst="rect">
-            <a:avLst/>
-          </a:prstGeom>
-          <a:noFill/>
-          <a:ln>
-            <a:noFill/>
-          </a:ln>
-          <a:extLst>
-            <a:ext uri="{909E8E84-426E-40DD-AFC4-6F175D3DCCD1}">
-              <a14:hiddenFill xmlns:a14="http://schemas.microsoft.com/office/drawing/2010/main">
-                <a:solidFill>
-                  <a:schemeClr val="accent1"/>
-                </a:solidFill>
-              </a14:hiddenFill>
-            </a:ext>
-            <a:ext uri="{91240B29-F687-4F45-9708-019B960494DF}">
-              <a14:hiddenLine xmlns:a14="http://schemas.microsoft.com/office/drawing/2010/main" w="9525">
-                <a:solidFill>
-                  <a:schemeClr val="tx1"/>
-                </a:solidFill>
-                <a:miter lim="800000"/>
-                <a:headEnd/>
-                <a:tailEnd/>
-              </a14:hiddenLine>
-            </a:ext>
-          </a:extLst>
-        </p:spPr>
-      </p:pic>
-      <p:pic>
-        <p:nvPicPr>
-          <p:cNvPr id="11" name="Picture 757"/>
-          <p:cNvPicPr>
-            <a:picLocks noChangeAspect="1" noChangeArrowheads="1"/>
-          </p:cNvPicPr>
-          <p:nvPr/>
-        </p:nvPicPr>
-        <p:blipFill>
-          <a:blip r:embed="rId11">
-            <a:extLst>
-              <a:ext uri="{28A0092B-C50C-407E-A947-70E740481C1C}">
-                <a14:useLocalDpi xmlns:a14="http://schemas.microsoft.com/office/drawing/2010/main" val="0"/>
-              </a:ext>
-            </a:extLst>
-          </a:blip>
-          <a:srcRect/>
-          <a:stretch>
-            <a:fillRect/>
-          </a:stretch>
-        </p:blipFill>
-        <p:spPr bwMode="auto">
-          <a:xfrm>
-            <a:off x="2163291" y="5643247"/>
-            <a:ext cx="3281239" cy="891098"/>
-          </a:xfrm>
-          <a:prstGeom prst="rect">
-            <a:avLst/>
-          </a:prstGeom>
-          <a:noFill/>
-          <a:ln>
-            <a:noFill/>
-          </a:ln>
-          <a:extLst>
-            <a:ext uri="{909E8E84-426E-40DD-AFC4-6F175D3DCCD1}">
-              <a14:hiddenFill xmlns:a14="http://schemas.microsoft.com/office/drawing/2010/main">
-                <a:solidFill>
-                  <a:schemeClr val="accent1"/>
-                </a:solidFill>
-              </a14:hiddenFill>
-            </a:ext>
-            <a:ext uri="{91240B29-F687-4F45-9708-019B960494DF}">
-              <a14:hiddenLine xmlns:a14="http://schemas.microsoft.com/office/drawing/2010/main" w="9525">
-                <a:solidFill>
-                  <a:schemeClr val="tx1"/>
-                </a:solidFill>
-                <a:miter lim="800000"/>
-                <a:headEnd/>
-                <a:tailEnd/>
-              </a14:hiddenLine>
-            </a:ext>
-          </a:extLst>
-        </p:spPr>
-      </p:pic>
-    </p:spTree>
-    <p:extLst>
-      <p:ext uri="{BB962C8B-B14F-4D97-AF65-F5344CB8AC3E}">
-        <p14:creationId xmlns:p14="http://schemas.microsoft.com/office/powerpoint/2010/main" val="2246346356"/>
-      </p:ext>
-    </p:extLst>
-  </p:cSld>
-  <p:clrMapOvr>
-    <a:masterClrMapping/>
-  </p:clrMapOvr>
-  <p:timing>
-    <p:tnLst>
-      <p:par>
-        <p:cTn id="1" dur="indefinite" restart="never" nodeType="tmRoot"/>
-      </p:par>
-    </p:tnLst>
-  </p:timing>
-</p:sld>
-</file>
-
-<file path=ppt/slides/slide16.xml><?xml version="1.0" encoding="utf-8"?>
-<p:sld xmlns:a="http://schemas.openxmlformats.org/drawingml/2006/main" xmlns:r="http://schemas.openxmlformats.org/officeDocument/2006/relationships" xmlns:p="http://schemas.openxmlformats.org/presentationml/2006/main">
-  <p:cSld>
-    <p:spTree>
-      <p:nvGrpSpPr>
-        <p:cNvPr id="1" name=""/>
-        <p:cNvGrpSpPr/>
-        <p:nvPr/>
-      </p:nvGrpSpPr>
-      <p:grpSpPr>
-        <a:xfrm>
-          <a:off x="0" y="0"/>
-          <a:ext cx="0" cy="0"/>
-          <a:chOff x="0" y="0"/>
-          <a:chExt cx="0" cy="0"/>
-        </a:xfrm>
-      </p:grpSpPr>
-      <p:sp>
-        <p:nvSpPr>
-          <p:cNvPr id="40" name="제목 1"/>
-          <p:cNvSpPr txBox="1">
-            <a:spLocks/>
-          </p:cNvSpPr>
-          <p:nvPr/>
-        </p:nvSpPr>
-        <p:spPr>
-          <a:xfrm>
-            <a:off x="476545" y="368660"/>
-            <a:ext cx="8289630" cy="765086"/>
-          </a:xfrm>
-          <a:prstGeom prst="rect">
-            <a:avLst/>
-          </a:prstGeom>
-        </p:spPr>
-        <p:txBody>
-          <a:bodyPr vert="horz" lIns="91440" tIns="45720" rIns="91440" bIns="45720" rtlCol="0" anchor="ctr">
-            <a:normAutofit/>
-          </a:bodyPr>
-          <a:lstStyle>
-            <a:lvl1pPr algn="l" defTabSz="914400" rtl="0" eaLnBrk="1" latinLnBrk="1" hangingPunct="1">
-              <a:spcBef>
-                <a:spcPct val="0"/>
-              </a:spcBef>
-              <a:buNone/>
-              <a:defRPr sz="3600" b="1" kern="1200">
-                <a:solidFill>
-                  <a:schemeClr val="tx1"/>
-                </a:solidFill>
-                <a:latin typeface="+mj-lt"/>
-                <a:ea typeface="+mj-ea"/>
-                <a:cs typeface="+mj-cs"/>
-              </a:defRPr>
-            </a:lvl1pPr>
-          </a:lstStyle>
-          <a:p>
-            <a:endParaRPr lang="ko-KR" altLang="en-US" dirty="0" smtClean="0"/>
-          </a:p>
-        </p:txBody>
-      </p:sp>
-      <p:pic>
-        <p:nvPicPr>
-          <p:cNvPr id="4" name="그림 3"/>
-          <p:cNvPicPr>
-            <a:picLocks noChangeAspect="1"/>
-          </p:cNvPicPr>
-          <p:nvPr/>
-        </p:nvPicPr>
-        <p:blipFill rotWithShape="1">
-          <a:blip r:embed="rId2">
-            <a:extLst>
-              <a:ext uri="{28A0092B-C50C-407E-A947-70E740481C1C}">
-                <a14:useLocalDpi xmlns:a14="http://schemas.microsoft.com/office/drawing/2010/main" val="0"/>
-              </a:ext>
-            </a:extLst>
-          </a:blip>
-          <a:srcRect b="3324"/>
-          <a:stretch/>
-        </p:blipFill>
-        <p:spPr>
-          <a:xfrm>
-            <a:off x="500284" y="863715"/>
-            <a:ext cx="8172400" cy="2631838"/>
-          </a:xfrm>
-          <a:prstGeom prst="rect">
-            <a:avLst/>
-          </a:prstGeom>
-          <a:ln>
-            <a:noFill/>
-          </a:ln>
-        </p:spPr>
-      </p:pic>
-      <p:pic>
-        <p:nvPicPr>
-          <p:cNvPr id="5" name="그림 4"/>
-          <p:cNvPicPr>
-            <a:picLocks noChangeAspect="1"/>
-          </p:cNvPicPr>
-          <p:nvPr/>
-        </p:nvPicPr>
-        <p:blipFill rotWithShape="1">
-          <a:blip r:embed="rId3">
-            <a:extLst>
-              <a:ext uri="{28A0092B-C50C-407E-A947-70E740481C1C}">
-                <a14:useLocalDpi xmlns:a14="http://schemas.microsoft.com/office/drawing/2010/main" val="0"/>
-              </a:ext>
-            </a:extLst>
-          </a:blip>
-          <a:srcRect b="10438"/>
-          <a:stretch/>
-        </p:blipFill>
-        <p:spPr>
-          <a:xfrm>
-            <a:off x="500284" y="3608544"/>
-            <a:ext cx="8172400" cy="2438182"/>
-          </a:xfrm>
-          <a:prstGeom prst="rect">
-            <a:avLst/>
-          </a:prstGeom>
-          <a:ln>
-            <a:noFill/>
-          </a:ln>
-        </p:spPr>
-      </p:pic>
-    </p:spTree>
-    <p:extLst>
-      <p:ext uri="{BB962C8B-B14F-4D97-AF65-F5344CB8AC3E}">
-        <p14:creationId xmlns:p14="http://schemas.microsoft.com/office/powerpoint/2010/main" val="1853365019"/>
-      </p:ext>
-    </p:extLst>
-  </p:cSld>
-  <p:clrMapOvr>
-    <a:masterClrMapping/>
-  </p:clrMapOvr>
-  <p:timing>
-    <p:tnLst>
-      <p:par>
-        <p:cTn id="1" dur="indefinite" restart="never" nodeType="tmRoot"/>
-      </p:par>
-    </p:tnLst>
-  </p:timing>
-</p:sld>
-</file>
-
-<file path=ppt/slides/slide17.xml><?xml version="1.0" encoding="utf-8"?>
-<p:sld xmlns:a="http://schemas.openxmlformats.org/drawingml/2006/main" xmlns:r="http://schemas.openxmlformats.org/officeDocument/2006/relationships" xmlns:p="http://schemas.openxmlformats.org/presentationml/2006/main">
-  <p:cSld>
-    <p:spTree>
-      <p:nvGrpSpPr>
-        <p:cNvPr id="1" name=""/>
-        <p:cNvGrpSpPr/>
-        <p:nvPr/>
-      </p:nvGrpSpPr>
-      <p:grpSpPr>
-        <a:xfrm>
-          <a:off x="0" y="0"/>
-          <a:ext cx="0" cy="0"/>
-          <a:chOff x="0" y="0"/>
-          <a:chExt cx="0" cy="0"/>
-        </a:xfrm>
-      </p:grpSpPr>
-      <p:sp>
-        <p:nvSpPr>
-          <p:cNvPr id="40" name="제목 1"/>
-          <p:cNvSpPr txBox="1">
-            <a:spLocks/>
-          </p:cNvSpPr>
-          <p:nvPr/>
-        </p:nvSpPr>
-        <p:spPr>
-          <a:xfrm>
-            <a:off x="476545" y="368660"/>
-            <a:ext cx="8289630" cy="765086"/>
-          </a:xfrm>
-          <a:prstGeom prst="rect">
-            <a:avLst/>
-          </a:prstGeom>
-        </p:spPr>
-        <p:txBody>
-          <a:bodyPr vert="horz" lIns="91440" tIns="45720" rIns="91440" bIns="45720" rtlCol="0" anchor="ctr">
-            <a:normAutofit/>
-          </a:bodyPr>
-          <a:lstStyle>
-            <a:lvl1pPr algn="l" defTabSz="914400" rtl="0" eaLnBrk="1" latinLnBrk="1" hangingPunct="1">
-              <a:spcBef>
-                <a:spcPct val="0"/>
-              </a:spcBef>
-              <a:buNone/>
-              <a:defRPr sz="3600" b="1" kern="1200">
-                <a:solidFill>
-                  <a:schemeClr val="tx1"/>
-                </a:solidFill>
-                <a:latin typeface="+mj-lt"/>
-                <a:ea typeface="+mj-ea"/>
-                <a:cs typeface="+mj-cs"/>
-              </a:defRPr>
-            </a:lvl1pPr>
-          </a:lstStyle>
-          <a:p>
-            <a:endParaRPr lang="ko-KR" altLang="en-US" dirty="0" smtClean="0"/>
-          </a:p>
-        </p:txBody>
-      </p:sp>
-      <p:sp>
-        <p:nvSpPr>
-          <p:cNvPr id="4" name="내용 개체 틀 2"/>
-          <p:cNvSpPr txBox="1">
-            <a:spLocks/>
-          </p:cNvSpPr>
-          <p:nvPr/>
-        </p:nvSpPr>
-        <p:spPr>
-          <a:xfrm>
-            <a:off x="476545" y="1314450"/>
-            <a:ext cx="8415338" cy="809405"/>
-          </a:xfrm>
-          <a:prstGeom prst="rect">
-            <a:avLst/>
-          </a:prstGeom>
-        </p:spPr>
-        <p:txBody>
-          <a:bodyPr vert="horz" lIns="91440" tIns="45720" rIns="91440" bIns="45720" rtlCol="0">
-            <a:normAutofit/>
-          </a:bodyPr>
-          <a:lstStyle>
-            <a:lvl1pPr marL="342900" indent="-342900" algn="l" defTabSz="914400" rtl="0" eaLnBrk="1" latinLnBrk="1" hangingPunct="1">
-              <a:spcBef>
-                <a:spcPct val="20000"/>
-              </a:spcBef>
-              <a:buFont typeface="Arial" pitchFamily="34" charset="0"/>
-              <a:buChar char="•"/>
-              <a:defRPr sz="3200" kern="1200">
-                <a:solidFill>
-                  <a:schemeClr val="tx1"/>
-                </a:solidFill>
-                <a:latin typeface="+mn-lt"/>
-                <a:ea typeface="+mn-ea"/>
-                <a:cs typeface="+mn-cs"/>
-              </a:defRPr>
-            </a:lvl1pPr>
-            <a:lvl2pPr marL="742950" indent="-285750" algn="l" defTabSz="914400" rtl="0" eaLnBrk="1" latinLnBrk="1" hangingPunct="1">
-              <a:spcBef>
-                <a:spcPct val="20000"/>
-              </a:spcBef>
-              <a:buFont typeface="Arial" pitchFamily="34" charset="0"/>
-              <a:buChar char="–"/>
-              <a:defRPr sz="2800" kern="1200">
-                <a:solidFill>
-                  <a:schemeClr val="tx1"/>
-                </a:solidFill>
-                <a:latin typeface="+mn-lt"/>
-                <a:ea typeface="+mn-ea"/>
-                <a:cs typeface="+mn-cs"/>
-              </a:defRPr>
-            </a:lvl2pPr>
-            <a:lvl3pPr marL="1143000" indent="-228600" algn="l" defTabSz="914400" rtl="0" eaLnBrk="1" latinLnBrk="1" hangingPunct="1">
-              <a:spcBef>
-                <a:spcPct val="20000"/>
-              </a:spcBef>
-              <a:buFont typeface="Arial" pitchFamily="34" charset="0"/>
-              <a:buChar char="•"/>
-              <a:defRPr sz="2400" kern="1200">
-                <a:solidFill>
-                  <a:schemeClr val="tx1"/>
-                </a:solidFill>
-                <a:latin typeface="+mn-lt"/>
-                <a:ea typeface="+mn-ea"/>
-                <a:cs typeface="+mn-cs"/>
-              </a:defRPr>
-            </a:lvl3pPr>
-            <a:lvl4pPr marL="1600200" indent="-228600" algn="l" defTabSz="914400" rtl="0" eaLnBrk="1" latinLnBrk="1" hangingPunct="1">
-              <a:spcBef>
-                <a:spcPct val="20000"/>
-              </a:spcBef>
-              <a:buFont typeface="Arial" pitchFamily="34" charset="0"/>
-              <a:buChar char="–"/>
-              <a:defRPr sz="2000" kern="1200">
-                <a:solidFill>
-                  <a:schemeClr val="tx1"/>
-                </a:solidFill>
-                <a:latin typeface="+mn-lt"/>
-                <a:ea typeface="+mn-ea"/>
-                <a:cs typeface="+mn-cs"/>
-              </a:defRPr>
-            </a:lvl4pPr>
-            <a:lvl5pPr marL="2057400" indent="-228600" algn="l" defTabSz="914400" rtl="0" eaLnBrk="1" latinLnBrk="1" hangingPunct="1">
-              <a:spcBef>
-                <a:spcPct val="20000"/>
-              </a:spcBef>
-              <a:buFont typeface="Arial" pitchFamily="34" charset="0"/>
-              <a:buChar char="»"/>
-              <a:defRPr sz="2000" kern="1200">
-                <a:solidFill>
-                  <a:schemeClr val="tx1"/>
-                </a:solidFill>
-                <a:latin typeface="+mn-lt"/>
-                <a:ea typeface="+mn-ea"/>
-                <a:cs typeface="+mn-cs"/>
-              </a:defRPr>
-            </a:lvl5pPr>
-            <a:lvl6pPr marL="2514600" indent="-228600" algn="l" defTabSz="914400" rtl="0" eaLnBrk="1" latinLnBrk="1" hangingPunct="1">
-              <a:spcBef>
-                <a:spcPct val="20000"/>
-              </a:spcBef>
-              <a:buFont typeface="Arial" pitchFamily="34" charset="0"/>
-              <a:buChar char="•"/>
-              <a:defRPr sz="2000" kern="1200">
-                <a:solidFill>
-                  <a:schemeClr val="tx1"/>
-                </a:solidFill>
-                <a:latin typeface="+mn-lt"/>
-                <a:ea typeface="+mn-ea"/>
-                <a:cs typeface="+mn-cs"/>
-              </a:defRPr>
-            </a:lvl6pPr>
-            <a:lvl7pPr marL="2971800" indent="-228600" algn="l" defTabSz="914400" rtl="0" eaLnBrk="1" latinLnBrk="1" hangingPunct="1">
-              <a:spcBef>
-                <a:spcPct val="20000"/>
-              </a:spcBef>
-              <a:buFont typeface="Arial" pitchFamily="34" charset="0"/>
-              <a:buChar char="•"/>
-              <a:defRPr sz="2000" kern="1200">
-                <a:solidFill>
-                  <a:schemeClr val="tx1"/>
-                </a:solidFill>
-                <a:latin typeface="+mn-lt"/>
-                <a:ea typeface="+mn-ea"/>
-                <a:cs typeface="+mn-cs"/>
-              </a:defRPr>
-            </a:lvl7pPr>
-            <a:lvl8pPr marL="3429000" indent="-228600" algn="l" defTabSz="914400" rtl="0" eaLnBrk="1" latinLnBrk="1" hangingPunct="1">
-              <a:spcBef>
-                <a:spcPct val="20000"/>
-              </a:spcBef>
-              <a:buFont typeface="Arial" pitchFamily="34" charset="0"/>
-              <a:buChar char="•"/>
-              <a:defRPr sz="2000" kern="1200">
-                <a:solidFill>
-                  <a:schemeClr val="tx1"/>
-                </a:solidFill>
-                <a:latin typeface="+mn-lt"/>
-                <a:ea typeface="+mn-ea"/>
-                <a:cs typeface="+mn-cs"/>
-              </a:defRPr>
-            </a:lvl8pPr>
-            <a:lvl9pPr marL="3886200" indent="-228600" algn="l" defTabSz="914400" rtl="0" eaLnBrk="1" latinLnBrk="1" hangingPunct="1">
-              <a:spcBef>
-                <a:spcPct val="20000"/>
-              </a:spcBef>
-              <a:buFont typeface="Arial" pitchFamily="34" charset="0"/>
-              <a:buChar char="•"/>
-              <a:defRPr sz="2000" kern="1200">
-                <a:solidFill>
-                  <a:schemeClr val="tx1"/>
-                </a:solidFill>
-                <a:latin typeface="+mn-lt"/>
-                <a:ea typeface="+mn-ea"/>
-                <a:cs typeface="+mn-cs"/>
-              </a:defRPr>
-            </a:lvl9pPr>
-          </a:lstStyle>
-          <a:p>
-            <a:pPr marL="0" indent="0">
-              <a:buNone/>
-            </a:pPr>
-            <a:r>
-              <a:rPr lang="en-US" altLang="ko-KR" sz="2000" dirty="0"/>
-              <a:t>[</a:t>
-            </a:r>
-            <a:r>
-              <a:rPr lang="ko-KR" altLang="en-US" sz="2000" dirty="0"/>
-              <a:t>예 </a:t>
-            </a:r>
-            <a:r>
-              <a:rPr lang="en-US" altLang="ko-KR" sz="2000" dirty="0"/>
-              <a:t>6-5] </a:t>
-            </a:r>
-            <a:r>
-              <a:rPr lang="ko-KR" altLang="en-US" sz="2000" dirty="0"/>
-              <a:t>불량률이 </a:t>
-            </a:r>
-            <a:r>
-              <a:rPr lang="en-US" altLang="ko-KR" sz="2000" dirty="0"/>
-              <a:t>5%</a:t>
-            </a:r>
-            <a:r>
-              <a:rPr lang="ko-KR" altLang="en-US" sz="2000" dirty="0"/>
-              <a:t>이고 </a:t>
-            </a:r>
-            <a:r>
-              <a:rPr lang="en-US" altLang="ko-KR" sz="2000" dirty="0"/>
-              <a:t>1000</a:t>
-            </a:r>
-            <a:r>
-              <a:rPr lang="ko-KR" altLang="en-US" sz="2000" dirty="0"/>
-              <a:t>개의 제품으로 구성된 </a:t>
-            </a:r>
-            <a:r>
-              <a:rPr lang="ko-KR" altLang="en-US" sz="2000" dirty="0" err="1"/>
-              <a:t>로트에서</a:t>
-            </a:r>
-            <a:r>
-              <a:rPr lang="ko-KR" altLang="en-US" sz="2000" dirty="0"/>
-              <a:t> </a:t>
-            </a:r>
-            <a:r>
-              <a:rPr lang="en-US" altLang="ko-KR" sz="2000" dirty="0"/>
-              <a:t>30</a:t>
-            </a:r>
-            <a:r>
-              <a:rPr lang="ko-KR" altLang="en-US" sz="2000" dirty="0"/>
-              <a:t>개의 표본을 추출하였을 때 나오는 불량개수 </a:t>
-            </a:r>
-            <a:r>
-              <a:rPr lang="en-US" altLang="ko-KR" sz="2000" dirty="0"/>
-              <a:t>X</a:t>
-            </a:r>
-            <a:endParaRPr lang="ko-KR" altLang="en-US" sz="2000" dirty="0"/>
-          </a:p>
-        </p:txBody>
-      </p:sp>
-      <p:sp>
-        <p:nvSpPr>
-          <p:cNvPr id="6" name="직사각형 5"/>
-          <p:cNvSpPr/>
-          <p:nvPr/>
-        </p:nvSpPr>
-        <p:spPr>
-          <a:xfrm>
-            <a:off x="746575" y="2123855"/>
-            <a:ext cx="7650850" cy="3375375"/>
-          </a:xfrm>
-          <a:prstGeom prst="rect">
-            <a:avLst/>
-          </a:prstGeom>
-          <a:noFill/>
-          <a:ln>
-            <a:solidFill>
-              <a:srgbClr val="00B0F0"/>
-            </a:solidFill>
-          </a:ln>
-        </p:spPr>
-        <p:style>
-          <a:lnRef idx="2">
-            <a:schemeClr val="accent1">
-              <a:shade val="50000"/>
-            </a:schemeClr>
-          </a:lnRef>
-          <a:fillRef idx="1">
-            <a:schemeClr val="accent1"/>
-          </a:fillRef>
-          <a:effectRef idx="0">
-            <a:schemeClr val="accent1"/>
-          </a:effectRef>
-          <a:fontRef idx="minor">
-            <a:schemeClr val="lt1"/>
-          </a:fontRef>
-        </p:style>
-        <p:txBody>
-          <a:bodyPr rtlCol="0" anchor="ctr"/>
-          <a:lstStyle/>
-          <a:p>
-            <a:pPr algn="ctr"/>
-            <a:endParaRPr lang="ko-KR" altLang="en-US"/>
-          </a:p>
-        </p:txBody>
-      </p:sp>
-      <p:sp>
-        <p:nvSpPr>
-          <p:cNvPr id="11" name="TextBox 10"/>
-          <p:cNvSpPr txBox="1"/>
-          <p:nvPr/>
-        </p:nvSpPr>
-        <p:spPr>
-          <a:xfrm>
-            <a:off x="728573" y="5579036"/>
-            <a:ext cx="7488832" cy="1077218"/>
-          </a:xfrm>
-          <a:prstGeom prst="rect">
-            <a:avLst/>
-          </a:prstGeom>
-          <a:noFill/>
-          <a:ln>
-            <a:solidFill>
-              <a:schemeClr val="accent1"/>
-            </a:solidFill>
-          </a:ln>
-        </p:spPr>
-        <p:txBody>
-          <a:bodyPr wrap="square" rtlCol="0">
-            <a:spAutoFit/>
-          </a:bodyPr>
-          <a:lstStyle/>
-          <a:p>
-            <a:r>
-              <a:rPr lang="nb-NO" altLang="ko-KR" sz="1600" dirty="0">
-                <a:solidFill>
-                  <a:srgbClr val="FF0000"/>
-                </a:solidFill>
-                <a:latin typeface="+mn-ea"/>
-                <a:ea typeface="+mn-ea"/>
-              </a:rPr>
-              <a:t>dhyper(0:3, 50, 950, 30)</a:t>
-            </a:r>
-          </a:p>
-          <a:p>
-            <a:r>
-              <a:rPr lang="nb-NO" altLang="ko-KR" sz="1600" dirty="0">
-                <a:solidFill>
-                  <a:srgbClr val="0000FF"/>
-                </a:solidFill>
-                <a:latin typeface="+mn-ea"/>
-                <a:ea typeface="+mn-ea"/>
-              </a:rPr>
-              <a:t>[1] 0.2096813 0.3415005 0.2631628 0.1277323</a:t>
-            </a:r>
-          </a:p>
-          <a:p>
-            <a:r>
-              <a:rPr lang="nb-NO" altLang="ko-KR" sz="1600" dirty="0">
-                <a:solidFill>
-                  <a:srgbClr val="FF0000"/>
-                </a:solidFill>
-                <a:latin typeface="+mn-ea"/>
-                <a:ea typeface="+mn-ea"/>
-              </a:rPr>
-              <a:t>sum(dhyper(0:3, 50, 950, 30)); phyper(3, 50, 950, 30)</a:t>
-            </a:r>
-          </a:p>
-          <a:p>
-            <a:r>
-              <a:rPr lang="nb-NO" altLang="ko-KR" sz="1600" dirty="0">
-                <a:solidFill>
-                  <a:srgbClr val="0000FF"/>
-                </a:solidFill>
-                <a:latin typeface="+mn-ea"/>
-                <a:ea typeface="+mn-ea"/>
-              </a:rPr>
-              <a:t>[1] 0.942077	[1] </a:t>
-            </a:r>
-            <a:r>
-              <a:rPr lang="nb-NO" altLang="ko-KR" sz="1600" dirty="0" smtClean="0">
-                <a:solidFill>
-                  <a:srgbClr val="0000FF"/>
-                </a:solidFill>
-                <a:latin typeface="+mn-ea"/>
-                <a:ea typeface="+mn-ea"/>
-              </a:rPr>
-              <a:t>0.942077</a:t>
-            </a:r>
-            <a:endParaRPr lang="ko-KR" altLang="en-US" sz="1600" dirty="0">
-              <a:solidFill>
-                <a:srgbClr val="0000FF"/>
-              </a:solidFill>
-              <a:latin typeface="+mn-ea"/>
-              <a:ea typeface="+mn-ea"/>
-            </a:endParaRPr>
-          </a:p>
-        </p:txBody>
-      </p:sp>
-      <p:sp>
-        <p:nvSpPr>
-          <p:cNvPr id="12" name="내용 개체 틀 2"/>
-          <p:cNvSpPr txBox="1">
-            <a:spLocks/>
-          </p:cNvSpPr>
-          <p:nvPr/>
-        </p:nvSpPr>
-        <p:spPr>
-          <a:xfrm>
-            <a:off x="791580" y="2329071"/>
-            <a:ext cx="2790310" cy="3800229"/>
-          </a:xfrm>
-          <a:prstGeom prst="rect">
-            <a:avLst/>
-          </a:prstGeom>
-        </p:spPr>
-        <p:txBody>
-          <a:bodyPr>
-            <a:noAutofit/>
-          </a:bodyPr>
-          <a:lstStyle>
-            <a:lvl1pPr marL="342900" indent="-342900" algn="l" defTabSz="914400" rtl="0" eaLnBrk="1" latinLnBrk="1" hangingPunct="1">
-              <a:spcBef>
-                <a:spcPct val="20000"/>
-              </a:spcBef>
-              <a:buFont typeface="Arial" pitchFamily="34" charset="0"/>
-              <a:buChar char="•"/>
-              <a:defRPr sz="3200" kern="1200">
-                <a:solidFill>
-                  <a:schemeClr val="tx1"/>
-                </a:solidFill>
-                <a:latin typeface="+mn-lt"/>
-                <a:ea typeface="+mn-ea"/>
-                <a:cs typeface="+mn-cs"/>
-              </a:defRPr>
-            </a:lvl1pPr>
-            <a:lvl2pPr marL="742950" indent="-285750" algn="l" defTabSz="914400" rtl="0" eaLnBrk="1" latinLnBrk="1" hangingPunct="1">
-              <a:spcBef>
-                <a:spcPct val="20000"/>
-              </a:spcBef>
-              <a:buFont typeface="Arial" pitchFamily="34" charset="0"/>
-              <a:buChar char="–"/>
-              <a:defRPr sz="2800" kern="1200">
-                <a:solidFill>
-                  <a:schemeClr val="tx1"/>
-                </a:solidFill>
-                <a:latin typeface="+mn-lt"/>
-                <a:ea typeface="+mn-ea"/>
-                <a:cs typeface="+mn-cs"/>
-              </a:defRPr>
-            </a:lvl2pPr>
-            <a:lvl3pPr marL="1143000" indent="-228600" algn="l" defTabSz="914400" rtl="0" eaLnBrk="1" latinLnBrk="1" hangingPunct="1">
-              <a:spcBef>
-                <a:spcPct val="20000"/>
-              </a:spcBef>
-              <a:buFont typeface="Arial" pitchFamily="34" charset="0"/>
-              <a:buChar char="•"/>
-              <a:defRPr sz="2400" kern="1200">
-                <a:solidFill>
-                  <a:schemeClr val="tx1"/>
-                </a:solidFill>
-                <a:latin typeface="+mn-lt"/>
-                <a:ea typeface="+mn-ea"/>
-                <a:cs typeface="+mn-cs"/>
-              </a:defRPr>
-            </a:lvl3pPr>
-            <a:lvl4pPr marL="1600200" indent="-228600" algn="l" defTabSz="914400" rtl="0" eaLnBrk="1" latinLnBrk="1" hangingPunct="1">
-              <a:spcBef>
-                <a:spcPct val="20000"/>
-              </a:spcBef>
-              <a:buFont typeface="Arial" pitchFamily="34" charset="0"/>
-              <a:buChar char="–"/>
-              <a:defRPr sz="2000" kern="1200">
-                <a:solidFill>
-                  <a:schemeClr val="tx1"/>
-                </a:solidFill>
-                <a:latin typeface="+mn-lt"/>
-                <a:ea typeface="+mn-ea"/>
-                <a:cs typeface="+mn-cs"/>
-              </a:defRPr>
-            </a:lvl4pPr>
-            <a:lvl5pPr marL="2057400" indent="-228600" algn="l" defTabSz="914400" rtl="0" eaLnBrk="1" latinLnBrk="1" hangingPunct="1">
-              <a:spcBef>
-                <a:spcPct val="20000"/>
-              </a:spcBef>
-              <a:buFont typeface="Arial" pitchFamily="34" charset="0"/>
-              <a:buChar char="»"/>
-              <a:defRPr sz="2000" kern="1200">
-                <a:solidFill>
-                  <a:schemeClr val="tx1"/>
-                </a:solidFill>
-                <a:latin typeface="+mn-lt"/>
-                <a:ea typeface="+mn-ea"/>
-                <a:cs typeface="+mn-cs"/>
-              </a:defRPr>
-            </a:lvl5pPr>
-            <a:lvl6pPr marL="2514600" indent="-228600" algn="l" defTabSz="914400" rtl="0" eaLnBrk="1" latinLnBrk="1" hangingPunct="1">
-              <a:spcBef>
-                <a:spcPct val="20000"/>
-              </a:spcBef>
-              <a:buFont typeface="Arial" pitchFamily="34" charset="0"/>
-              <a:buChar char="•"/>
-              <a:defRPr sz="2000" kern="1200">
-                <a:solidFill>
-                  <a:schemeClr val="tx1"/>
-                </a:solidFill>
-                <a:latin typeface="+mn-lt"/>
-                <a:ea typeface="+mn-ea"/>
-                <a:cs typeface="+mn-cs"/>
-              </a:defRPr>
-            </a:lvl6pPr>
-            <a:lvl7pPr marL="2971800" indent="-228600" algn="l" defTabSz="914400" rtl="0" eaLnBrk="1" latinLnBrk="1" hangingPunct="1">
-              <a:spcBef>
-                <a:spcPct val="20000"/>
-              </a:spcBef>
-              <a:buFont typeface="Arial" pitchFamily="34" charset="0"/>
-              <a:buChar char="•"/>
-              <a:defRPr sz="2000" kern="1200">
-                <a:solidFill>
-                  <a:schemeClr val="tx1"/>
-                </a:solidFill>
-                <a:latin typeface="+mn-lt"/>
-                <a:ea typeface="+mn-ea"/>
-                <a:cs typeface="+mn-cs"/>
-              </a:defRPr>
-            </a:lvl7pPr>
-            <a:lvl8pPr marL="3429000" indent="-228600" algn="l" defTabSz="914400" rtl="0" eaLnBrk="1" latinLnBrk="1" hangingPunct="1">
-              <a:spcBef>
-                <a:spcPct val="20000"/>
-              </a:spcBef>
-              <a:buFont typeface="Arial" pitchFamily="34" charset="0"/>
-              <a:buChar char="•"/>
-              <a:defRPr sz="2000" kern="1200">
-                <a:solidFill>
-                  <a:schemeClr val="tx1"/>
-                </a:solidFill>
-                <a:latin typeface="+mn-lt"/>
-                <a:ea typeface="+mn-ea"/>
-                <a:cs typeface="+mn-cs"/>
-              </a:defRPr>
-            </a:lvl8pPr>
-            <a:lvl9pPr marL="3886200" indent="-228600" algn="l" defTabSz="914400" rtl="0" eaLnBrk="1" latinLnBrk="1" hangingPunct="1">
-              <a:spcBef>
-                <a:spcPct val="20000"/>
-              </a:spcBef>
-              <a:buFont typeface="Arial" pitchFamily="34" charset="0"/>
-              <a:buChar char="•"/>
-              <a:defRPr sz="2000" kern="1200">
-                <a:solidFill>
-                  <a:schemeClr val="tx1"/>
-                </a:solidFill>
-                <a:latin typeface="+mn-lt"/>
-                <a:ea typeface="+mn-ea"/>
-                <a:cs typeface="+mn-cs"/>
-              </a:defRPr>
-            </a:lvl9pPr>
-          </a:lstStyle>
-          <a:p>
-            <a:pPr marL="457200" indent="-457200" fontAlgn="auto">
-              <a:spcAft>
-                <a:spcPts val="0"/>
-              </a:spcAft>
-              <a:buFont typeface="Arial" pitchFamily="34" charset="0"/>
-              <a:buAutoNum type="arabicParenBoth"/>
-            </a:pPr>
-            <a:r>
-              <a:rPr kumimoji="0" lang="ko-KR" altLang="en-US" sz="1800" dirty="0" smtClean="0">
-                <a:latin typeface="+mn-ea"/>
-              </a:rPr>
-              <a:t>확률분포함수</a:t>
-            </a:r>
-            <a:endParaRPr kumimoji="0" lang="en-US" altLang="ko-KR" sz="1800" dirty="0" smtClean="0">
-              <a:latin typeface="+mn-ea"/>
-            </a:endParaRPr>
-          </a:p>
-          <a:p>
-            <a:pPr marL="457200" indent="-457200" fontAlgn="auto">
-              <a:spcAft>
-                <a:spcPts val="0"/>
-              </a:spcAft>
-              <a:buFont typeface="Arial" pitchFamily="34" charset="0"/>
-              <a:buAutoNum type="arabicParenBoth"/>
-            </a:pPr>
-            <a:endParaRPr kumimoji="0" lang="en-US" altLang="ko-KR" sz="1800" dirty="0" smtClean="0">
-              <a:latin typeface="+mn-ea"/>
-            </a:endParaRPr>
-          </a:p>
-          <a:p>
-            <a:pPr marL="457200" indent="-457200" fontAlgn="auto">
-              <a:spcAft>
-                <a:spcPts val="0"/>
-              </a:spcAft>
-              <a:buFont typeface="Arial" pitchFamily="34" charset="0"/>
-              <a:buAutoNum type="arabicParenBoth"/>
-            </a:pPr>
-            <a:r>
-              <a:rPr kumimoji="0" lang="ko-KR" altLang="en-US" sz="1800" dirty="0" smtClean="0">
-                <a:latin typeface="+mn-ea"/>
-              </a:rPr>
-              <a:t>평균과 분산</a:t>
-            </a:r>
-            <a:endParaRPr kumimoji="0" lang="en-US" altLang="ko-KR" sz="1800" dirty="0" smtClean="0">
-              <a:latin typeface="+mn-ea"/>
-            </a:endParaRPr>
-          </a:p>
-          <a:p>
-            <a:pPr marL="457200" indent="-457200" fontAlgn="auto">
-              <a:spcAft>
-                <a:spcPts val="0"/>
-              </a:spcAft>
-              <a:buFont typeface="Arial" pitchFamily="34" charset="0"/>
-              <a:buAutoNum type="arabicParenBoth"/>
-            </a:pPr>
-            <a:endParaRPr kumimoji="0" lang="en-US" altLang="ko-KR" sz="1800" dirty="0" smtClean="0">
-              <a:latin typeface="+mn-ea"/>
-            </a:endParaRPr>
-          </a:p>
-          <a:p>
-            <a:pPr marL="457200" indent="-457200" fontAlgn="auto">
-              <a:spcAft>
-                <a:spcPts val="0"/>
-              </a:spcAft>
-              <a:buFont typeface="Arial" pitchFamily="34" charset="0"/>
-              <a:buAutoNum type="arabicParenBoth"/>
-            </a:pPr>
-            <a:endParaRPr kumimoji="0" lang="en-US" altLang="ko-KR" sz="1800" dirty="0" smtClean="0">
-              <a:latin typeface="+mn-ea"/>
-            </a:endParaRPr>
-          </a:p>
-          <a:p>
-            <a:pPr marL="457200" indent="-457200" fontAlgn="auto">
-              <a:spcAft>
-                <a:spcPts val="0"/>
-              </a:spcAft>
-              <a:buFont typeface="Arial" pitchFamily="34" charset="0"/>
-              <a:buAutoNum type="arabicParenBoth"/>
-            </a:pPr>
-            <a:r>
-              <a:rPr kumimoji="0" lang="en-US" altLang="ko-KR" sz="1800" dirty="0" smtClean="0">
-                <a:latin typeface="+mn-ea"/>
-              </a:rPr>
-              <a:t>P(3</a:t>
-            </a:r>
-            <a:r>
-              <a:rPr kumimoji="0" lang="ko-KR" altLang="en-US" sz="1800" dirty="0" smtClean="0">
-                <a:latin typeface="+mn-ea"/>
-              </a:rPr>
-              <a:t>개 불량</a:t>
-            </a:r>
-            <a:r>
-              <a:rPr kumimoji="0" lang="en-US" altLang="ko-KR" sz="1800" dirty="0" smtClean="0">
-                <a:latin typeface="+mn-ea"/>
-              </a:rPr>
-              <a:t>)</a:t>
-            </a:r>
-          </a:p>
-          <a:p>
-            <a:pPr marL="457200" indent="-457200" fontAlgn="auto">
-              <a:spcAft>
-                <a:spcPts val="0"/>
-              </a:spcAft>
-              <a:buFont typeface="Arial" pitchFamily="34" charset="0"/>
-              <a:buAutoNum type="arabicParenBoth"/>
-            </a:pPr>
-            <a:endParaRPr kumimoji="0" lang="en-US" altLang="ko-KR" sz="1800" dirty="0" smtClean="0">
-              <a:latin typeface="+mn-ea"/>
-            </a:endParaRPr>
-          </a:p>
-          <a:p>
-            <a:pPr marL="457200" indent="-457200" fontAlgn="auto">
-              <a:spcAft>
-                <a:spcPts val="0"/>
-              </a:spcAft>
-              <a:buFont typeface="Arial" pitchFamily="34" charset="0"/>
-              <a:buAutoNum type="arabicParenBoth"/>
-            </a:pPr>
-            <a:r>
-              <a:rPr kumimoji="0" lang="en-US" altLang="ko-KR" sz="1800" dirty="0" smtClean="0">
-                <a:latin typeface="+mn-ea"/>
-              </a:rPr>
-              <a:t>P(3</a:t>
-            </a:r>
-            <a:r>
-              <a:rPr kumimoji="0" lang="ko-KR" altLang="en-US" sz="1800" dirty="0" smtClean="0">
-                <a:latin typeface="+mn-ea"/>
-              </a:rPr>
-              <a:t>개 이하 불량</a:t>
-            </a:r>
-            <a:r>
-              <a:rPr kumimoji="0" lang="en-US" altLang="ko-KR" sz="1800" dirty="0" smtClean="0">
-                <a:latin typeface="+mn-ea"/>
-              </a:rPr>
-              <a:t>)</a:t>
-            </a:r>
-          </a:p>
-        </p:txBody>
-      </p:sp>
-      <p:pic>
-        <p:nvPicPr>
-          <p:cNvPr id="13" name="Picture 623"/>
-          <p:cNvPicPr>
-            <a:picLocks noChangeAspect="1" noChangeArrowheads="1"/>
-          </p:cNvPicPr>
-          <p:nvPr/>
-        </p:nvPicPr>
-        <p:blipFill>
-          <a:blip r:embed="rId3">
-            <a:extLst>
-              <a:ext uri="{28A0092B-C50C-407E-A947-70E740481C1C}">
-                <a14:useLocalDpi xmlns:a14="http://schemas.microsoft.com/office/drawing/2010/main" val="0"/>
-              </a:ext>
-            </a:extLst>
-          </a:blip>
-          <a:srcRect/>
-          <a:stretch>
-            <a:fillRect/>
-          </a:stretch>
-        </p:blipFill>
-        <p:spPr bwMode="auto">
-          <a:xfrm>
-            <a:off x="2904342" y="2160057"/>
-            <a:ext cx="2791695" cy="797627"/>
-          </a:xfrm>
-          <a:prstGeom prst="rect">
-            <a:avLst/>
-          </a:prstGeom>
-          <a:noFill/>
-          <a:ln>
-            <a:noFill/>
-          </a:ln>
-          <a:extLst>
-            <a:ext uri="{909E8E84-426E-40DD-AFC4-6F175D3DCCD1}">
-              <a14:hiddenFill xmlns:a14="http://schemas.microsoft.com/office/drawing/2010/main">
-                <a:solidFill>
-                  <a:schemeClr val="accent1"/>
-                </a:solidFill>
-              </a14:hiddenFill>
-            </a:ext>
-            <a:ext uri="{91240B29-F687-4F45-9708-019B960494DF}">
-              <a14:hiddenLine xmlns:a14="http://schemas.microsoft.com/office/drawing/2010/main" w="9525">
-                <a:solidFill>
-                  <a:schemeClr val="tx1"/>
-                </a:solidFill>
-                <a:miter lim="800000"/>
-                <a:headEnd/>
-                <a:tailEnd/>
-              </a14:hiddenLine>
-            </a:ext>
-          </a:extLst>
-        </p:spPr>
-      </p:pic>
-      <p:pic>
-        <p:nvPicPr>
-          <p:cNvPr id="14" name="Picture 624"/>
-          <p:cNvPicPr>
-            <a:picLocks noChangeAspect="1" noChangeArrowheads="1"/>
-          </p:cNvPicPr>
-          <p:nvPr/>
-        </p:nvPicPr>
-        <p:blipFill>
-          <a:blip r:embed="rId4">
-            <a:extLst>
-              <a:ext uri="{28A0092B-C50C-407E-A947-70E740481C1C}">
-                <a14:useLocalDpi xmlns:a14="http://schemas.microsoft.com/office/drawing/2010/main" val="0"/>
-              </a:ext>
-            </a:extLst>
-          </a:blip>
-          <a:srcRect/>
-          <a:stretch>
-            <a:fillRect/>
-          </a:stretch>
-        </p:blipFill>
-        <p:spPr bwMode="auto">
-          <a:xfrm>
-            <a:off x="2899444" y="3026428"/>
-            <a:ext cx="4778642" cy="790506"/>
-          </a:xfrm>
-          <a:prstGeom prst="rect">
-            <a:avLst/>
-          </a:prstGeom>
-          <a:noFill/>
-          <a:ln>
-            <a:noFill/>
-          </a:ln>
-          <a:extLst>
-            <a:ext uri="{909E8E84-426E-40DD-AFC4-6F175D3DCCD1}">
-              <a14:hiddenFill xmlns:a14="http://schemas.microsoft.com/office/drawing/2010/main">
-                <a:solidFill>
-                  <a:schemeClr val="accent1"/>
-                </a:solidFill>
-              </a14:hiddenFill>
-            </a:ext>
-            <a:ext uri="{91240B29-F687-4F45-9708-019B960494DF}">
-              <a14:hiddenLine xmlns:a14="http://schemas.microsoft.com/office/drawing/2010/main" w="9525">
-                <a:solidFill>
-                  <a:schemeClr val="tx1"/>
-                </a:solidFill>
-                <a:miter lim="800000"/>
-                <a:headEnd/>
-                <a:tailEnd/>
-              </a14:hiddenLine>
-            </a:ext>
-          </a:extLst>
-        </p:spPr>
-      </p:pic>
-      <p:pic>
-        <p:nvPicPr>
-          <p:cNvPr id="15" name="Picture 626"/>
-          <p:cNvPicPr>
-            <a:picLocks noChangeAspect="1" noChangeArrowheads="1"/>
-          </p:cNvPicPr>
-          <p:nvPr/>
-        </p:nvPicPr>
-        <p:blipFill>
-          <a:blip r:embed="rId5">
-            <a:extLst>
-              <a:ext uri="{28A0092B-C50C-407E-A947-70E740481C1C}">
-                <a14:useLocalDpi xmlns:a14="http://schemas.microsoft.com/office/drawing/2010/main" val="0"/>
-              </a:ext>
-            </a:extLst>
-          </a:blip>
-          <a:srcRect/>
-          <a:stretch>
-            <a:fillRect/>
-          </a:stretch>
-        </p:blipFill>
-        <p:spPr bwMode="auto">
-          <a:xfrm>
-            <a:off x="2901869" y="3851885"/>
-            <a:ext cx="2051041" cy="690802"/>
-          </a:xfrm>
-          <a:prstGeom prst="rect">
-            <a:avLst/>
-          </a:prstGeom>
-          <a:noFill/>
-          <a:ln>
-            <a:noFill/>
-          </a:ln>
-          <a:extLst>
-            <a:ext uri="{909E8E84-426E-40DD-AFC4-6F175D3DCCD1}">
-              <a14:hiddenFill xmlns:a14="http://schemas.microsoft.com/office/drawing/2010/main">
-                <a:solidFill>
-                  <a:schemeClr val="accent1"/>
-                </a:solidFill>
-              </a14:hiddenFill>
-            </a:ext>
-            <a:ext uri="{91240B29-F687-4F45-9708-019B960494DF}">
-              <a14:hiddenLine xmlns:a14="http://schemas.microsoft.com/office/drawing/2010/main" w="9525">
-                <a:solidFill>
-                  <a:schemeClr val="tx1"/>
-                </a:solidFill>
-                <a:miter lim="800000"/>
-                <a:headEnd/>
-                <a:tailEnd/>
-              </a14:hiddenLine>
-            </a:ext>
-          </a:extLst>
-        </p:spPr>
-      </p:pic>
-      <p:pic>
-        <p:nvPicPr>
-          <p:cNvPr id="16" name="Picture 627"/>
-          <p:cNvPicPr>
-            <a:picLocks noChangeAspect="1" noChangeArrowheads="1"/>
-          </p:cNvPicPr>
-          <p:nvPr/>
-        </p:nvPicPr>
-        <p:blipFill>
-          <a:blip r:embed="rId6">
-            <a:extLst>
-              <a:ext uri="{28A0092B-C50C-407E-A947-70E740481C1C}">
-                <a14:useLocalDpi xmlns:a14="http://schemas.microsoft.com/office/drawing/2010/main" val="0"/>
-              </a:ext>
-            </a:extLst>
-          </a:blip>
-          <a:srcRect/>
-          <a:stretch>
-            <a:fillRect/>
-          </a:stretch>
-        </p:blipFill>
-        <p:spPr bwMode="auto">
-          <a:xfrm>
-            <a:off x="3950485" y="4723512"/>
-            <a:ext cx="4187543" cy="740654"/>
-          </a:xfrm>
-          <a:prstGeom prst="rect">
-            <a:avLst/>
-          </a:prstGeom>
-          <a:noFill/>
-          <a:ln>
-            <a:noFill/>
-          </a:ln>
-          <a:extLst>
-            <a:ext uri="{909E8E84-426E-40DD-AFC4-6F175D3DCCD1}">
-              <a14:hiddenFill xmlns:a14="http://schemas.microsoft.com/office/drawing/2010/main">
-                <a:solidFill>
-                  <a:schemeClr val="accent1"/>
-                </a:solidFill>
-              </a14:hiddenFill>
-            </a:ext>
-            <a:ext uri="{91240B29-F687-4F45-9708-019B960494DF}">
-              <a14:hiddenLine xmlns:a14="http://schemas.microsoft.com/office/drawing/2010/main" w="9525">
-                <a:solidFill>
-                  <a:schemeClr val="tx1"/>
-                </a:solidFill>
-                <a:miter lim="800000"/>
-                <a:headEnd/>
-                <a:tailEnd/>
-              </a14:hiddenLine>
-            </a:ext>
-          </a:extLst>
-        </p:spPr>
-      </p:pic>
-      <p:graphicFrame>
-        <p:nvGraphicFramePr>
-          <p:cNvPr id="2" name="개체 1"/>
-          <p:cNvGraphicFramePr>
-            <a:graphicFrameLocks noChangeAspect="1"/>
-          </p:cNvGraphicFramePr>
-          <p:nvPr>
-            <p:extLst/>
-          </p:nvPr>
-        </p:nvGraphicFramePr>
-        <p:xfrm>
-          <a:off x="2915369" y="4974955"/>
-          <a:ext cx="989245" cy="258064"/>
-        </p:xfrm>
-        <a:graphic>
-          <a:graphicData uri="http://schemas.openxmlformats.org/presentationml/2006/ole">
-            <mc:AlternateContent xmlns:mc="http://schemas.openxmlformats.org/markup-compatibility/2006">
-              <mc:Choice xmlns:v="urn:schemas-microsoft-com:vml" Requires="v">
-                <p:oleObj spid="_x0000_s13314" name="Equation" r:id="rId7" imgW="1168200" imgH="304560" progId="Equation.DSMT4">
-                  <p:embed/>
-                </p:oleObj>
-              </mc:Choice>
-              <mc:Fallback>
-                <p:oleObj name="Equation" r:id="rId7" imgW="1168200" imgH="304560" progId="Equation.DSMT4">
-                  <p:embed/>
-                  <p:pic>
-                    <p:nvPicPr>
-                      <p:cNvPr id="2" name="개체 1"/>
-                      <p:cNvPicPr>
-                        <a:picLocks noChangeAspect="1" noChangeArrowheads="1"/>
-                      </p:cNvPicPr>
-                      <p:nvPr/>
-                    </p:nvPicPr>
-                    <p:blipFill>
-                      <a:blip r:embed="rId8">
-                        <a:extLst>
-                          <a:ext uri="{28A0092B-C50C-407E-A947-70E740481C1C}">
-                            <a14:useLocalDpi xmlns:a14="http://schemas.microsoft.com/office/drawing/2010/main" val="0"/>
-                          </a:ext>
-                        </a:extLst>
-                      </a:blip>
-                      <a:srcRect/>
-                      <a:stretch>
-                        <a:fillRect/>
-                      </a:stretch>
-                    </p:blipFill>
-                    <p:spPr bwMode="auto">
-                      <a:xfrm>
-                        <a:off x="2915369" y="4974955"/>
-                        <a:ext cx="989245" cy="258064"/>
-                      </a:xfrm>
-                      <a:prstGeom prst="rect">
-                        <a:avLst/>
-                      </a:prstGeom>
-                      <a:noFill/>
-                      <a:ln>
-                        <a:noFill/>
-                      </a:ln>
-                    </p:spPr>
-                  </p:pic>
-                </p:oleObj>
-              </mc:Fallback>
-            </mc:AlternateContent>
-          </a:graphicData>
-        </a:graphic>
-      </p:graphicFrame>
-    </p:spTree>
-    <p:extLst>
-      <p:ext uri="{BB962C8B-B14F-4D97-AF65-F5344CB8AC3E}">
-        <p14:creationId xmlns:p14="http://schemas.microsoft.com/office/powerpoint/2010/main" val="2245019693"/>
-      </p:ext>
-    </p:extLst>
-  </p:cSld>
-  <p:clrMapOvr>
-    <a:masterClrMapping/>
-  </p:clrMapOvr>
-  <p:timing>
-    <p:tnLst>
-      <p:par>
-        <p:cTn id="1" dur="indefinite" restart="never" nodeType="tmRoot"/>
-      </p:par>
-    </p:tnLst>
-  </p:timing>
-</p:sld>
-</file>
-
-<file path=ppt/slides/slide18.xml><?xml version="1.0" encoding="utf-8"?>
-<p:sld xmlns:a="http://schemas.openxmlformats.org/drawingml/2006/main" xmlns:r="http://schemas.openxmlformats.org/officeDocument/2006/relationships" xmlns:p="http://schemas.openxmlformats.org/presentationml/2006/main">
-  <p:cSld>
-    <p:spTree>
-      <p:nvGrpSpPr>
-        <p:cNvPr id="1" name=""/>
-        <p:cNvGrpSpPr/>
-        <p:nvPr/>
-      </p:nvGrpSpPr>
-      <p:grpSpPr>
-        <a:xfrm>
-          <a:off x="0" y="0"/>
-          <a:ext cx="0" cy="0"/>
-          <a:chOff x="0" y="0"/>
-          <a:chExt cx="0" cy="0"/>
-        </a:xfrm>
-      </p:grpSpPr>
-      <p:sp>
-        <p:nvSpPr>
-          <p:cNvPr id="40" name="제목 1"/>
-          <p:cNvSpPr txBox="1">
-            <a:spLocks/>
-          </p:cNvSpPr>
-          <p:nvPr/>
-        </p:nvSpPr>
-        <p:spPr>
-          <a:xfrm>
-            <a:off x="476545" y="368660"/>
-            <a:ext cx="8289630" cy="765086"/>
-          </a:xfrm>
-          <a:prstGeom prst="rect">
-            <a:avLst/>
-          </a:prstGeom>
-        </p:spPr>
-        <p:txBody>
-          <a:bodyPr vert="horz" lIns="91440" tIns="45720" rIns="91440" bIns="45720" rtlCol="0" anchor="ctr">
-            <a:normAutofit/>
-          </a:bodyPr>
-          <a:lstStyle>
-            <a:lvl1pPr algn="l" defTabSz="914400" rtl="0" eaLnBrk="1" latinLnBrk="1" hangingPunct="1">
-              <a:spcBef>
-                <a:spcPct val="0"/>
-              </a:spcBef>
-              <a:buNone/>
-              <a:defRPr sz="3600" b="1" kern="1200">
-                <a:solidFill>
-                  <a:schemeClr val="tx1"/>
-                </a:solidFill>
-                <a:latin typeface="+mj-lt"/>
-                <a:ea typeface="+mj-ea"/>
-                <a:cs typeface="+mj-cs"/>
-              </a:defRPr>
-            </a:lvl1pPr>
-          </a:lstStyle>
-          <a:p>
-            <a:r>
               <a:rPr lang="en-US" altLang="ko-KR" dirty="0"/>
               <a:t>4. </a:t>
             </a:r>
@@ -10503,7 +6436,7 @@
           <a:graphicData uri="http://schemas.openxmlformats.org/presentationml/2006/ole">
             <mc:AlternateContent xmlns:mc="http://schemas.openxmlformats.org/markup-compatibility/2006">
               <mc:Choice xmlns:v="urn:schemas-microsoft-com:vml" Requires="v">
-                <p:oleObj spid="_x0000_s6148" name="Equation" r:id="rId3" imgW="876240" imgH="342720" progId="Equation.DSMT4">
+                <p:oleObj spid="_x0000_s6146" name="Equation" r:id="rId3" imgW="876240" imgH="342720" progId="Equation.DSMT4">
                   <p:embed/>
                 </p:oleObj>
               </mc:Choice>
@@ -10592,7 +6525,7 @@
           <a:graphicData uri="http://schemas.openxmlformats.org/presentationml/2006/ole">
             <mc:AlternateContent xmlns:mc="http://schemas.openxmlformats.org/markup-compatibility/2006">
               <mc:Choice xmlns:v="urn:schemas-microsoft-com:vml" Requires="v">
-                <p:oleObj spid="_x0000_s6149" name="Equation" r:id="rId5" imgW="2006280" imgH="736560" progId="Equation.DSMT4">
+                <p:oleObj spid="_x0000_s6147" name="Equation" r:id="rId5" imgW="2006280" imgH="736560" progId="Equation.DSMT4">
                   <p:embed/>
                 </p:oleObj>
               </mc:Choice>
@@ -10748,7 +6681,7 @@
 </p:sld>
 </file>
 
-<file path=ppt/slides/slide19.xml><?xml version="1.0" encoding="utf-8"?>
+<file path=ppt/slides/slide12.xml><?xml version="1.0" encoding="utf-8"?>
 <p:sld xmlns:a="http://schemas.openxmlformats.org/drawingml/2006/main" xmlns:r="http://schemas.openxmlformats.org/officeDocument/2006/relationships" xmlns:p="http://schemas.openxmlformats.org/presentationml/2006/main">
   <p:cSld>
     <p:spTree>
@@ -11005,432 +6938,7 @@
 </p:sld>
 </file>
 
-<file path=ppt/slides/slide2.xml><?xml version="1.0" encoding="utf-8"?>
-<p:sld xmlns:a="http://schemas.openxmlformats.org/drawingml/2006/main" xmlns:r="http://schemas.openxmlformats.org/officeDocument/2006/relationships" xmlns:p="http://schemas.openxmlformats.org/presentationml/2006/main">
-  <p:cSld>
-    <p:spTree>
-      <p:nvGrpSpPr>
-        <p:cNvPr id="1" name=""/>
-        <p:cNvGrpSpPr/>
-        <p:nvPr/>
-      </p:nvGrpSpPr>
-      <p:grpSpPr>
-        <a:xfrm>
-          <a:off x="0" y="0"/>
-          <a:ext cx="0" cy="0"/>
-          <a:chOff x="0" y="0"/>
-          <a:chExt cx="0" cy="0"/>
-        </a:xfrm>
-      </p:grpSpPr>
-      <p:sp>
-        <p:nvSpPr>
-          <p:cNvPr id="3" name="제목 1"/>
-          <p:cNvSpPr txBox="1">
-            <a:spLocks/>
-          </p:cNvSpPr>
-          <p:nvPr/>
-        </p:nvSpPr>
-        <p:spPr>
-          <a:xfrm>
-            <a:off x="685800" y="642918"/>
-            <a:ext cx="7772400" cy="1470025"/>
-          </a:xfrm>
-          <a:prstGeom prst="rect">
-            <a:avLst/>
-          </a:prstGeom>
-        </p:spPr>
-        <p:txBody>
-          <a:bodyPr/>
-          <a:lstStyle>
-            <a:lvl1pPr algn="l" defTabSz="914400" rtl="0" eaLnBrk="1" latinLnBrk="1" hangingPunct="1">
-              <a:spcBef>
-                <a:spcPct val="0"/>
-              </a:spcBef>
-              <a:buNone/>
-              <a:defRPr sz="3600" b="1" kern="1200">
-                <a:solidFill>
-                  <a:schemeClr val="tx1"/>
-                </a:solidFill>
-                <a:latin typeface="+mj-lt"/>
-                <a:ea typeface="+mj-ea"/>
-                <a:cs typeface="+mj-cs"/>
-              </a:defRPr>
-            </a:lvl1pPr>
-          </a:lstStyle>
-          <a:p>
-            <a:pPr fontAlgn="auto">
-              <a:spcAft>
-                <a:spcPts val="0"/>
-              </a:spcAft>
-            </a:pPr>
-            <a:r>
-              <a:rPr kumimoji="0" lang="ko-KR" altLang="en-US" dirty="0"/>
-              <a:t>제</a:t>
-            </a:r>
-            <a:r>
-              <a:rPr kumimoji="0" lang="en-US" altLang="ko-KR" dirty="0"/>
-              <a:t>4-3</a:t>
-            </a:r>
-            <a:r>
-              <a:rPr kumimoji="0" lang="ko-KR" altLang="en-US" dirty="0"/>
-              <a:t>장</a:t>
-            </a:r>
-            <a:r>
-              <a:rPr kumimoji="0" lang="en-US" altLang="ko-KR" dirty="0"/>
-              <a:t/>
-            </a:r>
-            <a:br>
-              <a:rPr kumimoji="0" lang="en-US" altLang="ko-KR" dirty="0"/>
-            </a:br>
-            <a:r>
-              <a:rPr kumimoji="0" lang="ko-KR" altLang="en-US" dirty="0"/>
-              <a:t>이산형 확률분포</a:t>
-            </a:r>
-          </a:p>
-        </p:txBody>
-      </p:sp>
-      <p:sp>
-        <p:nvSpPr>
-          <p:cNvPr id="10" name="TextBox 9"/>
-          <p:cNvSpPr txBox="1"/>
-          <p:nvPr/>
-        </p:nvSpPr>
-        <p:spPr>
-          <a:xfrm>
-            <a:off x="1713340" y="2463420"/>
-            <a:ext cx="3794764" cy="461665"/>
-          </a:xfrm>
-          <a:prstGeom prst="rect">
-            <a:avLst/>
-          </a:prstGeom>
-          <a:noFill/>
-        </p:spPr>
-        <p:txBody>
-          <a:bodyPr wrap="square" rtlCol="0">
-            <a:spAutoFit/>
-          </a:bodyPr>
-          <a:lstStyle/>
-          <a:p>
-            <a:r>
-              <a:rPr lang="en-US" altLang="ko-KR" sz="2400" b="1" dirty="0">
-                <a:latin typeface="+mn-ea"/>
-                <a:ea typeface="+mn-ea"/>
-              </a:rPr>
-              <a:t>1. </a:t>
-            </a:r>
-            <a:r>
-              <a:rPr lang="ko-KR" altLang="en-US" sz="2400" b="1" dirty="0">
-                <a:latin typeface="+mn-ea"/>
-                <a:ea typeface="+mn-ea"/>
-              </a:rPr>
-              <a:t>이산균일분포</a:t>
-            </a:r>
-          </a:p>
-        </p:txBody>
-      </p:sp>
-      <p:sp>
-        <p:nvSpPr>
-          <p:cNvPr id="11" name="TextBox 10"/>
-          <p:cNvSpPr txBox="1"/>
-          <p:nvPr/>
-        </p:nvSpPr>
-        <p:spPr>
-          <a:xfrm>
-            <a:off x="1691680" y="3012340"/>
-            <a:ext cx="3794764" cy="461665"/>
-          </a:xfrm>
-          <a:prstGeom prst="rect">
-            <a:avLst/>
-          </a:prstGeom>
-          <a:noFill/>
-        </p:spPr>
-        <p:txBody>
-          <a:bodyPr wrap="square" rtlCol="0">
-            <a:spAutoFit/>
-          </a:bodyPr>
-          <a:lstStyle/>
-          <a:p>
-            <a:r>
-              <a:rPr lang="en-US" altLang="ko-KR" sz="2400" b="1" dirty="0">
-                <a:latin typeface="+mn-ea"/>
-                <a:ea typeface="+mn-ea"/>
-              </a:rPr>
-              <a:t>2. </a:t>
-            </a:r>
-            <a:r>
-              <a:rPr lang="ko-KR" altLang="en-US" sz="2400" b="1" dirty="0">
-                <a:latin typeface="+mn-ea"/>
-                <a:ea typeface="+mn-ea"/>
-              </a:rPr>
-              <a:t>이항분포</a:t>
-            </a:r>
-          </a:p>
-        </p:txBody>
-      </p:sp>
-      <p:sp>
-        <p:nvSpPr>
-          <p:cNvPr id="12" name="TextBox 11"/>
-          <p:cNvSpPr txBox="1"/>
-          <p:nvPr/>
-        </p:nvSpPr>
-        <p:spPr>
-          <a:xfrm>
-            <a:off x="1691680" y="3588404"/>
-            <a:ext cx="3794764" cy="461665"/>
-          </a:xfrm>
-          <a:prstGeom prst="rect">
-            <a:avLst/>
-          </a:prstGeom>
-          <a:noFill/>
-        </p:spPr>
-        <p:txBody>
-          <a:bodyPr wrap="square" rtlCol="0">
-            <a:spAutoFit/>
-          </a:bodyPr>
-          <a:lstStyle/>
-          <a:p>
-            <a:r>
-              <a:rPr lang="en-US" altLang="ko-KR" sz="2400" b="1" dirty="0">
-                <a:solidFill>
-                  <a:schemeClr val="bg1">
-                    <a:lumMod val="85000"/>
-                  </a:schemeClr>
-                </a:solidFill>
-                <a:latin typeface="+mn-ea"/>
-                <a:ea typeface="+mn-ea"/>
-              </a:rPr>
-              <a:t>3. </a:t>
-            </a:r>
-            <a:r>
-              <a:rPr lang="ko-KR" altLang="en-US" sz="2400" b="1" dirty="0" err="1">
-                <a:solidFill>
-                  <a:schemeClr val="bg1">
-                    <a:lumMod val="85000"/>
-                  </a:schemeClr>
-                </a:solidFill>
-                <a:latin typeface="+mn-ea"/>
-                <a:ea typeface="+mn-ea"/>
-              </a:rPr>
-              <a:t>초기하분포</a:t>
-            </a:r>
-            <a:endParaRPr lang="ko-KR" altLang="en-US" sz="2400" b="1" dirty="0">
-              <a:solidFill>
-                <a:schemeClr val="bg1">
-                  <a:lumMod val="85000"/>
-                </a:schemeClr>
-              </a:solidFill>
-              <a:latin typeface="+mn-ea"/>
-              <a:ea typeface="+mn-ea"/>
-            </a:endParaRPr>
-          </a:p>
-        </p:txBody>
-      </p:sp>
-      <p:sp>
-        <p:nvSpPr>
-          <p:cNvPr id="13" name="TextBox 12"/>
-          <p:cNvSpPr txBox="1"/>
-          <p:nvPr/>
-        </p:nvSpPr>
-        <p:spPr>
-          <a:xfrm>
-            <a:off x="1691680" y="4183632"/>
-            <a:ext cx="3794764" cy="461665"/>
-          </a:xfrm>
-          <a:prstGeom prst="rect">
-            <a:avLst/>
-          </a:prstGeom>
-          <a:noFill/>
-        </p:spPr>
-        <p:txBody>
-          <a:bodyPr wrap="square" rtlCol="0">
-            <a:spAutoFit/>
-          </a:bodyPr>
-          <a:lstStyle/>
-          <a:p>
-            <a:r>
-              <a:rPr lang="en-US" altLang="ko-KR" sz="2400" b="1" dirty="0">
-                <a:latin typeface="+mn-ea"/>
-                <a:ea typeface="+mn-ea"/>
-              </a:rPr>
-              <a:t>4. </a:t>
-            </a:r>
-            <a:r>
-              <a:rPr lang="ko-KR" altLang="en-US" sz="2400" b="1" dirty="0" err="1">
-                <a:latin typeface="+mn-ea"/>
-                <a:ea typeface="+mn-ea"/>
-              </a:rPr>
-              <a:t>포아송분포</a:t>
-            </a:r>
-            <a:endParaRPr lang="ko-KR" altLang="en-US" sz="2400" b="1" dirty="0">
-              <a:latin typeface="+mn-ea"/>
-              <a:ea typeface="+mn-ea"/>
-            </a:endParaRPr>
-          </a:p>
-        </p:txBody>
-      </p:sp>
-      <p:sp>
-        <p:nvSpPr>
-          <p:cNvPr id="14" name="TextBox 13"/>
-          <p:cNvSpPr txBox="1"/>
-          <p:nvPr/>
-        </p:nvSpPr>
-        <p:spPr>
-          <a:xfrm>
-            <a:off x="1713340" y="4740532"/>
-            <a:ext cx="3794764" cy="461665"/>
-          </a:xfrm>
-          <a:prstGeom prst="rect">
-            <a:avLst/>
-          </a:prstGeom>
-          <a:noFill/>
-        </p:spPr>
-        <p:txBody>
-          <a:bodyPr wrap="square" rtlCol="0">
-            <a:spAutoFit/>
-          </a:bodyPr>
-          <a:lstStyle/>
-          <a:p>
-            <a:r>
-              <a:rPr lang="en-US" altLang="ko-KR" sz="2400" b="1" dirty="0">
-                <a:latin typeface="+mn-ea"/>
-                <a:ea typeface="+mn-ea"/>
-              </a:rPr>
-              <a:t>5. </a:t>
-            </a:r>
-            <a:r>
-              <a:rPr lang="ko-KR" altLang="en-US" sz="2400" b="1" dirty="0">
-                <a:latin typeface="+mn-ea"/>
-                <a:ea typeface="+mn-ea"/>
-              </a:rPr>
-              <a:t>기하분포</a:t>
-            </a:r>
-          </a:p>
-        </p:txBody>
-      </p:sp>
-      <p:sp>
-        <p:nvSpPr>
-          <p:cNvPr id="15" name="TextBox 14"/>
-          <p:cNvSpPr txBox="1"/>
-          <p:nvPr/>
-        </p:nvSpPr>
-        <p:spPr>
-          <a:xfrm>
-            <a:off x="1713340" y="5316596"/>
-            <a:ext cx="3794764" cy="461665"/>
-          </a:xfrm>
-          <a:prstGeom prst="rect">
-            <a:avLst/>
-          </a:prstGeom>
-          <a:noFill/>
-        </p:spPr>
-        <p:txBody>
-          <a:bodyPr wrap="square" rtlCol="0">
-            <a:spAutoFit/>
-          </a:bodyPr>
-          <a:lstStyle/>
-          <a:p>
-            <a:r>
-              <a:rPr lang="en-US" altLang="ko-KR" sz="2400" b="1" dirty="0">
-                <a:solidFill>
-                  <a:schemeClr val="bg1">
-                    <a:lumMod val="85000"/>
-                  </a:schemeClr>
-                </a:solidFill>
-                <a:latin typeface="+mn-ea"/>
-                <a:ea typeface="+mn-ea"/>
-              </a:rPr>
-              <a:t>6. </a:t>
-            </a:r>
-            <a:r>
-              <a:rPr lang="ko-KR" altLang="en-US" sz="2400" b="1" dirty="0" err="1">
-                <a:solidFill>
-                  <a:schemeClr val="bg1">
-                    <a:lumMod val="85000"/>
-                  </a:schemeClr>
-                </a:solidFill>
-                <a:latin typeface="+mn-ea"/>
-                <a:ea typeface="+mn-ea"/>
-              </a:rPr>
-              <a:t>음이항분포</a:t>
-            </a:r>
-            <a:r>
-              <a:rPr lang="ko-KR" altLang="en-US" sz="2400" b="1" dirty="0">
-                <a:solidFill>
-                  <a:schemeClr val="bg1">
-                    <a:lumMod val="85000"/>
-                  </a:schemeClr>
-                </a:solidFill>
-                <a:latin typeface="+mn-ea"/>
-                <a:ea typeface="+mn-ea"/>
-              </a:rPr>
-              <a:t>*</a:t>
-            </a:r>
-          </a:p>
-        </p:txBody>
-      </p:sp>
-      <p:sp>
-        <p:nvSpPr>
-          <p:cNvPr id="16" name="TextBox 15"/>
-          <p:cNvSpPr txBox="1"/>
-          <p:nvPr/>
-        </p:nvSpPr>
-        <p:spPr>
-          <a:xfrm>
-            <a:off x="1691680" y="5892660"/>
-            <a:ext cx="3794764" cy="461665"/>
-          </a:xfrm>
-          <a:prstGeom prst="rect">
-            <a:avLst/>
-          </a:prstGeom>
-          <a:noFill/>
-        </p:spPr>
-        <p:txBody>
-          <a:bodyPr wrap="square" rtlCol="0">
-            <a:spAutoFit/>
-          </a:bodyPr>
-          <a:lstStyle/>
-          <a:p>
-            <a:r>
-              <a:rPr lang="en-US" altLang="ko-KR" sz="2400" b="1" dirty="0">
-                <a:solidFill>
-                  <a:schemeClr val="bg1">
-                    <a:lumMod val="85000"/>
-                  </a:schemeClr>
-                </a:solidFill>
-                <a:latin typeface="+mn-ea"/>
-                <a:ea typeface="+mn-ea"/>
-              </a:rPr>
-              <a:t>7. </a:t>
-            </a:r>
-            <a:r>
-              <a:rPr lang="ko-KR" altLang="en-US" sz="2400" b="1" dirty="0">
-                <a:solidFill>
-                  <a:schemeClr val="bg1">
-                    <a:lumMod val="85000"/>
-                  </a:schemeClr>
-                </a:solidFill>
-                <a:latin typeface="+mn-ea"/>
-                <a:ea typeface="+mn-ea"/>
-              </a:rPr>
-              <a:t>다항분포*</a:t>
-            </a:r>
-          </a:p>
-        </p:txBody>
-      </p:sp>
-    </p:spTree>
-    <p:extLst>
-      <p:ext uri="{BB962C8B-B14F-4D97-AF65-F5344CB8AC3E}">
-        <p14:creationId xmlns:p14="http://schemas.microsoft.com/office/powerpoint/2010/main" val="548207019"/>
-      </p:ext>
-    </p:extLst>
-  </p:cSld>
-  <p:clrMapOvr>
-    <a:masterClrMapping/>
-  </p:clrMapOvr>
-</p:sld>
-</file>
-
-<file path=ppt/slides/slide20.xml><?xml version="1.0" encoding="utf-8"?>
+<file path=ppt/slides/slide13.xml><?xml version="1.0" encoding="utf-8"?>
 <p:sld xmlns:a="http://schemas.openxmlformats.org/drawingml/2006/main" xmlns:r="http://schemas.openxmlformats.org/officeDocument/2006/relationships" xmlns:p="http://schemas.openxmlformats.org/presentationml/2006/main">
   <p:cSld>
     <p:spTree>
@@ -11919,7 +7427,7 @@
 </p:sld>
 </file>
 
-<file path=ppt/slides/slide21.xml><?xml version="1.0" encoding="utf-8"?>
+<file path=ppt/slides/slide14.xml><?xml version="1.0" encoding="utf-8"?>
 <p:sld xmlns:a="http://schemas.openxmlformats.org/drawingml/2006/main" xmlns:r="http://schemas.openxmlformats.org/officeDocument/2006/relationships" xmlns:p="http://schemas.openxmlformats.org/presentationml/2006/main">
   <p:cSld>
     <p:spTree>
@@ -12283,7 +7791,7 @@
           <a:graphicData uri="http://schemas.openxmlformats.org/presentationml/2006/ole">
             <mc:AlternateContent xmlns:mc="http://schemas.openxmlformats.org/markup-compatibility/2006">
               <mc:Choice xmlns:v="urn:schemas-microsoft-com:vml" Requires="v">
-                <p:oleObj spid="_x0000_s7173" name="Equation" r:id="rId3" imgW="850680" imgH="342720" progId="Equation.DSMT4">
+                <p:oleObj spid="_x0000_s7170" name="Equation" r:id="rId3" imgW="850680" imgH="342720" progId="Equation.DSMT4">
                   <p:embed/>
                 </p:oleObj>
               </mc:Choice>
@@ -12366,7 +7874,7 @@
           <a:graphicData uri="http://schemas.openxmlformats.org/presentationml/2006/ole">
             <mc:AlternateContent xmlns:mc="http://schemas.openxmlformats.org/markup-compatibility/2006">
               <mc:Choice xmlns:v="urn:schemas-microsoft-com:vml" Requires="v">
-                <p:oleObj spid="_x0000_s7174" name="Equation" r:id="rId5" imgW="838080" imgH="342720" progId="Equation.DSMT4">
+                <p:oleObj spid="_x0000_s7171" name="Equation" r:id="rId5" imgW="838080" imgH="342720" progId="Equation.DSMT4">
                   <p:embed/>
                 </p:oleObj>
               </mc:Choice>
@@ -12449,7 +7957,7 @@
           <a:graphicData uri="http://schemas.openxmlformats.org/presentationml/2006/ole">
             <mc:AlternateContent xmlns:mc="http://schemas.openxmlformats.org/markup-compatibility/2006">
               <mc:Choice xmlns:v="urn:schemas-microsoft-com:vml" Requires="v">
-                <p:oleObj spid="_x0000_s7175" name="Equation" r:id="rId7" imgW="825480" imgH="342720" progId="Equation.DSMT4">
+                <p:oleObj spid="_x0000_s7172" name="Equation" r:id="rId7" imgW="825480" imgH="342720" progId="Equation.DSMT4">
                   <p:embed/>
                 </p:oleObj>
               </mc:Choice>
@@ -12731,7 +8239,7 @@
 </p:sld>
 </file>
 
-<file path=ppt/slides/slide22.xml><?xml version="1.0" encoding="utf-8"?>
+<file path=ppt/slides/slide15.xml><?xml version="1.0" encoding="utf-8"?>
 <p:sld xmlns:a="http://schemas.openxmlformats.org/drawingml/2006/main" xmlns:r="http://schemas.openxmlformats.org/officeDocument/2006/relationships" xmlns:p="http://schemas.openxmlformats.org/presentationml/2006/main">
   <p:cSld>
     <p:spTree>
@@ -12870,7 +8378,7 @@
 </p:sld>
 </file>
 
-<file path=ppt/slides/slide23.xml><?xml version="1.0" encoding="utf-8"?>
+<file path=ppt/slides/slide16.xml><?xml version="1.0" encoding="utf-8"?>
 <p:sld xmlns:a="http://schemas.openxmlformats.org/drawingml/2006/main" xmlns:r="http://schemas.openxmlformats.org/officeDocument/2006/relationships" xmlns:p="http://schemas.openxmlformats.org/presentationml/2006/main">
   <p:cSld>
     <p:spTree>
@@ -13144,7 +8652,7 @@
           <a:graphicData uri="http://schemas.openxmlformats.org/presentationml/2006/ole">
             <mc:AlternateContent xmlns:mc="http://schemas.openxmlformats.org/markup-compatibility/2006">
               <mc:Choice xmlns:v="urn:schemas-microsoft-com:vml" Requires="v">
-                <p:oleObj spid="_x0000_s8195" name="Equation" r:id="rId3" imgW="1612800" imgH="342720" progId="Equation.DSMT4">
+                <p:oleObj spid="_x0000_s8194" name="Equation" r:id="rId3" imgW="1612800" imgH="342720" progId="Equation.DSMT4">
                   <p:embed/>
                 </p:oleObj>
               </mc:Choice>
@@ -13766,7 +9274,7 @@
 </p:sld>
 </file>
 
-<file path=ppt/slides/slide24.xml><?xml version="1.0" encoding="utf-8"?>
+<file path=ppt/slides/slide17.xml><?xml version="1.0" encoding="utf-8"?>
 <p:sld xmlns:a="http://schemas.openxmlformats.org/drawingml/2006/main" xmlns:r="http://schemas.openxmlformats.org/officeDocument/2006/relationships" xmlns:p="http://schemas.openxmlformats.org/presentationml/2006/main">
   <p:cSld>
     <p:spTree>
@@ -13992,7 +9500,7 @@
           <a:graphicData uri="http://schemas.openxmlformats.org/presentationml/2006/ole">
             <mc:AlternateContent xmlns:mc="http://schemas.openxmlformats.org/markup-compatibility/2006">
               <mc:Choice xmlns:v="urn:schemas-microsoft-com:vml" Requires="v">
-                <p:oleObj spid="_x0000_s9219" name="Equation" r:id="rId3" imgW="1244520" imgH="342720" progId="Equation.DSMT4">
+                <p:oleObj spid="_x0000_s9218" name="Equation" r:id="rId3" imgW="1244520" imgH="342720" progId="Equation.DSMT4">
                   <p:embed/>
                 </p:oleObj>
               </mc:Choice>
@@ -14180,7 +9688,7 @@
 </p:sld>
 </file>
 
-<file path=ppt/slides/slide25.xml><?xml version="1.0" encoding="utf-8"?>
+<file path=ppt/slides/slide18.xml><?xml version="1.0" encoding="utf-8"?>
 <p:sld xmlns:a="http://schemas.openxmlformats.org/drawingml/2006/main" xmlns:r="http://schemas.openxmlformats.org/officeDocument/2006/relationships" xmlns:p="http://schemas.openxmlformats.org/presentationml/2006/main">
   <p:cSld>
     <p:spTree>
@@ -14485,7 +9993,7 @@
 </p:sld>
 </file>
 
-<file path=ppt/slides/slide26.xml><?xml version="1.0" encoding="utf-8"?>
+<file path=ppt/slides/slide19.xml><?xml version="1.0" encoding="utf-8"?>
 <p:sld xmlns:a="http://schemas.openxmlformats.org/drawingml/2006/main" xmlns:r="http://schemas.openxmlformats.org/officeDocument/2006/relationships" xmlns:p="http://schemas.openxmlformats.org/presentationml/2006/main">
   <p:cSld>
     <p:spTree>
@@ -14813,7 +10321,388 @@
 </p:sld>
 </file>
 
-<file path=ppt/slides/slide27.xml><?xml version="1.0" encoding="utf-8"?>
+<file path=ppt/slides/slide2.xml><?xml version="1.0" encoding="utf-8"?>
+<p:sld xmlns:a="http://schemas.openxmlformats.org/drawingml/2006/main" xmlns:r="http://schemas.openxmlformats.org/officeDocument/2006/relationships" xmlns:p="http://schemas.openxmlformats.org/presentationml/2006/main">
+  <p:cSld>
+    <p:spTree>
+      <p:nvGrpSpPr>
+        <p:cNvPr id="1" name=""/>
+        <p:cNvGrpSpPr/>
+        <p:nvPr/>
+      </p:nvGrpSpPr>
+      <p:grpSpPr>
+        <a:xfrm>
+          <a:off x="0" y="0"/>
+          <a:ext cx="0" cy="0"/>
+          <a:chOff x="0" y="0"/>
+          <a:chExt cx="0" cy="0"/>
+        </a:xfrm>
+      </p:grpSpPr>
+      <p:sp>
+        <p:nvSpPr>
+          <p:cNvPr id="3" name="제목 1"/>
+          <p:cNvSpPr txBox="1">
+            <a:spLocks/>
+          </p:cNvSpPr>
+          <p:nvPr/>
+        </p:nvSpPr>
+        <p:spPr>
+          <a:xfrm>
+            <a:off x="685800" y="642918"/>
+            <a:ext cx="7772400" cy="1470025"/>
+          </a:xfrm>
+          <a:prstGeom prst="rect">
+            <a:avLst/>
+          </a:prstGeom>
+        </p:spPr>
+        <p:txBody>
+          <a:bodyPr/>
+          <a:lstStyle>
+            <a:lvl1pPr algn="l" defTabSz="914400" rtl="0" eaLnBrk="1" latinLnBrk="1" hangingPunct="1">
+              <a:spcBef>
+                <a:spcPct val="0"/>
+              </a:spcBef>
+              <a:buNone/>
+              <a:defRPr sz="3600" b="1" kern="1200">
+                <a:solidFill>
+                  <a:schemeClr val="tx1"/>
+                </a:solidFill>
+                <a:latin typeface="+mj-lt"/>
+                <a:ea typeface="+mj-ea"/>
+                <a:cs typeface="+mj-cs"/>
+              </a:defRPr>
+            </a:lvl1pPr>
+          </a:lstStyle>
+          <a:p>
+            <a:pPr fontAlgn="auto">
+              <a:spcAft>
+                <a:spcPts val="0"/>
+              </a:spcAft>
+            </a:pPr>
+            <a:r>
+              <a:rPr kumimoji="0" lang="ko-KR" altLang="en-US" dirty="0"/>
+              <a:t>제</a:t>
+            </a:r>
+            <a:r>
+              <a:rPr kumimoji="0" lang="en-US" altLang="ko-KR" dirty="0"/>
+              <a:t>4</a:t>
+            </a:r>
+            <a:r>
+              <a:rPr kumimoji="0" lang="ko-KR" altLang="en-US" dirty="0"/>
+              <a:t>장</a:t>
+            </a:r>
+            <a:br>
+              <a:rPr kumimoji="0" lang="en-US" altLang="ko-KR" dirty="0"/>
+            </a:br>
+            <a:r>
+              <a:rPr kumimoji="0" lang="ko-KR" altLang="en-US" dirty="0"/>
+              <a:t>이산형 확률분포</a:t>
+            </a:r>
+          </a:p>
+        </p:txBody>
+      </p:sp>
+      <p:sp>
+        <p:nvSpPr>
+          <p:cNvPr id="10" name="TextBox 9"/>
+          <p:cNvSpPr txBox="1"/>
+          <p:nvPr/>
+        </p:nvSpPr>
+        <p:spPr>
+          <a:xfrm>
+            <a:off x="1713340" y="2463420"/>
+            <a:ext cx="3794764" cy="461665"/>
+          </a:xfrm>
+          <a:prstGeom prst="rect">
+            <a:avLst/>
+          </a:prstGeom>
+          <a:noFill/>
+        </p:spPr>
+        <p:txBody>
+          <a:bodyPr wrap="square" rtlCol="0">
+            <a:spAutoFit/>
+          </a:bodyPr>
+          <a:lstStyle/>
+          <a:p>
+            <a:r>
+              <a:rPr lang="en-US" altLang="ko-KR" sz="2400" b="1" dirty="0">
+                <a:latin typeface="+mn-ea"/>
+                <a:ea typeface="+mn-ea"/>
+              </a:rPr>
+              <a:t>1. </a:t>
+            </a:r>
+            <a:r>
+              <a:rPr lang="ko-KR" altLang="en-US" sz="2400" b="1" dirty="0">
+                <a:latin typeface="+mn-ea"/>
+                <a:ea typeface="+mn-ea"/>
+              </a:rPr>
+              <a:t>이산균일분포</a:t>
+            </a:r>
+          </a:p>
+        </p:txBody>
+      </p:sp>
+      <p:sp>
+        <p:nvSpPr>
+          <p:cNvPr id="11" name="TextBox 10"/>
+          <p:cNvSpPr txBox="1"/>
+          <p:nvPr/>
+        </p:nvSpPr>
+        <p:spPr>
+          <a:xfrm>
+            <a:off x="1691680" y="3012340"/>
+            <a:ext cx="3794764" cy="461665"/>
+          </a:xfrm>
+          <a:prstGeom prst="rect">
+            <a:avLst/>
+          </a:prstGeom>
+          <a:noFill/>
+        </p:spPr>
+        <p:txBody>
+          <a:bodyPr wrap="square" rtlCol="0">
+            <a:spAutoFit/>
+          </a:bodyPr>
+          <a:lstStyle/>
+          <a:p>
+            <a:r>
+              <a:rPr lang="en-US" altLang="ko-KR" sz="2400" b="1" dirty="0">
+                <a:latin typeface="+mn-ea"/>
+                <a:ea typeface="+mn-ea"/>
+              </a:rPr>
+              <a:t>2. </a:t>
+            </a:r>
+            <a:r>
+              <a:rPr lang="ko-KR" altLang="en-US" sz="2400" b="1" dirty="0">
+                <a:latin typeface="+mn-ea"/>
+                <a:ea typeface="+mn-ea"/>
+              </a:rPr>
+              <a:t>이항분포</a:t>
+            </a:r>
+          </a:p>
+        </p:txBody>
+      </p:sp>
+      <p:sp>
+        <p:nvSpPr>
+          <p:cNvPr id="12" name="TextBox 11"/>
+          <p:cNvSpPr txBox="1"/>
+          <p:nvPr/>
+        </p:nvSpPr>
+        <p:spPr>
+          <a:xfrm>
+            <a:off x="1691680" y="3588404"/>
+            <a:ext cx="3794764" cy="461665"/>
+          </a:xfrm>
+          <a:prstGeom prst="rect">
+            <a:avLst/>
+          </a:prstGeom>
+          <a:noFill/>
+        </p:spPr>
+        <p:txBody>
+          <a:bodyPr wrap="square" rtlCol="0">
+            <a:spAutoFit/>
+          </a:bodyPr>
+          <a:lstStyle/>
+          <a:p>
+            <a:r>
+              <a:rPr lang="en-US" altLang="ko-KR" sz="2400" b="1" dirty="0">
+                <a:latin typeface="+mn-ea"/>
+                <a:ea typeface="+mn-ea"/>
+              </a:rPr>
+              <a:t>3. </a:t>
+            </a:r>
+            <a:r>
+              <a:rPr lang="ko-KR" altLang="en-US" sz="2400" b="1" dirty="0" err="1">
+                <a:latin typeface="+mn-ea"/>
+                <a:ea typeface="+mn-ea"/>
+              </a:rPr>
+              <a:t>초기하분포</a:t>
+            </a:r>
+            <a:endParaRPr lang="ko-KR" altLang="en-US" sz="2400" b="1" dirty="0">
+              <a:latin typeface="+mn-ea"/>
+              <a:ea typeface="+mn-ea"/>
+            </a:endParaRPr>
+          </a:p>
+        </p:txBody>
+      </p:sp>
+      <p:sp>
+        <p:nvSpPr>
+          <p:cNvPr id="13" name="TextBox 12"/>
+          <p:cNvSpPr txBox="1"/>
+          <p:nvPr/>
+        </p:nvSpPr>
+        <p:spPr>
+          <a:xfrm>
+            <a:off x="1691680" y="4183632"/>
+            <a:ext cx="3794764" cy="461665"/>
+          </a:xfrm>
+          <a:prstGeom prst="rect">
+            <a:avLst/>
+          </a:prstGeom>
+          <a:noFill/>
+        </p:spPr>
+        <p:txBody>
+          <a:bodyPr wrap="square" rtlCol="0">
+            <a:spAutoFit/>
+          </a:bodyPr>
+          <a:lstStyle/>
+          <a:p>
+            <a:r>
+              <a:rPr lang="en-US" altLang="ko-KR" sz="2400" b="1" dirty="0">
+                <a:latin typeface="+mn-ea"/>
+                <a:ea typeface="+mn-ea"/>
+              </a:rPr>
+              <a:t>4. </a:t>
+            </a:r>
+            <a:r>
+              <a:rPr lang="ko-KR" altLang="en-US" sz="2400" b="1" dirty="0" err="1">
+                <a:latin typeface="+mn-ea"/>
+                <a:ea typeface="+mn-ea"/>
+              </a:rPr>
+              <a:t>포아송분포</a:t>
+            </a:r>
+            <a:endParaRPr lang="ko-KR" altLang="en-US" sz="2400" b="1" dirty="0">
+              <a:latin typeface="+mn-ea"/>
+              <a:ea typeface="+mn-ea"/>
+            </a:endParaRPr>
+          </a:p>
+        </p:txBody>
+      </p:sp>
+      <p:sp>
+        <p:nvSpPr>
+          <p:cNvPr id="14" name="TextBox 13"/>
+          <p:cNvSpPr txBox="1"/>
+          <p:nvPr/>
+        </p:nvSpPr>
+        <p:spPr>
+          <a:xfrm>
+            <a:off x="1713340" y="4740532"/>
+            <a:ext cx="3794764" cy="461665"/>
+          </a:xfrm>
+          <a:prstGeom prst="rect">
+            <a:avLst/>
+          </a:prstGeom>
+          <a:noFill/>
+        </p:spPr>
+        <p:txBody>
+          <a:bodyPr wrap="square" rtlCol="0">
+            <a:spAutoFit/>
+          </a:bodyPr>
+          <a:lstStyle/>
+          <a:p>
+            <a:r>
+              <a:rPr lang="en-US" altLang="ko-KR" sz="2400" b="1" dirty="0">
+                <a:latin typeface="+mn-ea"/>
+                <a:ea typeface="+mn-ea"/>
+              </a:rPr>
+              <a:t>5. </a:t>
+            </a:r>
+            <a:r>
+              <a:rPr lang="ko-KR" altLang="en-US" sz="2400" b="1" dirty="0">
+                <a:latin typeface="+mn-ea"/>
+                <a:ea typeface="+mn-ea"/>
+              </a:rPr>
+              <a:t>기하분포</a:t>
+            </a:r>
+          </a:p>
+        </p:txBody>
+      </p:sp>
+      <p:sp>
+        <p:nvSpPr>
+          <p:cNvPr id="15" name="TextBox 14"/>
+          <p:cNvSpPr txBox="1"/>
+          <p:nvPr/>
+        </p:nvSpPr>
+        <p:spPr>
+          <a:xfrm>
+            <a:off x="1713340" y="5316596"/>
+            <a:ext cx="3794764" cy="461665"/>
+          </a:xfrm>
+          <a:prstGeom prst="rect">
+            <a:avLst/>
+          </a:prstGeom>
+          <a:noFill/>
+        </p:spPr>
+        <p:txBody>
+          <a:bodyPr wrap="square" rtlCol="0">
+            <a:spAutoFit/>
+          </a:bodyPr>
+          <a:lstStyle/>
+          <a:p>
+            <a:r>
+              <a:rPr lang="en-US" altLang="ko-KR" sz="2400" b="1" dirty="0">
+                <a:latin typeface="+mn-ea"/>
+                <a:ea typeface="+mn-ea"/>
+              </a:rPr>
+              <a:t>6. </a:t>
+            </a:r>
+            <a:r>
+              <a:rPr lang="ko-KR" altLang="en-US" sz="2400" b="1" dirty="0" err="1">
+                <a:latin typeface="+mn-ea"/>
+                <a:ea typeface="+mn-ea"/>
+              </a:rPr>
+              <a:t>음이항분포</a:t>
+            </a:r>
+            <a:r>
+              <a:rPr lang="ko-KR" altLang="en-US" sz="2400" b="1" dirty="0">
+                <a:latin typeface="+mn-ea"/>
+                <a:ea typeface="+mn-ea"/>
+              </a:rPr>
+              <a:t>*</a:t>
+            </a:r>
+          </a:p>
+        </p:txBody>
+      </p:sp>
+      <p:sp>
+        <p:nvSpPr>
+          <p:cNvPr id="16" name="TextBox 15"/>
+          <p:cNvSpPr txBox="1"/>
+          <p:nvPr/>
+        </p:nvSpPr>
+        <p:spPr>
+          <a:xfrm>
+            <a:off x="1691680" y="5892660"/>
+            <a:ext cx="3794764" cy="461665"/>
+          </a:xfrm>
+          <a:prstGeom prst="rect">
+            <a:avLst/>
+          </a:prstGeom>
+          <a:noFill/>
+        </p:spPr>
+        <p:txBody>
+          <a:bodyPr wrap="square" rtlCol="0">
+            <a:spAutoFit/>
+          </a:bodyPr>
+          <a:lstStyle/>
+          <a:p>
+            <a:r>
+              <a:rPr lang="en-US" altLang="ko-KR" sz="2400" b="1" dirty="0">
+                <a:latin typeface="+mn-ea"/>
+                <a:ea typeface="+mn-ea"/>
+              </a:rPr>
+              <a:t>7. </a:t>
+            </a:r>
+            <a:r>
+              <a:rPr lang="ko-KR" altLang="en-US" sz="2400" b="1" dirty="0">
+                <a:latin typeface="+mn-ea"/>
+                <a:ea typeface="+mn-ea"/>
+              </a:rPr>
+              <a:t>다항분포*</a:t>
+            </a:r>
+          </a:p>
+        </p:txBody>
+      </p:sp>
+    </p:spTree>
+    <p:extLst>
+      <p:ext uri="{BB962C8B-B14F-4D97-AF65-F5344CB8AC3E}">
+        <p14:creationId xmlns:p14="http://schemas.microsoft.com/office/powerpoint/2010/main" val="548207019"/>
+      </p:ext>
+    </p:extLst>
+  </p:cSld>
+  <p:clrMapOvr>
+    <a:masterClrMapping/>
+  </p:clrMapOvr>
+</p:sld>
+</file>
+
+<file path=ppt/slides/slide20.xml><?xml version="1.0" encoding="utf-8"?>
 <p:sld xmlns:a="http://schemas.openxmlformats.org/drawingml/2006/main" xmlns:r="http://schemas.openxmlformats.org/officeDocument/2006/relationships" xmlns:p="http://schemas.openxmlformats.org/presentationml/2006/main">
   <p:cSld>
     <p:spTree>
@@ -15386,7 +11275,7 @@
 </p:sld>
 </file>
 
-<file path=ppt/slides/slide28.xml><?xml version="1.0" encoding="utf-8"?>
+<file path=ppt/slides/slide21.xml><?xml version="1.0" encoding="utf-8"?>
 <p:sld xmlns:a="http://schemas.openxmlformats.org/drawingml/2006/main" xmlns:r="http://schemas.openxmlformats.org/officeDocument/2006/relationships" xmlns:p="http://schemas.openxmlformats.org/presentationml/2006/main">
   <p:cSld>
     <p:spTree>
@@ -15802,7 +11691,7 @@
 </p:sld>
 </file>
 
-<file path=ppt/slides/slide29.xml><?xml version="1.0" encoding="utf-8"?>
+<file path=ppt/slides/slide22.xml><?xml version="1.0" encoding="utf-8"?>
 <p:sld xmlns:a="http://schemas.openxmlformats.org/drawingml/2006/main" xmlns:r="http://schemas.openxmlformats.org/officeDocument/2006/relationships" xmlns:p="http://schemas.openxmlformats.org/presentationml/2006/main">
   <p:cSld>
     <p:spTree>
@@ -15892,6 +11781,571 @@
           <a:ln>
             <a:noFill/>
           </a:ln>
+        </p:spPr>
+      </p:pic>
+    </p:spTree>
+    <p:extLst>
+      <p:ext uri="{BB962C8B-B14F-4D97-AF65-F5344CB8AC3E}">
+        <p14:creationId xmlns:p14="http://schemas.microsoft.com/office/powerpoint/2010/main" val="3829212394"/>
+      </p:ext>
+    </p:extLst>
+  </p:cSld>
+  <p:clrMapOvr>
+    <a:masterClrMapping/>
+  </p:clrMapOvr>
+</p:sld>
+</file>
+
+<file path=ppt/slides/slide23.xml><?xml version="1.0" encoding="utf-8"?>
+<p:sld xmlns:a="http://schemas.openxmlformats.org/drawingml/2006/main" xmlns:r="http://schemas.openxmlformats.org/officeDocument/2006/relationships" xmlns:p="http://schemas.openxmlformats.org/presentationml/2006/main">
+  <p:cSld>
+    <p:spTree>
+      <p:nvGrpSpPr>
+        <p:cNvPr id="1" name=""/>
+        <p:cNvGrpSpPr/>
+        <p:nvPr/>
+      </p:nvGrpSpPr>
+      <p:grpSpPr>
+        <a:xfrm>
+          <a:off x="0" y="0"/>
+          <a:ext cx="0" cy="0"/>
+          <a:chOff x="0" y="0"/>
+          <a:chExt cx="0" cy="0"/>
+        </a:xfrm>
+      </p:grpSpPr>
+      <p:sp>
+        <p:nvSpPr>
+          <p:cNvPr id="14339" name="내용 개체 틀 2"/>
+          <p:cNvSpPr>
+            <a:spLocks noGrp="1"/>
+          </p:cNvSpPr>
+          <p:nvPr>
+            <p:ph idx="4294967295"/>
+          </p:nvPr>
+        </p:nvSpPr>
+        <p:spPr>
+          <a:xfrm>
+            <a:off x="476545" y="1314450"/>
+            <a:ext cx="8415338" cy="1394470"/>
+          </a:xfrm>
+        </p:spPr>
+        <p:txBody>
+          <a:bodyPr>
+            <a:normAutofit/>
+          </a:bodyPr>
+          <a:lstStyle/>
+          <a:p>
+            <a:pPr marL="0" indent="0">
+              <a:buNone/>
+            </a:pPr>
+            <a:r>
+              <a:rPr lang="en-US" altLang="ko-KR" sz="2000" dirty="0">
+                <a:latin typeface="+mn-ea"/>
+              </a:rPr>
+              <a:t>[</a:t>
+            </a:r>
+            <a:r>
+              <a:rPr lang="ko-KR" altLang="en-US" sz="2000" dirty="0">
+                <a:latin typeface="+mn-ea"/>
+              </a:rPr>
+              <a:t>예 </a:t>
+            </a:r>
+            <a:r>
+              <a:rPr lang="en-US" altLang="ko-KR" sz="2000" dirty="0">
+                <a:latin typeface="+mn-ea"/>
+              </a:rPr>
+              <a:t>6-9] </a:t>
+            </a:r>
+            <a:r>
+              <a:rPr lang="ko-KR" altLang="en-US" sz="2000" dirty="0">
+                <a:latin typeface="+mn-ea"/>
+              </a:rPr>
+              <a:t>주사위 </a:t>
+            </a:r>
+            <a:r>
+              <a:rPr lang="en-US" altLang="ko-KR" sz="2000" dirty="0">
+                <a:latin typeface="+mn-ea"/>
+              </a:rPr>
+              <a:t>1</a:t>
+            </a:r>
+            <a:r>
+              <a:rPr lang="ko-KR" altLang="en-US" sz="2000" dirty="0">
+                <a:latin typeface="+mn-ea"/>
+              </a:rPr>
+              <a:t>개를 ‘</a:t>
+            </a:r>
+            <a:r>
+              <a:rPr lang="en-US" altLang="ko-KR" sz="2000" dirty="0">
+                <a:latin typeface="+mn-ea"/>
+              </a:rPr>
+              <a:t>6’</a:t>
+            </a:r>
+            <a:r>
+              <a:rPr lang="ko-KR" altLang="en-US" sz="2000" dirty="0">
+                <a:latin typeface="+mn-ea"/>
+              </a:rPr>
+              <a:t>이 나올 때까지 반복해서 굴리는 실험에서 총  시행회수 </a:t>
+            </a:r>
+            <a:r>
+              <a:rPr lang="en-US" altLang="ko-KR" sz="2000" dirty="0">
+                <a:latin typeface="+mn-ea"/>
+              </a:rPr>
+              <a:t>X</a:t>
+            </a:r>
+            <a:endParaRPr lang="ko-KR" altLang="en-US" sz="2000" dirty="0">
+              <a:latin typeface="+mn-ea"/>
+            </a:endParaRPr>
+          </a:p>
+        </p:txBody>
+      </p:sp>
+      <p:sp>
+        <p:nvSpPr>
+          <p:cNvPr id="40" name="제목 1"/>
+          <p:cNvSpPr txBox="1">
+            <a:spLocks/>
+          </p:cNvSpPr>
+          <p:nvPr/>
+        </p:nvSpPr>
+        <p:spPr>
+          <a:xfrm>
+            <a:off x="476545" y="368660"/>
+            <a:ext cx="8289630" cy="765086"/>
+          </a:xfrm>
+          <a:prstGeom prst="rect">
+            <a:avLst/>
+          </a:prstGeom>
+        </p:spPr>
+        <p:txBody>
+          <a:bodyPr vert="horz" lIns="91440" tIns="45720" rIns="91440" bIns="45720" rtlCol="0" anchor="ctr">
+            <a:normAutofit/>
+          </a:bodyPr>
+          <a:lstStyle>
+            <a:lvl1pPr algn="l" defTabSz="914400" rtl="0" eaLnBrk="1" latinLnBrk="1" hangingPunct="1">
+              <a:spcBef>
+                <a:spcPct val="0"/>
+              </a:spcBef>
+              <a:buNone/>
+              <a:defRPr sz="3600" b="1" kern="1200">
+                <a:solidFill>
+                  <a:schemeClr val="tx1"/>
+                </a:solidFill>
+                <a:latin typeface="+mj-lt"/>
+                <a:ea typeface="+mj-ea"/>
+                <a:cs typeface="+mj-cs"/>
+              </a:defRPr>
+            </a:lvl1pPr>
+          </a:lstStyle>
+          <a:p>
+            <a:r>
+              <a:rPr lang="en-US" altLang="ko-KR" dirty="0"/>
+              <a:t>5. </a:t>
+            </a:r>
+            <a:r>
+              <a:rPr lang="ko-KR" altLang="en-US" dirty="0"/>
+              <a:t>기하분포</a:t>
+            </a:r>
+          </a:p>
+        </p:txBody>
+      </p:sp>
+      <p:sp>
+        <p:nvSpPr>
+          <p:cNvPr id="4" name="TextBox 3"/>
+          <p:cNvSpPr txBox="1"/>
+          <p:nvPr/>
+        </p:nvSpPr>
+        <p:spPr>
+          <a:xfrm>
+            <a:off x="729003" y="2249360"/>
+            <a:ext cx="4752528" cy="2031325"/>
+          </a:xfrm>
+          <a:prstGeom prst="rect">
+            <a:avLst/>
+          </a:prstGeom>
+          <a:noFill/>
+        </p:spPr>
+        <p:txBody>
+          <a:bodyPr wrap="square" rtlCol="0">
+            <a:spAutoFit/>
+          </a:bodyPr>
+          <a:lstStyle/>
+          <a:p>
+            <a:r>
+              <a:rPr lang="en-US" altLang="ko-KR" dirty="0">
+                <a:latin typeface="+mn-ea"/>
+                <a:ea typeface="+mn-ea"/>
+              </a:rPr>
+              <a:t>(1) X</a:t>
+            </a:r>
+            <a:r>
+              <a:rPr lang="ko-KR" altLang="en-US" dirty="0">
+                <a:latin typeface="+mn-ea"/>
+                <a:ea typeface="+mn-ea"/>
+              </a:rPr>
+              <a:t>의 확률분포함수</a:t>
+            </a:r>
+          </a:p>
+          <a:p>
+            <a:endParaRPr lang="en-US" altLang="ko-KR" dirty="0">
+              <a:latin typeface="+mn-ea"/>
+              <a:ea typeface="+mn-ea"/>
+            </a:endParaRPr>
+          </a:p>
+          <a:p>
+            <a:endParaRPr lang="en-US" altLang="ko-KR" dirty="0">
+              <a:latin typeface="+mn-ea"/>
+              <a:ea typeface="+mn-ea"/>
+            </a:endParaRPr>
+          </a:p>
+          <a:p>
+            <a:r>
+              <a:rPr lang="en-US" altLang="ko-KR" dirty="0">
+                <a:latin typeface="+mn-ea"/>
+                <a:ea typeface="+mn-ea"/>
+              </a:rPr>
+              <a:t>(2) X</a:t>
+            </a:r>
+            <a:r>
+              <a:rPr lang="ko-KR" altLang="en-US" dirty="0">
+                <a:latin typeface="+mn-ea"/>
+                <a:ea typeface="+mn-ea"/>
+              </a:rPr>
+              <a:t>의 </a:t>
+            </a:r>
+            <a:r>
+              <a:rPr lang="ko-KR" altLang="en-US" dirty="0" err="1">
+                <a:latin typeface="+mn-ea"/>
+                <a:ea typeface="+mn-ea"/>
+              </a:rPr>
+              <a:t>기댓값과</a:t>
+            </a:r>
+            <a:r>
+              <a:rPr lang="ko-KR" altLang="en-US" dirty="0">
+                <a:latin typeface="+mn-ea"/>
+                <a:ea typeface="+mn-ea"/>
+              </a:rPr>
+              <a:t> 분산</a:t>
+            </a:r>
+          </a:p>
+          <a:p>
+            <a:endParaRPr lang="en-US" altLang="ko-KR" dirty="0">
+              <a:latin typeface="+mn-ea"/>
+              <a:ea typeface="+mn-ea"/>
+            </a:endParaRPr>
+          </a:p>
+          <a:p>
+            <a:endParaRPr lang="en-US" altLang="ko-KR" dirty="0">
+              <a:latin typeface="+mn-ea"/>
+              <a:ea typeface="+mn-ea"/>
+            </a:endParaRPr>
+          </a:p>
+          <a:p>
+            <a:r>
+              <a:rPr lang="en-US" altLang="ko-KR" dirty="0">
+                <a:latin typeface="+mn-ea"/>
+                <a:ea typeface="+mn-ea"/>
+              </a:rPr>
+              <a:t>(3) 3</a:t>
+            </a:r>
+            <a:r>
+              <a:rPr lang="ko-KR" altLang="en-US" dirty="0">
+                <a:latin typeface="+mn-ea"/>
+                <a:ea typeface="+mn-ea"/>
+              </a:rPr>
+              <a:t>회의 시행 이내에 ‘</a:t>
+            </a:r>
+            <a:r>
+              <a:rPr lang="en-US" altLang="ko-KR" dirty="0">
+                <a:latin typeface="+mn-ea"/>
+                <a:ea typeface="+mn-ea"/>
+              </a:rPr>
+              <a:t>6’</a:t>
+            </a:r>
+            <a:r>
+              <a:rPr lang="ko-KR" altLang="en-US" dirty="0">
+                <a:latin typeface="+mn-ea"/>
+                <a:ea typeface="+mn-ea"/>
+              </a:rPr>
+              <a:t>이 나올 확률</a:t>
+            </a:r>
+          </a:p>
+        </p:txBody>
+      </p:sp>
+      <p:sp>
+        <p:nvSpPr>
+          <p:cNvPr id="5" name="직사각형 4"/>
+          <p:cNvSpPr/>
+          <p:nvPr/>
+        </p:nvSpPr>
+        <p:spPr>
+          <a:xfrm>
+            <a:off x="746125" y="2079756"/>
+            <a:ext cx="7696306" cy="2330176"/>
+          </a:xfrm>
+          <a:prstGeom prst="rect">
+            <a:avLst/>
+          </a:prstGeom>
+          <a:noFill/>
+          <a:ln>
+            <a:solidFill>
+              <a:srgbClr val="00B0F0"/>
+            </a:solidFill>
+          </a:ln>
+        </p:spPr>
+        <p:style>
+          <a:lnRef idx="2">
+            <a:schemeClr val="accent1">
+              <a:shade val="50000"/>
+            </a:schemeClr>
+          </a:lnRef>
+          <a:fillRef idx="1">
+            <a:schemeClr val="accent1"/>
+          </a:fillRef>
+          <a:effectRef idx="0">
+            <a:schemeClr val="accent1"/>
+          </a:effectRef>
+          <a:fontRef idx="minor">
+            <a:schemeClr val="lt1"/>
+          </a:fontRef>
+        </p:style>
+        <p:txBody>
+          <a:bodyPr rtlCol="0" anchor="ctr"/>
+          <a:lstStyle/>
+          <a:p>
+            <a:pPr algn="ctr"/>
+            <a:endParaRPr lang="ko-KR" altLang="en-US"/>
+          </a:p>
+        </p:txBody>
+      </p:sp>
+      <p:pic>
+        <p:nvPicPr>
+          <p:cNvPr id="6" name="Picture 765"/>
+          <p:cNvPicPr>
+            <a:picLocks noChangeAspect="1" noChangeArrowheads="1"/>
+          </p:cNvPicPr>
+          <p:nvPr/>
+        </p:nvPicPr>
+        <p:blipFill>
+          <a:blip r:embed="rId2">
+            <a:extLst>
+              <a:ext uri="{28A0092B-C50C-407E-A947-70E740481C1C}">
+                <a14:useLocalDpi xmlns:a14="http://schemas.microsoft.com/office/drawing/2010/main" val="0"/>
+              </a:ext>
+            </a:extLst>
+          </a:blip>
+          <a:srcRect/>
+          <a:stretch>
+            <a:fillRect/>
+          </a:stretch>
+        </p:blipFill>
+        <p:spPr bwMode="auto">
+          <a:xfrm>
+            <a:off x="3182171" y="2134488"/>
+            <a:ext cx="4204343" cy="1456623"/>
+          </a:xfrm>
+          <a:prstGeom prst="rect">
+            <a:avLst/>
+          </a:prstGeom>
+          <a:noFill/>
+          <a:ln>
+            <a:noFill/>
+          </a:ln>
+          <a:extLst>
+            <a:ext uri="{909E8E84-426E-40DD-AFC4-6F175D3DCCD1}">
+              <a14:hiddenFill xmlns:a14="http://schemas.microsoft.com/office/drawing/2010/main">
+                <a:solidFill>
+                  <a:schemeClr val="accent1"/>
+                </a:solidFill>
+              </a14:hiddenFill>
+            </a:ext>
+            <a:ext uri="{91240B29-F687-4F45-9708-019B960494DF}">
+              <a14:hiddenLine xmlns:a14="http://schemas.microsoft.com/office/drawing/2010/main" w="9525">
+                <a:solidFill>
+                  <a:schemeClr val="tx1"/>
+                </a:solidFill>
+                <a:miter lim="800000"/>
+                <a:headEnd/>
+                <a:tailEnd/>
+              </a14:hiddenLine>
+            </a:ext>
+          </a:extLst>
+        </p:spPr>
+      </p:pic>
+      <p:pic>
+        <p:nvPicPr>
+          <p:cNvPr id="7" name="Picture 766"/>
+          <p:cNvPicPr>
+            <a:picLocks noChangeAspect="1" noChangeArrowheads="1"/>
+          </p:cNvPicPr>
+          <p:nvPr/>
+        </p:nvPicPr>
+        <p:blipFill>
+          <a:blip r:embed="rId3">
+            <a:extLst>
+              <a:ext uri="{28A0092B-C50C-407E-A947-70E740481C1C}">
+                <a14:useLocalDpi xmlns:a14="http://schemas.microsoft.com/office/drawing/2010/main" val="0"/>
+              </a:ext>
+            </a:extLst>
+          </a:blip>
+          <a:srcRect/>
+          <a:stretch>
+            <a:fillRect/>
+          </a:stretch>
+        </p:blipFill>
+        <p:spPr bwMode="auto">
+          <a:xfrm>
+            <a:off x="4857989" y="3775934"/>
+            <a:ext cx="3460059" cy="602099"/>
+          </a:xfrm>
+          <a:prstGeom prst="rect">
+            <a:avLst/>
+          </a:prstGeom>
+          <a:noFill/>
+          <a:ln>
+            <a:noFill/>
+          </a:ln>
+          <a:extLst>
+            <a:ext uri="{909E8E84-426E-40DD-AFC4-6F175D3DCCD1}">
+              <a14:hiddenFill xmlns:a14="http://schemas.microsoft.com/office/drawing/2010/main">
+                <a:solidFill>
+                  <a:schemeClr val="accent1"/>
+                </a:solidFill>
+              </a14:hiddenFill>
+            </a:ext>
+            <a:ext uri="{91240B29-F687-4F45-9708-019B960494DF}">
+              <a14:hiddenLine xmlns:a14="http://schemas.microsoft.com/office/drawing/2010/main" w="9525">
+                <a:solidFill>
+                  <a:schemeClr val="tx1"/>
+                </a:solidFill>
+                <a:miter lim="800000"/>
+                <a:headEnd/>
+                <a:tailEnd/>
+              </a14:hiddenLine>
+            </a:ext>
+          </a:extLst>
+        </p:spPr>
+      </p:pic>
+      <p:sp>
+        <p:nvSpPr>
+          <p:cNvPr id="8" name="내용 개체 틀 9"/>
+          <p:cNvSpPr txBox="1">
+            <a:spLocks/>
+          </p:cNvSpPr>
+          <p:nvPr/>
+        </p:nvSpPr>
+        <p:spPr>
+          <a:xfrm>
+            <a:off x="633611" y="4594119"/>
+            <a:ext cx="6400816" cy="500066"/>
+          </a:xfrm>
+          <a:prstGeom prst="rect">
+            <a:avLst/>
+          </a:prstGeom>
+        </p:spPr>
+        <p:txBody>
+          <a:bodyPr vert="horz" lIns="91440" tIns="45720" rIns="91440" bIns="45720" rtlCol="0">
+            <a:normAutofit/>
+          </a:bodyPr>
+          <a:lstStyle/>
+          <a:p>
+            <a:pPr marL="342900" lvl="0" indent="-342900">
+              <a:spcAft>
+                <a:spcPts val="600"/>
+              </a:spcAft>
+              <a:buClr>
+                <a:srgbClr val="FF0000"/>
+              </a:buClr>
+              <a:buFont typeface="Wingdings" panose="05000000000000000000" pitchFamily="2" charset="2"/>
+              <a:buChar char="§"/>
+            </a:pPr>
+            <a:r>
+              <a:rPr lang="ko-KR" altLang="en-US" sz="2400" dirty="0" err="1">
+                <a:latin typeface="+mn-ea"/>
+                <a:ea typeface="+mn-ea"/>
+              </a:rPr>
+              <a:t>비기억</a:t>
+            </a:r>
+            <a:r>
+              <a:rPr lang="ko-KR" altLang="en-US" sz="2400" dirty="0">
+                <a:latin typeface="+mn-ea"/>
+                <a:ea typeface="+mn-ea"/>
+              </a:rPr>
+              <a:t> 특성 </a:t>
+            </a:r>
+            <a:r>
+              <a:rPr lang="en-US" altLang="ko-KR" sz="2400" dirty="0">
+                <a:latin typeface="+mn-ea"/>
+                <a:ea typeface="+mn-ea"/>
+              </a:rPr>
+              <a:t>(memoryless property)</a:t>
+            </a:r>
+            <a:endParaRPr kumimoji="0" lang="ko-KR" altLang="en-US" sz="2400" i="0" u="none" strike="noStrike" kern="1200" cap="none" spc="0" normalizeH="0" baseline="0" noProof="0" dirty="0">
+              <a:ln>
+                <a:noFill/>
+              </a:ln>
+              <a:solidFill>
+                <a:schemeClr val="tx1"/>
+              </a:solidFill>
+              <a:effectLst/>
+              <a:uLnTx/>
+              <a:uFillTx/>
+              <a:latin typeface="+mn-ea"/>
+              <a:ea typeface="+mn-ea"/>
+            </a:endParaRPr>
+          </a:p>
+        </p:txBody>
+      </p:sp>
+      <p:pic>
+        <p:nvPicPr>
+          <p:cNvPr id="9" name="Picture 767"/>
+          <p:cNvPicPr>
+            <a:picLocks noChangeAspect="1" noChangeArrowheads="1"/>
+          </p:cNvPicPr>
+          <p:nvPr/>
+        </p:nvPicPr>
+        <p:blipFill>
+          <a:blip r:embed="rId4">
+            <a:extLst>
+              <a:ext uri="{28A0092B-C50C-407E-A947-70E740481C1C}">
+                <a14:useLocalDpi xmlns:a14="http://schemas.microsoft.com/office/drawing/2010/main" val="0"/>
+              </a:ext>
+            </a:extLst>
+          </a:blip>
+          <a:srcRect/>
+          <a:stretch>
+            <a:fillRect/>
+          </a:stretch>
+        </p:blipFill>
+        <p:spPr bwMode="auto">
+          <a:xfrm>
+            <a:off x="1181787" y="5219969"/>
+            <a:ext cx="5625625" cy="1115563"/>
+          </a:xfrm>
+          <a:prstGeom prst="rect">
+            <a:avLst/>
+          </a:prstGeom>
+          <a:noFill/>
+          <a:ln>
+            <a:noFill/>
+          </a:ln>
+          <a:extLst>
+            <a:ext uri="{909E8E84-426E-40DD-AFC4-6F175D3DCCD1}">
+              <a14:hiddenFill xmlns:a14="http://schemas.microsoft.com/office/drawing/2010/main">
+                <a:solidFill>
+                  <a:schemeClr val="accent1"/>
+                </a:solidFill>
+              </a14:hiddenFill>
+            </a:ext>
+            <a:ext uri="{91240B29-F687-4F45-9708-019B960494DF}">
+              <a14:hiddenLine xmlns:a14="http://schemas.microsoft.com/office/drawing/2010/main" w="9525">
+                <a:solidFill>
+                  <a:schemeClr val="tx1"/>
+                </a:solidFill>
+                <a:miter lim="800000"/>
+                <a:headEnd/>
+                <a:tailEnd/>
+              </a14:hiddenLine>
+            </a:ext>
+          </a:extLst>
         </p:spPr>
       </p:pic>
     </p:spTree>
@@ -16419,571 +12873,6 @@
     <p:extLst>
       <p:ext uri="{BB962C8B-B14F-4D97-AF65-F5344CB8AC3E}">
         <p14:creationId xmlns:p14="http://schemas.microsoft.com/office/powerpoint/2010/main" val="706679794"/>
-      </p:ext>
-    </p:extLst>
-  </p:cSld>
-  <p:clrMapOvr>
-    <a:masterClrMapping/>
-  </p:clrMapOvr>
-</p:sld>
-</file>
-
-<file path=ppt/slides/slide30.xml><?xml version="1.0" encoding="utf-8"?>
-<p:sld xmlns:a="http://schemas.openxmlformats.org/drawingml/2006/main" xmlns:r="http://schemas.openxmlformats.org/officeDocument/2006/relationships" xmlns:p="http://schemas.openxmlformats.org/presentationml/2006/main">
-  <p:cSld>
-    <p:spTree>
-      <p:nvGrpSpPr>
-        <p:cNvPr id="1" name=""/>
-        <p:cNvGrpSpPr/>
-        <p:nvPr/>
-      </p:nvGrpSpPr>
-      <p:grpSpPr>
-        <a:xfrm>
-          <a:off x="0" y="0"/>
-          <a:ext cx="0" cy="0"/>
-          <a:chOff x="0" y="0"/>
-          <a:chExt cx="0" cy="0"/>
-        </a:xfrm>
-      </p:grpSpPr>
-      <p:sp>
-        <p:nvSpPr>
-          <p:cNvPr id="14339" name="내용 개체 틀 2"/>
-          <p:cNvSpPr>
-            <a:spLocks noGrp="1"/>
-          </p:cNvSpPr>
-          <p:nvPr>
-            <p:ph idx="4294967295"/>
-          </p:nvPr>
-        </p:nvSpPr>
-        <p:spPr>
-          <a:xfrm>
-            <a:off x="476545" y="1314450"/>
-            <a:ext cx="8415338" cy="1394470"/>
-          </a:xfrm>
-        </p:spPr>
-        <p:txBody>
-          <a:bodyPr>
-            <a:normAutofit/>
-          </a:bodyPr>
-          <a:lstStyle/>
-          <a:p>
-            <a:pPr marL="0" indent="0">
-              <a:buNone/>
-            </a:pPr>
-            <a:r>
-              <a:rPr lang="en-US" altLang="ko-KR" sz="2000" dirty="0">
-                <a:latin typeface="+mn-ea"/>
-              </a:rPr>
-              <a:t>[</a:t>
-            </a:r>
-            <a:r>
-              <a:rPr lang="ko-KR" altLang="en-US" sz="2000" dirty="0">
-                <a:latin typeface="+mn-ea"/>
-              </a:rPr>
-              <a:t>예 </a:t>
-            </a:r>
-            <a:r>
-              <a:rPr lang="en-US" altLang="ko-KR" sz="2000" dirty="0">
-                <a:latin typeface="+mn-ea"/>
-              </a:rPr>
-              <a:t>6-9] </a:t>
-            </a:r>
-            <a:r>
-              <a:rPr lang="ko-KR" altLang="en-US" sz="2000" dirty="0">
-                <a:latin typeface="+mn-ea"/>
-              </a:rPr>
-              <a:t>주사위 </a:t>
-            </a:r>
-            <a:r>
-              <a:rPr lang="en-US" altLang="ko-KR" sz="2000" dirty="0">
-                <a:latin typeface="+mn-ea"/>
-              </a:rPr>
-              <a:t>1</a:t>
-            </a:r>
-            <a:r>
-              <a:rPr lang="ko-KR" altLang="en-US" sz="2000" dirty="0">
-                <a:latin typeface="+mn-ea"/>
-              </a:rPr>
-              <a:t>개를 ‘</a:t>
-            </a:r>
-            <a:r>
-              <a:rPr lang="en-US" altLang="ko-KR" sz="2000" dirty="0">
-                <a:latin typeface="+mn-ea"/>
-              </a:rPr>
-              <a:t>6’</a:t>
-            </a:r>
-            <a:r>
-              <a:rPr lang="ko-KR" altLang="en-US" sz="2000" dirty="0">
-                <a:latin typeface="+mn-ea"/>
-              </a:rPr>
-              <a:t>이 나올 때까지 반복해서 굴리는 실험에서 총  시행회수 </a:t>
-            </a:r>
-            <a:r>
-              <a:rPr lang="en-US" altLang="ko-KR" sz="2000" dirty="0">
-                <a:latin typeface="+mn-ea"/>
-              </a:rPr>
-              <a:t>X</a:t>
-            </a:r>
-            <a:endParaRPr lang="ko-KR" altLang="en-US" sz="2000" dirty="0">
-              <a:latin typeface="+mn-ea"/>
-            </a:endParaRPr>
-          </a:p>
-        </p:txBody>
-      </p:sp>
-      <p:sp>
-        <p:nvSpPr>
-          <p:cNvPr id="40" name="제목 1"/>
-          <p:cNvSpPr txBox="1">
-            <a:spLocks/>
-          </p:cNvSpPr>
-          <p:nvPr/>
-        </p:nvSpPr>
-        <p:spPr>
-          <a:xfrm>
-            <a:off x="476545" y="368660"/>
-            <a:ext cx="8289630" cy="765086"/>
-          </a:xfrm>
-          <a:prstGeom prst="rect">
-            <a:avLst/>
-          </a:prstGeom>
-        </p:spPr>
-        <p:txBody>
-          <a:bodyPr vert="horz" lIns="91440" tIns="45720" rIns="91440" bIns="45720" rtlCol="0" anchor="ctr">
-            <a:normAutofit/>
-          </a:bodyPr>
-          <a:lstStyle>
-            <a:lvl1pPr algn="l" defTabSz="914400" rtl="0" eaLnBrk="1" latinLnBrk="1" hangingPunct="1">
-              <a:spcBef>
-                <a:spcPct val="0"/>
-              </a:spcBef>
-              <a:buNone/>
-              <a:defRPr sz="3600" b="1" kern="1200">
-                <a:solidFill>
-                  <a:schemeClr val="tx1"/>
-                </a:solidFill>
-                <a:latin typeface="+mj-lt"/>
-                <a:ea typeface="+mj-ea"/>
-                <a:cs typeface="+mj-cs"/>
-              </a:defRPr>
-            </a:lvl1pPr>
-          </a:lstStyle>
-          <a:p>
-            <a:r>
-              <a:rPr lang="en-US" altLang="ko-KR" dirty="0"/>
-              <a:t>5. </a:t>
-            </a:r>
-            <a:r>
-              <a:rPr lang="ko-KR" altLang="en-US" dirty="0"/>
-              <a:t>기하분포</a:t>
-            </a:r>
-          </a:p>
-        </p:txBody>
-      </p:sp>
-      <p:sp>
-        <p:nvSpPr>
-          <p:cNvPr id="4" name="TextBox 3"/>
-          <p:cNvSpPr txBox="1"/>
-          <p:nvPr/>
-        </p:nvSpPr>
-        <p:spPr>
-          <a:xfrm>
-            <a:off x="729003" y="2249360"/>
-            <a:ext cx="4752528" cy="2031325"/>
-          </a:xfrm>
-          <a:prstGeom prst="rect">
-            <a:avLst/>
-          </a:prstGeom>
-          <a:noFill/>
-        </p:spPr>
-        <p:txBody>
-          <a:bodyPr wrap="square" rtlCol="0">
-            <a:spAutoFit/>
-          </a:bodyPr>
-          <a:lstStyle/>
-          <a:p>
-            <a:r>
-              <a:rPr lang="en-US" altLang="ko-KR" dirty="0">
-                <a:latin typeface="+mn-ea"/>
-                <a:ea typeface="+mn-ea"/>
-              </a:rPr>
-              <a:t>(1) X</a:t>
-            </a:r>
-            <a:r>
-              <a:rPr lang="ko-KR" altLang="en-US" dirty="0">
-                <a:latin typeface="+mn-ea"/>
-                <a:ea typeface="+mn-ea"/>
-              </a:rPr>
-              <a:t>의 확률분포함수</a:t>
-            </a:r>
-          </a:p>
-          <a:p>
-            <a:endParaRPr lang="en-US" altLang="ko-KR" dirty="0">
-              <a:latin typeface="+mn-ea"/>
-              <a:ea typeface="+mn-ea"/>
-            </a:endParaRPr>
-          </a:p>
-          <a:p>
-            <a:endParaRPr lang="en-US" altLang="ko-KR" dirty="0">
-              <a:latin typeface="+mn-ea"/>
-              <a:ea typeface="+mn-ea"/>
-            </a:endParaRPr>
-          </a:p>
-          <a:p>
-            <a:r>
-              <a:rPr lang="en-US" altLang="ko-KR" dirty="0">
-                <a:latin typeface="+mn-ea"/>
-                <a:ea typeface="+mn-ea"/>
-              </a:rPr>
-              <a:t>(2) X</a:t>
-            </a:r>
-            <a:r>
-              <a:rPr lang="ko-KR" altLang="en-US" dirty="0">
-                <a:latin typeface="+mn-ea"/>
-                <a:ea typeface="+mn-ea"/>
-              </a:rPr>
-              <a:t>의 </a:t>
-            </a:r>
-            <a:r>
-              <a:rPr lang="ko-KR" altLang="en-US" dirty="0" err="1">
-                <a:latin typeface="+mn-ea"/>
-                <a:ea typeface="+mn-ea"/>
-              </a:rPr>
-              <a:t>기댓값과</a:t>
-            </a:r>
-            <a:r>
-              <a:rPr lang="ko-KR" altLang="en-US" dirty="0">
-                <a:latin typeface="+mn-ea"/>
-                <a:ea typeface="+mn-ea"/>
-              </a:rPr>
-              <a:t> 분산</a:t>
-            </a:r>
-          </a:p>
-          <a:p>
-            <a:endParaRPr lang="en-US" altLang="ko-KR" dirty="0">
-              <a:latin typeface="+mn-ea"/>
-              <a:ea typeface="+mn-ea"/>
-            </a:endParaRPr>
-          </a:p>
-          <a:p>
-            <a:endParaRPr lang="en-US" altLang="ko-KR" dirty="0">
-              <a:latin typeface="+mn-ea"/>
-              <a:ea typeface="+mn-ea"/>
-            </a:endParaRPr>
-          </a:p>
-          <a:p>
-            <a:r>
-              <a:rPr lang="en-US" altLang="ko-KR" dirty="0">
-                <a:latin typeface="+mn-ea"/>
-                <a:ea typeface="+mn-ea"/>
-              </a:rPr>
-              <a:t>(3) 3</a:t>
-            </a:r>
-            <a:r>
-              <a:rPr lang="ko-KR" altLang="en-US" dirty="0">
-                <a:latin typeface="+mn-ea"/>
-                <a:ea typeface="+mn-ea"/>
-              </a:rPr>
-              <a:t>회의 시행 이내에 ‘</a:t>
-            </a:r>
-            <a:r>
-              <a:rPr lang="en-US" altLang="ko-KR" dirty="0">
-                <a:latin typeface="+mn-ea"/>
-                <a:ea typeface="+mn-ea"/>
-              </a:rPr>
-              <a:t>6’</a:t>
-            </a:r>
-            <a:r>
-              <a:rPr lang="ko-KR" altLang="en-US" dirty="0">
-                <a:latin typeface="+mn-ea"/>
-                <a:ea typeface="+mn-ea"/>
-              </a:rPr>
-              <a:t>이 나올 확률</a:t>
-            </a:r>
-          </a:p>
-        </p:txBody>
-      </p:sp>
-      <p:sp>
-        <p:nvSpPr>
-          <p:cNvPr id="5" name="직사각형 4"/>
-          <p:cNvSpPr/>
-          <p:nvPr/>
-        </p:nvSpPr>
-        <p:spPr>
-          <a:xfrm>
-            <a:off x="746125" y="2079756"/>
-            <a:ext cx="7696306" cy="2330176"/>
-          </a:xfrm>
-          <a:prstGeom prst="rect">
-            <a:avLst/>
-          </a:prstGeom>
-          <a:noFill/>
-          <a:ln>
-            <a:solidFill>
-              <a:srgbClr val="00B0F0"/>
-            </a:solidFill>
-          </a:ln>
-        </p:spPr>
-        <p:style>
-          <a:lnRef idx="2">
-            <a:schemeClr val="accent1">
-              <a:shade val="50000"/>
-            </a:schemeClr>
-          </a:lnRef>
-          <a:fillRef idx="1">
-            <a:schemeClr val="accent1"/>
-          </a:fillRef>
-          <a:effectRef idx="0">
-            <a:schemeClr val="accent1"/>
-          </a:effectRef>
-          <a:fontRef idx="minor">
-            <a:schemeClr val="lt1"/>
-          </a:fontRef>
-        </p:style>
-        <p:txBody>
-          <a:bodyPr rtlCol="0" anchor="ctr"/>
-          <a:lstStyle/>
-          <a:p>
-            <a:pPr algn="ctr"/>
-            <a:endParaRPr lang="ko-KR" altLang="en-US"/>
-          </a:p>
-        </p:txBody>
-      </p:sp>
-      <p:pic>
-        <p:nvPicPr>
-          <p:cNvPr id="6" name="Picture 765"/>
-          <p:cNvPicPr>
-            <a:picLocks noChangeAspect="1" noChangeArrowheads="1"/>
-          </p:cNvPicPr>
-          <p:nvPr/>
-        </p:nvPicPr>
-        <p:blipFill>
-          <a:blip r:embed="rId2">
-            <a:extLst>
-              <a:ext uri="{28A0092B-C50C-407E-A947-70E740481C1C}">
-                <a14:useLocalDpi xmlns:a14="http://schemas.microsoft.com/office/drawing/2010/main" val="0"/>
-              </a:ext>
-            </a:extLst>
-          </a:blip>
-          <a:srcRect/>
-          <a:stretch>
-            <a:fillRect/>
-          </a:stretch>
-        </p:blipFill>
-        <p:spPr bwMode="auto">
-          <a:xfrm>
-            <a:off x="3182171" y="2134488"/>
-            <a:ext cx="4204343" cy="1456623"/>
-          </a:xfrm>
-          <a:prstGeom prst="rect">
-            <a:avLst/>
-          </a:prstGeom>
-          <a:noFill/>
-          <a:ln>
-            <a:noFill/>
-          </a:ln>
-          <a:extLst>
-            <a:ext uri="{909E8E84-426E-40DD-AFC4-6F175D3DCCD1}">
-              <a14:hiddenFill xmlns:a14="http://schemas.microsoft.com/office/drawing/2010/main">
-                <a:solidFill>
-                  <a:schemeClr val="accent1"/>
-                </a:solidFill>
-              </a14:hiddenFill>
-            </a:ext>
-            <a:ext uri="{91240B29-F687-4F45-9708-019B960494DF}">
-              <a14:hiddenLine xmlns:a14="http://schemas.microsoft.com/office/drawing/2010/main" w="9525">
-                <a:solidFill>
-                  <a:schemeClr val="tx1"/>
-                </a:solidFill>
-                <a:miter lim="800000"/>
-                <a:headEnd/>
-                <a:tailEnd/>
-              </a14:hiddenLine>
-            </a:ext>
-          </a:extLst>
-        </p:spPr>
-      </p:pic>
-      <p:pic>
-        <p:nvPicPr>
-          <p:cNvPr id="7" name="Picture 766"/>
-          <p:cNvPicPr>
-            <a:picLocks noChangeAspect="1" noChangeArrowheads="1"/>
-          </p:cNvPicPr>
-          <p:nvPr/>
-        </p:nvPicPr>
-        <p:blipFill>
-          <a:blip r:embed="rId3">
-            <a:extLst>
-              <a:ext uri="{28A0092B-C50C-407E-A947-70E740481C1C}">
-                <a14:useLocalDpi xmlns:a14="http://schemas.microsoft.com/office/drawing/2010/main" val="0"/>
-              </a:ext>
-            </a:extLst>
-          </a:blip>
-          <a:srcRect/>
-          <a:stretch>
-            <a:fillRect/>
-          </a:stretch>
-        </p:blipFill>
-        <p:spPr bwMode="auto">
-          <a:xfrm>
-            <a:off x="4857989" y="3775934"/>
-            <a:ext cx="3460059" cy="602099"/>
-          </a:xfrm>
-          <a:prstGeom prst="rect">
-            <a:avLst/>
-          </a:prstGeom>
-          <a:noFill/>
-          <a:ln>
-            <a:noFill/>
-          </a:ln>
-          <a:extLst>
-            <a:ext uri="{909E8E84-426E-40DD-AFC4-6F175D3DCCD1}">
-              <a14:hiddenFill xmlns:a14="http://schemas.microsoft.com/office/drawing/2010/main">
-                <a:solidFill>
-                  <a:schemeClr val="accent1"/>
-                </a:solidFill>
-              </a14:hiddenFill>
-            </a:ext>
-            <a:ext uri="{91240B29-F687-4F45-9708-019B960494DF}">
-              <a14:hiddenLine xmlns:a14="http://schemas.microsoft.com/office/drawing/2010/main" w="9525">
-                <a:solidFill>
-                  <a:schemeClr val="tx1"/>
-                </a:solidFill>
-                <a:miter lim="800000"/>
-                <a:headEnd/>
-                <a:tailEnd/>
-              </a14:hiddenLine>
-            </a:ext>
-          </a:extLst>
-        </p:spPr>
-      </p:pic>
-      <p:sp>
-        <p:nvSpPr>
-          <p:cNvPr id="8" name="내용 개체 틀 9"/>
-          <p:cNvSpPr txBox="1">
-            <a:spLocks/>
-          </p:cNvSpPr>
-          <p:nvPr/>
-        </p:nvSpPr>
-        <p:spPr>
-          <a:xfrm>
-            <a:off x="633611" y="4594119"/>
-            <a:ext cx="6400816" cy="500066"/>
-          </a:xfrm>
-          <a:prstGeom prst="rect">
-            <a:avLst/>
-          </a:prstGeom>
-        </p:spPr>
-        <p:txBody>
-          <a:bodyPr vert="horz" lIns="91440" tIns="45720" rIns="91440" bIns="45720" rtlCol="0">
-            <a:normAutofit/>
-          </a:bodyPr>
-          <a:lstStyle/>
-          <a:p>
-            <a:pPr marL="342900" lvl="0" indent="-342900">
-              <a:spcAft>
-                <a:spcPts val="600"/>
-              </a:spcAft>
-              <a:buClr>
-                <a:srgbClr val="FF0000"/>
-              </a:buClr>
-              <a:buFont typeface="Wingdings" panose="05000000000000000000" pitchFamily="2" charset="2"/>
-              <a:buChar char="§"/>
-            </a:pPr>
-            <a:r>
-              <a:rPr lang="ko-KR" altLang="en-US" sz="2400" dirty="0" err="1">
-                <a:latin typeface="+mn-ea"/>
-                <a:ea typeface="+mn-ea"/>
-              </a:rPr>
-              <a:t>비기억</a:t>
-            </a:r>
-            <a:r>
-              <a:rPr lang="ko-KR" altLang="en-US" sz="2400" dirty="0">
-                <a:latin typeface="+mn-ea"/>
-                <a:ea typeface="+mn-ea"/>
-              </a:rPr>
-              <a:t> 특성 </a:t>
-            </a:r>
-            <a:r>
-              <a:rPr lang="en-US" altLang="ko-KR" sz="2400" dirty="0">
-                <a:latin typeface="+mn-ea"/>
-                <a:ea typeface="+mn-ea"/>
-              </a:rPr>
-              <a:t>(memoryless property)</a:t>
-            </a:r>
-            <a:endParaRPr kumimoji="0" lang="ko-KR" altLang="en-US" sz="2400" i="0" u="none" strike="noStrike" kern="1200" cap="none" spc="0" normalizeH="0" baseline="0" noProof="0" dirty="0">
-              <a:ln>
-                <a:noFill/>
-              </a:ln>
-              <a:solidFill>
-                <a:schemeClr val="tx1"/>
-              </a:solidFill>
-              <a:effectLst/>
-              <a:uLnTx/>
-              <a:uFillTx/>
-              <a:latin typeface="+mn-ea"/>
-              <a:ea typeface="+mn-ea"/>
-            </a:endParaRPr>
-          </a:p>
-        </p:txBody>
-      </p:sp>
-      <p:pic>
-        <p:nvPicPr>
-          <p:cNvPr id="9" name="Picture 767"/>
-          <p:cNvPicPr>
-            <a:picLocks noChangeAspect="1" noChangeArrowheads="1"/>
-          </p:cNvPicPr>
-          <p:nvPr/>
-        </p:nvPicPr>
-        <p:blipFill>
-          <a:blip r:embed="rId4">
-            <a:extLst>
-              <a:ext uri="{28A0092B-C50C-407E-A947-70E740481C1C}">
-                <a14:useLocalDpi xmlns:a14="http://schemas.microsoft.com/office/drawing/2010/main" val="0"/>
-              </a:ext>
-            </a:extLst>
-          </a:blip>
-          <a:srcRect/>
-          <a:stretch>
-            <a:fillRect/>
-          </a:stretch>
-        </p:blipFill>
-        <p:spPr bwMode="auto">
-          <a:xfrm>
-            <a:off x="1181787" y="5219969"/>
-            <a:ext cx="5625625" cy="1115563"/>
-          </a:xfrm>
-          <a:prstGeom prst="rect">
-            <a:avLst/>
-          </a:prstGeom>
-          <a:noFill/>
-          <a:ln>
-            <a:noFill/>
-          </a:ln>
-          <a:extLst>
-            <a:ext uri="{909E8E84-426E-40DD-AFC4-6F175D3DCCD1}">
-              <a14:hiddenFill xmlns:a14="http://schemas.microsoft.com/office/drawing/2010/main">
-                <a:solidFill>
-                  <a:schemeClr val="accent1"/>
-                </a:solidFill>
-              </a14:hiddenFill>
-            </a:ext>
-            <a:ext uri="{91240B29-F687-4F45-9708-019B960494DF}">
-              <a14:hiddenLine xmlns:a14="http://schemas.microsoft.com/office/drawing/2010/main" w="9525">
-                <a:solidFill>
-                  <a:schemeClr val="tx1"/>
-                </a:solidFill>
-                <a:miter lim="800000"/>
-                <a:headEnd/>
-                <a:tailEnd/>
-              </a14:hiddenLine>
-            </a:ext>
-          </a:extLst>
-        </p:spPr>
-      </p:pic>
-    </p:spTree>
-    <p:extLst>
-      <p:ext uri="{BB962C8B-B14F-4D97-AF65-F5344CB8AC3E}">
-        <p14:creationId xmlns:p14="http://schemas.microsoft.com/office/powerpoint/2010/main" val="3829212394"/>
       </p:ext>
     </p:extLst>
   </p:cSld>
@@ -18034,7 +13923,7 @@
           <a:graphicData uri="http://schemas.openxmlformats.org/presentationml/2006/ole">
             <mc:AlternateContent xmlns:mc="http://schemas.openxmlformats.org/markup-compatibility/2006">
               <mc:Choice xmlns:v="urn:schemas-microsoft-com:vml" Requires="v">
-                <p:oleObj spid="_x0000_s1027" name="Equation" r:id="rId5" imgW="1434960" imgH="342720" progId="Equation.DSMT4">
+                <p:oleObj spid="_x0000_s1026" name="Equation" r:id="rId5" imgW="1434960" imgH="342720" progId="Equation.DSMT4">
                   <p:embed/>
                 </p:oleObj>
               </mc:Choice>
@@ -18748,7 +14637,7 @@
           <a:graphicData uri="http://schemas.openxmlformats.org/presentationml/2006/ole">
             <mc:AlternateContent xmlns:mc="http://schemas.openxmlformats.org/markup-compatibility/2006">
               <mc:Choice xmlns:v="urn:schemas-microsoft-com:vml" Requires="v">
-                <p:oleObj spid="_x0000_s2051" name="Equation" r:id="rId3" imgW="1485720" imgH="342720" progId="Equation.DSMT4">
+                <p:oleObj spid="_x0000_s2050" name="Equation" r:id="rId3" imgW="1485720" imgH="342720" progId="Equation.DSMT4">
                   <p:embed/>
                 </p:oleObj>
               </mc:Choice>
@@ -19027,7 +14916,7 @@
           <a:graphicData uri="http://schemas.openxmlformats.org/presentationml/2006/ole">
             <mc:AlternateContent xmlns:mc="http://schemas.openxmlformats.org/markup-compatibility/2006">
               <mc:Choice xmlns:v="urn:schemas-microsoft-com:vml" Requires="v">
-                <p:oleObj spid="_x0000_s3075" name="Equation" r:id="rId4" imgW="1473120" imgH="342720" progId="Equation.DSMT4">
+                <p:oleObj spid="_x0000_s3074" name="Equation" r:id="rId4" imgW="1473120" imgH="342720" progId="Equation.DSMT4">
                   <p:embed/>
                 </p:oleObj>
               </mc:Choice>
@@ -20073,7 +15962,7 @@
           <a:graphicData uri="http://schemas.openxmlformats.org/presentationml/2006/ole">
             <mc:AlternateContent xmlns:mc="http://schemas.openxmlformats.org/markup-compatibility/2006">
               <mc:Choice xmlns:v="urn:schemas-microsoft-com:vml" Requires="v">
-                <p:oleObj spid="_x0000_s4101" name="Equation" r:id="rId3" imgW="1777680" imgH="342720" progId="Equation.DSMT4">
+                <p:oleObj spid="_x0000_s4098" name="Equation" r:id="rId3" imgW="1777680" imgH="342720" progId="Equation.DSMT4">
                   <p:embed/>
                 </p:oleObj>
               </mc:Choice>
@@ -20130,7 +16019,7 @@
           <a:graphicData uri="http://schemas.openxmlformats.org/presentationml/2006/ole">
             <mc:AlternateContent xmlns:mc="http://schemas.openxmlformats.org/markup-compatibility/2006">
               <mc:Choice xmlns:v="urn:schemas-microsoft-com:vml" Requires="v">
-                <p:oleObj spid="_x0000_s4102" name="Equation" r:id="rId5" imgW="1777680" imgH="342720" progId="Equation.DSMT4">
+                <p:oleObj spid="_x0000_s4099" name="Equation" r:id="rId5" imgW="1777680" imgH="342720" progId="Equation.DSMT4">
                   <p:embed/>
                 </p:oleObj>
               </mc:Choice>
@@ -20194,7 +16083,7 @@
           <a:graphicData uri="http://schemas.openxmlformats.org/presentationml/2006/ole">
             <mc:AlternateContent xmlns:mc="http://schemas.openxmlformats.org/markup-compatibility/2006">
               <mc:Choice xmlns:v="urn:schemas-microsoft-com:vml" Requires="v">
-                <p:oleObj spid="_x0000_s4103" name="Equation" r:id="rId7" imgW="1777680" imgH="342720" progId="Equation.DSMT4">
+                <p:oleObj spid="_x0000_s4100" name="Equation" r:id="rId7" imgW="1777680" imgH="342720" progId="Equation.DSMT4">
                   <p:embed/>
                 </p:oleObj>
               </mc:Choice>
